--- a/doc/04_性能优化.pptx
+++ b/doc/04_性能优化.pptx
@@ -2,23 +2,26 @@
 <file path=ppt/presentation.xml><?xml version="1.0" encoding="utf-8"?>
 <p:presentation xmlns:a="http://schemas.openxmlformats.org/drawingml/2006/main" xmlns:r="http://schemas.openxmlformats.org/officeDocument/2006/relationships" xmlns:p="http://schemas.openxmlformats.org/presentationml/2006/main">
   <p:sldMasterIdLst>
-    <p:sldMasterId id="2147483700" r:id="rId1"/>
+    <p:sldMasterId id="2147484069" r:id="rId1"/>
   </p:sldMasterIdLst>
   <p:notesMasterIdLst>
-    <p:notesMasterId r:id="rId5"/>
+    <p:notesMasterId r:id="rId8"/>
   </p:notesMasterIdLst>
   <p:sldIdLst>
     <p:sldId id="256" r:id="rId2"/>
-    <p:sldId id="257" r:id="rId3"/>
-    <p:sldId id="258" r:id="rId4"/>
+    <p:sldId id="259" r:id="rId3"/>
+    <p:sldId id="257" r:id="rId4"/>
+    <p:sldId id="258" r:id="rId5"/>
+    <p:sldId id="260" r:id="rId6"/>
+    <p:sldId id="261" r:id="rId7"/>
   </p:sldIdLst>
   <p:sldSz cx="12192000" cy="6858000"/>
   <p:notesSz cx="6858000" cy="9144000"/>
   <p:defaultTextStyle>
     <a:defPPr>
-      <a:defRPr lang="zh-CN"/>
+      <a:defRPr lang="en-US"/>
     </a:defPPr>
-    <a:lvl1pPr marL="0" algn="l" defTabSz="914400" rtl="0" eaLnBrk="1" latinLnBrk="0" hangingPunct="1">
+    <a:lvl1pPr marL="0" algn="l" defTabSz="457200" rtl="0" eaLnBrk="1" latinLnBrk="0" hangingPunct="1">
       <a:defRPr sz="1800" kern="1200">
         <a:solidFill>
           <a:schemeClr val="tx1"/>
@@ -28,7 +31,7 @@
         <a:cs typeface="+mn-cs"/>
       </a:defRPr>
     </a:lvl1pPr>
-    <a:lvl2pPr marL="457200" algn="l" defTabSz="914400" rtl="0" eaLnBrk="1" latinLnBrk="0" hangingPunct="1">
+    <a:lvl2pPr marL="457200" algn="l" defTabSz="457200" rtl="0" eaLnBrk="1" latinLnBrk="0" hangingPunct="1">
       <a:defRPr sz="1800" kern="1200">
         <a:solidFill>
           <a:schemeClr val="tx1"/>
@@ -38,7 +41,7 @@
         <a:cs typeface="+mn-cs"/>
       </a:defRPr>
     </a:lvl2pPr>
-    <a:lvl3pPr marL="914400" algn="l" defTabSz="914400" rtl="0" eaLnBrk="1" latinLnBrk="0" hangingPunct="1">
+    <a:lvl3pPr marL="914400" algn="l" defTabSz="457200" rtl="0" eaLnBrk="1" latinLnBrk="0" hangingPunct="1">
       <a:defRPr sz="1800" kern="1200">
         <a:solidFill>
           <a:schemeClr val="tx1"/>
@@ -48,7 +51,7 @@
         <a:cs typeface="+mn-cs"/>
       </a:defRPr>
     </a:lvl3pPr>
-    <a:lvl4pPr marL="1371600" algn="l" defTabSz="914400" rtl="0" eaLnBrk="1" latinLnBrk="0" hangingPunct="1">
+    <a:lvl4pPr marL="1371600" algn="l" defTabSz="457200" rtl="0" eaLnBrk="1" latinLnBrk="0" hangingPunct="1">
       <a:defRPr sz="1800" kern="1200">
         <a:solidFill>
           <a:schemeClr val="tx1"/>
@@ -58,7 +61,7 @@
         <a:cs typeface="+mn-cs"/>
       </a:defRPr>
     </a:lvl4pPr>
-    <a:lvl5pPr marL="1828800" algn="l" defTabSz="914400" rtl="0" eaLnBrk="1" latinLnBrk="0" hangingPunct="1">
+    <a:lvl5pPr marL="1828800" algn="l" defTabSz="457200" rtl="0" eaLnBrk="1" latinLnBrk="0" hangingPunct="1">
       <a:defRPr sz="1800" kern="1200">
         <a:solidFill>
           <a:schemeClr val="tx1"/>
@@ -68,7 +71,7 @@
         <a:cs typeface="+mn-cs"/>
       </a:defRPr>
     </a:lvl5pPr>
-    <a:lvl6pPr marL="2286000" algn="l" defTabSz="914400" rtl="0" eaLnBrk="1" latinLnBrk="0" hangingPunct="1">
+    <a:lvl6pPr marL="2286000" algn="l" defTabSz="457200" rtl="0" eaLnBrk="1" latinLnBrk="0" hangingPunct="1">
       <a:defRPr sz="1800" kern="1200">
         <a:solidFill>
           <a:schemeClr val="tx1"/>
@@ -78,7 +81,7 @@
         <a:cs typeface="+mn-cs"/>
       </a:defRPr>
     </a:lvl6pPr>
-    <a:lvl7pPr marL="2743200" algn="l" defTabSz="914400" rtl="0" eaLnBrk="1" latinLnBrk="0" hangingPunct="1">
+    <a:lvl7pPr marL="2743200" algn="l" defTabSz="457200" rtl="0" eaLnBrk="1" latinLnBrk="0" hangingPunct="1">
       <a:defRPr sz="1800" kern="1200">
         <a:solidFill>
           <a:schemeClr val="tx1"/>
@@ -88,7 +91,7 @@
         <a:cs typeface="+mn-cs"/>
       </a:defRPr>
     </a:lvl7pPr>
-    <a:lvl8pPr marL="3200400" algn="l" defTabSz="914400" rtl="0" eaLnBrk="1" latinLnBrk="0" hangingPunct="1">
+    <a:lvl8pPr marL="3200400" algn="l" defTabSz="457200" rtl="0" eaLnBrk="1" latinLnBrk="0" hangingPunct="1">
       <a:defRPr sz="1800" kern="1200">
         <a:solidFill>
           <a:schemeClr val="tx1"/>
@@ -98,7 +101,7 @@
         <a:cs typeface="+mn-cs"/>
       </a:defRPr>
     </a:lvl8pPr>
-    <a:lvl9pPr marL="3657600" algn="l" defTabSz="914400" rtl="0" eaLnBrk="1" latinLnBrk="0" hangingPunct="1">
+    <a:lvl9pPr marL="3657600" algn="l" defTabSz="457200" rtl="0" eaLnBrk="1" latinLnBrk="0" hangingPunct="1">
       <a:defRPr sz="1800" kern="1200">
         <a:solidFill>
           <a:schemeClr val="tx1"/>
@@ -484,13 +487,7 @@
       </p:grpSpPr>
       <p:sp>
         <p:nvSpPr>
-          <p:cNvPr id="2" name="标题 1">
-            <a:extLst>
-              <a:ext uri="{FF2B5EF4-FFF2-40B4-BE49-F238E27FC236}">
-                <a16:creationId xmlns:a16="http://schemas.microsoft.com/office/drawing/2014/main" id="{83E0D70C-33C2-AEFC-A390-4D0B079053D8}"/>
-              </a:ext>
-            </a:extLst>
-          </p:cNvPr>
+          <p:cNvPr id="2" name="Title 1"/>
           <p:cNvSpPr>
             <a:spLocks noGrp="1"/>
           </p:cNvSpPr>
@@ -500,15 +497,17 @@
         </p:nvSpPr>
         <p:spPr>
           <a:xfrm>
-            <a:off x="1524000" y="1122363"/>
-            <a:ext cx="9144000" cy="2387600"/>
+            <a:off x="2589213" y="2514600"/>
+            <a:ext cx="8915399" cy="2262781"/>
           </a:xfrm>
         </p:spPr>
         <p:txBody>
-          <a:bodyPr anchor="b"/>
+          <a:bodyPr anchor="b">
+            <a:normAutofit/>
+          </a:bodyPr>
           <a:lstStyle>
-            <a:lvl1pPr algn="ctr">
-              <a:defRPr sz="6000"/>
+            <a:lvl1pPr>
+              <a:defRPr sz="5400"/>
             </a:lvl1pPr>
           </a:lstStyle>
           <a:p>
@@ -516,18 +515,13 @@
               <a:rPr lang="zh-CN" altLang="en-US"/>
               <a:t>单击此处编辑母版标题样式</a:t>
             </a:r>
-          </a:p>
-        </p:txBody>
-      </p:sp>
-      <p:sp>
-        <p:nvSpPr>
-          <p:cNvPr id="3" name="副标题 2">
-            <a:extLst>
-              <a:ext uri="{FF2B5EF4-FFF2-40B4-BE49-F238E27FC236}">
-                <a16:creationId xmlns:a16="http://schemas.microsoft.com/office/drawing/2014/main" id="{448B614F-2DEE-306E-3228-BD9705B574AA}"/>
-              </a:ext>
-            </a:extLst>
-          </p:cNvPr>
+            <a:endParaRPr lang="en-US" dirty="0"/>
+          </a:p>
+        </p:txBody>
+      </p:sp>
+      <p:sp>
+        <p:nvSpPr>
+          <p:cNvPr id="3" name="Subtitle 2"/>
           <p:cNvSpPr>
             <a:spLocks noGrp="1"/>
           </p:cNvSpPr>
@@ -537,48 +531,103 @@
         </p:nvSpPr>
         <p:spPr>
           <a:xfrm>
-            <a:off x="1524000" y="3602038"/>
-            <a:ext cx="9144000" cy="1655762"/>
+            <a:off x="2589213" y="4777379"/>
+            <a:ext cx="8915399" cy="1126283"/>
           </a:xfrm>
         </p:spPr>
         <p:txBody>
-          <a:bodyPr/>
+          <a:bodyPr anchor="t"/>
           <a:lstStyle>
-            <a:lvl1pPr marL="0" indent="0" algn="ctr">
+            <a:lvl1pPr marL="0" indent="0" algn="l">
               <a:buNone/>
-              <a:defRPr sz="2400"/>
+              <a:defRPr>
+                <a:solidFill>
+                  <a:schemeClr val="tx1">
+                    <a:lumMod val="65000"/>
+                    <a:lumOff val="35000"/>
+                  </a:schemeClr>
+                </a:solidFill>
+              </a:defRPr>
             </a:lvl1pPr>
             <a:lvl2pPr marL="457200" indent="0" algn="ctr">
               <a:buNone/>
-              <a:defRPr sz="2000"/>
+              <a:defRPr>
+                <a:solidFill>
+                  <a:schemeClr val="tx1">
+                    <a:tint val="75000"/>
+                  </a:schemeClr>
+                </a:solidFill>
+              </a:defRPr>
             </a:lvl2pPr>
             <a:lvl3pPr marL="914400" indent="0" algn="ctr">
               <a:buNone/>
-              <a:defRPr sz="1800"/>
+              <a:defRPr>
+                <a:solidFill>
+                  <a:schemeClr val="tx1">
+                    <a:tint val="75000"/>
+                  </a:schemeClr>
+                </a:solidFill>
+              </a:defRPr>
             </a:lvl3pPr>
             <a:lvl4pPr marL="1371600" indent="0" algn="ctr">
               <a:buNone/>
-              <a:defRPr sz="1600"/>
+              <a:defRPr>
+                <a:solidFill>
+                  <a:schemeClr val="tx1">
+                    <a:tint val="75000"/>
+                  </a:schemeClr>
+                </a:solidFill>
+              </a:defRPr>
             </a:lvl4pPr>
             <a:lvl5pPr marL="1828800" indent="0" algn="ctr">
               <a:buNone/>
-              <a:defRPr sz="1600"/>
+              <a:defRPr>
+                <a:solidFill>
+                  <a:schemeClr val="tx1">
+                    <a:tint val="75000"/>
+                  </a:schemeClr>
+                </a:solidFill>
+              </a:defRPr>
             </a:lvl5pPr>
             <a:lvl6pPr marL="2286000" indent="0" algn="ctr">
               <a:buNone/>
-              <a:defRPr sz="1600"/>
+              <a:defRPr>
+                <a:solidFill>
+                  <a:schemeClr val="tx1">
+                    <a:tint val="75000"/>
+                  </a:schemeClr>
+                </a:solidFill>
+              </a:defRPr>
             </a:lvl6pPr>
             <a:lvl7pPr marL="2743200" indent="0" algn="ctr">
               <a:buNone/>
-              <a:defRPr sz="1600"/>
+              <a:defRPr>
+                <a:solidFill>
+                  <a:schemeClr val="tx1">
+                    <a:tint val="75000"/>
+                  </a:schemeClr>
+                </a:solidFill>
+              </a:defRPr>
             </a:lvl7pPr>
             <a:lvl8pPr marL="3200400" indent="0" algn="ctr">
               <a:buNone/>
-              <a:defRPr sz="1600"/>
+              <a:defRPr>
+                <a:solidFill>
+                  <a:schemeClr val="tx1">
+                    <a:tint val="75000"/>
+                  </a:schemeClr>
+                </a:solidFill>
+              </a:defRPr>
             </a:lvl8pPr>
             <a:lvl9pPr marL="3657600" indent="0" algn="ctr">
               <a:buNone/>
-              <a:defRPr sz="1600"/>
+              <a:defRPr>
+                <a:solidFill>
+                  <a:schemeClr val="tx1">
+                    <a:tint val="75000"/>
+                  </a:schemeClr>
+                </a:solidFill>
+              </a:defRPr>
             </a:lvl9pPr>
           </a:lstStyle>
           <a:p>
@@ -586,18 +635,13 @@
               <a:rPr lang="zh-CN" altLang="en-US"/>
               <a:t>单击此处编辑母版副标题样式</a:t>
             </a:r>
-          </a:p>
-        </p:txBody>
-      </p:sp>
-      <p:sp>
-        <p:nvSpPr>
-          <p:cNvPr id="4" name="日期占位符 3">
-            <a:extLst>
-              <a:ext uri="{FF2B5EF4-FFF2-40B4-BE49-F238E27FC236}">
-                <a16:creationId xmlns:a16="http://schemas.microsoft.com/office/drawing/2014/main" id="{6DB4EC21-8067-2243-7534-7EC2780E5BF5}"/>
-              </a:ext>
-            </a:extLst>
-          </p:cNvPr>
+            <a:endParaRPr lang="en-US" dirty="0"/>
+          </a:p>
+        </p:txBody>
+      </p:sp>
+      <p:sp>
+        <p:nvSpPr>
+          <p:cNvPr id="4" name="Date Placeholder 3"/>
           <p:cNvSpPr>
             <a:spLocks noGrp="1"/>
           </p:cNvSpPr>
@@ -612,7 +656,7 @@
           <a:p>
             <a:fld id="{A4036A34-A668-4A43-9099-C9D27A346F01}" type="datetimeFigureOut">
               <a:rPr lang="zh-CN" altLang="en-US" smtClean="0"/>
-              <a:t>2023/4/26</a:t>
+              <a:t>2023/5/14</a:t>
             </a:fld>
             <a:endParaRPr lang="zh-CN" altLang="en-US"/>
           </a:p>
@@ -620,13 +664,7 @@
       </p:sp>
       <p:sp>
         <p:nvSpPr>
-          <p:cNvPr id="5" name="页脚占位符 4">
-            <a:extLst>
-              <a:ext uri="{FF2B5EF4-FFF2-40B4-BE49-F238E27FC236}">
-                <a16:creationId xmlns:a16="http://schemas.microsoft.com/office/drawing/2014/main" id="{DAD7DAE2-1824-74A8-DC1B-22433733205E}"/>
-              </a:ext>
-            </a:extLst>
-          </p:cNvPr>
+          <p:cNvPr id="5" name="Footer Placeholder 4"/>
           <p:cNvSpPr>
             <a:spLocks noGrp="1"/>
           </p:cNvSpPr>
@@ -645,13 +683,89 @@
       </p:sp>
       <p:sp>
         <p:nvSpPr>
-          <p:cNvPr id="6" name="灯片编号占位符 5">
-            <a:extLst>
-              <a:ext uri="{FF2B5EF4-FFF2-40B4-BE49-F238E27FC236}">
-                <a16:creationId xmlns:a16="http://schemas.microsoft.com/office/drawing/2014/main" id="{56D7ED76-D83D-95B9-2F3C-D9BFDB7B6478}"/>
-              </a:ext>
-            </a:extLst>
-          </p:cNvPr>
+          <p:cNvPr id="7" name="Freeform 6"/>
+          <p:cNvSpPr/>
+          <p:nvPr/>
+        </p:nvSpPr>
+        <p:spPr bwMode="auto">
+          <a:xfrm>
+            <a:off x="0" y="4323810"/>
+            <a:ext cx="1744652" cy="778589"/>
+          </a:xfrm>
+          <a:custGeom>
+            <a:avLst/>
+            <a:gdLst/>
+            <a:ahLst/>
+            <a:cxnLst/>
+            <a:rect l="0" t="0" r="r" b="b"/>
+            <a:pathLst>
+              <a:path w="372" h="166">
+                <a:moveTo>
+                  <a:pt x="287" y="166"/>
+                </a:moveTo>
+                <a:cubicBezTo>
+                  <a:pt x="290" y="166"/>
+                  <a:pt x="292" y="165"/>
+                  <a:pt x="293" y="164"/>
+                </a:cubicBezTo>
+                <a:cubicBezTo>
+                  <a:pt x="293" y="163"/>
+                  <a:pt x="294" y="163"/>
+                  <a:pt x="294" y="163"/>
+                </a:cubicBezTo>
+                <a:cubicBezTo>
+                  <a:pt x="370" y="87"/>
+                  <a:pt x="370" y="87"/>
+                  <a:pt x="370" y="87"/>
+                </a:cubicBezTo>
+                <a:cubicBezTo>
+                  <a:pt x="372" y="85"/>
+                  <a:pt x="372" y="81"/>
+                  <a:pt x="370" y="78"/>
+                </a:cubicBezTo>
+                <a:cubicBezTo>
+                  <a:pt x="294" y="3"/>
+                  <a:pt x="294" y="3"/>
+                  <a:pt x="294" y="3"/>
+                </a:cubicBezTo>
+                <a:cubicBezTo>
+                  <a:pt x="294" y="2"/>
+                  <a:pt x="293" y="2"/>
+                  <a:pt x="293" y="2"/>
+                </a:cubicBezTo>
+                <a:cubicBezTo>
+                  <a:pt x="292" y="1"/>
+                  <a:pt x="290" y="0"/>
+                  <a:pt x="287" y="0"/>
+                </a:cubicBezTo>
+                <a:cubicBezTo>
+                  <a:pt x="0" y="0"/>
+                  <a:pt x="0" y="0"/>
+                  <a:pt x="0" y="0"/>
+                </a:cubicBezTo>
+                <a:cubicBezTo>
+                  <a:pt x="0" y="166"/>
+                  <a:pt x="0" y="166"/>
+                  <a:pt x="0" y="166"/>
+                </a:cubicBezTo>
+                <a:lnTo>
+                  <a:pt x="287" y="166"/>
+                </a:lnTo>
+                <a:close/>
+              </a:path>
+            </a:pathLst>
+          </a:custGeom>
+          <a:solidFill>
+            <a:schemeClr val="accent1"/>
+          </a:solidFill>
+          <a:ln>
+            <a:noFill/>
+          </a:ln>
+        </p:spPr>
+      </p:sp>
+      <p:sp>
+        <p:nvSpPr>
+          <p:cNvPr id="6" name="Slide Number Placeholder 5"/>
           <p:cNvSpPr>
             <a:spLocks noGrp="1"/>
           </p:cNvSpPr>
@@ -659,7 +773,12 @@
             <p:ph type="sldNum" sz="quarter" idx="12"/>
           </p:nvPr>
         </p:nvSpPr>
-        <p:spPr/>
+        <p:spPr>
+          <a:xfrm>
+            <a:off x="531812" y="4529540"/>
+            <a:ext cx="779767" cy="365125"/>
+          </a:xfrm>
+        </p:spPr>
         <p:txBody>
           <a:bodyPr/>
           <a:lstStyle/>
@@ -675,7 +794,7 @@
     </p:spTree>
     <p:extLst>
       <p:ext uri="{BB962C8B-B14F-4D97-AF65-F5344CB8AC3E}">
-        <p14:creationId xmlns:p14="http://schemas.microsoft.com/office/powerpoint/2010/main" val="3882040162"/>
+        <p14:creationId xmlns:p14="http://schemas.microsoft.com/office/powerpoint/2010/main" val="3324978079"/>
       </p:ext>
     </p:extLst>
   </p:cSld>
@@ -686,6 +805,1797 @@
 </file>
 
 <file path=ppt/slideLayouts/slideLayout10.xml><?xml version="1.0" encoding="utf-8"?>
+<p:sldLayout xmlns:a="http://schemas.openxmlformats.org/drawingml/2006/main" xmlns:r="http://schemas.openxmlformats.org/officeDocument/2006/relationships" xmlns:p="http://schemas.openxmlformats.org/presentationml/2006/main" preserve="1">
+  <p:cSld name="标题和描述">
+    <p:spTree>
+      <p:nvGrpSpPr>
+        <p:cNvPr id="1" name=""/>
+        <p:cNvGrpSpPr/>
+        <p:nvPr/>
+      </p:nvGrpSpPr>
+      <p:grpSpPr>
+        <a:xfrm>
+          <a:off x="0" y="0"/>
+          <a:ext cx="0" cy="0"/>
+          <a:chOff x="0" y="0"/>
+          <a:chExt cx="0" cy="0"/>
+        </a:xfrm>
+      </p:grpSpPr>
+      <p:sp>
+        <p:nvSpPr>
+          <p:cNvPr id="2" name="Title 1"/>
+          <p:cNvSpPr>
+            <a:spLocks noGrp="1"/>
+          </p:cNvSpPr>
+          <p:nvPr>
+            <p:ph type="title"/>
+          </p:nvPr>
+        </p:nvSpPr>
+        <p:spPr>
+          <a:xfrm>
+            <a:off x="2589212" y="609600"/>
+            <a:ext cx="8915399" cy="3117040"/>
+          </a:xfrm>
+        </p:spPr>
+        <p:txBody>
+          <a:bodyPr anchor="ctr">
+            <a:normAutofit/>
+          </a:bodyPr>
+          <a:lstStyle>
+            <a:lvl1pPr algn="l">
+              <a:defRPr sz="4800" b="0" cap="none"/>
+            </a:lvl1pPr>
+          </a:lstStyle>
+          <a:p>
+            <a:r>
+              <a:rPr lang="zh-CN" altLang="en-US"/>
+              <a:t>单击此处编辑母版标题样式</a:t>
+            </a:r>
+            <a:endParaRPr lang="en-US" dirty="0"/>
+          </a:p>
+        </p:txBody>
+      </p:sp>
+      <p:sp>
+        <p:nvSpPr>
+          <p:cNvPr id="3" name="Text Placeholder 2"/>
+          <p:cNvSpPr>
+            <a:spLocks noGrp="1"/>
+          </p:cNvSpPr>
+          <p:nvPr>
+            <p:ph type="body" idx="1"/>
+          </p:nvPr>
+        </p:nvSpPr>
+        <p:spPr>
+          <a:xfrm>
+            <a:off x="2589212" y="4354046"/>
+            <a:ext cx="8915399" cy="1555864"/>
+          </a:xfrm>
+        </p:spPr>
+        <p:txBody>
+          <a:bodyPr anchor="ctr">
+            <a:normAutofit/>
+          </a:bodyPr>
+          <a:lstStyle>
+            <a:lvl1pPr marL="0" indent="0" algn="l">
+              <a:buNone/>
+              <a:defRPr sz="1800">
+                <a:solidFill>
+                  <a:schemeClr val="tx1">
+                    <a:lumMod val="65000"/>
+                    <a:lumOff val="35000"/>
+                  </a:schemeClr>
+                </a:solidFill>
+              </a:defRPr>
+            </a:lvl1pPr>
+            <a:lvl2pPr marL="457200" indent="0">
+              <a:buNone/>
+              <a:defRPr sz="1800">
+                <a:solidFill>
+                  <a:schemeClr val="tx1">
+                    <a:tint val="75000"/>
+                  </a:schemeClr>
+                </a:solidFill>
+              </a:defRPr>
+            </a:lvl2pPr>
+            <a:lvl3pPr marL="914400" indent="0">
+              <a:buNone/>
+              <a:defRPr sz="1600">
+                <a:solidFill>
+                  <a:schemeClr val="tx1">
+                    <a:tint val="75000"/>
+                  </a:schemeClr>
+                </a:solidFill>
+              </a:defRPr>
+            </a:lvl3pPr>
+            <a:lvl4pPr marL="1371600" indent="0">
+              <a:buNone/>
+              <a:defRPr sz="1400">
+                <a:solidFill>
+                  <a:schemeClr val="tx1">
+                    <a:tint val="75000"/>
+                  </a:schemeClr>
+                </a:solidFill>
+              </a:defRPr>
+            </a:lvl4pPr>
+            <a:lvl5pPr marL="1828800" indent="0">
+              <a:buNone/>
+              <a:defRPr sz="1400">
+                <a:solidFill>
+                  <a:schemeClr val="tx1">
+                    <a:tint val="75000"/>
+                  </a:schemeClr>
+                </a:solidFill>
+              </a:defRPr>
+            </a:lvl5pPr>
+            <a:lvl6pPr marL="2286000" indent="0">
+              <a:buNone/>
+              <a:defRPr sz="1400">
+                <a:solidFill>
+                  <a:schemeClr val="tx1">
+                    <a:tint val="75000"/>
+                  </a:schemeClr>
+                </a:solidFill>
+              </a:defRPr>
+            </a:lvl6pPr>
+            <a:lvl7pPr marL="2743200" indent="0">
+              <a:buNone/>
+              <a:defRPr sz="1400">
+                <a:solidFill>
+                  <a:schemeClr val="tx1">
+                    <a:tint val="75000"/>
+                  </a:schemeClr>
+                </a:solidFill>
+              </a:defRPr>
+            </a:lvl7pPr>
+            <a:lvl8pPr marL="3200400" indent="0">
+              <a:buNone/>
+              <a:defRPr sz="1400">
+                <a:solidFill>
+                  <a:schemeClr val="tx1">
+                    <a:tint val="75000"/>
+                  </a:schemeClr>
+                </a:solidFill>
+              </a:defRPr>
+            </a:lvl8pPr>
+            <a:lvl9pPr marL="3657600" indent="0">
+              <a:buNone/>
+              <a:defRPr sz="1400">
+                <a:solidFill>
+                  <a:schemeClr val="tx1">
+                    <a:tint val="75000"/>
+                  </a:schemeClr>
+                </a:solidFill>
+              </a:defRPr>
+            </a:lvl9pPr>
+          </a:lstStyle>
+          <a:p>
+            <a:pPr lvl="0"/>
+            <a:r>
+              <a:rPr lang="zh-CN" altLang="en-US"/>
+              <a:t>单击此处编辑母版文本样式</a:t>
+            </a:r>
+          </a:p>
+        </p:txBody>
+      </p:sp>
+      <p:sp>
+        <p:nvSpPr>
+          <p:cNvPr id="4" name="Date Placeholder 3"/>
+          <p:cNvSpPr>
+            <a:spLocks noGrp="1"/>
+          </p:cNvSpPr>
+          <p:nvPr>
+            <p:ph type="dt" sz="half" idx="10"/>
+          </p:nvPr>
+        </p:nvSpPr>
+        <p:spPr/>
+        <p:txBody>
+          <a:bodyPr/>
+          <a:lstStyle/>
+          <a:p>
+            <a:fld id="{A4036A34-A668-4A43-9099-C9D27A346F01}" type="datetimeFigureOut">
+              <a:rPr lang="zh-CN" altLang="en-US" smtClean="0"/>
+              <a:t>2023/5/14</a:t>
+            </a:fld>
+            <a:endParaRPr lang="zh-CN" altLang="en-US"/>
+          </a:p>
+        </p:txBody>
+      </p:sp>
+      <p:sp>
+        <p:nvSpPr>
+          <p:cNvPr id="5" name="Footer Placeholder 4"/>
+          <p:cNvSpPr>
+            <a:spLocks noGrp="1"/>
+          </p:cNvSpPr>
+          <p:nvPr>
+            <p:ph type="ftr" sz="quarter" idx="11"/>
+          </p:nvPr>
+        </p:nvSpPr>
+        <p:spPr/>
+        <p:txBody>
+          <a:bodyPr/>
+          <a:lstStyle/>
+          <a:p>
+            <a:endParaRPr lang="zh-CN" altLang="en-US"/>
+          </a:p>
+        </p:txBody>
+      </p:sp>
+      <p:sp>
+        <p:nvSpPr>
+          <p:cNvPr id="9" name="Freeform 11"/>
+          <p:cNvSpPr/>
+          <p:nvPr/>
+        </p:nvSpPr>
+        <p:spPr bwMode="auto">
+          <a:xfrm flipV="1">
+            <a:off x="-4189" y="3178175"/>
+            <a:ext cx="1588527" cy="507297"/>
+          </a:xfrm>
+          <a:custGeom>
+            <a:avLst/>
+            <a:gdLst/>
+            <a:ahLst/>
+            <a:cxnLst/>
+            <a:rect l="l" t="t" r="r" b="b"/>
+            <a:pathLst>
+              <a:path w="9248" h="10000">
+                <a:moveTo>
+                  <a:pt x="9248" y="4701"/>
+                </a:moveTo>
+                <a:lnTo>
+                  <a:pt x="7915" y="188"/>
+                </a:lnTo>
+                <a:cubicBezTo>
+                  <a:pt x="7906" y="156"/>
+                  <a:pt x="7895" y="126"/>
+                  <a:pt x="7886" y="94"/>
+                </a:cubicBezTo>
+                <a:cubicBezTo>
+                  <a:pt x="7859" y="0"/>
+                  <a:pt x="7831" y="0"/>
+                  <a:pt x="7803" y="0"/>
+                </a:cubicBezTo>
+                <a:lnTo>
+                  <a:pt x="7275" y="0"/>
+                </a:lnTo>
+                <a:lnTo>
+                  <a:pt x="0" y="70"/>
+                </a:lnTo>
+                <a:cubicBezTo>
+                  <a:pt x="8" y="3380"/>
+                  <a:pt x="17" y="6690"/>
+                  <a:pt x="25" y="10000"/>
+                </a:cubicBezTo>
+                <a:lnTo>
+                  <a:pt x="7275" y="9966"/>
+                </a:lnTo>
+                <a:lnTo>
+                  <a:pt x="7803" y="9966"/>
+                </a:lnTo>
+                <a:cubicBezTo>
+                  <a:pt x="7831" y="9966"/>
+                  <a:pt x="7859" y="9872"/>
+                  <a:pt x="7886" y="9872"/>
+                </a:cubicBezTo>
+                <a:cubicBezTo>
+                  <a:pt x="7886" y="9778"/>
+                  <a:pt x="7915" y="9778"/>
+                  <a:pt x="7915" y="9778"/>
+                </a:cubicBezTo>
+                <a:lnTo>
+                  <a:pt x="9248" y="5265"/>
+                </a:lnTo>
+                <a:cubicBezTo>
+                  <a:pt x="9303" y="5077"/>
+                  <a:pt x="9303" y="4889"/>
+                  <a:pt x="9248" y="4701"/>
+                </a:cubicBezTo>
+                <a:close/>
+              </a:path>
+            </a:pathLst>
+          </a:custGeom>
+          <a:solidFill>
+            <a:schemeClr val="accent1"/>
+          </a:solidFill>
+          <a:ln>
+            <a:noFill/>
+          </a:ln>
+        </p:spPr>
+      </p:sp>
+      <p:sp>
+        <p:nvSpPr>
+          <p:cNvPr id="6" name="Slide Number Placeholder 5"/>
+          <p:cNvSpPr>
+            <a:spLocks noGrp="1"/>
+          </p:cNvSpPr>
+          <p:nvPr>
+            <p:ph type="sldNum" sz="quarter" idx="12"/>
+          </p:nvPr>
+        </p:nvSpPr>
+        <p:spPr>
+          <a:xfrm>
+            <a:off x="531812" y="3244139"/>
+            <a:ext cx="779767" cy="365125"/>
+          </a:xfrm>
+        </p:spPr>
+        <p:txBody>
+          <a:bodyPr/>
+          <a:lstStyle/>
+          <a:p>
+            <a:fld id="{5EB706FA-5B87-4550-920B-94AC269D372D}" type="slidenum">
+              <a:rPr lang="zh-CN" altLang="en-US" smtClean="0"/>
+              <a:t>‹#›</a:t>
+            </a:fld>
+            <a:endParaRPr lang="zh-CN" altLang="en-US"/>
+          </a:p>
+        </p:txBody>
+      </p:sp>
+    </p:spTree>
+    <p:extLst>
+      <p:ext uri="{BB962C8B-B14F-4D97-AF65-F5344CB8AC3E}">
+        <p14:creationId xmlns:p14="http://schemas.microsoft.com/office/powerpoint/2010/main" val="2558124557"/>
+      </p:ext>
+    </p:extLst>
+  </p:cSld>
+  <p:clrMapOvr>
+    <a:masterClrMapping/>
+  </p:clrMapOvr>
+</p:sldLayout>
+</file>
+
+<file path=ppt/slideLayouts/slideLayout11.xml><?xml version="1.0" encoding="utf-8"?>
+<p:sldLayout xmlns:a="http://schemas.openxmlformats.org/drawingml/2006/main" xmlns:r="http://schemas.openxmlformats.org/officeDocument/2006/relationships" xmlns:p="http://schemas.openxmlformats.org/presentationml/2006/main" preserve="1">
+  <p:cSld name="带描述的引言">
+    <p:spTree>
+      <p:nvGrpSpPr>
+        <p:cNvPr id="1" name=""/>
+        <p:cNvGrpSpPr/>
+        <p:nvPr/>
+      </p:nvGrpSpPr>
+      <p:grpSpPr>
+        <a:xfrm>
+          <a:off x="0" y="0"/>
+          <a:ext cx="0" cy="0"/>
+          <a:chOff x="0" y="0"/>
+          <a:chExt cx="0" cy="0"/>
+        </a:xfrm>
+      </p:grpSpPr>
+      <p:sp>
+        <p:nvSpPr>
+          <p:cNvPr id="2" name="Title 1"/>
+          <p:cNvSpPr>
+            <a:spLocks noGrp="1"/>
+          </p:cNvSpPr>
+          <p:nvPr>
+            <p:ph type="title"/>
+          </p:nvPr>
+        </p:nvSpPr>
+        <p:spPr>
+          <a:xfrm>
+            <a:off x="2849949" y="609600"/>
+            <a:ext cx="8393926" cy="2895600"/>
+          </a:xfrm>
+        </p:spPr>
+        <p:txBody>
+          <a:bodyPr anchor="ctr">
+            <a:normAutofit/>
+          </a:bodyPr>
+          <a:lstStyle>
+            <a:lvl1pPr algn="l">
+              <a:defRPr sz="4800" b="0" cap="none"/>
+            </a:lvl1pPr>
+          </a:lstStyle>
+          <a:p>
+            <a:r>
+              <a:rPr lang="zh-CN" altLang="en-US"/>
+              <a:t>单击此处编辑母版标题样式</a:t>
+            </a:r>
+            <a:endParaRPr lang="en-US" dirty="0"/>
+          </a:p>
+        </p:txBody>
+      </p:sp>
+      <p:sp>
+        <p:nvSpPr>
+          <p:cNvPr id="13" name="Text Placeholder 9"/>
+          <p:cNvSpPr>
+            <a:spLocks noGrp="1"/>
+          </p:cNvSpPr>
+          <p:nvPr>
+            <p:ph type="body" sz="quarter" idx="13"/>
+          </p:nvPr>
+        </p:nvSpPr>
+        <p:spPr>
+          <a:xfrm>
+            <a:off x="3275012" y="3505200"/>
+            <a:ext cx="7536554" cy="381000"/>
+          </a:xfrm>
+        </p:spPr>
+        <p:txBody>
+          <a:bodyPr anchor="ctr">
+            <a:noAutofit/>
+          </a:bodyPr>
+          <a:lstStyle>
+            <a:lvl1pPr marL="0" indent="0">
+              <a:buFontTx/>
+              <a:buNone/>
+              <a:defRPr sz="1600">
+                <a:solidFill>
+                  <a:schemeClr val="tx1">
+                    <a:lumMod val="50000"/>
+                    <a:lumOff val="50000"/>
+                  </a:schemeClr>
+                </a:solidFill>
+              </a:defRPr>
+            </a:lvl1pPr>
+            <a:lvl2pPr marL="457200" indent="0">
+              <a:buFontTx/>
+              <a:buNone/>
+              <a:defRPr/>
+            </a:lvl2pPr>
+            <a:lvl3pPr marL="914400" indent="0">
+              <a:buFontTx/>
+              <a:buNone/>
+              <a:defRPr/>
+            </a:lvl3pPr>
+            <a:lvl4pPr marL="1371600" indent="0">
+              <a:buFontTx/>
+              <a:buNone/>
+              <a:defRPr/>
+            </a:lvl4pPr>
+            <a:lvl5pPr marL="1828800" indent="0">
+              <a:buFontTx/>
+              <a:buNone/>
+              <a:defRPr/>
+            </a:lvl5pPr>
+          </a:lstStyle>
+          <a:p>
+            <a:pPr lvl="0"/>
+            <a:r>
+              <a:rPr lang="zh-CN" altLang="en-US"/>
+              <a:t>单击此处编辑母版文本样式</a:t>
+            </a:r>
+          </a:p>
+        </p:txBody>
+      </p:sp>
+      <p:sp>
+        <p:nvSpPr>
+          <p:cNvPr id="3" name="Text Placeholder 2"/>
+          <p:cNvSpPr>
+            <a:spLocks noGrp="1"/>
+          </p:cNvSpPr>
+          <p:nvPr>
+            <p:ph type="body" idx="1"/>
+          </p:nvPr>
+        </p:nvSpPr>
+        <p:spPr>
+          <a:xfrm>
+            <a:off x="2589212" y="4354046"/>
+            <a:ext cx="8915399" cy="1555864"/>
+          </a:xfrm>
+        </p:spPr>
+        <p:txBody>
+          <a:bodyPr anchor="ctr">
+            <a:normAutofit/>
+          </a:bodyPr>
+          <a:lstStyle>
+            <a:lvl1pPr marL="0" indent="0" algn="l">
+              <a:buNone/>
+              <a:defRPr sz="1800">
+                <a:solidFill>
+                  <a:schemeClr val="tx1">
+                    <a:lumMod val="65000"/>
+                    <a:lumOff val="35000"/>
+                  </a:schemeClr>
+                </a:solidFill>
+              </a:defRPr>
+            </a:lvl1pPr>
+            <a:lvl2pPr marL="457200" indent="0">
+              <a:buNone/>
+              <a:defRPr sz="1800">
+                <a:solidFill>
+                  <a:schemeClr val="tx1">
+                    <a:tint val="75000"/>
+                  </a:schemeClr>
+                </a:solidFill>
+              </a:defRPr>
+            </a:lvl2pPr>
+            <a:lvl3pPr marL="914400" indent="0">
+              <a:buNone/>
+              <a:defRPr sz="1600">
+                <a:solidFill>
+                  <a:schemeClr val="tx1">
+                    <a:tint val="75000"/>
+                  </a:schemeClr>
+                </a:solidFill>
+              </a:defRPr>
+            </a:lvl3pPr>
+            <a:lvl4pPr marL="1371600" indent="0">
+              <a:buNone/>
+              <a:defRPr sz="1400">
+                <a:solidFill>
+                  <a:schemeClr val="tx1">
+                    <a:tint val="75000"/>
+                  </a:schemeClr>
+                </a:solidFill>
+              </a:defRPr>
+            </a:lvl4pPr>
+            <a:lvl5pPr marL="1828800" indent="0">
+              <a:buNone/>
+              <a:defRPr sz="1400">
+                <a:solidFill>
+                  <a:schemeClr val="tx1">
+                    <a:tint val="75000"/>
+                  </a:schemeClr>
+                </a:solidFill>
+              </a:defRPr>
+            </a:lvl5pPr>
+            <a:lvl6pPr marL="2286000" indent="0">
+              <a:buNone/>
+              <a:defRPr sz="1400">
+                <a:solidFill>
+                  <a:schemeClr val="tx1">
+                    <a:tint val="75000"/>
+                  </a:schemeClr>
+                </a:solidFill>
+              </a:defRPr>
+            </a:lvl6pPr>
+            <a:lvl7pPr marL="2743200" indent="0">
+              <a:buNone/>
+              <a:defRPr sz="1400">
+                <a:solidFill>
+                  <a:schemeClr val="tx1">
+                    <a:tint val="75000"/>
+                  </a:schemeClr>
+                </a:solidFill>
+              </a:defRPr>
+            </a:lvl7pPr>
+            <a:lvl8pPr marL="3200400" indent="0">
+              <a:buNone/>
+              <a:defRPr sz="1400">
+                <a:solidFill>
+                  <a:schemeClr val="tx1">
+                    <a:tint val="75000"/>
+                  </a:schemeClr>
+                </a:solidFill>
+              </a:defRPr>
+            </a:lvl8pPr>
+            <a:lvl9pPr marL="3657600" indent="0">
+              <a:buNone/>
+              <a:defRPr sz="1400">
+                <a:solidFill>
+                  <a:schemeClr val="tx1">
+                    <a:tint val="75000"/>
+                  </a:schemeClr>
+                </a:solidFill>
+              </a:defRPr>
+            </a:lvl9pPr>
+          </a:lstStyle>
+          <a:p>
+            <a:pPr lvl="0"/>
+            <a:r>
+              <a:rPr lang="zh-CN" altLang="en-US"/>
+              <a:t>单击此处编辑母版文本样式</a:t>
+            </a:r>
+          </a:p>
+        </p:txBody>
+      </p:sp>
+      <p:sp>
+        <p:nvSpPr>
+          <p:cNvPr id="4" name="Date Placeholder 3"/>
+          <p:cNvSpPr>
+            <a:spLocks noGrp="1"/>
+          </p:cNvSpPr>
+          <p:nvPr>
+            <p:ph type="dt" sz="half" idx="10"/>
+          </p:nvPr>
+        </p:nvSpPr>
+        <p:spPr/>
+        <p:txBody>
+          <a:bodyPr/>
+          <a:lstStyle/>
+          <a:p>
+            <a:fld id="{A4036A34-A668-4A43-9099-C9D27A346F01}" type="datetimeFigureOut">
+              <a:rPr lang="zh-CN" altLang="en-US" smtClean="0"/>
+              <a:t>2023/5/14</a:t>
+            </a:fld>
+            <a:endParaRPr lang="zh-CN" altLang="en-US"/>
+          </a:p>
+        </p:txBody>
+      </p:sp>
+      <p:sp>
+        <p:nvSpPr>
+          <p:cNvPr id="5" name="Footer Placeholder 4"/>
+          <p:cNvSpPr>
+            <a:spLocks noGrp="1"/>
+          </p:cNvSpPr>
+          <p:nvPr>
+            <p:ph type="ftr" sz="quarter" idx="11"/>
+          </p:nvPr>
+        </p:nvSpPr>
+        <p:spPr/>
+        <p:txBody>
+          <a:bodyPr/>
+          <a:lstStyle/>
+          <a:p>
+            <a:endParaRPr lang="zh-CN" altLang="en-US"/>
+          </a:p>
+        </p:txBody>
+      </p:sp>
+      <p:sp>
+        <p:nvSpPr>
+          <p:cNvPr id="11" name="Freeform 11"/>
+          <p:cNvSpPr/>
+          <p:nvPr/>
+        </p:nvSpPr>
+        <p:spPr bwMode="auto">
+          <a:xfrm flipV="1">
+            <a:off x="-4189" y="3178175"/>
+            <a:ext cx="1588527" cy="507297"/>
+          </a:xfrm>
+          <a:custGeom>
+            <a:avLst/>
+            <a:gdLst/>
+            <a:ahLst/>
+            <a:cxnLst/>
+            <a:rect l="l" t="t" r="r" b="b"/>
+            <a:pathLst>
+              <a:path w="9248" h="10000">
+                <a:moveTo>
+                  <a:pt x="9248" y="4701"/>
+                </a:moveTo>
+                <a:lnTo>
+                  <a:pt x="7915" y="188"/>
+                </a:lnTo>
+                <a:cubicBezTo>
+                  <a:pt x="7906" y="156"/>
+                  <a:pt x="7895" y="126"/>
+                  <a:pt x="7886" y="94"/>
+                </a:cubicBezTo>
+                <a:cubicBezTo>
+                  <a:pt x="7859" y="0"/>
+                  <a:pt x="7831" y="0"/>
+                  <a:pt x="7803" y="0"/>
+                </a:cubicBezTo>
+                <a:lnTo>
+                  <a:pt x="7275" y="0"/>
+                </a:lnTo>
+                <a:lnTo>
+                  <a:pt x="0" y="70"/>
+                </a:lnTo>
+                <a:cubicBezTo>
+                  <a:pt x="8" y="3380"/>
+                  <a:pt x="17" y="6690"/>
+                  <a:pt x="25" y="10000"/>
+                </a:cubicBezTo>
+                <a:lnTo>
+                  <a:pt x="7275" y="9966"/>
+                </a:lnTo>
+                <a:lnTo>
+                  <a:pt x="7803" y="9966"/>
+                </a:lnTo>
+                <a:cubicBezTo>
+                  <a:pt x="7831" y="9966"/>
+                  <a:pt x="7859" y="9872"/>
+                  <a:pt x="7886" y="9872"/>
+                </a:cubicBezTo>
+                <a:cubicBezTo>
+                  <a:pt x="7886" y="9778"/>
+                  <a:pt x="7915" y="9778"/>
+                  <a:pt x="7915" y="9778"/>
+                </a:cubicBezTo>
+                <a:lnTo>
+                  <a:pt x="9248" y="5265"/>
+                </a:lnTo>
+                <a:cubicBezTo>
+                  <a:pt x="9303" y="5077"/>
+                  <a:pt x="9303" y="4889"/>
+                  <a:pt x="9248" y="4701"/>
+                </a:cubicBezTo>
+                <a:close/>
+              </a:path>
+            </a:pathLst>
+          </a:custGeom>
+          <a:solidFill>
+            <a:schemeClr val="accent1"/>
+          </a:solidFill>
+          <a:ln>
+            <a:noFill/>
+          </a:ln>
+        </p:spPr>
+      </p:sp>
+      <p:sp>
+        <p:nvSpPr>
+          <p:cNvPr id="6" name="Slide Number Placeholder 5"/>
+          <p:cNvSpPr>
+            <a:spLocks noGrp="1"/>
+          </p:cNvSpPr>
+          <p:nvPr>
+            <p:ph type="sldNum" sz="quarter" idx="12"/>
+          </p:nvPr>
+        </p:nvSpPr>
+        <p:spPr>
+          <a:xfrm>
+            <a:off x="531812" y="3244139"/>
+            <a:ext cx="779767" cy="365125"/>
+          </a:xfrm>
+        </p:spPr>
+        <p:txBody>
+          <a:bodyPr/>
+          <a:lstStyle/>
+          <a:p>
+            <a:fld id="{5EB706FA-5B87-4550-920B-94AC269D372D}" type="slidenum">
+              <a:rPr lang="zh-CN" altLang="en-US" smtClean="0"/>
+              <a:t>‹#›</a:t>
+            </a:fld>
+            <a:endParaRPr lang="zh-CN" altLang="en-US"/>
+          </a:p>
+        </p:txBody>
+      </p:sp>
+      <p:sp>
+        <p:nvSpPr>
+          <p:cNvPr id="14" name="TextBox 13"/>
+          <p:cNvSpPr txBox="1"/>
+          <p:nvPr/>
+        </p:nvSpPr>
+        <p:spPr>
+          <a:xfrm>
+            <a:off x="2467652" y="648005"/>
+            <a:ext cx="609600" cy="584776"/>
+          </a:xfrm>
+          <a:prstGeom prst="rect">
+            <a:avLst/>
+          </a:prstGeom>
+        </p:spPr>
+        <p:txBody>
+          <a:bodyPr vert="horz" lIns="91440" tIns="45720" rIns="91440" bIns="45720" rtlCol="0" anchor="ctr">
+            <a:noAutofit/>
+          </a:bodyPr>
+          <a:lstStyle/>
+          <a:p>
+            <a:pPr lvl="0"/>
+            <a:r>
+              <a:rPr lang="en-US" sz="8000" baseline="0" dirty="0">
+                <a:ln w="3175" cmpd="sng">
+                  <a:noFill/>
+                </a:ln>
+                <a:solidFill>
+                  <a:schemeClr val="accent1"/>
+                </a:solidFill>
+                <a:effectLst/>
+                <a:latin typeface="Arial"/>
+              </a:rPr>
+              <a:t>“</a:t>
+            </a:r>
+          </a:p>
+        </p:txBody>
+      </p:sp>
+      <p:sp>
+        <p:nvSpPr>
+          <p:cNvPr id="15" name="TextBox 14"/>
+          <p:cNvSpPr txBox="1"/>
+          <p:nvPr/>
+        </p:nvSpPr>
+        <p:spPr>
+          <a:xfrm>
+            <a:off x="11114852" y="2905306"/>
+            <a:ext cx="609600" cy="584776"/>
+          </a:xfrm>
+          <a:prstGeom prst="rect">
+            <a:avLst/>
+          </a:prstGeom>
+        </p:spPr>
+        <p:txBody>
+          <a:bodyPr vert="horz" lIns="91440" tIns="45720" rIns="91440" bIns="45720" rtlCol="0" anchor="ctr">
+            <a:noAutofit/>
+          </a:bodyPr>
+          <a:lstStyle/>
+          <a:p>
+            <a:pPr lvl="0"/>
+            <a:r>
+              <a:rPr lang="en-US" sz="8000" baseline="0" dirty="0">
+                <a:ln w="3175" cmpd="sng">
+                  <a:noFill/>
+                </a:ln>
+                <a:solidFill>
+                  <a:schemeClr val="accent1"/>
+                </a:solidFill>
+                <a:effectLst/>
+                <a:latin typeface="Arial"/>
+              </a:rPr>
+              <a:t>”</a:t>
+            </a:r>
+          </a:p>
+        </p:txBody>
+      </p:sp>
+    </p:spTree>
+    <p:extLst>
+      <p:ext uri="{BB962C8B-B14F-4D97-AF65-F5344CB8AC3E}">
+        <p14:creationId xmlns:p14="http://schemas.microsoft.com/office/powerpoint/2010/main" val="4173594415"/>
+      </p:ext>
+    </p:extLst>
+  </p:cSld>
+  <p:clrMapOvr>
+    <a:masterClrMapping/>
+  </p:clrMapOvr>
+</p:sldLayout>
+</file>
+
+<file path=ppt/slideLayouts/slideLayout12.xml><?xml version="1.0" encoding="utf-8"?>
+<p:sldLayout xmlns:a="http://schemas.openxmlformats.org/drawingml/2006/main" xmlns:r="http://schemas.openxmlformats.org/officeDocument/2006/relationships" xmlns:p="http://schemas.openxmlformats.org/presentationml/2006/main" preserve="1">
+  <p:cSld name="名片">
+    <p:spTree>
+      <p:nvGrpSpPr>
+        <p:cNvPr id="1" name=""/>
+        <p:cNvGrpSpPr/>
+        <p:nvPr/>
+      </p:nvGrpSpPr>
+      <p:grpSpPr>
+        <a:xfrm>
+          <a:off x="0" y="0"/>
+          <a:ext cx="0" cy="0"/>
+          <a:chOff x="0" y="0"/>
+          <a:chExt cx="0" cy="0"/>
+        </a:xfrm>
+      </p:grpSpPr>
+      <p:sp>
+        <p:nvSpPr>
+          <p:cNvPr id="2" name="Title 1"/>
+          <p:cNvSpPr>
+            <a:spLocks noGrp="1"/>
+          </p:cNvSpPr>
+          <p:nvPr>
+            <p:ph type="title"/>
+          </p:nvPr>
+        </p:nvSpPr>
+        <p:spPr>
+          <a:xfrm>
+            <a:off x="2589213" y="2438400"/>
+            <a:ext cx="8915400" cy="2724845"/>
+          </a:xfrm>
+        </p:spPr>
+        <p:txBody>
+          <a:bodyPr anchor="b">
+            <a:normAutofit/>
+          </a:bodyPr>
+          <a:lstStyle>
+            <a:lvl1pPr algn="l">
+              <a:defRPr sz="4800" b="0"/>
+            </a:lvl1pPr>
+          </a:lstStyle>
+          <a:p>
+            <a:r>
+              <a:rPr lang="zh-CN" altLang="en-US"/>
+              <a:t>单击此处编辑母版标题样式</a:t>
+            </a:r>
+            <a:endParaRPr lang="en-US" dirty="0"/>
+          </a:p>
+        </p:txBody>
+      </p:sp>
+      <p:sp>
+        <p:nvSpPr>
+          <p:cNvPr id="4" name="Text Placeholder 3"/>
+          <p:cNvSpPr>
+            <a:spLocks noGrp="1"/>
+          </p:cNvSpPr>
+          <p:nvPr>
+            <p:ph type="body" sz="half" idx="2"/>
+          </p:nvPr>
+        </p:nvSpPr>
+        <p:spPr>
+          <a:xfrm>
+            <a:off x="2589213" y="5181600"/>
+            <a:ext cx="8915400" cy="729622"/>
+          </a:xfrm>
+        </p:spPr>
+        <p:txBody>
+          <a:bodyPr vert="horz" lIns="91440" tIns="45720" rIns="91440" bIns="45720" rtlCol="0" anchor="t">
+            <a:normAutofit/>
+          </a:bodyPr>
+          <a:lstStyle>
+            <a:lvl1pPr>
+              <a:buNone/>
+              <a:defRPr lang="en-US">
+                <a:solidFill>
+                  <a:schemeClr val="tx1">
+                    <a:lumMod val="65000"/>
+                    <a:lumOff val="35000"/>
+                  </a:schemeClr>
+                </a:solidFill>
+              </a:defRPr>
+            </a:lvl1pPr>
+          </a:lstStyle>
+          <a:p>
+            <a:pPr marL="0" lvl="0" indent="0">
+              <a:buNone/>
+            </a:pPr>
+            <a:r>
+              <a:rPr lang="zh-CN" altLang="en-US"/>
+              <a:t>单击此处编辑母版文本样式</a:t>
+            </a:r>
+          </a:p>
+        </p:txBody>
+      </p:sp>
+      <p:sp>
+        <p:nvSpPr>
+          <p:cNvPr id="5" name="Date Placeholder 4"/>
+          <p:cNvSpPr>
+            <a:spLocks noGrp="1"/>
+          </p:cNvSpPr>
+          <p:nvPr>
+            <p:ph type="dt" sz="half" idx="10"/>
+          </p:nvPr>
+        </p:nvSpPr>
+        <p:spPr/>
+        <p:txBody>
+          <a:bodyPr/>
+          <a:lstStyle/>
+          <a:p>
+            <a:fld id="{A4036A34-A668-4A43-9099-C9D27A346F01}" type="datetimeFigureOut">
+              <a:rPr lang="zh-CN" altLang="en-US" smtClean="0"/>
+              <a:t>2023/5/14</a:t>
+            </a:fld>
+            <a:endParaRPr lang="zh-CN" altLang="en-US"/>
+          </a:p>
+        </p:txBody>
+      </p:sp>
+      <p:sp>
+        <p:nvSpPr>
+          <p:cNvPr id="6" name="Footer Placeholder 5"/>
+          <p:cNvSpPr>
+            <a:spLocks noGrp="1"/>
+          </p:cNvSpPr>
+          <p:nvPr>
+            <p:ph type="ftr" sz="quarter" idx="11"/>
+          </p:nvPr>
+        </p:nvSpPr>
+        <p:spPr/>
+        <p:txBody>
+          <a:bodyPr/>
+          <a:lstStyle/>
+          <a:p>
+            <a:endParaRPr lang="zh-CN" altLang="en-US"/>
+          </a:p>
+        </p:txBody>
+      </p:sp>
+      <p:sp>
+        <p:nvSpPr>
+          <p:cNvPr id="9" name="Freeform 11"/>
+          <p:cNvSpPr/>
+          <p:nvPr/>
+        </p:nvSpPr>
+        <p:spPr bwMode="auto">
+          <a:xfrm flipV="1">
+            <a:off x="-4189" y="4911725"/>
+            <a:ext cx="1588527" cy="507297"/>
+          </a:xfrm>
+          <a:custGeom>
+            <a:avLst/>
+            <a:gdLst/>
+            <a:ahLst/>
+            <a:cxnLst/>
+            <a:rect l="l" t="t" r="r" b="b"/>
+            <a:pathLst>
+              <a:path w="9248" h="10000">
+                <a:moveTo>
+                  <a:pt x="9248" y="4701"/>
+                </a:moveTo>
+                <a:lnTo>
+                  <a:pt x="7915" y="188"/>
+                </a:lnTo>
+                <a:cubicBezTo>
+                  <a:pt x="7906" y="156"/>
+                  <a:pt x="7895" y="126"/>
+                  <a:pt x="7886" y="94"/>
+                </a:cubicBezTo>
+                <a:cubicBezTo>
+                  <a:pt x="7859" y="0"/>
+                  <a:pt x="7831" y="0"/>
+                  <a:pt x="7803" y="0"/>
+                </a:cubicBezTo>
+                <a:lnTo>
+                  <a:pt x="7275" y="0"/>
+                </a:lnTo>
+                <a:lnTo>
+                  <a:pt x="0" y="70"/>
+                </a:lnTo>
+                <a:cubicBezTo>
+                  <a:pt x="8" y="3380"/>
+                  <a:pt x="17" y="6690"/>
+                  <a:pt x="25" y="10000"/>
+                </a:cubicBezTo>
+                <a:lnTo>
+                  <a:pt x="7275" y="9966"/>
+                </a:lnTo>
+                <a:lnTo>
+                  <a:pt x="7803" y="9966"/>
+                </a:lnTo>
+                <a:cubicBezTo>
+                  <a:pt x="7831" y="9966"/>
+                  <a:pt x="7859" y="9872"/>
+                  <a:pt x="7886" y="9872"/>
+                </a:cubicBezTo>
+                <a:cubicBezTo>
+                  <a:pt x="7886" y="9778"/>
+                  <a:pt x="7915" y="9778"/>
+                  <a:pt x="7915" y="9778"/>
+                </a:cubicBezTo>
+                <a:lnTo>
+                  <a:pt x="9248" y="5265"/>
+                </a:lnTo>
+                <a:cubicBezTo>
+                  <a:pt x="9303" y="5077"/>
+                  <a:pt x="9303" y="4889"/>
+                  <a:pt x="9248" y="4701"/>
+                </a:cubicBezTo>
+                <a:close/>
+              </a:path>
+            </a:pathLst>
+          </a:custGeom>
+          <a:solidFill>
+            <a:schemeClr val="accent1"/>
+          </a:solidFill>
+          <a:ln>
+            <a:noFill/>
+          </a:ln>
+        </p:spPr>
+      </p:sp>
+      <p:sp>
+        <p:nvSpPr>
+          <p:cNvPr id="7" name="Slide Number Placeholder 6"/>
+          <p:cNvSpPr>
+            <a:spLocks noGrp="1"/>
+          </p:cNvSpPr>
+          <p:nvPr>
+            <p:ph type="sldNum" sz="quarter" idx="12"/>
+          </p:nvPr>
+        </p:nvSpPr>
+        <p:spPr>
+          <a:xfrm>
+            <a:off x="531812" y="4983087"/>
+            <a:ext cx="779767" cy="365125"/>
+          </a:xfrm>
+        </p:spPr>
+        <p:txBody>
+          <a:bodyPr/>
+          <a:lstStyle/>
+          <a:p>
+            <a:fld id="{5EB706FA-5B87-4550-920B-94AC269D372D}" type="slidenum">
+              <a:rPr lang="zh-CN" altLang="en-US" smtClean="0"/>
+              <a:t>‹#›</a:t>
+            </a:fld>
+            <a:endParaRPr lang="zh-CN" altLang="en-US"/>
+          </a:p>
+        </p:txBody>
+      </p:sp>
+    </p:spTree>
+    <p:extLst>
+      <p:ext uri="{BB962C8B-B14F-4D97-AF65-F5344CB8AC3E}">
+        <p14:creationId xmlns:p14="http://schemas.microsoft.com/office/powerpoint/2010/main" val="3038249201"/>
+      </p:ext>
+    </p:extLst>
+  </p:cSld>
+  <p:clrMapOvr>
+    <a:masterClrMapping/>
+  </p:clrMapOvr>
+</p:sldLayout>
+</file>
+
+<file path=ppt/slideLayouts/slideLayout13.xml><?xml version="1.0" encoding="utf-8"?>
+<p:sldLayout xmlns:a="http://schemas.openxmlformats.org/drawingml/2006/main" xmlns:r="http://schemas.openxmlformats.org/officeDocument/2006/relationships" xmlns:p="http://schemas.openxmlformats.org/presentationml/2006/main" preserve="1">
+  <p:cSld name="引言名片">
+    <p:spTree>
+      <p:nvGrpSpPr>
+        <p:cNvPr id="1" name=""/>
+        <p:cNvGrpSpPr/>
+        <p:nvPr/>
+      </p:nvGrpSpPr>
+      <p:grpSpPr>
+        <a:xfrm>
+          <a:off x="0" y="0"/>
+          <a:ext cx="0" cy="0"/>
+          <a:chOff x="0" y="0"/>
+          <a:chExt cx="0" cy="0"/>
+        </a:xfrm>
+      </p:grpSpPr>
+      <p:sp>
+        <p:nvSpPr>
+          <p:cNvPr id="12" name="Title 1"/>
+          <p:cNvSpPr>
+            <a:spLocks noGrp="1"/>
+          </p:cNvSpPr>
+          <p:nvPr>
+            <p:ph type="title"/>
+          </p:nvPr>
+        </p:nvSpPr>
+        <p:spPr>
+          <a:xfrm>
+            <a:off x="2849949" y="609600"/>
+            <a:ext cx="8393926" cy="2895600"/>
+          </a:xfrm>
+        </p:spPr>
+        <p:txBody>
+          <a:bodyPr anchor="ctr">
+            <a:normAutofit/>
+          </a:bodyPr>
+          <a:lstStyle>
+            <a:lvl1pPr algn="l">
+              <a:defRPr sz="4800" b="0" cap="none"/>
+            </a:lvl1pPr>
+          </a:lstStyle>
+          <a:p>
+            <a:r>
+              <a:rPr lang="zh-CN" altLang="en-US"/>
+              <a:t>单击此处编辑母版标题样式</a:t>
+            </a:r>
+            <a:endParaRPr lang="en-US" dirty="0"/>
+          </a:p>
+        </p:txBody>
+      </p:sp>
+      <p:sp>
+        <p:nvSpPr>
+          <p:cNvPr id="21" name="Text Placeholder 9"/>
+          <p:cNvSpPr>
+            <a:spLocks noGrp="1"/>
+          </p:cNvSpPr>
+          <p:nvPr>
+            <p:ph type="body" sz="quarter" idx="13"/>
+          </p:nvPr>
+        </p:nvSpPr>
+        <p:spPr>
+          <a:xfrm>
+            <a:off x="2589212" y="4343400"/>
+            <a:ext cx="8915400" cy="838200"/>
+          </a:xfrm>
+        </p:spPr>
+        <p:txBody>
+          <a:bodyPr anchor="b">
+            <a:noAutofit/>
+          </a:bodyPr>
+          <a:lstStyle>
+            <a:lvl1pPr marL="0" indent="0">
+              <a:buFontTx/>
+              <a:buNone/>
+              <a:defRPr sz="2400">
+                <a:solidFill>
+                  <a:schemeClr val="accent1"/>
+                </a:solidFill>
+              </a:defRPr>
+            </a:lvl1pPr>
+            <a:lvl2pPr marL="457200" indent="0">
+              <a:buFontTx/>
+              <a:buNone/>
+              <a:defRPr/>
+            </a:lvl2pPr>
+            <a:lvl3pPr marL="914400" indent="0">
+              <a:buFontTx/>
+              <a:buNone/>
+              <a:defRPr/>
+            </a:lvl3pPr>
+            <a:lvl4pPr marL="1371600" indent="0">
+              <a:buFontTx/>
+              <a:buNone/>
+              <a:defRPr/>
+            </a:lvl4pPr>
+            <a:lvl5pPr marL="1828800" indent="0">
+              <a:buFontTx/>
+              <a:buNone/>
+              <a:defRPr/>
+            </a:lvl5pPr>
+          </a:lstStyle>
+          <a:p>
+            <a:pPr lvl="0"/>
+            <a:r>
+              <a:rPr lang="zh-CN" altLang="en-US"/>
+              <a:t>单击此处编辑母版文本样式</a:t>
+            </a:r>
+          </a:p>
+        </p:txBody>
+      </p:sp>
+      <p:sp>
+        <p:nvSpPr>
+          <p:cNvPr id="4" name="Text Placeholder 3"/>
+          <p:cNvSpPr>
+            <a:spLocks noGrp="1"/>
+          </p:cNvSpPr>
+          <p:nvPr>
+            <p:ph type="body" sz="half" idx="2"/>
+          </p:nvPr>
+        </p:nvSpPr>
+        <p:spPr>
+          <a:xfrm>
+            <a:off x="2589213" y="5181600"/>
+            <a:ext cx="8915400" cy="729622"/>
+          </a:xfrm>
+        </p:spPr>
+        <p:txBody>
+          <a:bodyPr vert="horz" lIns="91440" tIns="45720" rIns="91440" bIns="45720" rtlCol="0" anchor="t">
+            <a:normAutofit/>
+          </a:bodyPr>
+          <a:lstStyle>
+            <a:lvl1pPr>
+              <a:buNone/>
+              <a:defRPr lang="en-US">
+                <a:solidFill>
+                  <a:schemeClr val="tx1">
+                    <a:lumMod val="65000"/>
+                    <a:lumOff val="35000"/>
+                  </a:schemeClr>
+                </a:solidFill>
+              </a:defRPr>
+            </a:lvl1pPr>
+          </a:lstStyle>
+          <a:p>
+            <a:pPr marL="0" lvl="0" indent="0">
+              <a:buNone/>
+            </a:pPr>
+            <a:r>
+              <a:rPr lang="zh-CN" altLang="en-US"/>
+              <a:t>单击此处编辑母版文本样式</a:t>
+            </a:r>
+          </a:p>
+        </p:txBody>
+      </p:sp>
+      <p:sp>
+        <p:nvSpPr>
+          <p:cNvPr id="5" name="Date Placeholder 4"/>
+          <p:cNvSpPr>
+            <a:spLocks noGrp="1"/>
+          </p:cNvSpPr>
+          <p:nvPr>
+            <p:ph type="dt" sz="half" idx="10"/>
+          </p:nvPr>
+        </p:nvSpPr>
+        <p:spPr/>
+        <p:txBody>
+          <a:bodyPr/>
+          <a:lstStyle/>
+          <a:p>
+            <a:fld id="{A4036A34-A668-4A43-9099-C9D27A346F01}" type="datetimeFigureOut">
+              <a:rPr lang="zh-CN" altLang="en-US" smtClean="0"/>
+              <a:t>2023/5/14</a:t>
+            </a:fld>
+            <a:endParaRPr lang="zh-CN" altLang="en-US"/>
+          </a:p>
+        </p:txBody>
+      </p:sp>
+      <p:sp>
+        <p:nvSpPr>
+          <p:cNvPr id="6" name="Footer Placeholder 5"/>
+          <p:cNvSpPr>
+            <a:spLocks noGrp="1"/>
+          </p:cNvSpPr>
+          <p:nvPr>
+            <p:ph type="ftr" sz="quarter" idx="11"/>
+          </p:nvPr>
+        </p:nvSpPr>
+        <p:spPr/>
+        <p:txBody>
+          <a:bodyPr/>
+          <a:lstStyle/>
+          <a:p>
+            <a:endParaRPr lang="zh-CN" altLang="en-US"/>
+          </a:p>
+        </p:txBody>
+      </p:sp>
+      <p:sp>
+        <p:nvSpPr>
+          <p:cNvPr id="11" name="Freeform 11"/>
+          <p:cNvSpPr/>
+          <p:nvPr/>
+        </p:nvSpPr>
+        <p:spPr bwMode="auto">
+          <a:xfrm flipV="1">
+            <a:off x="-4189" y="4911725"/>
+            <a:ext cx="1588527" cy="507297"/>
+          </a:xfrm>
+          <a:custGeom>
+            <a:avLst/>
+            <a:gdLst/>
+            <a:ahLst/>
+            <a:cxnLst/>
+            <a:rect l="l" t="t" r="r" b="b"/>
+            <a:pathLst>
+              <a:path w="9248" h="10000">
+                <a:moveTo>
+                  <a:pt x="9248" y="4701"/>
+                </a:moveTo>
+                <a:lnTo>
+                  <a:pt x="7915" y="188"/>
+                </a:lnTo>
+                <a:cubicBezTo>
+                  <a:pt x="7906" y="156"/>
+                  <a:pt x="7895" y="126"/>
+                  <a:pt x="7886" y="94"/>
+                </a:cubicBezTo>
+                <a:cubicBezTo>
+                  <a:pt x="7859" y="0"/>
+                  <a:pt x="7831" y="0"/>
+                  <a:pt x="7803" y="0"/>
+                </a:cubicBezTo>
+                <a:lnTo>
+                  <a:pt x="7275" y="0"/>
+                </a:lnTo>
+                <a:lnTo>
+                  <a:pt x="0" y="70"/>
+                </a:lnTo>
+                <a:cubicBezTo>
+                  <a:pt x="8" y="3380"/>
+                  <a:pt x="17" y="6690"/>
+                  <a:pt x="25" y="10000"/>
+                </a:cubicBezTo>
+                <a:lnTo>
+                  <a:pt x="7275" y="9966"/>
+                </a:lnTo>
+                <a:lnTo>
+                  <a:pt x="7803" y="9966"/>
+                </a:lnTo>
+                <a:cubicBezTo>
+                  <a:pt x="7831" y="9966"/>
+                  <a:pt x="7859" y="9872"/>
+                  <a:pt x="7886" y="9872"/>
+                </a:cubicBezTo>
+                <a:cubicBezTo>
+                  <a:pt x="7886" y="9778"/>
+                  <a:pt x="7915" y="9778"/>
+                  <a:pt x="7915" y="9778"/>
+                </a:cubicBezTo>
+                <a:lnTo>
+                  <a:pt x="9248" y="5265"/>
+                </a:lnTo>
+                <a:cubicBezTo>
+                  <a:pt x="9303" y="5077"/>
+                  <a:pt x="9303" y="4889"/>
+                  <a:pt x="9248" y="4701"/>
+                </a:cubicBezTo>
+                <a:close/>
+              </a:path>
+            </a:pathLst>
+          </a:custGeom>
+          <a:solidFill>
+            <a:schemeClr val="accent1"/>
+          </a:solidFill>
+          <a:ln>
+            <a:noFill/>
+          </a:ln>
+        </p:spPr>
+      </p:sp>
+      <p:sp>
+        <p:nvSpPr>
+          <p:cNvPr id="7" name="Slide Number Placeholder 6"/>
+          <p:cNvSpPr>
+            <a:spLocks noGrp="1"/>
+          </p:cNvSpPr>
+          <p:nvPr>
+            <p:ph type="sldNum" sz="quarter" idx="12"/>
+          </p:nvPr>
+        </p:nvSpPr>
+        <p:spPr>
+          <a:xfrm>
+            <a:off x="531812" y="4983087"/>
+            <a:ext cx="779767" cy="365125"/>
+          </a:xfrm>
+        </p:spPr>
+        <p:txBody>
+          <a:bodyPr/>
+          <a:lstStyle/>
+          <a:p>
+            <a:fld id="{5EB706FA-5B87-4550-920B-94AC269D372D}" type="slidenum">
+              <a:rPr lang="zh-CN" altLang="en-US" smtClean="0"/>
+              <a:t>‹#›</a:t>
+            </a:fld>
+            <a:endParaRPr lang="zh-CN" altLang="en-US"/>
+          </a:p>
+        </p:txBody>
+      </p:sp>
+      <p:sp>
+        <p:nvSpPr>
+          <p:cNvPr id="17" name="TextBox 16"/>
+          <p:cNvSpPr txBox="1"/>
+          <p:nvPr/>
+        </p:nvSpPr>
+        <p:spPr>
+          <a:xfrm>
+            <a:off x="2467652" y="648005"/>
+            <a:ext cx="609600" cy="584776"/>
+          </a:xfrm>
+          <a:prstGeom prst="rect">
+            <a:avLst/>
+          </a:prstGeom>
+        </p:spPr>
+        <p:txBody>
+          <a:bodyPr vert="horz" lIns="91440" tIns="45720" rIns="91440" bIns="45720" rtlCol="0" anchor="ctr">
+            <a:noAutofit/>
+          </a:bodyPr>
+          <a:lstStyle/>
+          <a:p>
+            <a:pPr lvl="0"/>
+            <a:r>
+              <a:rPr lang="en-US" sz="8000" baseline="0" dirty="0">
+                <a:ln w="3175" cmpd="sng">
+                  <a:noFill/>
+                </a:ln>
+                <a:solidFill>
+                  <a:schemeClr val="accent1"/>
+                </a:solidFill>
+                <a:effectLst/>
+                <a:latin typeface="Arial"/>
+              </a:rPr>
+              <a:t>“</a:t>
+            </a:r>
+          </a:p>
+        </p:txBody>
+      </p:sp>
+      <p:sp>
+        <p:nvSpPr>
+          <p:cNvPr id="18" name="TextBox 17"/>
+          <p:cNvSpPr txBox="1"/>
+          <p:nvPr/>
+        </p:nvSpPr>
+        <p:spPr>
+          <a:xfrm>
+            <a:off x="11114852" y="2905306"/>
+            <a:ext cx="609600" cy="584776"/>
+          </a:xfrm>
+          <a:prstGeom prst="rect">
+            <a:avLst/>
+          </a:prstGeom>
+        </p:spPr>
+        <p:txBody>
+          <a:bodyPr vert="horz" lIns="91440" tIns="45720" rIns="91440" bIns="45720" rtlCol="0" anchor="ctr">
+            <a:noAutofit/>
+          </a:bodyPr>
+          <a:lstStyle/>
+          <a:p>
+            <a:pPr lvl="0"/>
+            <a:r>
+              <a:rPr lang="en-US" sz="8000" baseline="0" dirty="0">
+                <a:ln w="3175" cmpd="sng">
+                  <a:noFill/>
+                </a:ln>
+                <a:solidFill>
+                  <a:schemeClr val="accent1"/>
+                </a:solidFill>
+                <a:effectLst/>
+                <a:latin typeface="Arial"/>
+              </a:rPr>
+              <a:t>”</a:t>
+            </a:r>
+          </a:p>
+        </p:txBody>
+      </p:sp>
+    </p:spTree>
+    <p:extLst>
+      <p:ext uri="{BB962C8B-B14F-4D97-AF65-F5344CB8AC3E}">
+        <p14:creationId xmlns:p14="http://schemas.microsoft.com/office/powerpoint/2010/main" val="3673094374"/>
+      </p:ext>
+    </p:extLst>
+  </p:cSld>
+  <p:clrMapOvr>
+    <a:masterClrMapping/>
+  </p:clrMapOvr>
+</p:sldLayout>
+</file>
+
+<file path=ppt/slideLayouts/slideLayout14.xml><?xml version="1.0" encoding="utf-8"?>
+<p:sldLayout xmlns:a="http://schemas.openxmlformats.org/drawingml/2006/main" xmlns:r="http://schemas.openxmlformats.org/officeDocument/2006/relationships" xmlns:p="http://schemas.openxmlformats.org/presentationml/2006/main" preserve="1">
+  <p:cSld name="真或假">
+    <p:spTree>
+      <p:nvGrpSpPr>
+        <p:cNvPr id="1" name=""/>
+        <p:cNvGrpSpPr/>
+        <p:nvPr/>
+      </p:nvGrpSpPr>
+      <p:grpSpPr>
+        <a:xfrm>
+          <a:off x="0" y="0"/>
+          <a:ext cx="0" cy="0"/>
+          <a:chOff x="0" y="0"/>
+          <a:chExt cx="0" cy="0"/>
+        </a:xfrm>
+      </p:grpSpPr>
+      <p:sp>
+        <p:nvSpPr>
+          <p:cNvPr id="2" name="Title 1"/>
+          <p:cNvSpPr>
+            <a:spLocks noGrp="1"/>
+          </p:cNvSpPr>
+          <p:nvPr>
+            <p:ph type="title"/>
+          </p:nvPr>
+        </p:nvSpPr>
+        <p:spPr>
+          <a:xfrm>
+            <a:off x="2589212" y="627407"/>
+            <a:ext cx="8915399" cy="2880020"/>
+          </a:xfrm>
+        </p:spPr>
+        <p:txBody>
+          <a:bodyPr anchor="ctr">
+            <a:normAutofit/>
+          </a:bodyPr>
+          <a:lstStyle>
+            <a:lvl1pPr algn="l">
+              <a:defRPr sz="4800" b="0"/>
+            </a:lvl1pPr>
+          </a:lstStyle>
+          <a:p>
+            <a:r>
+              <a:rPr lang="zh-CN" altLang="en-US"/>
+              <a:t>单击此处编辑母版标题样式</a:t>
+            </a:r>
+            <a:endParaRPr lang="en-US" dirty="0"/>
+          </a:p>
+        </p:txBody>
+      </p:sp>
+      <p:sp>
+        <p:nvSpPr>
+          <p:cNvPr id="21" name="Text Placeholder 9"/>
+          <p:cNvSpPr>
+            <a:spLocks noGrp="1"/>
+          </p:cNvSpPr>
+          <p:nvPr>
+            <p:ph type="body" sz="quarter" idx="13"/>
+          </p:nvPr>
+        </p:nvSpPr>
+        <p:spPr>
+          <a:xfrm>
+            <a:off x="2589212" y="4343400"/>
+            <a:ext cx="8915400" cy="838200"/>
+          </a:xfrm>
+        </p:spPr>
+        <p:txBody>
+          <a:bodyPr anchor="b">
+            <a:noAutofit/>
+          </a:bodyPr>
+          <a:lstStyle>
+            <a:lvl1pPr marL="0" indent="0">
+              <a:buFontTx/>
+              <a:buNone/>
+              <a:defRPr sz="2400">
+                <a:solidFill>
+                  <a:schemeClr val="accent1"/>
+                </a:solidFill>
+              </a:defRPr>
+            </a:lvl1pPr>
+            <a:lvl2pPr marL="457200" indent="0">
+              <a:buFontTx/>
+              <a:buNone/>
+              <a:defRPr/>
+            </a:lvl2pPr>
+            <a:lvl3pPr marL="914400" indent="0">
+              <a:buFontTx/>
+              <a:buNone/>
+              <a:defRPr/>
+            </a:lvl3pPr>
+            <a:lvl4pPr marL="1371600" indent="0">
+              <a:buFontTx/>
+              <a:buNone/>
+              <a:defRPr/>
+            </a:lvl4pPr>
+            <a:lvl5pPr marL="1828800" indent="0">
+              <a:buFontTx/>
+              <a:buNone/>
+              <a:defRPr/>
+            </a:lvl5pPr>
+          </a:lstStyle>
+          <a:p>
+            <a:pPr lvl="0"/>
+            <a:r>
+              <a:rPr lang="zh-CN" altLang="en-US"/>
+              <a:t>单击此处编辑母版文本样式</a:t>
+            </a:r>
+          </a:p>
+        </p:txBody>
+      </p:sp>
+      <p:sp>
+        <p:nvSpPr>
+          <p:cNvPr id="4" name="Text Placeholder 3"/>
+          <p:cNvSpPr>
+            <a:spLocks noGrp="1"/>
+          </p:cNvSpPr>
+          <p:nvPr>
+            <p:ph type="body" sz="half" idx="2"/>
+          </p:nvPr>
+        </p:nvSpPr>
+        <p:spPr>
+          <a:xfrm>
+            <a:off x="2589213" y="5181600"/>
+            <a:ext cx="8915400" cy="729622"/>
+          </a:xfrm>
+        </p:spPr>
+        <p:txBody>
+          <a:bodyPr vert="horz" lIns="91440" tIns="45720" rIns="91440" bIns="45720" rtlCol="0" anchor="t">
+            <a:normAutofit/>
+          </a:bodyPr>
+          <a:lstStyle>
+            <a:lvl1pPr>
+              <a:buNone/>
+              <a:defRPr lang="en-US">
+                <a:solidFill>
+                  <a:schemeClr val="tx1">
+                    <a:lumMod val="65000"/>
+                    <a:lumOff val="35000"/>
+                  </a:schemeClr>
+                </a:solidFill>
+              </a:defRPr>
+            </a:lvl1pPr>
+          </a:lstStyle>
+          <a:p>
+            <a:pPr marL="0" lvl="0" indent="0">
+              <a:buNone/>
+            </a:pPr>
+            <a:r>
+              <a:rPr lang="zh-CN" altLang="en-US"/>
+              <a:t>单击此处编辑母版文本样式</a:t>
+            </a:r>
+          </a:p>
+        </p:txBody>
+      </p:sp>
+      <p:sp>
+        <p:nvSpPr>
+          <p:cNvPr id="5" name="Date Placeholder 4"/>
+          <p:cNvSpPr>
+            <a:spLocks noGrp="1"/>
+          </p:cNvSpPr>
+          <p:nvPr>
+            <p:ph type="dt" sz="half" idx="10"/>
+          </p:nvPr>
+        </p:nvSpPr>
+        <p:spPr/>
+        <p:txBody>
+          <a:bodyPr/>
+          <a:lstStyle/>
+          <a:p>
+            <a:fld id="{A4036A34-A668-4A43-9099-C9D27A346F01}" type="datetimeFigureOut">
+              <a:rPr lang="zh-CN" altLang="en-US" smtClean="0"/>
+              <a:t>2023/5/14</a:t>
+            </a:fld>
+            <a:endParaRPr lang="zh-CN" altLang="en-US"/>
+          </a:p>
+        </p:txBody>
+      </p:sp>
+      <p:sp>
+        <p:nvSpPr>
+          <p:cNvPr id="6" name="Footer Placeholder 5"/>
+          <p:cNvSpPr>
+            <a:spLocks noGrp="1"/>
+          </p:cNvSpPr>
+          <p:nvPr>
+            <p:ph type="ftr" sz="quarter" idx="11"/>
+          </p:nvPr>
+        </p:nvSpPr>
+        <p:spPr/>
+        <p:txBody>
+          <a:bodyPr/>
+          <a:lstStyle/>
+          <a:p>
+            <a:endParaRPr lang="zh-CN" altLang="en-US"/>
+          </a:p>
+        </p:txBody>
+      </p:sp>
+      <p:sp>
+        <p:nvSpPr>
+          <p:cNvPr id="9" name="Freeform 11"/>
+          <p:cNvSpPr/>
+          <p:nvPr/>
+        </p:nvSpPr>
+        <p:spPr bwMode="auto">
+          <a:xfrm flipV="1">
+            <a:off x="-4189" y="4911725"/>
+            <a:ext cx="1588527" cy="507297"/>
+          </a:xfrm>
+          <a:custGeom>
+            <a:avLst/>
+            <a:gdLst/>
+            <a:ahLst/>
+            <a:cxnLst/>
+            <a:rect l="l" t="t" r="r" b="b"/>
+            <a:pathLst>
+              <a:path w="9248" h="10000">
+                <a:moveTo>
+                  <a:pt x="9248" y="4701"/>
+                </a:moveTo>
+                <a:lnTo>
+                  <a:pt x="7915" y="188"/>
+                </a:lnTo>
+                <a:cubicBezTo>
+                  <a:pt x="7906" y="156"/>
+                  <a:pt x="7895" y="126"/>
+                  <a:pt x="7886" y="94"/>
+                </a:cubicBezTo>
+                <a:cubicBezTo>
+                  <a:pt x="7859" y="0"/>
+                  <a:pt x="7831" y="0"/>
+                  <a:pt x="7803" y="0"/>
+                </a:cubicBezTo>
+                <a:lnTo>
+                  <a:pt x="7275" y="0"/>
+                </a:lnTo>
+                <a:lnTo>
+                  <a:pt x="0" y="70"/>
+                </a:lnTo>
+                <a:cubicBezTo>
+                  <a:pt x="8" y="3380"/>
+                  <a:pt x="17" y="6690"/>
+                  <a:pt x="25" y="10000"/>
+                </a:cubicBezTo>
+                <a:lnTo>
+                  <a:pt x="7275" y="9966"/>
+                </a:lnTo>
+                <a:lnTo>
+                  <a:pt x="7803" y="9966"/>
+                </a:lnTo>
+                <a:cubicBezTo>
+                  <a:pt x="7831" y="9966"/>
+                  <a:pt x="7859" y="9872"/>
+                  <a:pt x="7886" y="9872"/>
+                </a:cubicBezTo>
+                <a:cubicBezTo>
+                  <a:pt x="7886" y="9778"/>
+                  <a:pt x="7915" y="9778"/>
+                  <a:pt x="7915" y="9778"/>
+                </a:cubicBezTo>
+                <a:lnTo>
+                  <a:pt x="9248" y="5265"/>
+                </a:lnTo>
+                <a:cubicBezTo>
+                  <a:pt x="9303" y="5077"/>
+                  <a:pt x="9303" y="4889"/>
+                  <a:pt x="9248" y="4701"/>
+                </a:cubicBezTo>
+                <a:close/>
+              </a:path>
+            </a:pathLst>
+          </a:custGeom>
+          <a:solidFill>
+            <a:schemeClr val="accent1"/>
+          </a:solidFill>
+          <a:ln>
+            <a:noFill/>
+          </a:ln>
+        </p:spPr>
+      </p:sp>
+      <p:sp>
+        <p:nvSpPr>
+          <p:cNvPr id="7" name="Slide Number Placeholder 6"/>
+          <p:cNvSpPr>
+            <a:spLocks noGrp="1"/>
+          </p:cNvSpPr>
+          <p:nvPr>
+            <p:ph type="sldNum" sz="quarter" idx="12"/>
+          </p:nvPr>
+        </p:nvSpPr>
+        <p:spPr>
+          <a:xfrm>
+            <a:off x="531812" y="4983087"/>
+            <a:ext cx="779767" cy="365125"/>
+          </a:xfrm>
+        </p:spPr>
+        <p:txBody>
+          <a:bodyPr/>
+          <a:lstStyle/>
+          <a:p>
+            <a:fld id="{5EB706FA-5B87-4550-920B-94AC269D372D}" type="slidenum">
+              <a:rPr lang="zh-CN" altLang="en-US" smtClean="0"/>
+              <a:t>‹#›</a:t>
+            </a:fld>
+            <a:endParaRPr lang="zh-CN" altLang="en-US"/>
+          </a:p>
+        </p:txBody>
+      </p:sp>
+    </p:spTree>
+    <p:extLst>
+      <p:ext uri="{BB962C8B-B14F-4D97-AF65-F5344CB8AC3E}">
+        <p14:creationId xmlns:p14="http://schemas.microsoft.com/office/powerpoint/2010/main" val="525124610"/>
+      </p:ext>
+    </p:extLst>
+  </p:cSld>
+  <p:clrMapOvr>
+    <a:masterClrMapping/>
+  </p:clrMapOvr>
+</p:sldLayout>
+</file>
+
+<file path=ppt/slideLayouts/slideLayout15.xml><?xml version="1.0" encoding="utf-8"?>
 <p:sldLayout xmlns:a="http://schemas.openxmlformats.org/drawingml/2006/main" xmlns:r="http://schemas.openxmlformats.org/officeDocument/2006/relationships" xmlns:p="http://schemas.openxmlformats.org/presentationml/2006/main" type="vertTx" preserve="1">
   <p:cSld name="标题和竖排文字">
     <p:spTree>
@@ -704,13 +2614,7 @@
       </p:grpSpPr>
       <p:sp>
         <p:nvSpPr>
-          <p:cNvPr id="2" name="标题 1">
-            <a:extLst>
-              <a:ext uri="{FF2B5EF4-FFF2-40B4-BE49-F238E27FC236}">
-                <a16:creationId xmlns:a16="http://schemas.microsoft.com/office/drawing/2014/main" id="{12552857-DBCD-C45A-8553-431468954890}"/>
-              </a:ext>
-            </a:extLst>
-          </p:cNvPr>
+          <p:cNvPr id="2" name="Title 1"/>
           <p:cNvSpPr>
             <a:spLocks noGrp="1"/>
           </p:cNvSpPr>
@@ -727,18 +2631,13 @@
               <a:rPr lang="zh-CN" altLang="en-US"/>
               <a:t>单击此处编辑母版标题样式</a:t>
             </a:r>
-          </a:p>
-        </p:txBody>
-      </p:sp>
-      <p:sp>
-        <p:nvSpPr>
-          <p:cNvPr id="3" name="竖排文字占位符 2">
-            <a:extLst>
-              <a:ext uri="{FF2B5EF4-FFF2-40B4-BE49-F238E27FC236}">
-                <a16:creationId xmlns:a16="http://schemas.microsoft.com/office/drawing/2014/main" id="{75A2ADBB-9CFE-91A9-5850-DFB02E601A80}"/>
-              </a:ext>
-            </a:extLst>
-          </p:cNvPr>
+            <a:endParaRPr lang="en-US" dirty="0"/>
+          </a:p>
+        </p:txBody>
+      </p:sp>
+      <p:sp>
+        <p:nvSpPr>
+          <p:cNvPr id="3" name="Vertical Text Placeholder 2"/>
           <p:cNvSpPr>
             <a:spLocks noGrp="1"/>
           </p:cNvSpPr>
@@ -748,7 +2647,7 @@
         </p:nvSpPr>
         <p:spPr/>
         <p:txBody>
-          <a:bodyPr vert="eaVert"/>
+          <a:bodyPr vert="eaVert" anchor="t"/>
           <a:lstStyle/>
           <a:p>
             <a:pPr lvl="0"/>
@@ -784,18 +2683,13 @@
               <a:rPr lang="zh-CN" altLang="en-US"/>
               <a:t>五级</a:t>
             </a:r>
-          </a:p>
-        </p:txBody>
-      </p:sp>
-      <p:sp>
-        <p:nvSpPr>
-          <p:cNvPr id="4" name="日期占位符 3">
-            <a:extLst>
-              <a:ext uri="{FF2B5EF4-FFF2-40B4-BE49-F238E27FC236}">
-                <a16:creationId xmlns:a16="http://schemas.microsoft.com/office/drawing/2014/main" id="{ED90EAB9-9C37-7CA6-5671-49622CBAC1C2}"/>
-              </a:ext>
-            </a:extLst>
-          </p:cNvPr>
+            <a:endParaRPr lang="en-US" dirty="0"/>
+          </a:p>
+        </p:txBody>
+      </p:sp>
+      <p:sp>
+        <p:nvSpPr>
+          <p:cNvPr id="4" name="Date Placeholder 3"/>
           <p:cNvSpPr>
             <a:spLocks noGrp="1"/>
           </p:cNvSpPr>
@@ -810,7 +2704,7 @@
           <a:p>
             <a:fld id="{A4036A34-A668-4A43-9099-C9D27A346F01}" type="datetimeFigureOut">
               <a:rPr lang="zh-CN" altLang="en-US" smtClean="0"/>
-              <a:t>2023/4/26</a:t>
+              <a:t>2023/5/14</a:t>
             </a:fld>
             <a:endParaRPr lang="zh-CN" altLang="en-US"/>
           </a:p>
@@ -818,13 +2712,7 @@
       </p:sp>
       <p:sp>
         <p:nvSpPr>
-          <p:cNvPr id="5" name="页脚占位符 4">
-            <a:extLst>
-              <a:ext uri="{FF2B5EF4-FFF2-40B4-BE49-F238E27FC236}">
-                <a16:creationId xmlns:a16="http://schemas.microsoft.com/office/drawing/2014/main" id="{AE6BF994-BA5F-1999-A1BA-624BBC6451C1}"/>
-              </a:ext>
-            </a:extLst>
-          </p:cNvPr>
+          <p:cNvPr id="5" name="Footer Placeholder 4"/>
           <p:cNvSpPr>
             <a:spLocks noGrp="1"/>
           </p:cNvSpPr>
@@ -843,13 +2731,89 @@
       </p:sp>
       <p:sp>
         <p:nvSpPr>
-          <p:cNvPr id="6" name="灯片编号占位符 5">
-            <a:extLst>
-              <a:ext uri="{FF2B5EF4-FFF2-40B4-BE49-F238E27FC236}">
-                <a16:creationId xmlns:a16="http://schemas.microsoft.com/office/drawing/2014/main" id="{9F1B18C9-D0B8-02C8-E0A5-1F82EEE390B9}"/>
-              </a:ext>
-            </a:extLst>
-          </p:cNvPr>
+          <p:cNvPr id="8" name="Freeform 11"/>
+          <p:cNvSpPr/>
+          <p:nvPr/>
+        </p:nvSpPr>
+        <p:spPr bwMode="auto">
+          <a:xfrm flipV="1">
+            <a:off x="-4189" y="714375"/>
+            <a:ext cx="1588527" cy="507297"/>
+          </a:xfrm>
+          <a:custGeom>
+            <a:avLst/>
+            <a:gdLst/>
+            <a:ahLst/>
+            <a:cxnLst/>
+            <a:rect l="l" t="t" r="r" b="b"/>
+            <a:pathLst>
+              <a:path w="9248" h="10000">
+                <a:moveTo>
+                  <a:pt x="9248" y="4701"/>
+                </a:moveTo>
+                <a:lnTo>
+                  <a:pt x="7915" y="188"/>
+                </a:lnTo>
+                <a:cubicBezTo>
+                  <a:pt x="7906" y="156"/>
+                  <a:pt x="7895" y="126"/>
+                  <a:pt x="7886" y="94"/>
+                </a:cubicBezTo>
+                <a:cubicBezTo>
+                  <a:pt x="7859" y="0"/>
+                  <a:pt x="7831" y="0"/>
+                  <a:pt x="7803" y="0"/>
+                </a:cubicBezTo>
+                <a:lnTo>
+                  <a:pt x="7275" y="0"/>
+                </a:lnTo>
+                <a:lnTo>
+                  <a:pt x="0" y="70"/>
+                </a:lnTo>
+                <a:cubicBezTo>
+                  <a:pt x="8" y="3380"/>
+                  <a:pt x="17" y="6690"/>
+                  <a:pt x="25" y="10000"/>
+                </a:cubicBezTo>
+                <a:lnTo>
+                  <a:pt x="7275" y="9966"/>
+                </a:lnTo>
+                <a:lnTo>
+                  <a:pt x="7803" y="9966"/>
+                </a:lnTo>
+                <a:cubicBezTo>
+                  <a:pt x="7831" y="9966"/>
+                  <a:pt x="7859" y="9872"/>
+                  <a:pt x="7886" y="9872"/>
+                </a:cubicBezTo>
+                <a:cubicBezTo>
+                  <a:pt x="7886" y="9778"/>
+                  <a:pt x="7915" y="9778"/>
+                  <a:pt x="7915" y="9778"/>
+                </a:cubicBezTo>
+                <a:lnTo>
+                  <a:pt x="9248" y="5265"/>
+                </a:lnTo>
+                <a:cubicBezTo>
+                  <a:pt x="9303" y="5077"/>
+                  <a:pt x="9303" y="4889"/>
+                  <a:pt x="9248" y="4701"/>
+                </a:cubicBezTo>
+                <a:close/>
+              </a:path>
+            </a:pathLst>
+          </a:custGeom>
+          <a:solidFill>
+            <a:schemeClr val="accent1"/>
+          </a:solidFill>
+          <a:ln>
+            <a:noFill/>
+          </a:ln>
+        </p:spPr>
+      </p:sp>
+      <p:sp>
+        <p:nvSpPr>
+          <p:cNvPr id="6" name="Slide Number Placeholder 5"/>
           <p:cNvSpPr>
             <a:spLocks noGrp="1"/>
           </p:cNvSpPr>
@@ -873,7 +2837,7 @@
     </p:spTree>
     <p:extLst>
       <p:ext uri="{BB962C8B-B14F-4D97-AF65-F5344CB8AC3E}">
-        <p14:creationId xmlns:p14="http://schemas.microsoft.com/office/powerpoint/2010/main" val="1077010336"/>
+        <p14:creationId xmlns:p14="http://schemas.microsoft.com/office/powerpoint/2010/main" val="2568467474"/>
       </p:ext>
     </p:extLst>
   </p:cSld>
@@ -883,7 +2847,7 @@
 </p:sldLayout>
 </file>
 
-<file path=ppt/slideLayouts/slideLayout11.xml><?xml version="1.0" encoding="utf-8"?>
+<file path=ppt/slideLayouts/slideLayout16.xml><?xml version="1.0" encoding="utf-8"?>
 <p:sldLayout xmlns:a="http://schemas.openxmlformats.org/drawingml/2006/main" xmlns:r="http://schemas.openxmlformats.org/officeDocument/2006/relationships" xmlns:p="http://schemas.openxmlformats.org/presentationml/2006/main" type="vertTitleAndTx" preserve="1">
   <p:cSld name="竖排标题与文本">
     <p:spTree>
@@ -902,13 +2866,7 @@
       </p:grpSpPr>
       <p:sp>
         <p:nvSpPr>
-          <p:cNvPr id="2" name="竖排标题 1">
-            <a:extLst>
-              <a:ext uri="{FF2B5EF4-FFF2-40B4-BE49-F238E27FC236}">
-                <a16:creationId xmlns:a16="http://schemas.microsoft.com/office/drawing/2014/main" id="{90F56025-269B-48E6-719E-AAEB13E67E2D}"/>
-              </a:ext>
-            </a:extLst>
-          </p:cNvPr>
+          <p:cNvPr id="2" name="Vertical Title 1"/>
           <p:cNvSpPr>
             <a:spLocks noGrp="1"/>
           </p:cNvSpPr>
@@ -918,30 +2876,25 @@
         </p:nvSpPr>
         <p:spPr>
           <a:xfrm>
-            <a:off x="8724900" y="365125"/>
-            <a:ext cx="2628900" cy="5811838"/>
+            <a:off x="9294812" y="627405"/>
+            <a:ext cx="2207601" cy="5283817"/>
           </a:xfrm>
         </p:spPr>
         <p:txBody>
-          <a:bodyPr vert="eaVert"/>
+          <a:bodyPr vert="eaVert" anchor="ctr"/>
           <a:lstStyle/>
           <a:p>
             <a:r>
               <a:rPr lang="zh-CN" altLang="en-US"/>
               <a:t>单击此处编辑母版标题样式</a:t>
             </a:r>
-          </a:p>
-        </p:txBody>
-      </p:sp>
-      <p:sp>
-        <p:nvSpPr>
-          <p:cNvPr id="3" name="竖排文字占位符 2">
-            <a:extLst>
-              <a:ext uri="{FF2B5EF4-FFF2-40B4-BE49-F238E27FC236}">
-                <a16:creationId xmlns:a16="http://schemas.microsoft.com/office/drawing/2014/main" id="{748BB081-B71E-282B-8517-CAEE8252570F}"/>
-              </a:ext>
-            </a:extLst>
-          </p:cNvPr>
+            <a:endParaRPr lang="en-US" dirty="0"/>
+          </a:p>
+        </p:txBody>
+      </p:sp>
+      <p:sp>
+        <p:nvSpPr>
+          <p:cNvPr id="3" name="Vertical Text Placeholder 2"/>
           <p:cNvSpPr>
             <a:spLocks noGrp="1"/>
           </p:cNvSpPr>
@@ -951,8 +2904,8 @@
         </p:nvSpPr>
         <p:spPr>
           <a:xfrm>
-            <a:off x="838200" y="365125"/>
-            <a:ext cx="7734300" cy="5811838"/>
+            <a:off x="2589212" y="627405"/>
+            <a:ext cx="6477000" cy="5283817"/>
           </a:xfrm>
         </p:spPr>
         <p:txBody>
@@ -992,18 +2945,13 @@
               <a:rPr lang="zh-CN" altLang="en-US"/>
               <a:t>五级</a:t>
             </a:r>
-          </a:p>
-        </p:txBody>
-      </p:sp>
-      <p:sp>
-        <p:nvSpPr>
-          <p:cNvPr id="4" name="日期占位符 3">
-            <a:extLst>
-              <a:ext uri="{FF2B5EF4-FFF2-40B4-BE49-F238E27FC236}">
-                <a16:creationId xmlns:a16="http://schemas.microsoft.com/office/drawing/2014/main" id="{EFC35EAA-9FFD-C181-4F03-FF59AA8F5C0E}"/>
-              </a:ext>
-            </a:extLst>
-          </p:cNvPr>
+            <a:endParaRPr lang="en-US" dirty="0"/>
+          </a:p>
+        </p:txBody>
+      </p:sp>
+      <p:sp>
+        <p:nvSpPr>
+          <p:cNvPr id="4" name="Date Placeholder 3"/>
           <p:cNvSpPr>
             <a:spLocks noGrp="1"/>
           </p:cNvSpPr>
@@ -1018,7 +2966,7 @@
           <a:p>
             <a:fld id="{A4036A34-A668-4A43-9099-C9D27A346F01}" type="datetimeFigureOut">
               <a:rPr lang="zh-CN" altLang="en-US" smtClean="0"/>
-              <a:t>2023/4/26</a:t>
+              <a:t>2023/5/14</a:t>
             </a:fld>
             <a:endParaRPr lang="zh-CN" altLang="en-US"/>
           </a:p>
@@ -1026,13 +2974,7 @@
       </p:sp>
       <p:sp>
         <p:nvSpPr>
-          <p:cNvPr id="5" name="页脚占位符 4">
-            <a:extLst>
-              <a:ext uri="{FF2B5EF4-FFF2-40B4-BE49-F238E27FC236}">
-                <a16:creationId xmlns:a16="http://schemas.microsoft.com/office/drawing/2014/main" id="{F5B07B5A-458E-4AAA-99E2-825785038D90}"/>
-              </a:ext>
-            </a:extLst>
-          </p:cNvPr>
+          <p:cNvPr id="5" name="Footer Placeholder 4"/>
           <p:cNvSpPr>
             <a:spLocks noGrp="1"/>
           </p:cNvSpPr>
@@ -1051,13 +2993,89 @@
       </p:sp>
       <p:sp>
         <p:nvSpPr>
-          <p:cNvPr id="6" name="灯片编号占位符 5">
-            <a:extLst>
-              <a:ext uri="{FF2B5EF4-FFF2-40B4-BE49-F238E27FC236}">
-                <a16:creationId xmlns:a16="http://schemas.microsoft.com/office/drawing/2014/main" id="{BADEDB4F-3EE4-FD28-3135-753ACAC66614}"/>
-              </a:ext>
-            </a:extLst>
-          </p:cNvPr>
+          <p:cNvPr id="8" name="Freeform 11"/>
+          <p:cNvSpPr/>
+          <p:nvPr/>
+        </p:nvSpPr>
+        <p:spPr bwMode="auto">
+          <a:xfrm flipV="1">
+            <a:off x="-4189" y="714375"/>
+            <a:ext cx="1588527" cy="507297"/>
+          </a:xfrm>
+          <a:custGeom>
+            <a:avLst/>
+            <a:gdLst/>
+            <a:ahLst/>
+            <a:cxnLst/>
+            <a:rect l="l" t="t" r="r" b="b"/>
+            <a:pathLst>
+              <a:path w="9248" h="10000">
+                <a:moveTo>
+                  <a:pt x="9248" y="4701"/>
+                </a:moveTo>
+                <a:lnTo>
+                  <a:pt x="7915" y="188"/>
+                </a:lnTo>
+                <a:cubicBezTo>
+                  <a:pt x="7906" y="156"/>
+                  <a:pt x="7895" y="126"/>
+                  <a:pt x="7886" y="94"/>
+                </a:cubicBezTo>
+                <a:cubicBezTo>
+                  <a:pt x="7859" y="0"/>
+                  <a:pt x="7831" y="0"/>
+                  <a:pt x="7803" y="0"/>
+                </a:cubicBezTo>
+                <a:lnTo>
+                  <a:pt x="7275" y="0"/>
+                </a:lnTo>
+                <a:lnTo>
+                  <a:pt x="0" y="70"/>
+                </a:lnTo>
+                <a:cubicBezTo>
+                  <a:pt x="8" y="3380"/>
+                  <a:pt x="17" y="6690"/>
+                  <a:pt x="25" y="10000"/>
+                </a:cubicBezTo>
+                <a:lnTo>
+                  <a:pt x="7275" y="9966"/>
+                </a:lnTo>
+                <a:lnTo>
+                  <a:pt x="7803" y="9966"/>
+                </a:lnTo>
+                <a:cubicBezTo>
+                  <a:pt x="7831" y="9966"/>
+                  <a:pt x="7859" y="9872"/>
+                  <a:pt x="7886" y="9872"/>
+                </a:cubicBezTo>
+                <a:cubicBezTo>
+                  <a:pt x="7886" y="9778"/>
+                  <a:pt x="7915" y="9778"/>
+                  <a:pt x="7915" y="9778"/>
+                </a:cubicBezTo>
+                <a:lnTo>
+                  <a:pt x="9248" y="5265"/>
+                </a:lnTo>
+                <a:cubicBezTo>
+                  <a:pt x="9303" y="5077"/>
+                  <a:pt x="9303" y="4889"/>
+                  <a:pt x="9248" y="4701"/>
+                </a:cubicBezTo>
+                <a:close/>
+              </a:path>
+            </a:pathLst>
+          </a:custGeom>
+          <a:solidFill>
+            <a:schemeClr val="accent1"/>
+          </a:solidFill>
+          <a:ln>
+            <a:noFill/>
+          </a:ln>
+        </p:spPr>
+      </p:sp>
+      <p:sp>
+        <p:nvSpPr>
+          <p:cNvPr id="6" name="Slide Number Placeholder 5"/>
           <p:cNvSpPr>
             <a:spLocks noGrp="1"/>
           </p:cNvSpPr>
@@ -1081,7 +3099,7 @@
     </p:spTree>
     <p:extLst>
       <p:ext uri="{BB962C8B-B14F-4D97-AF65-F5344CB8AC3E}">
-        <p14:creationId xmlns:p14="http://schemas.microsoft.com/office/powerpoint/2010/main" val="26720369"/>
+        <p14:creationId xmlns:p14="http://schemas.microsoft.com/office/powerpoint/2010/main" val="2676354918"/>
       </p:ext>
     </p:extLst>
   </p:cSld>
@@ -1110,13 +3128,7 @@
       </p:grpSpPr>
       <p:sp>
         <p:nvSpPr>
-          <p:cNvPr id="2" name="标题 1">
-            <a:extLst>
-              <a:ext uri="{FF2B5EF4-FFF2-40B4-BE49-F238E27FC236}">
-                <a16:creationId xmlns:a16="http://schemas.microsoft.com/office/drawing/2014/main" id="{4DF19A46-81F9-FADB-FA90-352502211A53}"/>
-              </a:ext>
-            </a:extLst>
-          </p:cNvPr>
+          <p:cNvPr id="2" name="Title 1"/>
           <p:cNvSpPr>
             <a:spLocks noGrp="1"/>
           </p:cNvSpPr>
@@ -1124,7 +3136,12 @@
             <p:ph type="title"/>
           </p:nvPr>
         </p:nvSpPr>
-        <p:spPr/>
+        <p:spPr>
+          <a:xfrm>
+            <a:off x="2592925" y="624110"/>
+            <a:ext cx="8911687" cy="1280890"/>
+          </a:xfrm>
+        </p:spPr>
         <p:txBody>
           <a:bodyPr/>
           <a:lstStyle/>
@@ -1133,18 +3150,13 @@
               <a:rPr lang="zh-CN" altLang="en-US"/>
               <a:t>单击此处编辑母版标题样式</a:t>
             </a:r>
-          </a:p>
-        </p:txBody>
-      </p:sp>
-      <p:sp>
-        <p:nvSpPr>
-          <p:cNvPr id="3" name="内容占位符 2">
-            <a:extLst>
-              <a:ext uri="{FF2B5EF4-FFF2-40B4-BE49-F238E27FC236}">
-                <a16:creationId xmlns:a16="http://schemas.microsoft.com/office/drawing/2014/main" id="{946E98A0-9715-82D6-431C-04D187CC3921}"/>
-              </a:ext>
-            </a:extLst>
-          </p:cNvPr>
+            <a:endParaRPr lang="en-US" dirty="0"/>
+          </a:p>
+        </p:txBody>
+      </p:sp>
+      <p:sp>
+        <p:nvSpPr>
+          <p:cNvPr id="3" name="Content Placeholder 2"/>
           <p:cNvSpPr>
             <a:spLocks noGrp="1"/>
           </p:cNvSpPr>
@@ -1152,7 +3164,12 @@
             <p:ph idx="1"/>
           </p:nvPr>
         </p:nvSpPr>
-        <p:spPr/>
+        <p:spPr>
+          <a:xfrm>
+            <a:off x="2589212" y="2133600"/>
+            <a:ext cx="8915400" cy="3777622"/>
+          </a:xfrm>
+        </p:spPr>
         <p:txBody>
           <a:bodyPr/>
           <a:lstStyle/>
@@ -1190,18 +3207,13 @@
               <a:rPr lang="zh-CN" altLang="en-US"/>
               <a:t>五级</a:t>
             </a:r>
-          </a:p>
-        </p:txBody>
-      </p:sp>
-      <p:sp>
-        <p:nvSpPr>
-          <p:cNvPr id="4" name="日期占位符 3">
-            <a:extLst>
-              <a:ext uri="{FF2B5EF4-FFF2-40B4-BE49-F238E27FC236}">
-                <a16:creationId xmlns:a16="http://schemas.microsoft.com/office/drawing/2014/main" id="{5E5A538B-EC13-0615-B90F-D2786AABA23B}"/>
-              </a:ext>
-            </a:extLst>
-          </p:cNvPr>
+            <a:endParaRPr lang="en-US" dirty="0"/>
+          </a:p>
+        </p:txBody>
+      </p:sp>
+      <p:sp>
+        <p:nvSpPr>
+          <p:cNvPr id="4" name="Date Placeholder 3"/>
           <p:cNvSpPr>
             <a:spLocks noGrp="1"/>
           </p:cNvSpPr>
@@ -1216,7 +3228,7 @@
           <a:p>
             <a:fld id="{A4036A34-A668-4A43-9099-C9D27A346F01}" type="datetimeFigureOut">
               <a:rPr lang="zh-CN" altLang="en-US" smtClean="0"/>
-              <a:t>2023/4/26</a:t>
+              <a:t>2023/5/14</a:t>
             </a:fld>
             <a:endParaRPr lang="zh-CN" altLang="en-US"/>
           </a:p>
@@ -1224,13 +3236,7 @@
       </p:sp>
       <p:sp>
         <p:nvSpPr>
-          <p:cNvPr id="5" name="页脚占位符 4">
-            <a:extLst>
-              <a:ext uri="{FF2B5EF4-FFF2-40B4-BE49-F238E27FC236}">
-                <a16:creationId xmlns:a16="http://schemas.microsoft.com/office/drawing/2014/main" id="{5B52F7F6-D36C-C55D-B668-2EA4B31D74E4}"/>
-              </a:ext>
-            </a:extLst>
-          </p:cNvPr>
+          <p:cNvPr id="5" name="Footer Placeholder 4"/>
           <p:cNvSpPr>
             <a:spLocks noGrp="1"/>
           </p:cNvSpPr>
@@ -1249,13 +3255,89 @@
       </p:sp>
       <p:sp>
         <p:nvSpPr>
-          <p:cNvPr id="6" name="灯片编号占位符 5">
-            <a:extLst>
-              <a:ext uri="{FF2B5EF4-FFF2-40B4-BE49-F238E27FC236}">
-                <a16:creationId xmlns:a16="http://schemas.microsoft.com/office/drawing/2014/main" id="{18477993-7781-EEE2-D5B4-A2BB49E8E03C}"/>
-              </a:ext>
-            </a:extLst>
-          </p:cNvPr>
+          <p:cNvPr id="8" name="Freeform 11"/>
+          <p:cNvSpPr/>
+          <p:nvPr/>
+        </p:nvSpPr>
+        <p:spPr bwMode="auto">
+          <a:xfrm flipV="1">
+            <a:off x="-4189" y="714375"/>
+            <a:ext cx="1588527" cy="507297"/>
+          </a:xfrm>
+          <a:custGeom>
+            <a:avLst/>
+            <a:gdLst/>
+            <a:ahLst/>
+            <a:cxnLst/>
+            <a:rect l="l" t="t" r="r" b="b"/>
+            <a:pathLst>
+              <a:path w="9248" h="10000">
+                <a:moveTo>
+                  <a:pt x="9248" y="4701"/>
+                </a:moveTo>
+                <a:lnTo>
+                  <a:pt x="7915" y="188"/>
+                </a:lnTo>
+                <a:cubicBezTo>
+                  <a:pt x="7906" y="156"/>
+                  <a:pt x="7895" y="126"/>
+                  <a:pt x="7886" y="94"/>
+                </a:cubicBezTo>
+                <a:cubicBezTo>
+                  <a:pt x="7859" y="0"/>
+                  <a:pt x="7831" y="0"/>
+                  <a:pt x="7803" y="0"/>
+                </a:cubicBezTo>
+                <a:lnTo>
+                  <a:pt x="7275" y="0"/>
+                </a:lnTo>
+                <a:lnTo>
+                  <a:pt x="0" y="70"/>
+                </a:lnTo>
+                <a:cubicBezTo>
+                  <a:pt x="8" y="3380"/>
+                  <a:pt x="17" y="6690"/>
+                  <a:pt x="25" y="10000"/>
+                </a:cubicBezTo>
+                <a:lnTo>
+                  <a:pt x="7275" y="9966"/>
+                </a:lnTo>
+                <a:lnTo>
+                  <a:pt x="7803" y="9966"/>
+                </a:lnTo>
+                <a:cubicBezTo>
+                  <a:pt x="7831" y="9966"/>
+                  <a:pt x="7859" y="9872"/>
+                  <a:pt x="7886" y="9872"/>
+                </a:cubicBezTo>
+                <a:cubicBezTo>
+                  <a:pt x="7886" y="9778"/>
+                  <a:pt x="7915" y="9778"/>
+                  <a:pt x="7915" y="9778"/>
+                </a:cubicBezTo>
+                <a:lnTo>
+                  <a:pt x="9248" y="5265"/>
+                </a:lnTo>
+                <a:cubicBezTo>
+                  <a:pt x="9303" y="5077"/>
+                  <a:pt x="9303" y="4889"/>
+                  <a:pt x="9248" y="4701"/>
+                </a:cubicBezTo>
+                <a:close/>
+              </a:path>
+            </a:pathLst>
+          </a:custGeom>
+          <a:solidFill>
+            <a:schemeClr val="accent1"/>
+          </a:solidFill>
+          <a:ln>
+            <a:noFill/>
+          </a:ln>
+        </p:spPr>
+      </p:sp>
+      <p:sp>
+        <p:nvSpPr>
+          <p:cNvPr id="6" name="Slide Number Placeholder 5"/>
           <p:cNvSpPr>
             <a:spLocks noGrp="1"/>
           </p:cNvSpPr>
@@ -1279,7 +3361,7 @@
     </p:spTree>
     <p:extLst>
       <p:ext uri="{BB962C8B-B14F-4D97-AF65-F5344CB8AC3E}">
-        <p14:creationId xmlns:p14="http://schemas.microsoft.com/office/powerpoint/2010/main" val="2374452181"/>
+        <p14:creationId xmlns:p14="http://schemas.microsoft.com/office/powerpoint/2010/main" val="2955155411"/>
       </p:ext>
     </p:extLst>
   </p:cSld>
@@ -1308,13 +3390,7 @@
       </p:grpSpPr>
       <p:sp>
         <p:nvSpPr>
-          <p:cNvPr id="2" name="标题 1">
-            <a:extLst>
-              <a:ext uri="{FF2B5EF4-FFF2-40B4-BE49-F238E27FC236}">
-                <a16:creationId xmlns:a16="http://schemas.microsoft.com/office/drawing/2014/main" id="{DCBBDD15-AF41-D813-FF74-A4ABF98E7C90}"/>
-              </a:ext>
-            </a:extLst>
-          </p:cNvPr>
+          <p:cNvPr id="2" name="Title 1"/>
           <p:cNvSpPr>
             <a:spLocks noGrp="1"/>
           </p:cNvSpPr>
@@ -1324,15 +3400,15 @@
         </p:nvSpPr>
         <p:spPr>
           <a:xfrm>
-            <a:off x="831850" y="1709738"/>
-            <a:ext cx="10515600" cy="2852737"/>
+            <a:off x="2589212" y="2058750"/>
+            <a:ext cx="8915399" cy="1468800"/>
           </a:xfrm>
         </p:spPr>
         <p:txBody>
           <a:bodyPr anchor="b"/>
           <a:lstStyle>
-            <a:lvl1pPr>
-              <a:defRPr sz="6000"/>
+            <a:lvl1pPr algn="l">
+              <a:defRPr sz="4000" b="0" cap="none"/>
             </a:lvl1pPr>
           </a:lstStyle>
           <a:p>
@@ -1340,18 +3416,13 @@
               <a:rPr lang="zh-CN" altLang="en-US"/>
               <a:t>单击此处编辑母版标题样式</a:t>
             </a:r>
-          </a:p>
-        </p:txBody>
-      </p:sp>
-      <p:sp>
-        <p:nvSpPr>
-          <p:cNvPr id="3" name="文本占位符 2">
-            <a:extLst>
-              <a:ext uri="{FF2B5EF4-FFF2-40B4-BE49-F238E27FC236}">
-                <a16:creationId xmlns:a16="http://schemas.microsoft.com/office/drawing/2014/main" id="{E8E8DBA1-77A9-CFB0-912B-863787539717}"/>
-              </a:ext>
-            </a:extLst>
-          </p:cNvPr>
+            <a:endParaRPr lang="en-US" dirty="0"/>
+          </a:p>
+        </p:txBody>
+      </p:sp>
+      <p:sp>
+        <p:nvSpPr>
+          <p:cNvPr id="3" name="Text Placeholder 2"/>
           <p:cNvSpPr>
             <a:spLocks noGrp="1"/>
           </p:cNvSpPr>
@@ -1361,26 +3432,27 @@
         </p:nvSpPr>
         <p:spPr>
           <a:xfrm>
-            <a:off x="831850" y="4589463"/>
-            <a:ext cx="10515600" cy="1500187"/>
+            <a:off x="2589212" y="3530129"/>
+            <a:ext cx="8915399" cy="860400"/>
           </a:xfrm>
         </p:spPr>
         <p:txBody>
-          <a:bodyPr/>
+          <a:bodyPr anchor="t"/>
           <a:lstStyle>
-            <a:lvl1pPr marL="0" indent="0">
+            <a:lvl1pPr marL="0" indent="0" algn="l">
               <a:buNone/>
-              <a:defRPr sz="2400">
+              <a:defRPr sz="2000">
                 <a:solidFill>
                   <a:schemeClr val="tx1">
-                    <a:tint val="75000"/>
+                    <a:lumMod val="65000"/>
+                    <a:lumOff val="35000"/>
                   </a:schemeClr>
                 </a:solidFill>
               </a:defRPr>
             </a:lvl1pPr>
             <a:lvl2pPr marL="457200" indent="0">
               <a:buNone/>
-              <a:defRPr sz="2000">
+              <a:defRPr sz="1800">
                 <a:solidFill>
                   <a:schemeClr val="tx1">
                     <a:tint val="75000"/>
@@ -1390,7 +3462,7 @@
             </a:lvl2pPr>
             <a:lvl3pPr marL="914400" indent="0">
               <a:buNone/>
-              <a:defRPr sz="1800">
+              <a:defRPr sz="1600">
                 <a:solidFill>
                   <a:schemeClr val="tx1">
                     <a:tint val="75000"/>
@@ -1400,7 +3472,7 @@
             </a:lvl3pPr>
             <a:lvl4pPr marL="1371600" indent="0">
               <a:buNone/>
-              <a:defRPr sz="1600">
+              <a:defRPr sz="1400">
                 <a:solidFill>
                   <a:schemeClr val="tx1">
                     <a:tint val="75000"/>
@@ -1410,7 +3482,7 @@
             </a:lvl4pPr>
             <a:lvl5pPr marL="1828800" indent="0">
               <a:buNone/>
-              <a:defRPr sz="1600">
+              <a:defRPr sz="1400">
                 <a:solidFill>
                   <a:schemeClr val="tx1">
                     <a:tint val="75000"/>
@@ -1420,7 +3492,7 @@
             </a:lvl5pPr>
             <a:lvl6pPr marL="2286000" indent="0">
               <a:buNone/>
-              <a:defRPr sz="1600">
+              <a:defRPr sz="1400">
                 <a:solidFill>
                   <a:schemeClr val="tx1">
                     <a:tint val="75000"/>
@@ -1430,7 +3502,7 @@
             </a:lvl6pPr>
             <a:lvl7pPr marL="2743200" indent="0">
               <a:buNone/>
-              <a:defRPr sz="1600">
+              <a:defRPr sz="1400">
                 <a:solidFill>
                   <a:schemeClr val="tx1">
                     <a:tint val="75000"/>
@@ -1440,7 +3512,7 @@
             </a:lvl7pPr>
             <a:lvl8pPr marL="3200400" indent="0">
               <a:buNone/>
-              <a:defRPr sz="1600">
+              <a:defRPr sz="1400">
                 <a:solidFill>
                   <a:schemeClr val="tx1">
                     <a:tint val="75000"/>
@@ -1450,7 +3522,7 @@
             </a:lvl8pPr>
             <a:lvl9pPr marL="3657600" indent="0">
               <a:buNone/>
-              <a:defRPr sz="1600">
+              <a:defRPr sz="1400">
                 <a:solidFill>
                   <a:schemeClr val="tx1">
                     <a:tint val="75000"/>
@@ -1470,13 +3542,7 @@
       </p:sp>
       <p:sp>
         <p:nvSpPr>
-          <p:cNvPr id="4" name="日期占位符 3">
-            <a:extLst>
-              <a:ext uri="{FF2B5EF4-FFF2-40B4-BE49-F238E27FC236}">
-                <a16:creationId xmlns:a16="http://schemas.microsoft.com/office/drawing/2014/main" id="{B913E3D2-5E4E-28C1-4EFC-7DAD9458F79F}"/>
-              </a:ext>
-            </a:extLst>
-          </p:cNvPr>
+          <p:cNvPr id="4" name="Date Placeholder 3"/>
           <p:cNvSpPr>
             <a:spLocks noGrp="1"/>
           </p:cNvSpPr>
@@ -1491,7 +3557,7 @@
           <a:p>
             <a:fld id="{A4036A34-A668-4A43-9099-C9D27A346F01}" type="datetimeFigureOut">
               <a:rPr lang="zh-CN" altLang="en-US" smtClean="0"/>
-              <a:t>2023/4/26</a:t>
+              <a:t>2023/5/14</a:t>
             </a:fld>
             <a:endParaRPr lang="zh-CN" altLang="en-US"/>
           </a:p>
@@ -1499,13 +3565,7 @@
       </p:sp>
       <p:sp>
         <p:nvSpPr>
-          <p:cNvPr id="5" name="页脚占位符 4">
-            <a:extLst>
-              <a:ext uri="{FF2B5EF4-FFF2-40B4-BE49-F238E27FC236}">
-                <a16:creationId xmlns:a16="http://schemas.microsoft.com/office/drawing/2014/main" id="{28267EA8-5742-FF78-BA61-ACF91CF7541F}"/>
-              </a:ext>
-            </a:extLst>
-          </p:cNvPr>
+          <p:cNvPr id="5" name="Footer Placeholder 4"/>
           <p:cNvSpPr>
             <a:spLocks noGrp="1"/>
           </p:cNvSpPr>
@@ -1524,13 +3584,89 @@
       </p:sp>
       <p:sp>
         <p:nvSpPr>
-          <p:cNvPr id="6" name="灯片编号占位符 5">
-            <a:extLst>
-              <a:ext uri="{FF2B5EF4-FFF2-40B4-BE49-F238E27FC236}">
-                <a16:creationId xmlns:a16="http://schemas.microsoft.com/office/drawing/2014/main" id="{A3D21C5D-D780-D832-19EF-82DEF09596FC}"/>
-              </a:ext>
-            </a:extLst>
-          </p:cNvPr>
+          <p:cNvPr id="9" name="Freeform 11"/>
+          <p:cNvSpPr/>
+          <p:nvPr/>
+        </p:nvSpPr>
+        <p:spPr bwMode="auto">
+          <a:xfrm flipV="1">
+            <a:off x="-4189" y="3178175"/>
+            <a:ext cx="1588527" cy="507297"/>
+          </a:xfrm>
+          <a:custGeom>
+            <a:avLst/>
+            <a:gdLst/>
+            <a:ahLst/>
+            <a:cxnLst/>
+            <a:rect l="l" t="t" r="r" b="b"/>
+            <a:pathLst>
+              <a:path w="9248" h="10000">
+                <a:moveTo>
+                  <a:pt x="9248" y="4701"/>
+                </a:moveTo>
+                <a:lnTo>
+                  <a:pt x="7915" y="188"/>
+                </a:lnTo>
+                <a:cubicBezTo>
+                  <a:pt x="7906" y="156"/>
+                  <a:pt x="7895" y="126"/>
+                  <a:pt x="7886" y="94"/>
+                </a:cubicBezTo>
+                <a:cubicBezTo>
+                  <a:pt x="7859" y="0"/>
+                  <a:pt x="7831" y="0"/>
+                  <a:pt x="7803" y="0"/>
+                </a:cubicBezTo>
+                <a:lnTo>
+                  <a:pt x="7275" y="0"/>
+                </a:lnTo>
+                <a:lnTo>
+                  <a:pt x="0" y="70"/>
+                </a:lnTo>
+                <a:cubicBezTo>
+                  <a:pt x="8" y="3380"/>
+                  <a:pt x="17" y="6690"/>
+                  <a:pt x="25" y="10000"/>
+                </a:cubicBezTo>
+                <a:lnTo>
+                  <a:pt x="7275" y="9966"/>
+                </a:lnTo>
+                <a:lnTo>
+                  <a:pt x="7803" y="9966"/>
+                </a:lnTo>
+                <a:cubicBezTo>
+                  <a:pt x="7831" y="9966"/>
+                  <a:pt x="7859" y="9872"/>
+                  <a:pt x="7886" y="9872"/>
+                </a:cubicBezTo>
+                <a:cubicBezTo>
+                  <a:pt x="7886" y="9778"/>
+                  <a:pt x="7915" y="9778"/>
+                  <a:pt x="7915" y="9778"/>
+                </a:cubicBezTo>
+                <a:lnTo>
+                  <a:pt x="9248" y="5265"/>
+                </a:lnTo>
+                <a:cubicBezTo>
+                  <a:pt x="9303" y="5077"/>
+                  <a:pt x="9303" y="4889"/>
+                  <a:pt x="9248" y="4701"/>
+                </a:cubicBezTo>
+                <a:close/>
+              </a:path>
+            </a:pathLst>
+          </a:custGeom>
+          <a:solidFill>
+            <a:schemeClr val="accent1"/>
+          </a:solidFill>
+          <a:ln>
+            <a:noFill/>
+          </a:ln>
+        </p:spPr>
+      </p:sp>
+      <p:sp>
+        <p:nvSpPr>
+          <p:cNvPr id="6" name="Slide Number Placeholder 5"/>
           <p:cNvSpPr>
             <a:spLocks noGrp="1"/>
           </p:cNvSpPr>
@@ -1538,7 +3674,12 @@
             <p:ph type="sldNum" sz="quarter" idx="12"/>
           </p:nvPr>
         </p:nvSpPr>
-        <p:spPr/>
+        <p:spPr>
+          <a:xfrm>
+            <a:off x="531812" y="3244139"/>
+            <a:ext cx="779767" cy="365125"/>
+          </a:xfrm>
+        </p:spPr>
         <p:txBody>
           <a:bodyPr/>
           <a:lstStyle/>
@@ -1554,7 +3695,7 @@
     </p:spTree>
     <p:extLst>
       <p:ext uri="{BB962C8B-B14F-4D97-AF65-F5344CB8AC3E}">
-        <p14:creationId xmlns:p14="http://schemas.microsoft.com/office/powerpoint/2010/main" val="3349239312"/>
+        <p14:creationId xmlns:p14="http://schemas.microsoft.com/office/powerpoint/2010/main" val="1571381327"/>
       </p:ext>
     </p:extLst>
   </p:cSld>
@@ -1583,13 +3724,7 @@
       </p:grpSpPr>
       <p:sp>
         <p:nvSpPr>
-          <p:cNvPr id="2" name="标题 1">
-            <a:extLst>
-              <a:ext uri="{FF2B5EF4-FFF2-40B4-BE49-F238E27FC236}">
-                <a16:creationId xmlns:a16="http://schemas.microsoft.com/office/drawing/2014/main" id="{8C14F933-33A9-F552-FE6E-EFCC1B097306}"/>
-              </a:ext>
-            </a:extLst>
-          </p:cNvPr>
+          <p:cNvPr id="8" name="Title 7"/>
           <p:cNvSpPr>
             <a:spLocks noGrp="1"/>
           </p:cNvSpPr>
@@ -1606,18 +3741,13 @@
               <a:rPr lang="zh-CN" altLang="en-US"/>
               <a:t>单击此处编辑母版标题样式</a:t>
             </a:r>
-          </a:p>
-        </p:txBody>
-      </p:sp>
-      <p:sp>
-        <p:nvSpPr>
-          <p:cNvPr id="3" name="内容占位符 2">
-            <a:extLst>
-              <a:ext uri="{FF2B5EF4-FFF2-40B4-BE49-F238E27FC236}">
-                <a16:creationId xmlns:a16="http://schemas.microsoft.com/office/drawing/2014/main" id="{247303A3-7684-61E5-D445-224DABC4E9A5}"/>
-              </a:ext>
-            </a:extLst>
-          </p:cNvPr>
+            <a:endParaRPr lang="en-US" dirty="0"/>
+          </a:p>
+        </p:txBody>
+      </p:sp>
+      <p:sp>
+        <p:nvSpPr>
+          <p:cNvPr id="3" name="Content Placeholder 2"/>
           <p:cNvSpPr>
             <a:spLocks noGrp="1"/>
           </p:cNvSpPr>
@@ -1627,12 +3757,14 @@
         </p:nvSpPr>
         <p:spPr>
           <a:xfrm>
-            <a:off x="838200" y="1825625"/>
-            <a:ext cx="5181600" cy="4351338"/>
+            <a:off x="2589212" y="2133600"/>
+            <a:ext cx="4313864" cy="3777622"/>
           </a:xfrm>
         </p:spPr>
         <p:txBody>
-          <a:bodyPr/>
+          <a:bodyPr>
+            <a:normAutofit/>
+          </a:bodyPr>
           <a:lstStyle/>
           <a:p>
             <a:pPr lvl="0"/>
@@ -1668,18 +3800,13 @@
               <a:rPr lang="zh-CN" altLang="en-US"/>
               <a:t>五级</a:t>
             </a:r>
-          </a:p>
-        </p:txBody>
-      </p:sp>
-      <p:sp>
-        <p:nvSpPr>
-          <p:cNvPr id="4" name="内容占位符 3">
-            <a:extLst>
-              <a:ext uri="{FF2B5EF4-FFF2-40B4-BE49-F238E27FC236}">
-                <a16:creationId xmlns:a16="http://schemas.microsoft.com/office/drawing/2014/main" id="{33F6D003-25CE-2B53-9827-5F551C07851A}"/>
-              </a:ext>
-            </a:extLst>
-          </p:cNvPr>
+            <a:endParaRPr lang="en-US" dirty="0"/>
+          </a:p>
+        </p:txBody>
+      </p:sp>
+      <p:sp>
+        <p:nvSpPr>
+          <p:cNvPr id="4" name="Content Placeholder 3"/>
           <p:cNvSpPr>
             <a:spLocks noGrp="1"/>
           </p:cNvSpPr>
@@ -1689,12 +3816,14 @@
         </p:nvSpPr>
         <p:spPr>
           <a:xfrm>
-            <a:off x="6172200" y="1825625"/>
-            <a:ext cx="5181600" cy="4351338"/>
+            <a:off x="7190747" y="2126222"/>
+            <a:ext cx="4313864" cy="3777622"/>
           </a:xfrm>
         </p:spPr>
         <p:txBody>
-          <a:bodyPr/>
+          <a:bodyPr>
+            <a:normAutofit/>
+          </a:bodyPr>
           <a:lstStyle/>
           <a:p>
             <a:pPr lvl="0"/>
@@ -1730,18 +3859,13 @@
               <a:rPr lang="zh-CN" altLang="en-US"/>
               <a:t>五级</a:t>
             </a:r>
-          </a:p>
-        </p:txBody>
-      </p:sp>
-      <p:sp>
-        <p:nvSpPr>
-          <p:cNvPr id="5" name="日期占位符 4">
-            <a:extLst>
-              <a:ext uri="{FF2B5EF4-FFF2-40B4-BE49-F238E27FC236}">
-                <a16:creationId xmlns:a16="http://schemas.microsoft.com/office/drawing/2014/main" id="{DEC754BB-6A91-8175-A8A3-588D53A4F4BC}"/>
-              </a:ext>
-            </a:extLst>
-          </p:cNvPr>
+            <a:endParaRPr lang="en-US" dirty="0"/>
+          </a:p>
+        </p:txBody>
+      </p:sp>
+      <p:sp>
+        <p:nvSpPr>
+          <p:cNvPr id="5" name="Date Placeholder 4"/>
           <p:cNvSpPr>
             <a:spLocks noGrp="1"/>
           </p:cNvSpPr>
@@ -1756,7 +3880,7 @@
           <a:p>
             <a:fld id="{A4036A34-A668-4A43-9099-C9D27A346F01}" type="datetimeFigureOut">
               <a:rPr lang="zh-CN" altLang="en-US" smtClean="0"/>
-              <a:t>2023/4/26</a:t>
+              <a:t>2023/5/14</a:t>
             </a:fld>
             <a:endParaRPr lang="zh-CN" altLang="en-US"/>
           </a:p>
@@ -1764,13 +3888,7 @@
       </p:sp>
       <p:sp>
         <p:nvSpPr>
-          <p:cNvPr id="6" name="页脚占位符 5">
-            <a:extLst>
-              <a:ext uri="{FF2B5EF4-FFF2-40B4-BE49-F238E27FC236}">
-                <a16:creationId xmlns:a16="http://schemas.microsoft.com/office/drawing/2014/main" id="{4C766487-19EA-F0C5-4291-EF6CF828DD47}"/>
-              </a:ext>
-            </a:extLst>
-          </p:cNvPr>
+          <p:cNvPr id="6" name="Footer Placeholder 5"/>
           <p:cNvSpPr>
             <a:spLocks noGrp="1"/>
           </p:cNvSpPr>
@@ -1789,13 +3907,89 @@
       </p:sp>
       <p:sp>
         <p:nvSpPr>
-          <p:cNvPr id="7" name="灯片编号占位符 6">
-            <a:extLst>
-              <a:ext uri="{FF2B5EF4-FFF2-40B4-BE49-F238E27FC236}">
-                <a16:creationId xmlns:a16="http://schemas.microsoft.com/office/drawing/2014/main" id="{827D1CD8-81CB-5A61-C1FF-28F9FC2F42A1}"/>
-              </a:ext>
-            </a:extLst>
-          </p:cNvPr>
+          <p:cNvPr id="10" name="Freeform 11"/>
+          <p:cNvSpPr/>
+          <p:nvPr/>
+        </p:nvSpPr>
+        <p:spPr bwMode="auto">
+          <a:xfrm flipV="1">
+            <a:off x="-4189" y="714375"/>
+            <a:ext cx="1588527" cy="507297"/>
+          </a:xfrm>
+          <a:custGeom>
+            <a:avLst/>
+            <a:gdLst/>
+            <a:ahLst/>
+            <a:cxnLst/>
+            <a:rect l="l" t="t" r="r" b="b"/>
+            <a:pathLst>
+              <a:path w="9248" h="10000">
+                <a:moveTo>
+                  <a:pt x="9248" y="4701"/>
+                </a:moveTo>
+                <a:lnTo>
+                  <a:pt x="7915" y="188"/>
+                </a:lnTo>
+                <a:cubicBezTo>
+                  <a:pt x="7906" y="156"/>
+                  <a:pt x="7895" y="126"/>
+                  <a:pt x="7886" y="94"/>
+                </a:cubicBezTo>
+                <a:cubicBezTo>
+                  <a:pt x="7859" y="0"/>
+                  <a:pt x="7831" y="0"/>
+                  <a:pt x="7803" y="0"/>
+                </a:cubicBezTo>
+                <a:lnTo>
+                  <a:pt x="7275" y="0"/>
+                </a:lnTo>
+                <a:lnTo>
+                  <a:pt x="0" y="70"/>
+                </a:lnTo>
+                <a:cubicBezTo>
+                  <a:pt x="8" y="3380"/>
+                  <a:pt x="17" y="6690"/>
+                  <a:pt x="25" y="10000"/>
+                </a:cubicBezTo>
+                <a:lnTo>
+                  <a:pt x="7275" y="9966"/>
+                </a:lnTo>
+                <a:lnTo>
+                  <a:pt x="7803" y="9966"/>
+                </a:lnTo>
+                <a:cubicBezTo>
+                  <a:pt x="7831" y="9966"/>
+                  <a:pt x="7859" y="9872"/>
+                  <a:pt x="7886" y="9872"/>
+                </a:cubicBezTo>
+                <a:cubicBezTo>
+                  <a:pt x="7886" y="9778"/>
+                  <a:pt x="7915" y="9778"/>
+                  <a:pt x="7915" y="9778"/>
+                </a:cubicBezTo>
+                <a:lnTo>
+                  <a:pt x="9248" y="5265"/>
+                </a:lnTo>
+                <a:cubicBezTo>
+                  <a:pt x="9303" y="5077"/>
+                  <a:pt x="9303" y="4889"/>
+                  <a:pt x="9248" y="4701"/>
+                </a:cubicBezTo>
+                <a:close/>
+              </a:path>
+            </a:pathLst>
+          </a:custGeom>
+          <a:solidFill>
+            <a:schemeClr val="accent1"/>
+          </a:solidFill>
+          <a:ln>
+            <a:noFill/>
+          </a:ln>
+        </p:spPr>
+      </p:sp>
+      <p:sp>
+        <p:nvSpPr>
+          <p:cNvPr id="11" name="Slide Number Placeholder 5"/>
           <p:cNvSpPr>
             <a:spLocks noGrp="1"/>
           </p:cNvSpPr>
@@ -1803,7 +3997,12 @@
             <p:ph type="sldNum" sz="quarter" idx="12"/>
           </p:nvPr>
         </p:nvSpPr>
-        <p:spPr/>
+        <p:spPr>
+          <a:xfrm>
+            <a:off x="531812" y="787782"/>
+            <a:ext cx="779767" cy="365125"/>
+          </a:xfrm>
+        </p:spPr>
         <p:txBody>
           <a:bodyPr/>
           <a:lstStyle/>
@@ -1819,7 +4018,7 @@
     </p:spTree>
     <p:extLst>
       <p:ext uri="{BB962C8B-B14F-4D97-AF65-F5344CB8AC3E}">
-        <p14:creationId xmlns:p14="http://schemas.microsoft.com/office/powerpoint/2010/main" val="2319236380"/>
+        <p14:creationId xmlns:p14="http://schemas.microsoft.com/office/powerpoint/2010/main" val="2215042407"/>
       </p:ext>
     </p:extLst>
   </p:cSld>
@@ -1848,13 +4047,7 @@
       </p:grpSpPr>
       <p:sp>
         <p:nvSpPr>
-          <p:cNvPr id="2" name="标题 1">
-            <a:extLst>
-              <a:ext uri="{FF2B5EF4-FFF2-40B4-BE49-F238E27FC236}">
-                <a16:creationId xmlns:a16="http://schemas.microsoft.com/office/drawing/2014/main" id="{0C1DCDBE-A8CC-52AB-38E6-E7E975AE89AF}"/>
-              </a:ext>
-            </a:extLst>
-          </p:cNvPr>
+          <p:cNvPr id="10" name="Title 9"/>
           <p:cNvSpPr>
             <a:spLocks noGrp="1"/>
           </p:cNvSpPr>
@@ -1862,12 +4055,7 @@
             <p:ph type="title"/>
           </p:nvPr>
         </p:nvSpPr>
-        <p:spPr>
-          <a:xfrm>
-            <a:off x="839788" y="365125"/>
-            <a:ext cx="10515600" cy="1325563"/>
-          </a:xfrm>
-        </p:spPr>
+        <p:spPr/>
         <p:txBody>
           <a:bodyPr/>
           <a:lstStyle/>
@@ -1876,18 +4064,13 @@
               <a:rPr lang="zh-CN" altLang="en-US"/>
               <a:t>单击此处编辑母版标题样式</a:t>
             </a:r>
-          </a:p>
-        </p:txBody>
-      </p:sp>
-      <p:sp>
-        <p:nvSpPr>
-          <p:cNvPr id="3" name="文本占位符 2">
-            <a:extLst>
-              <a:ext uri="{FF2B5EF4-FFF2-40B4-BE49-F238E27FC236}">
-                <a16:creationId xmlns:a16="http://schemas.microsoft.com/office/drawing/2014/main" id="{D9E0EB7B-4638-EEAD-9F35-101CC26DC04C}"/>
-              </a:ext>
-            </a:extLst>
-          </p:cNvPr>
+            <a:endParaRPr lang="en-US" dirty="0"/>
+          </a:p>
+        </p:txBody>
+      </p:sp>
+      <p:sp>
+        <p:nvSpPr>
+          <p:cNvPr id="3" name="Text Placeholder 2"/>
           <p:cNvSpPr>
             <a:spLocks noGrp="1"/>
           </p:cNvSpPr>
@@ -1897,16 +4080,18 @@
         </p:nvSpPr>
         <p:spPr>
           <a:xfrm>
-            <a:off x="839788" y="1681163"/>
-            <a:ext cx="5157787" cy="823912"/>
+            <a:off x="2939373" y="1972703"/>
+            <a:ext cx="3992732" cy="576262"/>
           </a:xfrm>
         </p:spPr>
         <p:txBody>
-          <a:bodyPr anchor="b"/>
+          <a:bodyPr anchor="b">
+            <a:noAutofit/>
+          </a:bodyPr>
           <a:lstStyle>
             <a:lvl1pPr marL="0" indent="0">
               <a:buNone/>
-              <a:defRPr sz="2400" b="1"/>
+              <a:defRPr sz="2400" b="0"/>
             </a:lvl1pPr>
             <a:lvl2pPr marL="457200" indent="0">
               <a:buNone/>
@@ -1952,13 +4137,7 @@
       </p:sp>
       <p:sp>
         <p:nvSpPr>
-          <p:cNvPr id="4" name="内容占位符 3">
-            <a:extLst>
-              <a:ext uri="{FF2B5EF4-FFF2-40B4-BE49-F238E27FC236}">
-                <a16:creationId xmlns:a16="http://schemas.microsoft.com/office/drawing/2014/main" id="{784A3F11-8108-71AB-FCA3-0436F55F3A00}"/>
-              </a:ext>
-            </a:extLst>
-          </p:cNvPr>
+          <p:cNvPr id="4" name="Content Placeholder 3"/>
           <p:cNvSpPr>
             <a:spLocks noGrp="1"/>
           </p:cNvSpPr>
@@ -1968,12 +4147,14 @@
         </p:nvSpPr>
         <p:spPr>
           <a:xfrm>
-            <a:off x="839788" y="2505075"/>
-            <a:ext cx="5157787" cy="3684588"/>
+            <a:off x="2589212" y="2548966"/>
+            <a:ext cx="4342893" cy="3354060"/>
           </a:xfrm>
         </p:spPr>
         <p:txBody>
-          <a:bodyPr/>
+          <a:bodyPr>
+            <a:normAutofit/>
+          </a:bodyPr>
           <a:lstStyle/>
           <a:p>
             <a:pPr lvl="0"/>
@@ -2009,18 +4190,13 @@
               <a:rPr lang="zh-CN" altLang="en-US"/>
               <a:t>五级</a:t>
             </a:r>
-          </a:p>
-        </p:txBody>
-      </p:sp>
-      <p:sp>
-        <p:nvSpPr>
-          <p:cNvPr id="5" name="文本占位符 4">
-            <a:extLst>
-              <a:ext uri="{FF2B5EF4-FFF2-40B4-BE49-F238E27FC236}">
-                <a16:creationId xmlns:a16="http://schemas.microsoft.com/office/drawing/2014/main" id="{AE6EFEF0-7DF5-F34B-A920-2F115CE0FCC2}"/>
-              </a:ext>
-            </a:extLst>
-          </p:cNvPr>
+            <a:endParaRPr lang="en-US" dirty="0"/>
+          </a:p>
+        </p:txBody>
+      </p:sp>
+      <p:sp>
+        <p:nvSpPr>
+          <p:cNvPr id="5" name="Text Placeholder 4"/>
           <p:cNvSpPr>
             <a:spLocks noGrp="1"/>
           </p:cNvSpPr>
@@ -2030,16 +4206,18 @@
         </p:nvSpPr>
         <p:spPr>
           <a:xfrm>
-            <a:off x="6172200" y="1681163"/>
-            <a:ext cx="5183188" cy="823912"/>
+            <a:off x="7506629" y="1969475"/>
+            <a:ext cx="3999001" cy="576262"/>
           </a:xfrm>
         </p:spPr>
         <p:txBody>
-          <a:bodyPr anchor="b"/>
+          <a:bodyPr anchor="b">
+            <a:noAutofit/>
+          </a:bodyPr>
           <a:lstStyle>
             <a:lvl1pPr marL="0" indent="0">
               <a:buNone/>
-              <a:defRPr sz="2400" b="1"/>
+              <a:defRPr sz="2400" b="0"/>
             </a:lvl1pPr>
             <a:lvl2pPr marL="457200" indent="0">
               <a:buNone/>
@@ -2085,13 +4263,7 @@
       </p:sp>
       <p:sp>
         <p:nvSpPr>
-          <p:cNvPr id="6" name="内容占位符 5">
-            <a:extLst>
-              <a:ext uri="{FF2B5EF4-FFF2-40B4-BE49-F238E27FC236}">
-                <a16:creationId xmlns:a16="http://schemas.microsoft.com/office/drawing/2014/main" id="{AF257467-CAB7-0CFE-2DD0-630FBDDC644E}"/>
-              </a:ext>
-            </a:extLst>
-          </p:cNvPr>
+          <p:cNvPr id="6" name="Content Placeholder 5"/>
           <p:cNvSpPr>
             <a:spLocks noGrp="1"/>
           </p:cNvSpPr>
@@ -2101,12 +4273,14 @@
         </p:nvSpPr>
         <p:spPr>
           <a:xfrm>
-            <a:off x="6172200" y="2505075"/>
-            <a:ext cx="5183188" cy="3684588"/>
+            <a:off x="7166957" y="2545738"/>
+            <a:ext cx="4338674" cy="3354060"/>
           </a:xfrm>
         </p:spPr>
         <p:txBody>
-          <a:bodyPr/>
+          <a:bodyPr>
+            <a:normAutofit/>
+          </a:bodyPr>
           <a:lstStyle/>
           <a:p>
             <a:pPr lvl="0"/>
@@ -2142,18 +4316,13 @@
               <a:rPr lang="zh-CN" altLang="en-US"/>
               <a:t>五级</a:t>
             </a:r>
-          </a:p>
-        </p:txBody>
-      </p:sp>
-      <p:sp>
-        <p:nvSpPr>
-          <p:cNvPr id="7" name="日期占位符 6">
-            <a:extLst>
-              <a:ext uri="{FF2B5EF4-FFF2-40B4-BE49-F238E27FC236}">
-                <a16:creationId xmlns:a16="http://schemas.microsoft.com/office/drawing/2014/main" id="{F63E3B33-137B-7195-6B07-F480D0F6C220}"/>
-              </a:ext>
-            </a:extLst>
-          </p:cNvPr>
+            <a:endParaRPr lang="en-US" dirty="0"/>
+          </a:p>
+        </p:txBody>
+      </p:sp>
+      <p:sp>
+        <p:nvSpPr>
+          <p:cNvPr id="7" name="Date Placeholder 6"/>
           <p:cNvSpPr>
             <a:spLocks noGrp="1"/>
           </p:cNvSpPr>
@@ -2168,7 +4337,7 @@
           <a:p>
             <a:fld id="{A4036A34-A668-4A43-9099-C9D27A346F01}" type="datetimeFigureOut">
               <a:rPr lang="zh-CN" altLang="en-US" smtClean="0"/>
-              <a:t>2023/4/26</a:t>
+              <a:t>2023/5/14</a:t>
             </a:fld>
             <a:endParaRPr lang="zh-CN" altLang="en-US"/>
           </a:p>
@@ -2176,13 +4345,7 @@
       </p:sp>
       <p:sp>
         <p:nvSpPr>
-          <p:cNvPr id="8" name="页脚占位符 7">
-            <a:extLst>
-              <a:ext uri="{FF2B5EF4-FFF2-40B4-BE49-F238E27FC236}">
-                <a16:creationId xmlns:a16="http://schemas.microsoft.com/office/drawing/2014/main" id="{C1EFB239-4DBB-8A66-3201-CD81220150F6}"/>
-              </a:ext>
-            </a:extLst>
-          </p:cNvPr>
+          <p:cNvPr id="8" name="Footer Placeholder 7"/>
           <p:cNvSpPr>
             <a:spLocks noGrp="1"/>
           </p:cNvSpPr>
@@ -2201,13 +4364,89 @@
       </p:sp>
       <p:sp>
         <p:nvSpPr>
-          <p:cNvPr id="9" name="灯片编号占位符 8">
-            <a:extLst>
-              <a:ext uri="{FF2B5EF4-FFF2-40B4-BE49-F238E27FC236}">
-                <a16:creationId xmlns:a16="http://schemas.microsoft.com/office/drawing/2014/main" id="{708E5E17-B56C-C44B-34F3-1691C1065E18}"/>
-              </a:ext>
-            </a:extLst>
-          </p:cNvPr>
+          <p:cNvPr id="12" name="Freeform 11"/>
+          <p:cNvSpPr/>
+          <p:nvPr/>
+        </p:nvSpPr>
+        <p:spPr bwMode="auto">
+          <a:xfrm flipV="1">
+            <a:off x="-4189" y="714375"/>
+            <a:ext cx="1588527" cy="507297"/>
+          </a:xfrm>
+          <a:custGeom>
+            <a:avLst/>
+            <a:gdLst/>
+            <a:ahLst/>
+            <a:cxnLst/>
+            <a:rect l="l" t="t" r="r" b="b"/>
+            <a:pathLst>
+              <a:path w="9248" h="10000">
+                <a:moveTo>
+                  <a:pt x="9248" y="4701"/>
+                </a:moveTo>
+                <a:lnTo>
+                  <a:pt x="7915" y="188"/>
+                </a:lnTo>
+                <a:cubicBezTo>
+                  <a:pt x="7906" y="156"/>
+                  <a:pt x="7895" y="126"/>
+                  <a:pt x="7886" y="94"/>
+                </a:cubicBezTo>
+                <a:cubicBezTo>
+                  <a:pt x="7859" y="0"/>
+                  <a:pt x="7831" y="0"/>
+                  <a:pt x="7803" y="0"/>
+                </a:cubicBezTo>
+                <a:lnTo>
+                  <a:pt x="7275" y="0"/>
+                </a:lnTo>
+                <a:lnTo>
+                  <a:pt x="0" y="70"/>
+                </a:lnTo>
+                <a:cubicBezTo>
+                  <a:pt x="8" y="3380"/>
+                  <a:pt x="17" y="6690"/>
+                  <a:pt x="25" y="10000"/>
+                </a:cubicBezTo>
+                <a:lnTo>
+                  <a:pt x="7275" y="9966"/>
+                </a:lnTo>
+                <a:lnTo>
+                  <a:pt x="7803" y="9966"/>
+                </a:lnTo>
+                <a:cubicBezTo>
+                  <a:pt x="7831" y="9966"/>
+                  <a:pt x="7859" y="9872"/>
+                  <a:pt x="7886" y="9872"/>
+                </a:cubicBezTo>
+                <a:cubicBezTo>
+                  <a:pt x="7886" y="9778"/>
+                  <a:pt x="7915" y="9778"/>
+                  <a:pt x="7915" y="9778"/>
+                </a:cubicBezTo>
+                <a:lnTo>
+                  <a:pt x="9248" y="5265"/>
+                </a:lnTo>
+                <a:cubicBezTo>
+                  <a:pt x="9303" y="5077"/>
+                  <a:pt x="9303" y="4889"/>
+                  <a:pt x="9248" y="4701"/>
+                </a:cubicBezTo>
+                <a:close/>
+              </a:path>
+            </a:pathLst>
+          </a:custGeom>
+          <a:solidFill>
+            <a:schemeClr val="accent1"/>
+          </a:solidFill>
+          <a:ln>
+            <a:noFill/>
+          </a:ln>
+        </p:spPr>
+      </p:sp>
+      <p:sp>
+        <p:nvSpPr>
+          <p:cNvPr id="13" name="Slide Number Placeholder 5"/>
           <p:cNvSpPr>
             <a:spLocks noGrp="1"/>
           </p:cNvSpPr>
@@ -2215,7 +4454,12 @@
             <p:ph type="sldNum" sz="quarter" idx="12"/>
           </p:nvPr>
         </p:nvSpPr>
-        <p:spPr/>
+        <p:spPr>
+          <a:xfrm>
+            <a:off x="531812" y="787782"/>
+            <a:ext cx="779767" cy="365125"/>
+          </a:xfrm>
+        </p:spPr>
         <p:txBody>
           <a:bodyPr/>
           <a:lstStyle/>
@@ -2231,7 +4475,7 @@
     </p:spTree>
     <p:extLst>
       <p:ext uri="{BB962C8B-B14F-4D97-AF65-F5344CB8AC3E}">
-        <p14:creationId xmlns:p14="http://schemas.microsoft.com/office/powerpoint/2010/main" val="3345468794"/>
+        <p14:creationId xmlns:p14="http://schemas.microsoft.com/office/powerpoint/2010/main" val="2847623317"/>
       </p:ext>
     </p:extLst>
   </p:cSld>
@@ -2260,13 +4504,7 @@
       </p:grpSpPr>
       <p:sp>
         <p:nvSpPr>
-          <p:cNvPr id="2" name="标题 1">
-            <a:extLst>
-              <a:ext uri="{FF2B5EF4-FFF2-40B4-BE49-F238E27FC236}">
-                <a16:creationId xmlns:a16="http://schemas.microsoft.com/office/drawing/2014/main" id="{9026478E-282B-3BD9-2BEE-179D97BE7D4D}"/>
-              </a:ext>
-            </a:extLst>
-          </p:cNvPr>
+          <p:cNvPr id="2" name="Title 1"/>
           <p:cNvSpPr>
             <a:spLocks noGrp="1"/>
           </p:cNvSpPr>
@@ -2283,18 +4521,13 @@
               <a:rPr lang="zh-CN" altLang="en-US"/>
               <a:t>单击此处编辑母版标题样式</a:t>
             </a:r>
-          </a:p>
-        </p:txBody>
-      </p:sp>
-      <p:sp>
-        <p:nvSpPr>
-          <p:cNvPr id="3" name="日期占位符 2">
-            <a:extLst>
-              <a:ext uri="{FF2B5EF4-FFF2-40B4-BE49-F238E27FC236}">
-                <a16:creationId xmlns:a16="http://schemas.microsoft.com/office/drawing/2014/main" id="{B2A6CD80-46FE-1B59-8142-4DF042868564}"/>
-              </a:ext>
-            </a:extLst>
-          </p:cNvPr>
+            <a:endParaRPr lang="en-US" dirty="0"/>
+          </a:p>
+        </p:txBody>
+      </p:sp>
+      <p:sp>
+        <p:nvSpPr>
+          <p:cNvPr id="3" name="Date Placeholder 2"/>
           <p:cNvSpPr>
             <a:spLocks noGrp="1"/>
           </p:cNvSpPr>
@@ -2309,7 +4542,7 @@
           <a:p>
             <a:fld id="{A4036A34-A668-4A43-9099-C9D27A346F01}" type="datetimeFigureOut">
               <a:rPr lang="zh-CN" altLang="en-US" smtClean="0"/>
-              <a:t>2023/4/26</a:t>
+              <a:t>2023/5/14</a:t>
             </a:fld>
             <a:endParaRPr lang="zh-CN" altLang="en-US"/>
           </a:p>
@@ -2317,13 +4550,7 @@
       </p:sp>
       <p:sp>
         <p:nvSpPr>
-          <p:cNvPr id="4" name="页脚占位符 3">
-            <a:extLst>
-              <a:ext uri="{FF2B5EF4-FFF2-40B4-BE49-F238E27FC236}">
-                <a16:creationId xmlns:a16="http://schemas.microsoft.com/office/drawing/2014/main" id="{1DEEFD3A-CE30-1A25-9763-0321AED7C053}"/>
-              </a:ext>
-            </a:extLst>
-          </p:cNvPr>
+          <p:cNvPr id="4" name="Footer Placeholder 3"/>
           <p:cNvSpPr>
             <a:spLocks noGrp="1"/>
           </p:cNvSpPr>
@@ -2342,13 +4569,89 @@
       </p:sp>
       <p:sp>
         <p:nvSpPr>
-          <p:cNvPr id="5" name="灯片编号占位符 4">
-            <a:extLst>
-              <a:ext uri="{FF2B5EF4-FFF2-40B4-BE49-F238E27FC236}">
-                <a16:creationId xmlns:a16="http://schemas.microsoft.com/office/drawing/2014/main" id="{8C326B5A-EA5E-5EE7-BD6D-F3B2793CEE31}"/>
-              </a:ext>
-            </a:extLst>
-          </p:cNvPr>
+          <p:cNvPr id="7" name="Freeform 11"/>
+          <p:cNvSpPr/>
+          <p:nvPr/>
+        </p:nvSpPr>
+        <p:spPr bwMode="auto">
+          <a:xfrm flipV="1">
+            <a:off x="-4189" y="714375"/>
+            <a:ext cx="1588527" cy="507297"/>
+          </a:xfrm>
+          <a:custGeom>
+            <a:avLst/>
+            <a:gdLst/>
+            <a:ahLst/>
+            <a:cxnLst/>
+            <a:rect l="l" t="t" r="r" b="b"/>
+            <a:pathLst>
+              <a:path w="9248" h="10000">
+                <a:moveTo>
+                  <a:pt x="9248" y="4701"/>
+                </a:moveTo>
+                <a:lnTo>
+                  <a:pt x="7915" y="188"/>
+                </a:lnTo>
+                <a:cubicBezTo>
+                  <a:pt x="7906" y="156"/>
+                  <a:pt x="7895" y="126"/>
+                  <a:pt x="7886" y="94"/>
+                </a:cubicBezTo>
+                <a:cubicBezTo>
+                  <a:pt x="7859" y="0"/>
+                  <a:pt x="7831" y="0"/>
+                  <a:pt x="7803" y="0"/>
+                </a:cubicBezTo>
+                <a:lnTo>
+                  <a:pt x="7275" y="0"/>
+                </a:lnTo>
+                <a:lnTo>
+                  <a:pt x="0" y="70"/>
+                </a:lnTo>
+                <a:cubicBezTo>
+                  <a:pt x="8" y="3380"/>
+                  <a:pt x="17" y="6690"/>
+                  <a:pt x="25" y="10000"/>
+                </a:cubicBezTo>
+                <a:lnTo>
+                  <a:pt x="7275" y="9966"/>
+                </a:lnTo>
+                <a:lnTo>
+                  <a:pt x="7803" y="9966"/>
+                </a:lnTo>
+                <a:cubicBezTo>
+                  <a:pt x="7831" y="9966"/>
+                  <a:pt x="7859" y="9872"/>
+                  <a:pt x="7886" y="9872"/>
+                </a:cubicBezTo>
+                <a:cubicBezTo>
+                  <a:pt x="7886" y="9778"/>
+                  <a:pt x="7915" y="9778"/>
+                  <a:pt x="7915" y="9778"/>
+                </a:cubicBezTo>
+                <a:lnTo>
+                  <a:pt x="9248" y="5265"/>
+                </a:lnTo>
+                <a:cubicBezTo>
+                  <a:pt x="9303" y="5077"/>
+                  <a:pt x="9303" y="4889"/>
+                  <a:pt x="9248" y="4701"/>
+                </a:cubicBezTo>
+                <a:close/>
+              </a:path>
+            </a:pathLst>
+          </a:custGeom>
+          <a:solidFill>
+            <a:schemeClr val="accent1"/>
+          </a:solidFill>
+          <a:ln>
+            <a:noFill/>
+          </a:ln>
+        </p:spPr>
+      </p:sp>
+      <p:sp>
+        <p:nvSpPr>
+          <p:cNvPr id="5" name="Slide Number Placeholder 4"/>
           <p:cNvSpPr>
             <a:spLocks noGrp="1"/>
           </p:cNvSpPr>
@@ -2372,7 +4675,7 @@
     </p:spTree>
     <p:extLst>
       <p:ext uri="{BB962C8B-B14F-4D97-AF65-F5344CB8AC3E}">
-        <p14:creationId xmlns:p14="http://schemas.microsoft.com/office/powerpoint/2010/main" val="3837540062"/>
+        <p14:creationId xmlns:p14="http://schemas.microsoft.com/office/powerpoint/2010/main" val="658667044"/>
       </p:ext>
     </p:extLst>
   </p:cSld>
@@ -2401,13 +4704,7 @@
       </p:grpSpPr>
       <p:sp>
         <p:nvSpPr>
-          <p:cNvPr id="2" name="日期占位符 1">
-            <a:extLst>
-              <a:ext uri="{FF2B5EF4-FFF2-40B4-BE49-F238E27FC236}">
-                <a16:creationId xmlns:a16="http://schemas.microsoft.com/office/drawing/2014/main" id="{0050BF46-FC6A-9A68-C2AB-FE9D874BEEA6}"/>
-              </a:ext>
-            </a:extLst>
-          </p:cNvPr>
+          <p:cNvPr id="2" name="Date Placeholder 1"/>
           <p:cNvSpPr>
             <a:spLocks noGrp="1"/>
           </p:cNvSpPr>
@@ -2422,7 +4719,7 @@
           <a:p>
             <a:fld id="{A4036A34-A668-4A43-9099-C9D27A346F01}" type="datetimeFigureOut">
               <a:rPr lang="zh-CN" altLang="en-US" smtClean="0"/>
-              <a:t>2023/4/26</a:t>
+              <a:t>2023/5/14</a:t>
             </a:fld>
             <a:endParaRPr lang="zh-CN" altLang="en-US"/>
           </a:p>
@@ -2430,13 +4727,7 @@
       </p:sp>
       <p:sp>
         <p:nvSpPr>
-          <p:cNvPr id="3" name="页脚占位符 2">
-            <a:extLst>
-              <a:ext uri="{FF2B5EF4-FFF2-40B4-BE49-F238E27FC236}">
-                <a16:creationId xmlns:a16="http://schemas.microsoft.com/office/drawing/2014/main" id="{CFA168F8-AC12-26CF-C1BD-4A627AC3E5D7}"/>
-              </a:ext>
-            </a:extLst>
-          </p:cNvPr>
+          <p:cNvPr id="3" name="Footer Placeholder 2"/>
           <p:cNvSpPr>
             <a:spLocks noGrp="1"/>
           </p:cNvSpPr>
@@ -2455,13 +4746,89 @@
       </p:sp>
       <p:sp>
         <p:nvSpPr>
-          <p:cNvPr id="4" name="灯片编号占位符 3">
-            <a:extLst>
-              <a:ext uri="{FF2B5EF4-FFF2-40B4-BE49-F238E27FC236}">
-                <a16:creationId xmlns:a16="http://schemas.microsoft.com/office/drawing/2014/main" id="{E68AAD79-0A40-AE3C-C5ED-981FA5384742}"/>
-              </a:ext>
-            </a:extLst>
-          </p:cNvPr>
+          <p:cNvPr id="6" name="Freeform 11"/>
+          <p:cNvSpPr/>
+          <p:nvPr/>
+        </p:nvSpPr>
+        <p:spPr bwMode="auto">
+          <a:xfrm flipV="1">
+            <a:off x="-4189" y="714375"/>
+            <a:ext cx="1588527" cy="507297"/>
+          </a:xfrm>
+          <a:custGeom>
+            <a:avLst/>
+            <a:gdLst/>
+            <a:ahLst/>
+            <a:cxnLst/>
+            <a:rect l="l" t="t" r="r" b="b"/>
+            <a:pathLst>
+              <a:path w="9248" h="10000">
+                <a:moveTo>
+                  <a:pt x="9248" y="4701"/>
+                </a:moveTo>
+                <a:lnTo>
+                  <a:pt x="7915" y="188"/>
+                </a:lnTo>
+                <a:cubicBezTo>
+                  <a:pt x="7906" y="156"/>
+                  <a:pt x="7895" y="126"/>
+                  <a:pt x="7886" y="94"/>
+                </a:cubicBezTo>
+                <a:cubicBezTo>
+                  <a:pt x="7859" y="0"/>
+                  <a:pt x="7831" y="0"/>
+                  <a:pt x="7803" y="0"/>
+                </a:cubicBezTo>
+                <a:lnTo>
+                  <a:pt x="7275" y="0"/>
+                </a:lnTo>
+                <a:lnTo>
+                  <a:pt x="0" y="70"/>
+                </a:lnTo>
+                <a:cubicBezTo>
+                  <a:pt x="8" y="3380"/>
+                  <a:pt x="17" y="6690"/>
+                  <a:pt x="25" y="10000"/>
+                </a:cubicBezTo>
+                <a:lnTo>
+                  <a:pt x="7275" y="9966"/>
+                </a:lnTo>
+                <a:lnTo>
+                  <a:pt x="7803" y="9966"/>
+                </a:lnTo>
+                <a:cubicBezTo>
+                  <a:pt x="7831" y="9966"/>
+                  <a:pt x="7859" y="9872"/>
+                  <a:pt x="7886" y="9872"/>
+                </a:cubicBezTo>
+                <a:cubicBezTo>
+                  <a:pt x="7886" y="9778"/>
+                  <a:pt x="7915" y="9778"/>
+                  <a:pt x="7915" y="9778"/>
+                </a:cubicBezTo>
+                <a:lnTo>
+                  <a:pt x="9248" y="5265"/>
+                </a:lnTo>
+                <a:cubicBezTo>
+                  <a:pt x="9303" y="5077"/>
+                  <a:pt x="9303" y="4889"/>
+                  <a:pt x="9248" y="4701"/>
+                </a:cubicBezTo>
+                <a:close/>
+              </a:path>
+            </a:pathLst>
+          </a:custGeom>
+          <a:solidFill>
+            <a:schemeClr val="accent1"/>
+          </a:solidFill>
+          <a:ln>
+            <a:noFill/>
+          </a:ln>
+        </p:spPr>
+      </p:sp>
+      <p:sp>
+        <p:nvSpPr>
+          <p:cNvPr id="4" name="Slide Number Placeholder 3"/>
           <p:cNvSpPr>
             <a:spLocks noGrp="1"/>
           </p:cNvSpPr>
@@ -2485,7 +4852,7 @@
     </p:spTree>
     <p:extLst>
       <p:ext uri="{BB962C8B-B14F-4D97-AF65-F5344CB8AC3E}">
-        <p14:creationId xmlns:p14="http://schemas.microsoft.com/office/powerpoint/2010/main" val="961281013"/>
+        <p14:creationId xmlns:p14="http://schemas.microsoft.com/office/powerpoint/2010/main" val="1315783506"/>
       </p:ext>
     </p:extLst>
   </p:cSld>
@@ -2514,13 +4881,7 @@
       </p:grpSpPr>
       <p:sp>
         <p:nvSpPr>
-          <p:cNvPr id="2" name="标题 1">
-            <a:extLst>
-              <a:ext uri="{FF2B5EF4-FFF2-40B4-BE49-F238E27FC236}">
-                <a16:creationId xmlns:a16="http://schemas.microsoft.com/office/drawing/2014/main" id="{CE9C7DA6-6791-6A34-0426-48D6370365B8}"/>
-              </a:ext>
-            </a:extLst>
-          </p:cNvPr>
+          <p:cNvPr id="2" name="Title 1"/>
           <p:cNvSpPr>
             <a:spLocks noGrp="1"/>
           </p:cNvSpPr>
@@ -2530,15 +4891,15 @@
         </p:nvSpPr>
         <p:spPr>
           <a:xfrm>
-            <a:off x="839788" y="457200"/>
-            <a:ext cx="3932237" cy="1600200"/>
+            <a:off x="2589212" y="446088"/>
+            <a:ext cx="3505199" cy="976312"/>
           </a:xfrm>
         </p:spPr>
         <p:txBody>
           <a:bodyPr anchor="b"/>
           <a:lstStyle>
-            <a:lvl1pPr>
-              <a:defRPr sz="3200"/>
+            <a:lvl1pPr algn="l">
+              <a:defRPr sz="2000" b="0"/>
             </a:lvl1pPr>
           </a:lstStyle>
           <a:p>
@@ -2546,18 +4907,13 @@
               <a:rPr lang="zh-CN" altLang="en-US"/>
               <a:t>单击此处编辑母版标题样式</a:t>
             </a:r>
-          </a:p>
-        </p:txBody>
-      </p:sp>
-      <p:sp>
-        <p:nvSpPr>
-          <p:cNvPr id="3" name="内容占位符 2">
-            <a:extLst>
-              <a:ext uri="{FF2B5EF4-FFF2-40B4-BE49-F238E27FC236}">
-                <a16:creationId xmlns:a16="http://schemas.microsoft.com/office/drawing/2014/main" id="{10AB13E2-C6CC-E8E1-0AF0-FF28ABF280A1}"/>
-              </a:ext>
-            </a:extLst>
-          </p:cNvPr>
+            <a:endParaRPr lang="en-US" dirty="0"/>
+          </a:p>
+        </p:txBody>
+      </p:sp>
+      <p:sp>
+        <p:nvSpPr>
+          <p:cNvPr id="3" name="Content Placeholder 2"/>
           <p:cNvSpPr>
             <a:spLocks noGrp="1"/>
           </p:cNvSpPr>
@@ -2567,41 +4923,15 @@
         </p:nvSpPr>
         <p:spPr>
           <a:xfrm>
-            <a:off x="5183188" y="987425"/>
-            <a:ext cx="6172200" cy="4873625"/>
+            <a:off x="6323012" y="446088"/>
+            <a:ext cx="5181600" cy="5414963"/>
           </a:xfrm>
         </p:spPr>
         <p:txBody>
-          <a:bodyPr/>
-          <a:lstStyle>
-            <a:lvl1pPr>
-              <a:defRPr sz="3200"/>
-            </a:lvl1pPr>
-            <a:lvl2pPr>
-              <a:defRPr sz="2800"/>
-            </a:lvl2pPr>
-            <a:lvl3pPr>
-              <a:defRPr sz="2400"/>
-            </a:lvl3pPr>
-            <a:lvl4pPr>
-              <a:defRPr sz="2000"/>
-            </a:lvl4pPr>
-            <a:lvl5pPr>
-              <a:defRPr sz="2000"/>
-            </a:lvl5pPr>
-            <a:lvl6pPr>
-              <a:defRPr sz="2000"/>
-            </a:lvl6pPr>
-            <a:lvl7pPr>
-              <a:defRPr sz="2000"/>
-            </a:lvl7pPr>
-            <a:lvl8pPr>
-              <a:defRPr sz="2000"/>
-            </a:lvl8pPr>
-            <a:lvl9pPr>
-              <a:defRPr sz="2000"/>
-            </a:lvl9pPr>
-          </a:lstStyle>
+          <a:bodyPr anchor="ctr">
+            <a:normAutofit/>
+          </a:bodyPr>
+          <a:lstStyle/>
           <a:p>
             <a:pPr lvl="0"/>
             <a:r>
@@ -2636,18 +4966,13 @@
               <a:rPr lang="zh-CN" altLang="en-US"/>
               <a:t>五级</a:t>
             </a:r>
-          </a:p>
-        </p:txBody>
-      </p:sp>
-      <p:sp>
-        <p:nvSpPr>
-          <p:cNvPr id="4" name="文本占位符 3">
-            <a:extLst>
-              <a:ext uri="{FF2B5EF4-FFF2-40B4-BE49-F238E27FC236}">
-                <a16:creationId xmlns:a16="http://schemas.microsoft.com/office/drawing/2014/main" id="{8321847F-A49C-2EC9-4251-88653D737949}"/>
-              </a:ext>
-            </a:extLst>
-          </p:cNvPr>
+            <a:endParaRPr lang="en-US" dirty="0"/>
+          </a:p>
+        </p:txBody>
+      </p:sp>
+      <p:sp>
+        <p:nvSpPr>
+          <p:cNvPr id="4" name="Text Placeholder 3"/>
           <p:cNvSpPr>
             <a:spLocks noGrp="1"/>
           </p:cNvSpPr>
@@ -2657,8 +4982,8 @@
         </p:nvSpPr>
         <p:spPr>
           <a:xfrm>
-            <a:off x="839788" y="2057400"/>
-            <a:ext cx="3932237" cy="3811588"/>
+            <a:off x="2589212" y="1598613"/>
+            <a:ext cx="3505199" cy="4262436"/>
           </a:xfrm>
         </p:spPr>
         <p:txBody>
@@ -2666,39 +4991,39 @@
           <a:lstStyle>
             <a:lvl1pPr marL="0" indent="0">
               <a:buNone/>
-              <a:defRPr sz="1600"/>
+              <a:defRPr sz="1400"/>
             </a:lvl1pPr>
             <a:lvl2pPr marL="457200" indent="0">
               <a:buNone/>
-              <a:defRPr sz="1400"/>
+              <a:defRPr sz="1200"/>
             </a:lvl2pPr>
             <a:lvl3pPr marL="914400" indent="0">
               <a:buNone/>
-              <a:defRPr sz="1200"/>
+              <a:defRPr sz="1000"/>
             </a:lvl3pPr>
             <a:lvl4pPr marL="1371600" indent="0">
               <a:buNone/>
-              <a:defRPr sz="1000"/>
+              <a:defRPr sz="900"/>
             </a:lvl4pPr>
             <a:lvl5pPr marL="1828800" indent="0">
               <a:buNone/>
-              <a:defRPr sz="1000"/>
+              <a:defRPr sz="900"/>
             </a:lvl5pPr>
             <a:lvl6pPr marL="2286000" indent="0">
               <a:buNone/>
-              <a:defRPr sz="1000"/>
+              <a:defRPr sz="900"/>
             </a:lvl6pPr>
             <a:lvl7pPr marL="2743200" indent="0">
               <a:buNone/>
-              <a:defRPr sz="1000"/>
+              <a:defRPr sz="900"/>
             </a:lvl7pPr>
             <a:lvl8pPr marL="3200400" indent="0">
               <a:buNone/>
-              <a:defRPr sz="1000"/>
+              <a:defRPr sz="900"/>
             </a:lvl8pPr>
             <a:lvl9pPr marL="3657600" indent="0">
               <a:buNone/>
-              <a:defRPr sz="1000"/>
+              <a:defRPr sz="900"/>
             </a:lvl9pPr>
           </a:lstStyle>
           <a:p>
@@ -2712,13 +5037,7 @@
       </p:sp>
       <p:sp>
         <p:nvSpPr>
-          <p:cNvPr id="5" name="日期占位符 4">
-            <a:extLst>
-              <a:ext uri="{FF2B5EF4-FFF2-40B4-BE49-F238E27FC236}">
-                <a16:creationId xmlns:a16="http://schemas.microsoft.com/office/drawing/2014/main" id="{49139D19-FE53-5668-FF42-6598C6C508F6}"/>
-              </a:ext>
-            </a:extLst>
-          </p:cNvPr>
+          <p:cNvPr id="5" name="Date Placeholder 4"/>
           <p:cNvSpPr>
             <a:spLocks noGrp="1"/>
           </p:cNvSpPr>
@@ -2733,7 +5052,7 @@
           <a:p>
             <a:fld id="{A4036A34-A668-4A43-9099-C9D27A346F01}" type="datetimeFigureOut">
               <a:rPr lang="zh-CN" altLang="en-US" smtClean="0"/>
-              <a:t>2023/4/26</a:t>
+              <a:t>2023/5/14</a:t>
             </a:fld>
             <a:endParaRPr lang="zh-CN" altLang="en-US"/>
           </a:p>
@@ -2741,13 +5060,7 @@
       </p:sp>
       <p:sp>
         <p:nvSpPr>
-          <p:cNvPr id="6" name="页脚占位符 5">
-            <a:extLst>
-              <a:ext uri="{FF2B5EF4-FFF2-40B4-BE49-F238E27FC236}">
-                <a16:creationId xmlns:a16="http://schemas.microsoft.com/office/drawing/2014/main" id="{F3EDAC5D-50AD-D212-9183-53771DAED412}"/>
-              </a:ext>
-            </a:extLst>
-          </p:cNvPr>
+          <p:cNvPr id="6" name="Footer Placeholder 5"/>
           <p:cNvSpPr>
             <a:spLocks noGrp="1"/>
           </p:cNvSpPr>
@@ -2766,13 +5079,89 @@
       </p:sp>
       <p:sp>
         <p:nvSpPr>
-          <p:cNvPr id="7" name="灯片编号占位符 6">
-            <a:extLst>
-              <a:ext uri="{FF2B5EF4-FFF2-40B4-BE49-F238E27FC236}">
-                <a16:creationId xmlns:a16="http://schemas.microsoft.com/office/drawing/2014/main" id="{8A8D8F5A-08E9-4AAA-5BDE-1B7A3FDDD872}"/>
-              </a:ext>
-            </a:extLst>
-          </p:cNvPr>
+          <p:cNvPr id="9" name="Freeform 11"/>
+          <p:cNvSpPr/>
+          <p:nvPr/>
+        </p:nvSpPr>
+        <p:spPr bwMode="auto">
+          <a:xfrm flipV="1">
+            <a:off x="-4189" y="714375"/>
+            <a:ext cx="1588527" cy="507297"/>
+          </a:xfrm>
+          <a:custGeom>
+            <a:avLst/>
+            <a:gdLst/>
+            <a:ahLst/>
+            <a:cxnLst/>
+            <a:rect l="l" t="t" r="r" b="b"/>
+            <a:pathLst>
+              <a:path w="9248" h="10000">
+                <a:moveTo>
+                  <a:pt x="9248" y="4701"/>
+                </a:moveTo>
+                <a:lnTo>
+                  <a:pt x="7915" y="188"/>
+                </a:lnTo>
+                <a:cubicBezTo>
+                  <a:pt x="7906" y="156"/>
+                  <a:pt x="7895" y="126"/>
+                  <a:pt x="7886" y="94"/>
+                </a:cubicBezTo>
+                <a:cubicBezTo>
+                  <a:pt x="7859" y="0"/>
+                  <a:pt x="7831" y="0"/>
+                  <a:pt x="7803" y="0"/>
+                </a:cubicBezTo>
+                <a:lnTo>
+                  <a:pt x="7275" y="0"/>
+                </a:lnTo>
+                <a:lnTo>
+                  <a:pt x="0" y="70"/>
+                </a:lnTo>
+                <a:cubicBezTo>
+                  <a:pt x="8" y="3380"/>
+                  <a:pt x="17" y="6690"/>
+                  <a:pt x="25" y="10000"/>
+                </a:cubicBezTo>
+                <a:lnTo>
+                  <a:pt x="7275" y="9966"/>
+                </a:lnTo>
+                <a:lnTo>
+                  <a:pt x="7803" y="9966"/>
+                </a:lnTo>
+                <a:cubicBezTo>
+                  <a:pt x="7831" y="9966"/>
+                  <a:pt x="7859" y="9872"/>
+                  <a:pt x="7886" y="9872"/>
+                </a:cubicBezTo>
+                <a:cubicBezTo>
+                  <a:pt x="7886" y="9778"/>
+                  <a:pt x="7915" y="9778"/>
+                  <a:pt x="7915" y="9778"/>
+                </a:cubicBezTo>
+                <a:lnTo>
+                  <a:pt x="9248" y="5265"/>
+                </a:lnTo>
+                <a:cubicBezTo>
+                  <a:pt x="9303" y="5077"/>
+                  <a:pt x="9303" y="4889"/>
+                  <a:pt x="9248" y="4701"/>
+                </a:cubicBezTo>
+                <a:close/>
+              </a:path>
+            </a:pathLst>
+          </a:custGeom>
+          <a:solidFill>
+            <a:schemeClr val="accent1"/>
+          </a:solidFill>
+          <a:ln>
+            <a:noFill/>
+          </a:ln>
+        </p:spPr>
+      </p:sp>
+      <p:sp>
+        <p:nvSpPr>
+          <p:cNvPr id="7" name="Slide Number Placeholder 6"/>
           <p:cNvSpPr>
             <a:spLocks noGrp="1"/>
           </p:cNvSpPr>
@@ -2796,7 +5185,7 @@
     </p:spTree>
     <p:extLst>
       <p:ext uri="{BB962C8B-B14F-4D97-AF65-F5344CB8AC3E}">
-        <p14:creationId xmlns:p14="http://schemas.microsoft.com/office/powerpoint/2010/main" val="1015124349"/>
+        <p14:creationId xmlns:p14="http://schemas.microsoft.com/office/powerpoint/2010/main" val="3395514247"/>
       </p:ext>
     </p:extLst>
   </p:cSld>
@@ -2825,13 +5214,7 @@
       </p:grpSpPr>
       <p:sp>
         <p:nvSpPr>
-          <p:cNvPr id="2" name="标题 1">
-            <a:extLst>
-              <a:ext uri="{FF2B5EF4-FFF2-40B4-BE49-F238E27FC236}">
-                <a16:creationId xmlns:a16="http://schemas.microsoft.com/office/drawing/2014/main" id="{F5DCD6B1-84B2-ECD9-E30E-C24349E6324A}"/>
-              </a:ext>
-            </a:extLst>
-          </p:cNvPr>
+          <p:cNvPr id="2" name="Title 1"/>
           <p:cNvSpPr>
             <a:spLocks noGrp="1"/>
           </p:cNvSpPr>
@@ -2841,15 +5224,17 @@
         </p:nvSpPr>
         <p:spPr>
           <a:xfrm>
-            <a:off x="839788" y="457200"/>
-            <a:ext cx="3932237" cy="1600200"/>
+            <a:off x="2589213" y="4800600"/>
+            <a:ext cx="8915400" cy="566738"/>
           </a:xfrm>
         </p:spPr>
         <p:txBody>
-          <a:bodyPr anchor="b"/>
+          <a:bodyPr anchor="b">
+            <a:normAutofit/>
+          </a:bodyPr>
           <a:lstStyle>
-            <a:lvl1pPr>
-              <a:defRPr sz="3200"/>
+            <a:lvl1pPr algn="l">
+              <a:defRPr sz="2400" b="0"/>
             </a:lvl1pPr>
           </a:lstStyle>
           <a:p>
@@ -2857,20 +5242,15 @@
               <a:rPr lang="zh-CN" altLang="en-US"/>
               <a:t>单击此处编辑母版标题样式</a:t>
             </a:r>
-          </a:p>
-        </p:txBody>
-      </p:sp>
-      <p:sp>
-        <p:nvSpPr>
-          <p:cNvPr id="3" name="图片占位符 2">
-            <a:extLst>
-              <a:ext uri="{FF2B5EF4-FFF2-40B4-BE49-F238E27FC236}">
-                <a16:creationId xmlns:a16="http://schemas.microsoft.com/office/drawing/2014/main" id="{0320A83F-C09F-6CE9-3C91-60B704D5085C}"/>
-              </a:ext>
-            </a:extLst>
-          </p:cNvPr>
+            <a:endParaRPr lang="en-US" dirty="0"/>
+          </a:p>
+        </p:txBody>
+      </p:sp>
+      <p:sp>
+        <p:nvSpPr>
+          <p:cNvPr id="3" name="Picture Placeholder 2"/>
           <p:cNvSpPr>
-            <a:spLocks noGrp="1"/>
+            <a:spLocks noGrp="1" noChangeAspect="1"/>
           </p:cNvSpPr>
           <p:nvPr>
             <p:ph type="pic" idx="1"/>
@@ -2878,64 +5258,64 @@
         </p:nvSpPr>
         <p:spPr>
           <a:xfrm>
-            <a:off x="5183188" y="987425"/>
-            <a:ext cx="6172200" cy="4873625"/>
+            <a:off x="2589212" y="634965"/>
+            <a:ext cx="8915400" cy="3854970"/>
           </a:xfrm>
         </p:spPr>
         <p:txBody>
-          <a:bodyPr/>
+          <a:bodyPr anchor="t">
+            <a:normAutofit/>
+          </a:bodyPr>
           <a:lstStyle>
-            <a:lvl1pPr marL="0" indent="0">
+            <a:lvl1pPr marL="0" indent="0" algn="ctr">
               <a:buNone/>
-              <a:defRPr sz="3200"/>
+              <a:defRPr sz="1600"/>
             </a:lvl1pPr>
             <a:lvl2pPr marL="457200" indent="0">
               <a:buNone/>
-              <a:defRPr sz="2800"/>
+              <a:defRPr sz="1600"/>
             </a:lvl2pPr>
             <a:lvl3pPr marL="914400" indent="0">
               <a:buNone/>
-              <a:defRPr sz="2400"/>
+              <a:defRPr sz="1600"/>
             </a:lvl3pPr>
             <a:lvl4pPr marL="1371600" indent="0">
               <a:buNone/>
-              <a:defRPr sz="2000"/>
+              <a:defRPr sz="1600"/>
             </a:lvl4pPr>
             <a:lvl5pPr marL="1828800" indent="0">
               <a:buNone/>
-              <a:defRPr sz="2000"/>
+              <a:defRPr sz="1600"/>
             </a:lvl5pPr>
             <a:lvl6pPr marL="2286000" indent="0">
               <a:buNone/>
-              <a:defRPr sz="2000"/>
+              <a:defRPr sz="1600"/>
             </a:lvl6pPr>
             <a:lvl7pPr marL="2743200" indent="0">
               <a:buNone/>
-              <a:defRPr sz="2000"/>
+              <a:defRPr sz="1600"/>
             </a:lvl7pPr>
             <a:lvl8pPr marL="3200400" indent="0">
               <a:buNone/>
-              <a:defRPr sz="2000"/>
+              <a:defRPr sz="1600"/>
             </a:lvl8pPr>
             <a:lvl9pPr marL="3657600" indent="0">
               <a:buNone/>
-              <a:defRPr sz="2000"/>
+              <a:defRPr sz="1600"/>
             </a:lvl9pPr>
           </a:lstStyle>
           <a:p>
-            <a:endParaRPr lang="zh-CN" altLang="en-US"/>
-          </a:p>
-        </p:txBody>
-      </p:sp>
-      <p:sp>
-        <p:nvSpPr>
-          <p:cNvPr id="4" name="文本占位符 3">
-            <a:extLst>
-              <a:ext uri="{FF2B5EF4-FFF2-40B4-BE49-F238E27FC236}">
-                <a16:creationId xmlns:a16="http://schemas.microsoft.com/office/drawing/2014/main" id="{C7DACF95-39F0-A142-044B-3392512BD1A9}"/>
-              </a:ext>
-            </a:extLst>
-          </p:cNvPr>
+            <a:r>
+              <a:rPr lang="zh-CN" altLang="en-US"/>
+              <a:t>单击图标添加图片</a:t>
+            </a:r>
+            <a:endParaRPr lang="en-US" dirty="0"/>
+          </a:p>
+        </p:txBody>
+      </p:sp>
+      <p:sp>
+        <p:nvSpPr>
+          <p:cNvPr id="4" name="Text Placeholder 3"/>
           <p:cNvSpPr>
             <a:spLocks noGrp="1"/>
           </p:cNvSpPr>
@@ -2945,48 +5325,50 @@
         </p:nvSpPr>
         <p:spPr>
           <a:xfrm>
-            <a:off x="839788" y="2057400"/>
-            <a:ext cx="3932237" cy="3811588"/>
+            <a:off x="2589213" y="5367338"/>
+            <a:ext cx="8915400" cy="493712"/>
           </a:xfrm>
         </p:spPr>
         <p:txBody>
-          <a:bodyPr/>
+          <a:bodyPr>
+            <a:normAutofit/>
+          </a:bodyPr>
           <a:lstStyle>
             <a:lvl1pPr marL="0" indent="0">
               <a:buNone/>
-              <a:defRPr sz="1600"/>
+              <a:defRPr sz="1200"/>
             </a:lvl1pPr>
             <a:lvl2pPr marL="457200" indent="0">
               <a:buNone/>
-              <a:defRPr sz="1400"/>
+              <a:defRPr sz="1200"/>
             </a:lvl2pPr>
             <a:lvl3pPr marL="914400" indent="0">
               <a:buNone/>
-              <a:defRPr sz="1200"/>
+              <a:defRPr sz="1000"/>
             </a:lvl3pPr>
             <a:lvl4pPr marL="1371600" indent="0">
               <a:buNone/>
-              <a:defRPr sz="1000"/>
+              <a:defRPr sz="900"/>
             </a:lvl4pPr>
             <a:lvl5pPr marL="1828800" indent="0">
               <a:buNone/>
-              <a:defRPr sz="1000"/>
+              <a:defRPr sz="900"/>
             </a:lvl5pPr>
             <a:lvl6pPr marL="2286000" indent="0">
               <a:buNone/>
-              <a:defRPr sz="1000"/>
+              <a:defRPr sz="900"/>
             </a:lvl6pPr>
             <a:lvl7pPr marL="2743200" indent="0">
               <a:buNone/>
-              <a:defRPr sz="1000"/>
+              <a:defRPr sz="900"/>
             </a:lvl7pPr>
             <a:lvl8pPr marL="3200400" indent="0">
               <a:buNone/>
-              <a:defRPr sz="1000"/>
+              <a:defRPr sz="900"/>
             </a:lvl8pPr>
             <a:lvl9pPr marL="3657600" indent="0">
               <a:buNone/>
-              <a:defRPr sz="1000"/>
+              <a:defRPr sz="900"/>
             </a:lvl9pPr>
           </a:lstStyle>
           <a:p>
@@ -3000,13 +5382,7 @@
       </p:sp>
       <p:sp>
         <p:nvSpPr>
-          <p:cNvPr id="5" name="日期占位符 4">
-            <a:extLst>
-              <a:ext uri="{FF2B5EF4-FFF2-40B4-BE49-F238E27FC236}">
-                <a16:creationId xmlns:a16="http://schemas.microsoft.com/office/drawing/2014/main" id="{D2923F83-7CC8-50E9-318D-F4EC6E1DF2E1}"/>
-              </a:ext>
-            </a:extLst>
-          </p:cNvPr>
+          <p:cNvPr id="5" name="Date Placeholder 4"/>
           <p:cNvSpPr>
             <a:spLocks noGrp="1"/>
           </p:cNvSpPr>
@@ -3021,7 +5397,7 @@
           <a:p>
             <a:fld id="{A4036A34-A668-4A43-9099-C9D27A346F01}" type="datetimeFigureOut">
               <a:rPr lang="zh-CN" altLang="en-US" smtClean="0"/>
-              <a:t>2023/4/26</a:t>
+              <a:t>2023/5/14</a:t>
             </a:fld>
             <a:endParaRPr lang="zh-CN" altLang="en-US"/>
           </a:p>
@@ -3029,13 +5405,7 @@
       </p:sp>
       <p:sp>
         <p:nvSpPr>
-          <p:cNvPr id="6" name="页脚占位符 5">
-            <a:extLst>
-              <a:ext uri="{FF2B5EF4-FFF2-40B4-BE49-F238E27FC236}">
-                <a16:creationId xmlns:a16="http://schemas.microsoft.com/office/drawing/2014/main" id="{87529A03-7439-6363-0337-424436DAFAC5}"/>
-              </a:ext>
-            </a:extLst>
-          </p:cNvPr>
+          <p:cNvPr id="6" name="Footer Placeholder 5"/>
           <p:cNvSpPr>
             <a:spLocks noGrp="1"/>
           </p:cNvSpPr>
@@ -3048,19 +5418,95 @@
           <a:bodyPr/>
           <a:lstStyle/>
           <a:p>
-            <a:endParaRPr lang="zh-CN" altLang="en-US"/>
-          </a:p>
-        </p:txBody>
-      </p:sp>
-      <p:sp>
-        <p:nvSpPr>
-          <p:cNvPr id="7" name="灯片编号占位符 6">
-            <a:extLst>
-              <a:ext uri="{FF2B5EF4-FFF2-40B4-BE49-F238E27FC236}">
-                <a16:creationId xmlns:a16="http://schemas.microsoft.com/office/drawing/2014/main" id="{ADEF88D1-A8A3-2733-FC39-4F208AFE94FA}"/>
-              </a:ext>
-            </a:extLst>
-          </p:cNvPr>
+            <a:endParaRPr lang="en-US" dirty="0"/>
+          </a:p>
+        </p:txBody>
+      </p:sp>
+      <p:sp>
+        <p:nvSpPr>
+          <p:cNvPr id="9" name="Freeform 11"/>
+          <p:cNvSpPr/>
+          <p:nvPr/>
+        </p:nvSpPr>
+        <p:spPr bwMode="auto">
+          <a:xfrm flipV="1">
+            <a:off x="-4189" y="4911725"/>
+            <a:ext cx="1588527" cy="507297"/>
+          </a:xfrm>
+          <a:custGeom>
+            <a:avLst/>
+            <a:gdLst/>
+            <a:ahLst/>
+            <a:cxnLst/>
+            <a:rect l="l" t="t" r="r" b="b"/>
+            <a:pathLst>
+              <a:path w="9248" h="10000">
+                <a:moveTo>
+                  <a:pt x="9248" y="4701"/>
+                </a:moveTo>
+                <a:lnTo>
+                  <a:pt x="7915" y="188"/>
+                </a:lnTo>
+                <a:cubicBezTo>
+                  <a:pt x="7906" y="156"/>
+                  <a:pt x="7895" y="126"/>
+                  <a:pt x="7886" y="94"/>
+                </a:cubicBezTo>
+                <a:cubicBezTo>
+                  <a:pt x="7859" y="0"/>
+                  <a:pt x="7831" y="0"/>
+                  <a:pt x="7803" y="0"/>
+                </a:cubicBezTo>
+                <a:lnTo>
+                  <a:pt x="7275" y="0"/>
+                </a:lnTo>
+                <a:lnTo>
+                  <a:pt x="0" y="70"/>
+                </a:lnTo>
+                <a:cubicBezTo>
+                  <a:pt x="8" y="3380"/>
+                  <a:pt x="17" y="6690"/>
+                  <a:pt x="25" y="10000"/>
+                </a:cubicBezTo>
+                <a:lnTo>
+                  <a:pt x="7275" y="9966"/>
+                </a:lnTo>
+                <a:lnTo>
+                  <a:pt x="7803" y="9966"/>
+                </a:lnTo>
+                <a:cubicBezTo>
+                  <a:pt x="7831" y="9966"/>
+                  <a:pt x="7859" y="9872"/>
+                  <a:pt x="7886" y="9872"/>
+                </a:cubicBezTo>
+                <a:cubicBezTo>
+                  <a:pt x="7886" y="9778"/>
+                  <a:pt x="7915" y="9778"/>
+                  <a:pt x="7915" y="9778"/>
+                </a:cubicBezTo>
+                <a:lnTo>
+                  <a:pt x="9248" y="5265"/>
+                </a:lnTo>
+                <a:cubicBezTo>
+                  <a:pt x="9303" y="5077"/>
+                  <a:pt x="9303" y="4889"/>
+                  <a:pt x="9248" y="4701"/>
+                </a:cubicBezTo>
+                <a:close/>
+              </a:path>
+            </a:pathLst>
+          </a:custGeom>
+          <a:solidFill>
+            <a:schemeClr val="accent1"/>
+          </a:solidFill>
+          <a:ln>
+            <a:noFill/>
+          </a:ln>
+        </p:spPr>
+      </p:sp>
+      <p:sp>
+        <p:nvSpPr>
+          <p:cNvPr id="7" name="Slide Number Placeholder 6"/>
           <p:cNvSpPr>
             <a:spLocks noGrp="1"/>
           </p:cNvSpPr>
@@ -3068,7 +5514,12 @@
             <p:ph type="sldNum" sz="quarter" idx="12"/>
           </p:nvPr>
         </p:nvSpPr>
-        <p:spPr/>
+        <p:spPr>
+          <a:xfrm>
+            <a:off x="531812" y="4983087"/>
+            <a:ext cx="779767" cy="365125"/>
+          </a:xfrm>
+        </p:spPr>
         <p:txBody>
           <a:bodyPr/>
           <a:lstStyle/>
@@ -3084,7 +5535,7 @@
     </p:spTree>
     <p:extLst>
       <p:ext uri="{BB962C8B-B14F-4D97-AF65-F5344CB8AC3E}">
-        <p14:creationId xmlns:p14="http://schemas.microsoft.com/office/powerpoint/2010/main" val="3882704327"/>
+        <p14:creationId xmlns:p14="http://schemas.microsoft.com/office/powerpoint/2010/main" val="969611172"/>
       </p:ext>
     </p:extLst>
   </p:cSld>
@@ -3098,8 +5549,8 @@
 <p:sldMaster xmlns:a="http://schemas.openxmlformats.org/drawingml/2006/main" xmlns:r="http://schemas.openxmlformats.org/officeDocument/2006/relationships" xmlns:p="http://schemas.openxmlformats.org/presentationml/2006/main">
   <p:cSld>
     <p:bg>
-      <p:bgRef idx="1001">
-        <a:schemeClr val="bg1"/>
+      <p:bgRef idx="1003">
+        <a:schemeClr val="bg2"/>
       </p:bgRef>
     </p:bg>
     <p:spTree>
@@ -3116,15 +5567,1826 @@
           <a:chExt cx="0" cy="0"/>
         </a:xfrm>
       </p:grpSpPr>
-      <p:sp>
-        <p:nvSpPr>
-          <p:cNvPr id="2" name="标题占位符 1">
-            <a:extLst>
-              <a:ext uri="{FF2B5EF4-FFF2-40B4-BE49-F238E27FC236}">
-                <a16:creationId xmlns:a16="http://schemas.microsoft.com/office/drawing/2014/main" id="{280183F9-CFA2-6D44-8671-FC2494CF6D91}"/>
-              </a:ext>
-            </a:extLst>
-          </p:cNvPr>
+      <p:grpSp>
+        <p:nvGrpSpPr>
+          <p:cNvPr id="23" name="Group 22"/>
+          <p:cNvGrpSpPr/>
+          <p:nvPr/>
+        </p:nvGrpSpPr>
+        <p:grpSpPr>
+          <a:xfrm>
+            <a:off x="1" y="228600"/>
+            <a:ext cx="2851516" cy="6638628"/>
+            <a:chOff x="2487613" y="285750"/>
+            <a:chExt cx="2428875" cy="5654676"/>
+          </a:xfrm>
+        </p:grpSpPr>
+        <p:sp>
+          <p:nvSpPr>
+            <p:cNvPr id="24" name="Freeform 11"/>
+            <p:cNvSpPr/>
+            <p:nvPr/>
+          </p:nvSpPr>
+          <p:spPr bwMode="auto">
+            <a:xfrm>
+              <a:off x="2487613" y="2284413"/>
+              <a:ext cx="85725" cy="533400"/>
+            </a:xfrm>
+            <a:custGeom>
+              <a:avLst/>
+              <a:gdLst/>
+              <a:ahLst/>
+              <a:cxnLst/>
+              <a:rect l="0" t="0" r="r" b="b"/>
+              <a:pathLst>
+                <a:path w="22" h="136">
+                  <a:moveTo>
+                    <a:pt x="22" y="136"/>
+                  </a:moveTo>
+                  <a:cubicBezTo>
+                    <a:pt x="20" y="117"/>
+                    <a:pt x="19" y="99"/>
+                    <a:pt x="17" y="80"/>
+                  </a:cubicBezTo>
+                  <a:cubicBezTo>
+                    <a:pt x="11" y="54"/>
+                    <a:pt x="6" y="27"/>
+                    <a:pt x="0" y="0"/>
+                  </a:cubicBezTo>
+                  <a:cubicBezTo>
+                    <a:pt x="0" y="35"/>
+                    <a:pt x="0" y="35"/>
+                    <a:pt x="0" y="35"/>
+                  </a:cubicBezTo>
+                  <a:cubicBezTo>
+                    <a:pt x="6" y="64"/>
+                    <a:pt x="13" y="94"/>
+                    <a:pt x="20" y="124"/>
+                  </a:cubicBezTo>
+                  <a:cubicBezTo>
+                    <a:pt x="20" y="128"/>
+                    <a:pt x="21" y="132"/>
+                    <a:pt x="22" y="136"/>
+                  </a:cubicBezTo>
+                  <a:close/>
+                </a:path>
+              </a:pathLst>
+            </a:custGeom>
+            <a:solidFill>
+              <a:schemeClr val="tx2">
+                <a:alpha val="20000"/>
+              </a:schemeClr>
+            </a:solidFill>
+            <a:ln>
+              <a:noFill/>
+            </a:ln>
+          </p:spPr>
+        </p:sp>
+        <p:sp>
+          <p:nvSpPr>
+            <p:cNvPr id="25" name="Freeform 12"/>
+            <p:cNvSpPr/>
+            <p:nvPr/>
+          </p:nvSpPr>
+          <p:spPr bwMode="auto">
+            <a:xfrm>
+              <a:off x="2597151" y="2779713"/>
+              <a:ext cx="550863" cy="1978025"/>
+            </a:xfrm>
+            <a:custGeom>
+              <a:avLst/>
+              <a:gdLst/>
+              <a:ahLst/>
+              <a:cxnLst/>
+              <a:rect l="0" t="0" r="r" b="b"/>
+              <a:pathLst>
+                <a:path w="140" h="504">
+                  <a:moveTo>
+                    <a:pt x="86" y="350"/>
+                  </a:moveTo>
+                  <a:cubicBezTo>
+                    <a:pt x="103" y="402"/>
+                    <a:pt x="120" y="453"/>
+                    <a:pt x="139" y="504"/>
+                  </a:cubicBezTo>
+                  <a:cubicBezTo>
+                    <a:pt x="139" y="495"/>
+                    <a:pt x="139" y="487"/>
+                    <a:pt x="140" y="478"/>
+                  </a:cubicBezTo>
+                  <a:cubicBezTo>
+                    <a:pt x="124" y="435"/>
+                    <a:pt x="109" y="391"/>
+                    <a:pt x="95" y="347"/>
+                  </a:cubicBezTo>
+                  <a:cubicBezTo>
+                    <a:pt x="58" y="233"/>
+                    <a:pt x="27" y="117"/>
+                    <a:pt x="0" y="0"/>
+                  </a:cubicBezTo>
+                  <a:cubicBezTo>
+                    <a:pt x="2" y="20"/>
+                    <a:pt x="4" y="41"/>
+                    <a:pt x="6" y="61"/>
+                  </a:cubicBezTo>
+                  <a:cubicBezTo>
+                    <a:pt x="30" y="158"/>
+                    <a:pt x="56" y="255"/>
+                    <a:pt x="86" y="350"/>
+                  </a:cubicBezTo>
+                  <a:close/>
+                </a:path>
+              </a:pathLst>
+            </a:custGeom>
+            <a:solidFill>
+              <a:schemeClr val="tx2">
+                <a:alpha val="20000"/>
+              </a:schemeClr>
+            </a:solidFill>
+            <a:ln>
+              <a:noFill/>
+            </a:ln>
+          </p:spPr>
+        </p:sp>
+        <p:sp>
+          <p:nvSpPr>
+            <p:cNvPr id="26" name="Freeform 13"/>
+            <p:cNvSpPr/>
+            <p:nvPr/>
+          </p:nvSpPr>
+          <p:spPr bwMode="auto">
+            <a:xfrm>
+              <a:off x="3175001" y="4730750"/>
+              <a:ext cx="519113" cy="1209675"/>
+            </a:xfrm>
+            <a:custGeom>
+              <a:avLst/>
+              <a:gdLst/>
+              <a:ahLst/>
+              <a:cxnLst/>
+              <a:rect l="0" t="0" r="r" b="b"/>
+              <a:pathLst>
+                <a:path w="132" h="308">
+                  <a:moveTo>
+                    <a:pt x="8" y="22"/>
+                  </a:moveTo>
+                  <a:cubicBezTo>
+                    <a:pt x="5" y="15"/>
+                    <a:pt x="2" y="8"/>
+                    <a:pt x="0" y="0"/>
+                  </a:cubicBezTo>
+                  <a:cubicBezTo>
+                    <a:pt x="0" y="10"/>
+                    <a:pt x="0" y="19"/>
+                    <a:pt x="0" y="29"/>
+                  </a:cubicBezTo>
+                  <a:cubicBezTo>
+                    <a:pt x="21" y="85"/>
+                    <a:pt x="44" y="140"/>
+                    <a:pt x="68" y="194"/>
+                  </a:cubicBezTo>
+                  <a:cubicBezTo>
+                    <a:pt x="85" y="232"/>
+                    <a:pt x="104" y="270"/>
+                    <a:pt x="123" y="308"/>
+                  </a:cubicBezTo>
+                  <a:cubicBezTo>
+                    <a:pt x="132" y="308"/>
+                    <a:pt x="132" y="308"/>
+                    <a:pt x="132" y="308"/>
+                  </a:cubicBezTo>
+                  <a:cubicBezTo>
+                    <a:pt x="113" y="269"/>
+                    <a:pt x="94" y="230"/>
+                    <a:pt x="77" y="190"/>
+                  </a:cubicBezTo>
+                  <a:cubicBezTo>
+                    <a:pt x="52" y="135"/>
+                    <a:pt x="29" y="79"/>
+                    <a:pt x="8" y="22"/>
+                  </a:cubicBezTo>
+                  <a:close/>
+                </a:path>
+              </a:pathLst>
+            </a:custGeom>
+            <a:solidFill>
+              <a:schemeClr val="tx2">
+                <a:alpha val="20000"/>
+              </a:schemeClr>
+            </a:solidFill>
+            <a:ln>
+              <a:noFill/>
+            </a:ln>
+          </p:spPr>
+        </p:sp>
+        <p:sp>
+          <p:nvSpPr>
+            <p:cNvPr id="27" name="Freeform 14"/>
+            <p:cNvSpPr/>
+            <p:nvPr/>
+          </p:nvSpPr>
+          <p:spPr bwMode="auto">
+            <a:xfrm>
+              <a:off x="3305176" y="5630863"/>
+              <a:ext cx="146050" cy="309563"/>
+            </a:xfrm>
+            <a:custGeom>
+              <a:avLst/>
+              <a:gdLst/>
+              <a:ahLst/>
+              <a:cxnLst/>
+              <a:rect l="0" t="0" r="r" b="b"/>
+              <a:pathLst>
+                <a:path w="37" h="79">
+                  <a:moveTo>
+                    <a:pt x="28" y="79"/>
+                  </a:moveTo>
+                  <a:cubicBezTo>
+                    <a:pt x="37" y="79"/>
+                    <a:pt x="37" y="79"/>
+                    <a:pt x="37" y="79"/>
+                  </a:cubicBezTo>
+                  <a:cubicBezTo>
+                    <a:pt x="24" y="53"/>
+                    <a:pt x="12" y="27"/>
+                    <a:pt x="0" y="0"/>
+                  </a:cubicBezTo>
+                  <a:cubicBezTo>
+                    <a:pt x="8" y="27"/>
+                    <a:pt x="17" y="53"/>
+                    <a:pt x="28" y="79"/>
+                  </a:cubicBezTo>
+                  <a:close/>
+                </a:path>
+              </a:pathLst>
+            </a:custGeom>
+            <a:solidFill>
+              <a:schemeClr val="tx2">
+                <a:alpha val="20000"/>
+              </a:schemeClr>
+            </a:solidFill>
+            <a:ln>
+              <a:noFill/>
+            </a:ln>
+          </p:spPr>
+        </p:sp>
+        <p:sp>
+          <p:nvSpPr>
+            <p:cNvPr id="28" name="Freeform 15"/>
+            <p:cNvSpPr/>
+            <p:nvPr/>
+          </p:nvSpPr>
+          <p:spPr bwMode="auto">
+            <a:xfrm>
+              <a:off x="2573338" y="2817813"/>
+              <a:ext cx="700088" cy="2835275"/>
+            </a:xfrm>
+            <a:custGeom>
+              <a:avLst/>
+              <a:gdLst/>
+              <a:ahLst/>
+              <a:cxnLst/>
+              <a:rect l="0" t="0" r="r" b="b"/>
+              <a:pathLst>
+                <a:path w="178" h="722">
+                  <a:moveTo>
+                    <a:pt x="162" y="660"/>
+                  </a:moveTo>
+                  <a:cubicBezTo>
+                    <a:pt x="145" y="618"/>
+                    <a:pt x="130" y="576"/>
+                    <a:pt x="116" y="534"/>
+                  </a:cubicBezTo>
+                  <a:cubicBezTo>
+                    <a:pt x="84" y="437"/>
+                    <a:pt x="59" y="337"/>
+                    <a:pt x="40" y="236"/>
+                  </a:cubicBezTo>
+                  <a:cubicBezTo>
+                    <a:pt x="29" y="175"/>
+                    <a:pt x="20" y="113"/>
+                    <a:pt x="12" y="51"/>
+                  </a:cubicBezTo>
+                  <a:cubicBezTo>
+                    <a:pt x="8" y="34"/>
+                    <a:pt x="4" y="17"/>
+                    <a:pt x="0" y="0"/>
+                  </a:cubicBezTo>
+                  <a:cubicBezTo>
+                    <a:pt x="8" y="79"/>
+                    <a:pt x="19" y="159"/>
+                    <a:pt x="33" y="237"/>
+                  </a:cubicBezTo>
+                  <a:cubicBezTo>
+                    <a:pt x="51" y="339"/>
+                    <a:pt x="76" y="439"/>
+                    <a:pt x="107" y="537"/>
+                  </a:cubicBezTo>
+                  <a:cubicBezTo>
+                    <a:pt x="123" y="586"/>
+                    <a:pt x="141" y="634"/>
+                    <a:pt x="160" y="681"/>
+                  </a:cubicBezTo>
+                  <a:cubicBezTo>
+                    <a:pt x="166" y="695"/>
+                    <a:pt x="172" y="708"/>
+                    <a:pt x="178" y="722"/>
+                  </a:cubicBezTo>
+                  <a:cubicBezTo>
+                    <a:pt x="176" y="717"/>
+                    <a:pt x="175" y="713"/>
+                    <a:pt x="174" y="708"/>
+                  </a:cubicBezTo>
+                  <a:cubicBezTo>
+                    <a:pt x="169" y="692"/>
+                    <a:pt x="165" y="676"/>
+                    <a:pt x="162" y="660"/>
+                  </a:cubicBezTo>
+                  <a:close/>
+                </a:path>
+              </a:pathLst>
+            </a:custGeom>
+            <a:solidFill>
+              <a:schemeClr val="tx2">
+                <a:alpha val="20000"/>
+              </a:schemeClr>
+            </a:solidFill>
+            <a:ln>
+              <a:noFill/>
+            </a:ln>
+          </p:spPr>
+        </p:sp>
+        <p:sp>
+          <p:nvSpPr>
+            <p:cNvPr id="29" name="Freeform 16"/>
+            <p:cNvSpPr/>
+            <p:nvPr/>
+          </p:nvSpPr>
+          <p:spPr bwMode="auto">
+            <a:xfrm>
+              <a:off x="2506663" y="285750"/>
+              <a:ext cx="90488" cy="2493963"/>
+            </a:xfrm>
+            <a:custGeom>
+              <a:avLst/>
+              <a:gdLst/>
+              <a:ahLst/>
+              <a:cxnLst/>
+              <a:rect l="0" t="0" r="r" b="b"/>
+              <a:pathLst>
+                <a:path w="23" h="635">
+                  <a:moveTo>
+                    <a:pt x="11" y="577"/>
+                  </a:moveTo>
+                  <a:cubicBezTo>
+                    <a:pt x="12" y="581"/>
+                    <a:pt x="12" y="585"/>
+                    <a:pt x="12" y="589"/>
+                  </a:cubicBezTo>
+                  <a:cubicBezTo>
+                    <a:pt x="15" y="603"/>
+                    <a:pt x="19" y="617"/>
+                    <a:pt x="22" y="632"/>
+                  </a:cubicBezTo>
+                  <a:cubicBezTo>
+                    <a:pt x="22" y="633"/>
+                    <a:pt x="22" y="634"/>
+                    <a:pt x="23" y="635"/>
+                  </a:cubicBezTo>
+                  <a:cubicBezTo>
+                    <a:pt x="21" y="615"/>
+                    <a:pt x="19" y="596"/>
+                    <a:pt x="17" y="576"/>
+                  </a:cubicBezTo>
+                  <a:cubicBezTo>
+                    <a:pt x="9" y="474"/>
+                    <a:pt x="5" y="372"/>
+                    <a:pt x="5" y="269"/>
+                  </a:cubicBezTo>
+                  <a:cubicBezTo>
+                    <a:pt x="6" y="179"/>
+                    <a:pt x="9" y="90"/>
+                    <a:pt x="15" y="0"/>
+                  </a:cubicBezTo>
+                  <a:cubicBezTo>
+                    <a:pt x="12" y="0"/>
+                    <a:pt x="12" y="0"/>
+                    <a:pt x="12" y="0"/>
+                  </a:cubicBezTo>
+                  <a:cubicBezTo>
+                    <a:pt x="5" y="89"/>
+                    <a:pt x="2" y="179"/>
+                    <a:pt x="1" y="269"/>
+                  </a:cubicBezTo>
+                  <a:cubicBezTo>
+                    <a:pt x="0" y="372"/>
+                    <a:pt x="3" y="474"/>
+                    <a:pt x="11" y="577"/>
+                  </a:cubicBezTo>
+                  <a:close/>
+                </a:path>
+              </a:pathLst>
+            </a:custGeom>
+            <a:solidFill>
+              <a:schemeClr val="tx2">
+                <a:alpha val="20000"/>
+              </a:schemeClr>
+            </a:solidFill>
+            <a:ln>
+              <a:noFill/>
+            </a:ln>
+          </p:spPr>
+        </p:sp>
+        <p:sp>
+          <p:nvSpPr>
+            <p:cNvPr id="30" name="Freeform 17"/>
+            <p:cNvSpPr/>
+            <p:nvPr/>
+          </p:nvSpPr>
+          <p:spPr bwMode="auto">
+            <a:xfrm>
+              <a:off x="2554288" y="2598738"/>
+              <a:ext cx="66675" cy="420688"/>
+            </a:xfrm>
+            <a:custGeom>
+              <a:avLst/>
+              <a:gdLst/>
+              <a:ahLst/>
+              <a:cxnLst/>
+              <a:rect l="0" t="0" r="r" b="b"/>
+              <a:pathLst>
+                <a:path w="17" h="107">
+                  <a:moveTo>
+                    <a:pt x="0" y="0"/>
+                  </a:moveTo>
+                  <a:cubicBezTo>
+                    <a:pt x="2" y="19"/>
+                    <a:pt x="3" y="37"/>
+                    <a:pt x="5" y="56"/>
+                  </a:cubicBezTo>
+                  <a:cubicBezTo>
+                    <a:pt x="9" y="73"/>
+                    <a:pt x="13" y="90"/>
+                    <a:pt x="17" y="107"/>
+                  </a:cubicBezTo>
+                  <a:cubicBezTo>
+                    <a:pt x="15" y="87"/>
+                    <a:pt x="13" y="66"/>
+                    <a:pt x="11" y="46"/>
+                  </a:cubicBezTo>
+                  <a:cubicBezTo>
+                    <a:pt x="10" y="45"/>
+                    <a:pt x="10" y="44"/>
+                    <a:pt x="10" y="43"/>
+                  </a:cubicBezTo>
+                  <a:cubicBezTo>
+                    <a:pt x="7" y="28"/>
+                    <a:pt x="3" y="14"/>
+                    <a:pt x="0" y="0"/>
+                  </a:cubicBezTo>
+                  <a:close/>
+                </a:path>
+              </a:pathLst>
+            </a:custGeom>
+            <a:solidFill>
+              <a:schemeClr val="tx2">
+                <a:alpha val="20000"/>
+              </a:schemeClr>
+            </a:solidFill>
+            <a:ln>
+              <a:noFill/>
+            </a:ln>
+          </p:spPr>
+        </p:sp>
+        <p:sp>
+          <p:nvSpPr>
+            <p:cNvPr id="31" name="Freeform 18"/>
+            <p:cNvSpPr/>
+            <p:nvPr/>
+          </p:nvSpPr>
+          <p:spPr bwMode="auto">
+            <a:xfrm>
+              <a:off x="3143251" y="4757738"/>
+              <a:ext cx="161925" cy="873125"/>
+            </a:xfrm>
+            <a:custGeom>
+              <a:avLst/>
+              <a:gdLst/>
+              <a:ahLst/>
+              <a:cxnLst/>
+              <a:rect l="0" t="0" r="r" b="b"/>
+              <a:pathLst>
+                <a:path w="41" h="222">
+                  <a:moveTo>
+                    <a:pt x="0" y="0"/>
+                  </a:moveTo>
+                  <a:cubicBezTo>
+                    <a:pt x="0" y="31"/>
+                    <a:pt x="2" y="62"/>
+                    <a:pt x="5" y="93"/>
+                  </a:cubicBezTo>
+                  <a:cubicBezTo>
+                    <a:pt x="8" y="117"/>
+                    <a:pt x="12" y="142"/>
+                    <a:pt x="17" y="166"/>
+                  </a:cubicBezTo>
+                  <a:cubicBezTo>
+                    <a:pt x="19" y="172"/>
+                    <a:pt x="22" y="178"/>
+                    <a:pt x="24" y="184"/>
+                  </a:cubicBezTo>
+                  <a:cubicBezTo>
+                    <a:pt x="30" y="197"/>
+                    <a:pt x="35" y="209"/>
+                    <a:pt x="41" y="222"/>
+                  </a:cubicBezTo>
+                  <a:cubicBezTo>
+                    <a:pt x="40" y="219"/>
+                    <a:pt x="39" y="215"/>
+                    <a:pt x="38" y="212"/>
+                  </a:cubicBezTo>
+                  <a:cubicBezTo>
+                    <a:pt x="26" y="172"/>
+                    <a:pt x="18" y="132"/>
+                    <a:pt x="13" y="92"/>
+                  </a:cubicBezTo>
+                  <a:cubicBezTo>
+                    <a:pt x="11" y="68"/>
+                    <a:pt x="9" y="45"/>
+                    <a:pt x="8" y="22"/>
+                  </a:cubicBezTo>
+                  <a:cubicBezTo>
+                    <a:pt x="8" y="21"/>
+                    <a:pt x="7" y="20"/>
+                    <a:pt x="7" y="18"/>
+                  </a:cubicBezTo>
+                  <a:cubicBezTo>
+                    <a:pt x="5" y="12"/>
+                    <a:pt x="2" y="6"/>
+                    <a:pt x="0" y="0"/>
+                  </a:cubicBezTo>
+                  <a:close/>
+                </a:path>
+              </a:pathLst>
+            </a:custGeom>
+            <a:solidFill>
+              <a:schemeClr val="tx2">
+                <a:alpha val="20000"/>
+              </a:schemeClr>
+            </a:solidFill>
+            <a:ln>
+              <a:noFill/>
+            </a:ln>
+          </p:spPr>
+        </p:sp>
+        <p:sp>
+          <p:nvSpPr>
+            <p:cNvPr id="32" name="Freeform 19"/>
+            <p:cNvSpPr/>
+            <p:nvPr/>
+          </p:nvSpPr>
+          <p:spPr bwMode="auto">
+            <a:xfrm>
+              <a:off x="3148013" y="1282700"/>
+              <a:ext cx="1768475" cy="3448050"/>
+            </a:xfrm>
+            <a:custGeom>
+              <a:avLst/>
+              <a:gdLst/>
+              <a:ahLst/>
+              <a:cxnLst/>
+              <a:rect l="0" t="0" r="r" b="b"/>
+              <a:pathLst>
+                <a:path w="450" h="878">
+                  <a:moveTo>
+                    <a:pt x="7" y="854"/>
+                  </a:moveTo>
+                  <a:cubicBezTo>
+                    <a:pt x="10" y="772"/>
+                    <a:pt x="26" y="691"/>
+                    <a:pt x="50" y="613"/>
+                  </a:cubicBezTo>
+                  <a:cubicBezTo>
+                    <a:pt x="75" y="535"/>
+                    <a:pt x="109" y="460"/>
+                    <a:pt x="149" y="388"/>
+                  </a:cubicBezTo>
+                  <a:cubicBezTo>
+                    <a:pt x="189" y="316"/>
+                    <a:pt x="235" y="248"/>
+                    <a:pt x="285" y="183"/>
+                  </a:cubicBezTo>
+                  <a:cubicBezTo>
+                    <a:pt x="310" y="151"/>
+                    <a:pt x="337" y="119"/>
+                    <a:pt x="364" y="89"/>
+                  </a:cubicBezTo>
+                  <a:cubicBezTo>
+                    <a:pt x="378" y="74"/>
+                    <a:pt x="392" y="58"/>
+                    <a:pt x="406" y="44"/>
+                  </a:cubicBezTo>
+                  <a:cubicBezTo>
+                    <a:pt x="421" y="29"/>
+                    <a:pt x="435" y="15"/>
+                    <a:pt x="450" y="1"/>
+                  </a:cubicBezTo>
+                  <a:cubicBezTo>
+                    <a:pt x="450" y="0"/>
+                    <a:pt x="450" y="0"/>
+                    <a:pt x="450" y="0"/>
+                  </a:cubicBezTo>
+                  <a:cubicBezTo>
+                    <a:pt x="434" y="14"/>
+                    <a:pt x="420" y="28"/>
+                    <a:pt x="405" y="43"/>
+                  </a:cubicBezTo>
+                  <a:cubicBezTo>
+                    <a:pt x="391" y="57"/>
+                    <a:pt x="377" y="72"/>
+                    <a:pt x="363" y="88"/>
+                  </a:cubicBezTo>
+                  <a:cubicBezTo>
+                    <a:pt x="335" y="118"/>
+                    <a:pt x="308" y="149"/>
+                    <a:pt x="283" y="181"/>
+                  </a:cubicBezTo>
+                  <a:cubicBezTo>
+                    <a:pt x="232" y="246"/>
+                    <a:pt x="185" y="314"/>
+                    <a:pt x="145" y="386"/>
+                  </a:cubicBezTo>
+                  <a:cubicBezTo>
+                    <a:pt x="104" y="457"/>
+                    <a:pt x="70" y="533"/>
+                    <a:pt x="45" y="611"/>
+                  </a:cubicBezTo>
+                  <a:cubicBezTo>
+                    <a:pt x="19" y="690"/>
+                    <a:pt x="3" y="771"/>
+                    <a:pt x="0" y="854"/>
+                  </a:cubicBezTo>
+                  <a:cubicBezTo>
+                    <a:pt x="0" y="856"/>
+                    <a:pt x="0" y="857"/>
+                    <a:pt x="0" y="859"/>
+                  </a:cubicBezTo>
+                  <a:cubicBezTo>
+                    <a:pt x="2" y="865"/>
+                    <a:pt x="4" y="872"/>
+                    <a:pt x="7" y="878"/>
+                  </a:cubicBezTo>
+                  <a:cubicBezTo>
+                    <a:pt x="7" y="870"/>
+                    <a:pt x="7" y="862"/>
+                    <a:pt x="7" y="854"/>
+                  </a:cubicBezTo>
+                  <a:close/>
+                </a:path>
+              </a:pathLst>
+            </a:custGeom>
+            <a:solidFill>
+              <a:schemeClr val="tx2">
+                <a:alpha val="20000"/>
+              </a:schemeClr>
+            </a:solidFill>
+            <a:ln>
+              <a:noFill/>
+            </a:ln>
+          </p:spPr>
+        </p:sp>
+        <p:sp>
+          <p:nvSpPr>
+            <p:cNvPr id="33" name="Freeform 20"/>
+            <p:cNvSpPr/>
+            <p:nvPr/>
+          </p:nvSpPr>
+          <p:spPr bwMode="auto">
+            <a:xfrm>
+              <a:off x="3273426" y="5653088"/>
+              <a:ext cx="138113" cy="287338"/>
+            </a:xfrm>
+            <a:custGeom>
+              <a:avLst/>
+              <a:gdLst/>
+              <a:ahLst/>
+              <a:cxnLst/>
+              <a:rect l="0" t="0" r="r" b="b"/>
+              <a:pathLst>
+                <a:path w="35" h="73">
+                  <a:moveTo>
+                    <a:pt x="0" y="0"/>
+                  </a:moveTo>
+                  <a:cubicBezTo>
+                    <a:pt x="7" y="24"/>
+                    <a:pt x="16" y="49"/>
+                    <a:pt x="26" y="73"/>
+                  </a:cubicBezTo>
+                  <a:cubicBezTo>
+                    <a:pt x="35" y="73"/>
+                    <a:pt x="35" y="73"/>
+                    <a:pt x="35" y="73"/>
+                  </a:cubicBezTo>
+                  <a:cubicBezTo>
+                    <a:pt x="23" y="49"/>
+                    <a:pt x="11" y="24"/>
+                    <a:pt x="0" y="0"/>
+                  </a:cubicBezTo>
+                  <a:close/>
+                </a:path>
+              </a:pathLst>
+            </a:custGeom>
+            <a:solidFill>
+              <a:schemeClr val="tx2">
+                <a:alpha val="20000"/>
+              </a:schemeClr>
+            </a:solidFill>
+            <a:ln>
+              <a:noFill/>
+            </a:ln>
+          </p:spPr>
+        </p:sp>
+        <p:sp>
+          <p:nvSpPr>
+            <p:cNvPr id="34" name="Freeform 21"/>
+            <p:cNvSpPr/>
+            <p:nvPr/>
+          </p:nvSpPr>
+          <p:spPr bwMode="auto">
+            <a:xfrm>
+              <a:off x="3143251" y="4656138"/>
+              <a:ext cx="31750" cy="188913"/>
+            </a:xfrm>
+            <a:custGeom>
+              <a:avLst/>
+              <a:gdLst/>
+              <a:ahLst/>
+              <a:cxnLst/>
+              <a:rect l="0" t="0" r="r" b="b"/>
+              <a:pathLst>
+                <a:path w="8" h="48">
+                  <a:moveTo>
+                    <a:pt x="7" y="44"/>
+                  </a:moveTo>
+                  <a:cubicBezTo>
+                    <a:pt x="7" y="46"/>
+                    <a:pt x="8" y="47"/>
+                    <a:pt x="8" y="48"/>
+                  </a:cubicBezTo>
+                  <a:cubicBezTo>
+                    <a:pt x="8" y="38"/>
+                    <a:pt x="8" y="29"/>
+                    <a:pt x="8" y="19"/>
+                  </a:cubicBezTo>
+                  <a:cubicBezTo>
+                    <a:pt x="5" y="13"/>
+                    <a:pt x="3" y="6"/>
+                    <a:pt x="1" y="0"/>
+                  </a:cubicBezTo>
+                  <a:cubicBezTo>
+                    <a:pt x="0" y="9"/>
+                    <a:pt x="0" y="17"/>
+                    <a:pt x="0" y="26"/>
+                  </a:cubicBezTo>
+                  <a:cubicBezTo>
+                    <a:pt x="2" y="32"/>
+                    <a:pt x="5" y="38"/>
+                    <a:pt x="7" y="44"/>
+                  </a:cubicBezTo>
+                  <a:close/>
+                </a:path>
+              </a:pathLst>
+            </a:custGeom>
+            <a:solidFill>
+              <a:schemeClr val="tx2">
+                <a:alpha val="20000"/>
+              </a:schemeClr>
+            </a:solidFill>
+            <a:ln>
+              <a:noFill/>
+            </a:ln>
+          </p:spPr>
+        </p:sp>
+        <p:sp>
+          <p:nvSpPr>
+            <p:cNvPr id="35" name="Freeform 22"/>
+            <p:cNvSpPr/>
+            <p:nvPr/>
+          </p:nvSpPr>
+          <p:spPr bwMode="auto">
+            <a:xfrm>
+              <a:off x="3211513" y="5410200"/>
+              <a:ext cx="203200" cy="530225"/>
+            </a:xfrm>
+            <a:custGeom>
+              <a:avLst/>
+              <a:gdLst/>
+              <a:ahLst/>
+              <a:cxnLst/>
+              <a:rect l="0" t="0" r="r" b="b"/>
+              <a:pathLst>
+                <a:path w="52" h="135">
+                  <a:moveTo>
+                    <a:pt x="7" y="18"/>
+                  </a:moveTo>
+                  <a:cubicBezTo>
+                    <a:pt x="5" y="12"/>
+                    <a:pt x="2" y="6"/>
+                    <a:pt x="0" y="0"/>
+                  </a:cubicBezTo>
+                  <a:cubicBezTo>
+                    <a:pt x="3" y="16"/>
+                    <a:pt x="7" y="32"/>
+                    <a:pt x="12" y="48"/>
+                  </a:cubicBezTo>
+                  <a:cubicBezTo>
+                    <a:pt x="13" y="53"/>
+                    <a:pt x="14" y="57"/>
+                    <a:pt x="16" y="62"/>
+                  </a:cubicBezTo>
+                  <a:cubicBezTo>
+                    <a:pt x="27" y="86"/>
+                    <a:pt x="39" y="111"/>
+                    <a:pt x="51" y="135"/>
+                  </a:cubicBezTo>
+                  <a:cubicBezTo>
+                    <a:pt x="52" y="135"/>
+                    <a:pt x="52" y="135"/>
+                    <a:pt x="52" y="135"/>
+                  </a:cubicBezTo>
+                  <a:cubicBezTo>
+                    <a:pt x="41" y="109"/>
+                    <a:pt x="32" y="83"/>
+                    <a:pt x="24" y="56"/>
+                  </a:cubicBezTo>
+                  <a:cubicBezTo>
+                    <a:pt x="18" y="43"/>
+                    <a:pt x="13" y="31"/>
+                    <a:pt x="7" y="18"/>
+                  </a:cubicBezTo>
+                  <a:close/>
+                </a:path>
+              </a:pathLst>
+            </a:custGeom>
+            <a:solidFill>
+              <a:schemeClr val="tx2">
+                <a:alpha val="20000"/>
+              </a:schemeClr>
+            </a:solidFill>
+            <a:ln>
+              <a:noFill/>
+            </a:ln>
+          </p:spPr>
+        </p:sp>
+      </p:grpSp>
+      <p:grpSp>
+        <p:nvGrpSpPr>
+          <p:cNvPr id="10" name="Group 9"/>
+          <p:cNvGrpSpPr/>
+          <p:nvPr/>
+        </p:nvGrpSpPr>
+        <p:grpSpPr>
+          <a:xfrm>
+            <a:off x="27221" y="-786"/>
+            <a:ext cx="2356674" cy="6854039"/>
+            <a:chOff x="6627813" y="194833"/>
+            <a:chExt cx="1952625" cy="5678918"/>
+          </a:xfrm>
+        </p:grpSpPr>
+        <p:sp>
+          <p:nvSpPr>
+            <p:cNvPr id="11" name="Freeform 27"/>
+            <p:cNvSpPr/>
+            <p:nvPr/>
+          </p:nvSpPr>
+          <p:spPr bwMode="auto">
+            <a:xfrm>
+              <a:off x="6627813" y="194833"/>
+              <a:ext cx="409575" cy="3646488"/>
+            </a:xfrm>
+            <a:custGeom>
+              <a:avLst/>
+              <a:gdLst/>
+              <a:ahLst/>
+              <a:cxnLst/>
+              <a:rect l="0" t="0" r="r" b="b"/>
+              <a:pathLst>
+                <a:path w="103" h="920">
+                  <a:moveTo>
+                    <a:pt x="7" y="210"/>
+                  </a:moveTo>
+                  <a:cubicBezTo>
+                    <a:pt x="11" y="288"/>
+                    <a:pt x="17" y="367"/>
+                    <a:pt x="26" y="445"/>
+                  </a:cubicBezTo>
+                  <a:cubicBezTo>
+                    <a:pt x="34" y="523"/>
+                    <a:pt x="44" y="601"/>
+                    <a:pt x="57" y="679"/>
+                  </a:cubicBezTo>
+                  <a:cubicBezTo>
+                    <a:pt x="69" y="757"/>
+                    <a:pt x="84" y="834"/>
+                    <a:pt x="101" y="911"/>
+                  </a:cubicBezTo>
+                  <a:cubicBezTo>
+                    <a:pt x="102" y="914"/>
+                    <a:pt x="103" y="917"/>
+                    <a:pt x="103" y="920"/>
+                  </a:cubicBezTo>
+                  <a:cubicBezTo>
+                    <a:pt x="102" y="905"/>
+                    <a:pt x="100" y="889"/>
+                    <a:pt x="99" y="874"/>
+                  </a:cubicBezTo>
+                  <a:cubicBezTo>
+                    <a:pt x="99" y="871"/>
+                    <a:pt x="99" y="868"/>
+                    <a:pt x="99" y="866"/>
+                  </a:cubicBezTo>
+                  <a:cubicBezTo>
+                    <a:pt x="85" y="803"/>
+                    <a:pt x="73" y="741"/>
+                    <a:pt x="63" y="678"/>
+                  </a:cubicBezTo>
+                  <a:cubicBezTo>
+                    <a:pt x="50" y="600"/>
+                    <a:pt x="39" y="523"/>
+                    <a:pt x="30" y="444"/>
+                  </a:cubicBezTo>
+                  <a:cubicBezTo>
+                    <a:pt x="21" y="366"/>
+                    <a:pt x="14" y="288"/>
+                    <a:pt x="9" y="209"/>
+                  </a:cubicBezTo>
+                  <a:cubicBezTo>
+                    <a:pt x="7" y="170"/>
+                    <a:pt x="5" y="131"/>
+                    <a:pt x="3" y="92"/>
+                  </a:cubicBezTo>
+                  <a:cubicBezTo>
+                    <a:pt x="2" y="61"/>
+                    <a:pt x="1" y="31"/>
+                    <a:pt x="1" y="0"/>
+                  </a:cubicBezTo>
+                  <a:cubicBezTo>
+                    <a:pt x="0" y="0"/>
+                    <a:pt x="0" y="0"/>
+                    <a:pt x="0" y="0"/>
+                  </a:cubicBezTo>
+                  <a:cubicBezTo>
+                    <a:pt x="0" y="31"/>
+                    <a:pt x="1" y="61"/>
+                    <a:pt x="1" y="92"/>
+                  </a:cubicBezTo>
+                  <a:cubicBezTo>
+                    <a:pt x="3" y="131"/>
+                    <a:pt x="4" y="170"/>
+                    <a:pt x="7" y="210"/>
+                  </a:cubicBezTo>
+                  <a:close/>
+                </a:path>
+              </a:pathLst>
+            </a:custGeom>
+            <a:solidFill>
+              <a:schemeClr val="tx2"/>
+            </a:solidFill>
+            <a:ln>
+              <a:noFill/>
+            </a:ln>
+          </p:spPr>
+        </p:sp>
+        <p:sp>
+          <p:nvSpPr>
+            <p:cNvPr id="12" name="Freeform 28"/>
+            <p:cNvSpPr/>
+            <p:nvPr/>
+          </p:nvSpPr>
+          <p:spPr bwMode="auto">
+            <a:xfrm>
+              <a:off x="7061201" y="3771900"/>
+              <a:ext cx="350838" cy="1309688"/>
+            </a:xfrm>
+            <a:custGeom>
+              <a:avLst/>
+              <a:gdLst/>
+              <a:ahLst/>
+              <a:cxnLst/>
+              <a:rect l="0" t="0" r="r" b="b"/>
+              <a:pathLst>
+                <a:path w="88" h="330">
+                  <a:moveTo>
+                    <a:pt x="53" y="229"/>
+                  </a:moveTo>
+                  <a:cubicBezTo>
+                    <a:pt x="64" y="263"/>
+                    <a:pt x="75" y="297"/>
+                    <a:pt x="88" y="330"/>
+                  </a:cubicBezTo>
+                  <a:cubicBezTo>
+                    <a:pt x="88" y="323"/>
+                    <a:pt x="88" y="315"/>
+                    <a:pt x="88" y="308"/>
+                  </a:cubicBezTo>
+                  <a:cubicBezTo>
+                    <a:pt x="88" y="307"/>
+                    <a:pt x="88" y="305"/>
+                    <a:pt x="88" y="304"/>
+                  </a:cubicBezTo>
+                  <a:cubicBezTo>
+                    <a:pt x="79" y="278"/>
+                    <a:pt x="70" y="252"/>
+                    <a:pt x="62" y="226"/>
+                  </a:cubicBezTo>
+                  <a:cubicBezTo>
+                    <a:pt x="38" y="152"/>
+                    <a:pt x="17" y="76"/>
+                    <a:pt x="0" y="0"/>
+                  </a:cubicBezTo>
+                  <a:cubicBezTo>
+                    <a:pt x="2" y="21"/>
+                    <a:pt x="4" y="42"/>
+                    <a:pt x="7" y="63"/>
+                  </a:cubicBezTo>
+                  <a:cubicBezTo>
+                    <a:pt x="21" y="119"/>
+                    <a:pt x="36" y="174"/>
+                    <a:pt x="53" y="229"/>
+                  </a:cubicBezTo>
+                  <a:close/>
+                </a:path>
+              </a:pathLst>
+            </a:custGeom>
+            <a:solidFill>
+              <a:schemeClr val="tx2"/>
+            </a:solidFill>
+            <a:ln>
+              <a:noFill/>
+            </a:ln>
+          </p:spPr>
+        </p:sp>
+        <p:sp>
+          <p:nvSpPr>
+            <p:cNvPr id="13" name="Freeform 29"/>
+            <p:cNvSpPr/>
+            <p:nvPr/>
+          </p:nvSpPr>
+          <p:spPr bwMode="auto">
+            <a:xfrm>
+              <a:off x="7439026" y="5053013"/>
+              <a:ext cx="357188" cy="820738"/>
+            </a:xfrm>
+            <a:custGeom>
+              <a:avLst/>
+              <a:gdLst/>
+              <a:ahLst/>
+              <a:cxnLst/>
+              <a:rect l="0" t="0" r="r" b="b"/>
+              <a:pathLst>
+                <a:path w="90" h="207">
+                  <a:moveTo>
+                    <a:pt x="6" y="15"/>
+                  </a:moveTo>
+                  <a:cubicBezTo>
+                    <a:pt x="4" y="10"/>
+                    <a:pt x="2" y="5"/>
+                    <a:pt x="0" y="0"/>
+                  </a:cubicBezTo>
+                  <a:cubicBezTo>
+                    <a:pt x="0" y="9"/>
+                    <a:pt x="0" y="19"/>
+                    <a:pt x="1" y="29"/>
+                  </a:cubicBezTo>
+                  <a:cubicBezTo>
+                    <a:pt x="14" y="62"/>
+                    <a:pt x="27" y="95"/>
+                    <a:pt x="42" y="127"/>
+                  </a:cubicBezTo>
+                  <a:cubicBezTo>
+                    <a:pt x="54" y="154"/>
+                    <a:pt x="67" y="181"/>
+                    <a:pt x="80" y="207"/>
+                  </a:cubicBezTo>
+                  <a:cubicBezTo>
+                    <a:pt x="90" y="207"/>
+                    <a:pt x="90" y="207"/>
+                    <a:pt x="90" y="207"/>
+                  </a:cubicBezTo>
+                  <a:cubicBezTo>
+                    <a:pt x="76" y="180"/>
+                    <a:pt x="63" y="152"/>
+                    <a:pt x="50" y="123"/>
+                  </a:cubicBezTo>
+                  <a:cubicBezTo>
+                    <a:pt x="34" y="88"/>
+                    <a:pt x="20" y="51"/>
+                    <a:pt x="6" y="15"/>
+                  </a:cubicBezTo>
+                  <a:close/>
+                </a:path>
+              </a:pathLst>
+            </a:custGeom>
+            <a:solidFill>
+              <a:schemeClr val="tx2"/>
+            </a:solidFill>
+            <a:ln>
+              <a:noFill/>
+            </a:ln>
+          </p:spPr>
+        </p:sp>
+        <p:sp>
+          <p:nvSpPr>
+            <p:cNvPr id="14" name="Freeform 30"/>
+            <p:cNvSpPr/>
+            <p:nvPr/>
+          </p:nvSpPr>
+          <p:spPr bwMode="auto">
+            <a:xfrm>
+              <a:off x="7037388" y="3811588"/>
+              <a:ext cx="457200" cy="1852613"/>
+            </a:xfrm>
+            <a:custGeom>
+              <a:avLst/>
+              <a:gdLst/>
+              <a:ahLst/>
+              <a:cxnLst/>
+              <a:rect l="0" t="0" r="r" b="b"/>
+              <a:pathLst>
+                <a:path w="115" h="467">
+                  <a:moveTo>
+                    <a:pt x="101" y="409"/>
+                  </a:moveTo>
+                  <a:cubicBezTo>
+                    <a:pt x="93" y="388"/>
+                    <a:pt x="85" y="366"/>
+                    <a:pt x="78" y="344"/>
+                  </a:cubicBezTo>
+                  <a:cubicBezTo>
+                    <a:pt x="57" y="281"/>
+                    <a:pt x="41" y="216"/>
+                    <a:pt x="29" y="151"/>
+                  </a:cubicBezTo>
+                  <a:cubicBezTo>
+                    <a:pt x="22" y="119"/>
+                    <a:pt x="17" y="86"/>
+                    <a:pt x="13" y="53"/>
+                  </a:cubicBezTo>
+                  <a:cubicBezTo>
+                    <a:pt x="9" y="35"/>
+                    <a:pt x="4" y="18"/>
+                    <a:pt x="0" y="0"/>
+                  </a:cubicBezTo>
+                  <a:cubicBezTo>
+                    <a:pt x="5" y="51"/>
+                    <a:pt x="12" y="102"/>
+                    <a:pt x="21" y="152"/>
+                  </a:cubicBezTo>
+                  <a:cubicBezTo>
+                    <a:pt x="33" y="218"/>
+                    <a:pt x="49" y="283"/>
+                    <a:pt x="69" y="347"/>
+                  </a:cubicBezTo>
+                  <a:cubicBezTo>
+                    <a:pt x="79" y="378"/>
+                    <a:pt x="90" y="410"/>
+                    <a:pt x="103" y="441"/>
+                  </a:cubicBezTo>
+                  <a:cubicBezTo>
+                    <a:pt x="107" y="449"/>
+                    <a:pt x="111" y="458"/>
+                    <a:pt x="115" y="467"/>
+                  </a:cubicBezTo>
+                  <a:cubicBezTo>
+                    <a:pt x="114" y="464"/>
+                    <a:pt x="113" y="461"/>
+                    <a:pt x="112" y="458"/>
+                  </a:cubicBezTo>
+                  <a:cubicBezTo>
+                    <a:pt x="108" y="442"/>
+                    <a:pt x="104" y="425"/>
+                    <a:pt x="101" y="409"/>
+                  </a:cubicBezTo>
+                  <a:close/>
+                </a:path>
+              </a:pathLst>
+            </a:custGeom>
+            <a:solidFill>
+              <a:schemeClr val="tx2"/>
+            </a:solidFill>
+            <a:ln>
+              <a:noFill/>
+            </a:ln>
+          </p:spPr>
+        </p:sp>
+        <p:sp>
+          <p:nvSpPr>
+            <p:cNvPr id="15" name="Freeform 31"/>
+            <p:cNvSpPr/>
+            <p:nvPr/>
+          </p:nvSpPr>
+          <p:spPr bwMode="auto">
+            <a:xfrm>
+              <a:off x="6992938" y="1263650"/>
+              <a:ext cx="144463" cy="2508250"/>
+            </a:xfrm>
+            <a:custGeom>
+              <a:avLst/>
+              <a:gdLst/>
+              <a:ahLst/>
+              <a:cxnLst/>
+              <a:rect l="0" t="0" r="r" b="b"/>
+              <a:pathLst>
+                <a:path w="36" h="633">
+                  <a:moveTo>
+                    <a:pt x="17" y="633"/>
+                  </a:moveTo>
+                  <a:cubicBezTo>
+                    <a:pt x="15" y="621"/>
+                    <a:pt x="14" y="609"/>
+                    <a:pt x="13" y="597"/>
+                  </a:cubicBezTo>
+                  <a:cubicBezTo>
+                    <a:pt x="8" y="530"/>
+                    <a:pt x="5" y="464"/>
+                    <a:pt x="5" y="398"/>
+                  </a:cubicBezTo>
+                  <a:cubicBezTo>
+                    <a:pt x="5" y="331"/>
+                    <a:pt x="8" y="265"/>
+                    <a:pt x="13" y="198"/>
+                  </a:cubicBezTo>
+                  <a:cubicBezTo>
+                    <a:pt x="15" y="165"/>
+                    <a:pt x="18" y="132"/>
+                    <a:pt x="22" y="99"/>
+                  </a:cubicBezTo>
+                  <a:cubicBezTo>
+                    <a:pt x="26" y="66"/>
+                    <a:pt x="30" y="33"/>
+                    <a:pt x="36" y="0"/>
+                  </a:cubicBezTo>
+                  <a:cubicBezTo>
+                    <a:pt x="35" y="0"/>
+                    <a:pt x="35" y="0"/>
+                    <a:pt x="35" y="0"/>
+                  </a:cubicBezTo>
+                  <a:cubicBezTo>
+                    <a:pt x="29" y="33"/>
+                    <a:pt x="24" y="66"/>
+                    <a:pt x="20" y="99"/>
+                  </a:cubicBezTo>
+                  <a:cubicBezTo>
+                    <a:pt x="16" y="132"/>
+                    <a:pt x="13" y="165"/>
+                    <a:pt x="10" y="198"/>
+                  </a:cubicBezTo>
+                  <a:cubicBezTo>
+                    <a:pt x="4" y="264"/>
+                    <a:pt x="1" y="331"/>
+                    <a:pt x="1" y="398"/>
+                  </a:cubicBezTo>
+                  <a:cubicBezTo>
+                    <a:pt x="0" y="461"/>
+                    <a:pt x="2" y="525"/>
+                    <a:pt x="7" y="589"/>
+                  </a:cubicBezTo>
+                  <a:cubicBezTo>
+                    <a:pt x="10" y="603"/>
+                    <a:pt x="13" y="618"/>
+                    <a:pt x="16" y="632"/>
+                  </a:cubicBezTo>
+                  <a:cubicBezTo>
+                    <a:pt x="16" y="632"/>
+                    <a:pt x="17" y="633"/>
+                    <a:pt x="17" y="633"/>
+                  </a:cubicBezTo>
+                  <a:close/>
+                </a:path>
+              </a:pathLst>
+            </a:custGeom>
+            <a:solidFill>
+              <a:schemeClr val="tx2"/>
+            </a:solidFill>
+            <a:ln>
+              <a:noFill/>
+            </a:ln>
+          </p:spPr>
+        </p:sp>
+        <p:sp>
+          <p:nvSpPr>
+            <p:cNvPr id="16" name="Freeform 32"/>
+            <p:cNvSpPr/>
+            <p:nvPr/>
+          </p:nvSpPr>
+          <p:spPr bwMode="auto">
+            <a:xfrm>
+              <a:off x="7526338" y="5640388"/>
+              <a:ext cx="111125" cy="233363"/>
+            </a:xfrm>
+            <a:custGeom>
+              <a:avLst/>
+              <a:gdLst/>
+              <a:ahLst/>
+              <a:cxnLst/>
+              <a:rect l="0" t="0" r="r" b="b"/>
+              <a:pathLst>
+                <a:path w="28" h="59">
+                  <a:moveTo>
+                    <a:pt x="22" y="59"/>
+                  </a:moveTo>
+                  <a:cubicBezTo>
+                    <a:pt x="28" y="59"/>
+                    <a:pt x="28" y="59"/>
+                    <a:pt x="28" y="59"/>
+                  </a:cubicBezTo>
+                  <a:cubicBezTo>
+                    <a:pt x="18" y="40"/>
+                    <a:pt x="9" y="20"/>
+                    <a:pt x="0" y="0"/>
+                  </a:cubicBezTo>
+                  <a:cubicBezTo>
+                    <a:pt x="6" y="20"/>
+                    <a:pt x="13" y="40"/>
+                    <a:pt x="22" y="59"/>
+                  </a:cubicBezTo>
+                  <a:close/>
+                </a:path>
+              </a:pathLst>
+            </a:custGeom>
+            <a:solidFill>
+              <a:schemeClr val="tx2"/>
+            </a:solidFill>
+            <a:ln>
+              <a:noFill/>
+            </a:ln>
+          </p:spPr>
+        </p:sp>
+        <p:sp>
+          <p:nvSpPr>
+            <p:cNvPr id="17" name="Freeform 33"/>
+            <p:cNvSpPr/>
+            <p:nvPr/>
+          </p:nvSpPr>
+          <p:spPr bwMode="auto">
+            <a:xfrm>
+              <a:off x="7021513" y="3598863"/>
+              <a:ext cx="68263" cy="423863"/>
+            </a:xfrm>
+            <a:custGeom>
+              <a:avLst/>
+              <a:gdLst/>
+              <a:ahLst/>
+              <a:cxnLst/>
+              <a:rect l="0" t="0" r="r" b="b"/>
+              <a:pathLst>
+                <a:path w="17" h="107">
+                  <a:moveTo>
+                    <a:pt x="4" y="54"/>
+                  </a:moveTo>
+                  <a:cubicBezTo>
+                    <a:pt x="8" y="72"/>
+                    <a:pt x="13" y="89"/>
+                    <a:pt x="17" y="107"/>
+                  </a:cubicBezTo>
+                  <a:cubicBezTo>
+                    <a:pt x="14" y="86"/>
+                    <a:pt x="12" y="65"/>
+                    <a:pt x="10" y="44"/>
+                  </a:cubicBezTo>
+                  <a:cubicBezTo>
+                    <a:pt x="10" y="44"/>
+                    <a:pt x="9" y="43"/>
+                    <a:pt x="9" y="43"/>
+                  </a:cubicBezTo>
+                  <a:cubicBezTo>
+                    <a:pt x="6" y="29"/>
+                    <a:pt x="3" y="14"/>
+                    <a:pt x="0" y="0"/>
+                  </a:cubicBezTo>
+                  <a:cubicBezTo>
+                    <a:pt x="0" y="2"/>
+                    <a:pt x="0" y="5"/>
+                    <a:pt x="0" y="8"/>
+                  </a:cubicBezTo>
+                  <a:cubicBezTo>
+                    <a:pt x="1" y="23"/>
+                    <a:pt x="3" y="39"/>
+                    <a:pt x="4" y="54"/>
+                  </a:cubicBezTo>
+                  <a:close/>
+                </a:path>
+              </a:pathLst>
+            </a:custGeom>
+            <a:solidFill>
+              <a:schemeClr val="tx2"/>
+            </a:solidFill>
+            <a:ln>
+              <a:noFill/>
+            </a:ln>
+          </p:spPr>
+        </p:sp>
+        <p:sp>
+          <p:nvSpPr>
+            <p:cNvPr id="18" name="Freeform 34"/>
+            <p:cNvSpPr/>
+            <p:nvPr/>
+          </p:nvSpPr>
+          <p:spPr bwMode="auto">
+            <a:xfrm>
+              <a:off x="7412038" y="2801938"/>
+              <a:ext cx="1168400" cy="2251075"/>
+            </a:xfrm>
+            <a:custGeom>
+              <a:avLst/>
+              <a:gdLst/>
+              <a:ahLst/>
+              <a:cxnLst/>
+              <a:rect l="0" t="0" r="r" b="b"/>
+              <a:pathLst>
+                <a:path w="294" h="568">
+                  <a:moveTo>
+                    <a:pt x="8" y="553"/>
+                  </a:moveTo>
+                  <a:cubicBezTo>
+                    <a:pt x="9" y="501"/>
+                    <a:pt x="19" y="448"/>
+                    <a:pt x="35" y="397"/>
+                  </a:cubicBezTo>
+                  <a:cubicBezTo>
+                    <a:pt x="51" y="347"/>
+                    <a:pt x="73" y="298"/>
+                    <a:pt x="99" y="252"/>
+                  </a:cubicBezTo>
+                  <a:cubicBezTo>
+                    <a:pt x="124" y="205"/>
+                    <a:pt x="154" y="161"/>
+                    <a:pt x="187" y="119"/>
+                  </a:cubicBezTo>
+                  <a:cubicBezTo>
+                    <a:pt x="203" y="98"/>
+                    <a:pt x="220" y="77"/>
+                    <a:pt x="238" y="58"/>
+                  </a:cubicBezTo>
+                  <a:cubicBezTo>
+                    <a:pt x="247" y="48"/>
+                    <a:pt x="256" y="38"/>
+                    <a:pt x="265" y="28"/>
+                  </a:cubicBezTo>
+                  <a:cubicBezTo>
+                    <a:pt x="274" y="19"/>
+                    <a:pt x="284" y="9"/>
+                    <a:pt x="294" y="0"/>
+                  </a:cubicBezTo>
+                  <a:cubicBezTo>
+                    <a:pt x="293" y="0"/>
+                    <a:pt x="293" y="0"/>
+                    <a:pt x="293" y="0"/>
+                  </a:cubicBezTo>
+                  <a:cubicBezTo>
+                    <a:pt x="283" y="9"/>
+                    <a:pt x="273" y="18"/>
+                    <a:pt x="264" y="27"/>
+                  </a:cubicBezTo>
+                  <a:cubicBezTo>
+                    <a:pt x="255" y="37"/>
+                    <a:pt x="246" y="47"/>
+                    <a:pt x="237" y="56"/>
+                  </a:cubicBezTo>
+                  <a:cubicBezTo>
+                    <a:pt x="218" y="76"/>
+                    <a:pt x="201" y="96"/>
+                    <a:pt x="185" y="117"/>
+                  </a:cubicBezTo>
+                  <a:cubicBezTo>
+                    <a:pt x="151" y="159"/>
+                    <a:pt x="121" y="203"/>
+                    <a:pt x="95" y="249"/>
+                  </a:cubicBezTo>
+                  <a:cubicBezTo>
+                    <a:pt x="68" y="296"/>
+                    <a:pt x="46" y="345"/>
+                    <a:pt x="30" y="396"/>
+                  </a:cubicBezTo>
+                  <a:cubicBezTo>
+                    <a:pt x="13" y="445"/>
+                    <a:pt x="3" y="497"/>
+                    <a:pt x="0" y="549"/>
+                  </a:cubicBezTo>
+                  <a:cubicBezTo>
+                    <a:pt x="3" y="555"/>
+                    <a:pt x="5" y="561"/>
+                    <a:pt x="7" y="568"/>
+                  </a:cubicBezTo>
+                  <a:cubicBezTo>
+                    <a:pt x="7" y="563"/>
+                    <a:pt x="7" y="558"/>
+                    <a:pt x="8" y="553"/>
+                  </a:cubicBezTo>
+                  <a:close/>
+                </a:path>
+              </a:pathLst>
+            </a:custGeom>
+            <a:solidFill>
+              <a:schemeClr val="tx2"/>
+            </a:solidFill>
+            <a:ln>
+              <a:noFill/>
+            </a:ln>
+          </p:spPr>
+        </p:sp>
+        <p:sp>
+          <p:nvSpPr>
+            <p:cNvPr id="19" name="Freeform 35"/>
+            <p:cNvSpPr/>
+            <p:nvPr/>
+          </p:nvSpPr>
+          <p:spPr bwMode="auto">
+            <a:xfrm>
+              <a:off x="7494588" y="5664200"/>
+              <a:ext cx="100013" cy="209550"/>
+            </a:xfrm>
+            <a:custGeom>
+              <a:avLst/>
+              <a:gdLst/>
+              <a:ahLst/>
+              <a:cxnLst/>
+              <a:rect l="0" t="0" r="r" b="b"/>
+              <a:pathLst>
+                <a:path w="25" h="53">
+                  <a:moveTo>
+                    <a:pt x="0" y="0"/>
+                  </a:moveTo>
+                  <a:cubicBezTo>
+                    <a:pt x="5" y="18"/>
+                    <a:pt x="12" y="36"/>
+                    <a:pt x="19" y="53"/>
+                  </a:cubicBezTo>
+                  <a:cubicBezTo>
+                    <a:pt x="25" y="53"/>
+                    <a:pt x="25" y="53"/>
+                    <a:pt x="25" y="53"/>
+                  </a:cubicBezTo>
+                  <a:cubicBezTo>
+                    <a:pt x="16" y="36"/>
+                    <a:pt x="8" y="18"/>
+                    <a:pt x="0" y="0"/>
+                  </a:cubicBezTo>
+                  <a:close/>
+                </a:path>
+              </a:pathLst>
+            </a:custGeom>
+            <a:solidFill>
+              <a:schemeClr val="tx2"/>
+            </a:solidFill>
+            <a:ln>
+              <a:noFill/>
+            </a:ln>
+          </p:spPr>
+        </p:sp>
+        <p:sp>
+          <p:nvSpPr>
+            <p:cNvPr id="20" name="Freeform 36"/>
+            <p:cNvSpPr/>
+            <p:nvPr/>
+          </p:nvSpPr>
+          <p:spPr bwMode="auto">
+            <a:xfrm>
+              <a:off x="7412038" y="5081588"/>
+              <a:ext cx="114300" cy="558800"/>
+            </a:xfrm>
+            <a:custGeom>
+              <a:avLst/>
+              <a:gdLst/>
+              <a:ahLst/>
+              <a:cxnLst/>
+              <a:rect l="0" t="0" r="r" b="b"/>
+              <a:pathLst>
+                <a:path w="29" h="141">
+                  <a:moveTo>
+                    <a:pt x="0" y="0"/>
+                  </a:moveTo>
+                  <a:cubicBezTo>
+                    <a:pt x="0" y="30"/>
+                    <a:pt x="2" y="60"/>
+                    <a:pt x="7" y="89"/>
+                  </a:cubicBezTo>
+                  <a:cubicBezTo>
+                    <a:pt x="11" y="98"/>
+                    <a:pt x="14" y="108"/>
+                    <a:pt x="18" y="117"/>
+                  </a:cubicBezTo>
+                  <a:cubicBezTo>
+                    <a:pt x="22" y="125"/>
+                    <a:pt x="25" y="133"/>
+                    <a:pt x="29" y="141"/>
+                  </a:cubicBezTo>
+                  <a:cubicBezTo>
+                    <a:pt x="28" y="139"/>
+                    <a:pt x="28" y="137"/>
+                    <a:pt x="27" y="135"/>
+                  </a:cubicBezTo>
+                  <a:cubicBezTo>
+                    <a:pt x="16" y="98"/>
+                    <a:pt x="10" y="60"/>
+                    <a:pt x="8" y="22"/>
+                  </a:cubicBezTo>
+                  <a:cubicBezTo>
+                    <a:pt x="7" y="18"/>
+                    <a:pt x="5" y="15"/>
+                    <a:pt x="4" y="11"/>
+                  </a:cubicBezTo>
+                  <a:cubicBezTo>
+                    <a:pt x="2" y="7"/>
+                    <a:pt x="1" y="3"/>
+                    <a:pt x="0" y="0"/>
+                  </a:cubicBezTo>
+                  <a:close/>
+                </a:path>
+              </a:pathLst>
+            </a:custGeom>
+            <a:solidFill>
+              <a:schemeClr val="tx2"/>
+            </a:solidFill>
+            <a:ln>
+              <a:noFill/>
+            </a:ln>
+          </p:spPr>
+        </p:sp>
+        <p:sp>
+          <p:nvSpPr>
+            <p:cNvPr id="21" name="Freeform 37"/>
+            <p:cNvSpPr/>
+            <p:nvPr/>
+          </p:nvSpPr>
+          <p:spPr bwMode="auto">
+            <a:xfrm>
+              <a:off x="7412038" y="4978400"/>
+              <a:ext cx="31750" cy="188913"/>
+            </a:xfrm>
+            <a:custGeom>
+              <a:avLst/>
+              <a:gdLst/>
+              <a:ahLst/>
+              <a:cxnLst/>
+              <a:rect l="0" t="0" r="r" b="b"/>
+              <a:pathLst>
+                <a:path w="8" h="48">
+                  <a:moveTo>
+                    <a:pt x="0" y="26"/>
+                  </a:moveTo>
+                  <a:cubicBezTo>
+                    <a:pt x="1" y="29"/>
+                    <a:pt x="2" y="33"/>
+                    <a:pt x="4" y="37"/>
+                  </a:cubicBezTo>
+                  <a:cubicBezTo>
+                    <a:pt x="5" y="41"/>
+                    <a:pt x="7" y="44"/>
+                    <a:pt x="8" y="48"/>
+                  </a:cubicBezTo>
+                  <a:cubicBezTo>
+                    <a:pt x="7" y="38"/>
+                    <a:pt x="7" y="28"/>
+                    <a:pt x="7" y="19"/>
+                  </a:cubicBezTo>
+                  <a:cubicBezTo>
+                    <a:pt x="5" y="12"/>
+                    <a:pt x="3" y="6"/>
+                    <a:pt x="0" y="0"/>
+                  </a:cubicBezTo>
+                  <a:cubicBezTo>
+                    <a:pt x="0" y="1"/>
+                    <a:pt x="0" y="3"/>
+                    <a:pt x="0" y="4"/>
+                  </a:cubicBezTo>
+                  <a:cubicBezTo>
+                    <a:pt x="0" y="11"/>
+                    <a:pt x="0" y="19"/>
+                    <a:pt x="0" y="26"/>
+                  </a:cubicBezTo>
+                  <a:close/>
+                </a:path>
+              </a:pathLst>
+            </a:custGeom>
+            <a:solidFill>
+              <a:schemeClr val="tx2"/>
+            </a:solidFill>
+            <a:ln>
+              <a:noFill/>
+            </a:ln>
+          </p:spPr>
+        </p:sp>
+        <p:sp>
+          <p:nvSpPr>
+            <p:cNvPr id="22" name="Freeform 38"/>
+            <p:cNvSpPr/>
+            <p:nvPr/>
+          </p:nvSpPr>
+          <p:spPr bwMode="auto">
+            <a:xfrm>
+              <a:off x="7439026" y="5434013"/>
+              <a:ext cx="174625" cy="439738"/>
+            </a:xfrm>
+            <a:custGeom>
+              <a:avLst/>
+              <a:gdLst/>
+              <a:ahLst/>
+              <a:cxnLst/>
+              <a:rect l="0" t="0" r="r" b="b"/>
+              <a:pathLst>
+                <a:path w="44" h="111">
+                  <a:moveTo>
+                    <a:pt x="11" y="28"/>
+                  </a:moveTo>
+                  <a:cubicBezTo>
+                    <a:pt x="7" y="19"/>
+                    <a:pt x="4" y="9"/>
+                    <a:pt x="0" y="0"/>
+                  </a:cubicBezTo>
+                  <a:cubicBezTo>
+                    <a:pt x="3" y="16"/>
+                    <a:pt x="7" y="33"/>
+                    <a:pt x="11" y="49"/>
+                  </a:cubicBezTo>
+                  <a:cubicBezTo>
+                    <a:pt x="12" y="52"/>
+                    <a:pt x="13" y="55"/>
+                    <a:pt x="14" y="58"/>
+                  </a:cubicBezTo>
+                  <a:cubicBezTo>
+                    <a:pt x="22" y="76"/>
+                    <a:pt x="30" y="94"/>
+                    <a:pt x="39" y="111"/>
+                  </a:cubicBezTo>
+                  <a:cubicBezTo>
+                    <a:pt x="44" y="111"/>
+                    <a:pt x="44" y="111"/>
+                    <a:pt x="44" y="111"/>
+                  </a:cubicBezTo>
+                  <a:cubicBezTo>
+                    <a:pt x="35" y="92"/>
+                    <a:pt x="28" y="72"/>
+                    <a:pt x="22" y="52"/>
+                  </a:cubicBezTo>
+                  <a:cubicBezTo>
+                    <a:pt x="18" y="44"/>
+                    <a:pt x="15" y="36"/>
+                    <a:pt x="11" y="28"/>
+                  </a:cubicBezTo>
+                  <a:close/>
+                </a:path>
+              </a:pathLst>
+            </a:custGeom>
+            <a:solidFill>
+              <a:schemeClr val="tx2"/>
+            </a:solidFill>
+            <a:ln>
+              <a:noFill/>
+            </a:ln>
+          </p:spPr>
+        </p:sp>
+      </p:grpSp>
+      <p:sp>
+        <p:nvSpPr>
+          <p:cNvPr id="7" name="Rectangle 6"/>
+          <p:cNvSpPr/>
+          <p:nvPr/>
+        </p:nvSpPr>
+        <p:spPr>
+          <a:xfrm>
+            <a:off x="0" y="0"/>
+            <a:ext cx="182880" cy="6858000"/>
+          </a:xfrm>
+          <a:prstGeom prst="rect">
+            <a:avLst/>
+          </a:prstGeom>
+          <a:solidFill>
+            <a:schemeClr val="tx2"/>
+          </a:solidFill>
+          <a:ln>
+            <a:noFill/>
+          </a:ln>
+          <a:effectLst/>
+        </p:spPr>
+        <p:style>
+          <a:lnRef idx="1">
+            <a:schemeClr val="accent1"/>
+          </a:lnRef>
+          <a:fillRef idx="3">
+            <a:schemeClr val="accent1"/>
+          </a:fillRef>
+          <a:effectRef idx="2">
+            <a:schemeClr val="accent1"/>
+          </a:effectRef>
+          <a:fontRef idx="minor">
+            <a:schemeClr val="lt1"/>
+          </a:fontRef>
+        </p:style>
+      </p:sp>
+      <p:sp>
+        <p:nvSpPr>
+          <p:cNvPr id="2" name="Title Placeholder 1"/>
           <p:cNvSpPr>
             <a:spLocks noGrp="1"/>
           </p:cNvSpPr>
@@ -3134,15 +7396,15 @@
         </p:nvSpPr>
         <p:spPr>
           <a:xfrm>
-            <a:off x="838200" y="365125"/>
-            <a:ext cx="10515600" cy="1325563"/>
+            <a:off x="2592924" y="624110"/>
+            <a:ext cx="8911687" cy="1280890"/>
           </a:xfrm>
           <a:prstGeom prst="rect">
             <a:avLst/>
           </a:prstGeom>
         </p:spPr>
         <p:txBody>
-          <a:bodyPr vert="horz" lIns="91440" tIns="45720" rIns="91440" bIns="45720" rtlCol="0" anchor="ctr">
+          <a:bodyPr vert="horz" lIns="91440" tIns="45720" rIns="91440" bIns="45720" rtlCol="0" anchor="t">
             <a:normAutofit/>
           </a:bodyPr>
           <a:lstStyle/>
@@ -3151,18 +7413,13 @@
               <a:rPr lang="zh-CN" altLang="en-US"/>
               <a:t>单击此处编辑母版标题样式</a:t>
             </a:r>
-          </a:p>
-        </p:txBody>
-      </p:sp>
-      <p:sp>
-        <p:nvSpPr>
-          <p:cNvPr id="3" name="文本占位符 2">
-            <a:extLst>
-              <a:ext uri="{FF2B5EF4-FFF2-40B4-BE49-F238E27FC236}">
-                <a16:creationId xmlns:a16="http://schemas.microsoft.com/office/drawing/2014/main" id="{5EF631AF-9701-D6BA-9832-B599B743770B}"/>
-              </a:ext>
-            </a:extLst>
-          </p:cNvPr>
+            <a:endParaRPr lang="en-US" dirty="0"/>
+          </a:p>
+        </p:txBody>
+      </p:sp>
+      <p:sp>
+        <p:nvSpPr>
+          <p:cNvPr id="3" name="Text Placeholder 2"/>
           <p:cNvSpPr>
             <a:spLocks noGrp="1"/>
           </p:cNvSpPr>
@@ -3172,8 +7429,8 @@
         </p:nvSpPr>
         <p:spPr>
           <a:xfrm>
-            <a:off x="838200" y="1825625"/>
-            <a:ext cx="10515600" cy="4351338"/>
+            <a:off x="2589212" y="2133600"/>
+            <a:ext cx="8915400" cy="3886200"/>
           </a:xfrm>
           <a:prstGeom prst="rect">
             <a:avLst/>
@@ -3218,18 +7475,13 @@
               <a:rPr lang="zh-CN" altLang="en-US"/>
               <a:t>五级</a:t>
             </a:r>
-          </a:p>
-        </p:txBody>
-      </p:sp>
-      <p:sp>
-        <p:nvSpPr>
-          <p:cNvPr id="4" name="日期占位符 3">
-            <a:extLst>
-              <a:ext uri="{FF2B5EF4-FFF2-40B4-BE49-F238E27FC236}">
-                <a16:creationId xmlns:a16="http://schemas.microsoft.com/office/drawing/2014/main" id="{0659C7D1-07FF-FB61-18FA-003E1D8690F4}"/>
-              </a:ext>
-            </a:extLst>
-          </p:cNvPr>
+            <a:endParaRPr lang="en-US" dirty="0"/>
+          </a:p>
+        </p:txBody>
+      </p:sp>
+      <p:sp>
+        <p:nvSpPr>
+          <p:cNvPr id="4" name="Date Placeholder 3"/>
           <p:cNvSpPr>
             <a:spLocks noGrp="1"/>
           </p:cNvSpPr>
@@ -3239,8 +7491,8 @@
         </p:nvSpPr>
         <p:spPr>
           <a:xfrm>
-            <a:off x="838200" y="6356350"/>
-            <a:ext cx="2743200" cy="365125"/>
+            <a:off x="10361612" y="6130437"/>
+            <a:ext cx="1146283" cy="370396"/>
           </a:xfrm>
           <a:prstGeom prst="rect">
             <a:avLst/>
@@ -3249,8 +7501,8 @@
         <p:txBody>
           <a:bodyPr vert="horz" lIns="91440" tIns="45720" rIns="91440" bIns="45720" rtlCol="0" anchor="ctr"/>
           <a:lstStyle>
-            <a:lvl1pPr algn="l">
-              <a:defRPr sz="1200">
+            <a:lvl1pPr algn="r">
+              <a:defRPr sz="900">
                 <a:solidFill>
                   <a:schemeClr val="tx1">
                     <a:tint val="75000"/>
@@ -3262,7 +7514,7 @@
           <a:p>
             <a:fld id="{A4036A34-A668-4A43-9099-C9D27A346F01}" type="datetimeFigureOut">
               <a:rPr lang="zh-CN" altLang="en-US" smtClean="0"/>
-              <a:t>2023/4/26</a:t>
+              <a:t>2023/5/14</a:t>
             </a:fld>
             <a:endParaRPr lang="zh-CN" altLang="en-US"/>
           </a:p>
@@ -3270,13 +7522,7 @@
       </p:sp>
       <p:sp>
         <p:nvSpPr>
-          <p:cNvPr id="5" name="页脚占位符 4">
-            <a:extLst>
-              <a:ext uri="{FF2B5EF4-FFF2-40B4-BE49-F238E27FC236}">
-                <a16:creationId xmlns:a16="http://schemas.microsoft.com/office/drawing/2014/main" id="{35453AFF-7F6F-57F8-2E10-CE93C239BD8C}"/>
-              </a:ext>
-            </a:extLst>
-          </p:cNvPr>
+          <p:cNvPr id="5" name="Footer Placeholder 4"/>
           <p:cNvSpPr>
             <a:spLocks noGrp="1"/>
           </p:cNvSpPr>
@@ -3286,8 +7532,8 @@
         </p:nvSpPr>
         <p:spPr>
           <a:xfrm>
-            <a:off x="4038600" y="6356350"/>
-            <a:ext cx="4114800" cy="365125"/>
+            <a:off x="2589212" y="6135808"/>
+            <a:ext cx="7619999" cy="365125"/>
           </a:xfrm>
           <a:prstGeom prst="rect">
             <a:avLst/>
@@ -3296,8 +7542,8 @@
         <p:txBody>
           <a:bodyPr vert="horz" lIns="91440" tIns="45720" rIns="91440" bIns="45720" rtlCol="0" anchor="ctr"/>
           <a:lstStyle>
-            <a:lvl1pPr algn="ctr">
-              <a:defRPr sz="1200">
+            <a:lvl1pPr algn="l">
+              <a:defRPr sz="900">
                 <a:solidFill>
                   <a:schemeClr val="tx1">
                     <a:tint val="75000"/>
@@ -3313,13 +7559,7 @@
       </p:sp>
       <p:sp>
         <p:nvSpPr>
-          <p:cNvPr id="6" name="灯片编号占位符 5">
-            <a:extLst>
-              <a:ext uri="{FF2B5EF4-FFF2-40B4-BE49-F238E27FC236}">
-                <a16:creationId xmlns:a16="http://schemas.microsoft.com/office/drawing/2014/main" id="{2F4DB557-153E-B036-25F0-23977C3D2310}"/>
-              </a:ext>
-            </a:extLst>
-          </p:cNvPr>
+          <p:cNvPr id="6" name="Slide Number Placeholder 5"/>
           <p:cNvSpPr>
             <a:spLocks noGrp="1"/>
           </p:cNvSpPr>
@@ -3327,10 +7567,10 @@
             <p:ph type="sldNum" sz="quarter" idx="4"/>
           </p:nvPr>
         </p:nvSpPr>
-        <p:spPr>
+        <p:spPr bwMode="gray">
           <a:xfrm>
-            <a:off x="8610600" y="6356350"/>
-            <a:ext cx="2743200" cy="365125"/>
+            <a:off x="531812" y="787782"/>
+            <a:ext cx="779767" cy="365125"/>
           </a:xfrm>
           <a:prstGeom prst="rect">
             <a:avLst/>
@@ -3340,11 +7580,9 @@
           <a:bodyPr vert="horz" lIns="91440" tIns="45720" rIns="91440" bIns="45720" rtlCol="0" anchor="ctr"/>
           <a:lstStyle>
             <a:lvl1pPr algn="r">
-              <a:defRPr sz="1200">
+              <a:defRPr sz="2000">
                 <a:solidFill>
-                  <a:schemeClr val="tx1">
-                    <a:tint val="75000"/>
-                  </a:schemeClr>
+                  <a:srgbClr val="FEFFFF"/>
                 </a:solidFill>
               </a:defRPr>
             </a:lvl1pPr>
@@ -3361,55 +7599,329 @@
     </p:spTree>
     <p:extLst>
       <p:ext uri="{BB962C8B-B14F-4D97-AF65-F5344CB8AC3E}">
-        <p14:creationId xmlns:p14="http://schemas.microsoft.com/office/powerpoint/2010/main" val="3480416887"/>
+        <p14:creationId xmlns:p14="http://schemas.microsoft.com/office/powerpoint/2010/main" val="1961793441"/>
       </p:ext>
     </p:extLst>
   </p:cSld>
   <p:clrMap bg1="lt1" tx1="dk1" bg2="lt2" tx2="dk2" accent1="accent1" accent2="accent2" accent3="accent3" accent4="accent4" accent5="accent5" accent6="accent6" hlink="hlink" folHlink="folHlink"/>
   <p:sldLayoutIdLst>
-    <p:sldLayoutId id="2147483701" r:id="rId1"/>
-    <p:sldLayoutId id="2147483702" r:id="rId2"/>
-    <p:sldLayoutId id="2147483703" r:id="rId3"/>
-    <p:sldLayoutId id="2147483704" r:id="rId4"/>
-    <p:sldLayoutId id="2147483705" r:id="rId5"/>
-    <p:sldLayoutId id="2147483706" r:id="rId6"/>
-    <p:sldLayoutId id="2147483707" r:id="rId7"/>
-    <p:sldLayoutId id="2147483708" r:id="rId8"/>
-    <p:sldLayoutId id="2147483709" r:id="rId9"/>
-    <p:sldLayoutId id="2147483710" r:id="rId10"/>
-    <p:sldLayoutId id="2147483711" r:id="rId11"/>
+    <p:sldLayoutId id="2147484070" r:id="rId1"/>
+    <p:sldLayoutId id="2147484071" r:id="rId2"/>
+    <p:sldLayoutId id="2147484072" r:id="rId3"/>
+    <p:sldLayoutId id="2147484073" r:id="rId4"/>
+    <p:sldLayoutId id="2147484074" r:id="rId5"/>
+    <p:sldLayoutId id="2147484075" r:id="rId6"/>
+    <p:sldLayoutId id="2147484076" r:id="rId7"/>
+    <p:sldLayoutId id="2147484077" r:id="rId8"/>
+    <p:sldLayoutId id="2147484078" r:id="rId9"/>
+    <p:sldLayoutId id="2147484079" r:id="rId10"/>
+    <p:sldLayoutId id="2147484080" r:id="rId11"/>
+    <p:sldLayoutId id="2147484081" r:id="rId12"/>
+    <p:sldLayoutId id="2147484082" r:id="rId13"/>
+    <p:sldLayoutId id="2147484083" r:id="rId14"/>
+    <p:sldLayoutId id="2147484084" r:id="rId15"/>
+    <p:sldLayoutId id="2147484085" r:id="rId16"/>
   </p:sldLayoutIdLst>
   <p:txStyles>
     <p:titleStyle>
-      <a:lvl1pPr algn="l" defTabSz="914400" rtl="0" eaLnBrk="1" latinLnBrk="0" hangingPunct="1">
-        <a:lnSpc>
-          <a:spcPct val="90000"/>
-        </a:lnSpc>
+      <a:lvl1pPr algn="l" defTabSz="457200" rtl="0" eaLnBrk="1" latinLnBrk="0" hangingPunct="1">
         <a:spcBef>
           <a:spcPct val="0"/>
         </a:spcBef>
         <a:buNone/>
-        <a:defRPr sz="4400" kern="1200">
+        <a:defRPr sz="3600" kern="1200">
           <a:solidFill>
-            <a:schemeClr val="tx1"/>
+            <a:schemeClr val="tx1">
+              <a:lumMod val="85000"/>
+              <a:lumOff val="15000"/>
+            </a:schemeClr>
           </a:solidFill>
           <a:latin typeface="+mj-lt"/>
           <a:ea typeface="+mj-ea"/>
           <a:cs typeface="+mj-cs"/>
         </a:defRPr>
       </a:lvl1pPr>
+      <a:lvl2pPr eaLnBrk="1" hangingPunct="1">
+        <a:defRPr>
+          <a:solidFill>
+            <a:schemeClr val="tx2"/>
+          </a:solidFill>
+        </a:defRPr>
+      </a:lvl2pPr>
+      <a:lvl3pPr eaLnBrk="1" hangingPunct="1">
+        <a:defRPr>
+          <a:solidFill>
+            <a:schemeClr val="tx2"/>
+          </a:solidFill>
+        </a:defRPr>
+      </a:lvl3pPr>
+      <a:lvl4pPr eaLnBrk="1" hangingPunct="1">
+        <a:defRPr>
+          <a:solidFill>
+            <a:schemeClr val="tx2"/>
+          </a:solidFill>
+        </a:defRPr>
+      </a:lvl4pPr>
+      <a:lvl5pPr eaLnBrk="1" hangingPunct="1">
+        <a:defRPr>
+          <a:solidFill>
+            <a:schemeClr val="tx2"/>
+          </a:solidFill>
+        </a:defRPr>
+      </a:lvl5pPr>
+      <a:lvl6pPr eaLnBrk="1" hangingPunct="1">
+        <a:defRPr>
+          <a:solidFill>
+            <a:schemeClr val="tx2"/>
+          </a:solidFill>
+        </a:defRPr>
+      </a:lvl6pPr>
+      <a:lvl7pPr eaLnBrk="1" hangingPunct="1">
+        <a:defRPr>
+          <a:solidFill>
+            <a:schemeClr val="tx2"/>
+          </a:solidFill>
+        </a:defRPr>
+      </a:lvl7pPr>
+      <a:lvl8pPr eaLnBrk="1" hangingPunct="1">
+        <a:defRPr>
+          <a:solidFill>
+            <a:schemeClr val="tx2"/>
+          </a:solidFill>
+        </a:defRPr>
+      </a:lvl8pPr>
+      <a:lvl9pPr eaLnBrk="1" hangingPunct="1">
+        <a:defRPr>
+          <a:solidFill>
+            <a:schemeClr val="tx2"/>
+          </a:solidFill>
+        </a:defRPr>
+      </a:lvl9pPr>
     </p:titleStyle>
     <p:bodyStyle>
-      <a:lvl1pPr marL="228600" indent="-228600" algn="l" defTabSz="914400" rtl="0" eaLnBrk="1" latinLnBrk="0" hangingPunct="1">
-        <a:lnSpc>
-          <a:spcPct val="90000"/>
-        </a:lnSpc>
+      <a:lvl1pPr marL="342900" indent="-342900" algn="l" defTabSz="457200" rtl="0" eaLnBrk="1" latinLnBrk="0" hangingPunct="1">
         <a:spcBef>
           <a:spcPts val="1000"/>
         </a:spcBef>
-        <a:buFont typeface="Arial" panose="020B0604020202020204" pitchFamily="34" charset="0"/>
-        <a:buChar char="•"/>
-        <a:defRPr sz="2800" kern="1200">
+        <a:spcAft>
+          <a:spcPts val="0"/>
+        </a:spcAft>
+        <a:buClr>
+          <a:schemeClr val="accent1"/>
+        </a:buClr>
+        <a:buFont typeface="Wingdings 3" charset="2"/>
+        <a:buChar char=""/>
+        <a:defRPr sz="1800" kern="1200">
+          <a:solidFill>
+            <a:schemeClr val="tx1">
+              <a:lumMod val="75000"/>
+              <a:lumOff val="25000"/>
+            </a:schemeClr>
+          </a:solidFill>
+          <a:latin typeface="+mn-lt"/>
+          <a:ea typeface="+mn-ea"/>
+          <a:cs typeface="+mn-cs"/>
+        </a:defRPr>
+      </a:lvl1pPr>
+      <a:lvl2pPr marL="742950" indent="-285750" algn="l" defTabSz="457200" rtl="0" eaLnBrk="1" latinLnBrk="0" hangingPunct="1">
+        <a:spcBef>
+          <a:spcPts val="1000"/>
+        </a:spcBef>
+        <a:spcAft>
+          <a:spcPts val="0"/>
+        </a:spcAft>
+        <a:buClr>
+          <a:schemeClr val="accent1"/>
+        </a:buClr>
+        <a:buFont typeface="Wingdings 3" charset="2"/>
+        <a:buChar char=""/>
+        <a:defRPr sz="1600" kern="1200">
+          <a:solidFill>
+            <a:schemeClr val="tx1">
+              <a:lumMod val="75000"/>
+              <a:lumOff val="25000"/>
+            </a:schemeClr>
+          </a:solidFill>
+          <a:latin typeface="+mn-lt"/>
+          <a:ea typeface="+mn-ea"/>
+          <a:cs typeface="+mn-cs"/>
+        </a:defRPr>
+      </a:lvl2pPr>
+      <a:lvl3pPr marL="1143000" indent="-228600" algn="l" defTabSz="457200" rtl="0" eaLnBrk="1" latinLnBrk="0" hangingPunct="1">
+        <a:spcBef>
+          <a:spcPts val="1000"/>
+        </a:spcBef>
+        <a:spcAft>
+          <a:spcPts val="0"/>
+        </a:spcAft>
+        <a:buClr>
+          <a:schemeClr val="accent1"/>
+        </a:buClr>
+        <a:buFont typeface="Wingdings 3" charset="2"/>
+        <a:buChar char=""/>
+        <a:defRPr sz="1400" kern="1200">
+          <a:solidFill>
+            <a:schemeClr val="tx1">
+              <a:lumMod val="75000"/>
+              <a:lumOff val="25000"/>
+            </a:schemeClr>
+          </a:solidFill>
+          <a:latin typeface="+mn-lt"/>
+          <a:ea typeface="+mn-ea"/>
+          <a:cs typeface="+mn-cs"/>
+        </a:defRPr>
+      </a:lvl3pPr>
+      <a:lvl4pPr marL="1600200" indent="-228600" algn="l" defTabSz="457200" rtl="0" eaLnBrk="1" latinLnBrk="0" hangingPunct="1">
+        <a:spcBef>
+          <a:spcPts val="1000"/>
+        </a:spcBef>
+        <a:spcAft>
+          <a:spcPts val="0"/>
+        </a:spcAft>
+        <a:buClr>
+          <a:schemeClr val="accent1"/>
+        </a:buClr>
+        <a:buFont typeface="Wingdings 3" charset="2"/>
+        <a:buChar char=""/>
+        <a:defRPr sz="1200" kern="1200">
+          <a:solidFill>
+            <a:schemeClr val="tx1">
+              <a:lumMod val="75000"/>
+              <a:lumOff val="25000"/>
+            </a:schemeClr>
+          </a:solidFill>
+          <a:latin typeface="+mn-lt"/>
+          <a:ea typeface="+mn-ea"/>
+          <a:cs typeface="+mn-cs"/>
+        </a:defRPr>
+      </a:lvl4pPr>
+      <a:lvl5pPr marL="2057400" indent="-228600" algn="l" defTabSz="457200" rtl="0" eaLnBrk="1" latinLnBrk="0" hangingPunct="1">
+        <a:spcBef>
+          <a:spcPts val="1000"/>
+        </a:spcBef>
+        <a:spcAft>
+          <a:spcPts val="0"/>
+        </a:spcAft>
+        <a:buClr>
+          <a:schemeClr val="accent1"/>
+        </a:buClr>
+        <a:buFont typeface="Wingdings 3" charset="2"/>
+        <a:buChar char=""/>
+        <a:defRPr sz="1200" kern="1200">
+          <a:solidFill>
+            <a:schemeClr val="tx1">
+              <a:lumMod val="75000"/>
+              <a:lumOff val="25000"/>
+            </a:schemeClr>
+          </a:solidFill>
+          <a:latin typeface="+mn-lt"/>
+          <a:ea typeface="+mn-ea"/>
+          <a:cs typeface="+mn-cs"/>
+        </a:defRPr>
+      </a:lvl5pPr>
+      <a:lvl6pPr marL="2514600" indent="-228600" algn="l" defTabSz="457200" rtl="0" eaLnBrk="1" latinLnBrk="0" hangingPunct="1">
+        <a:spcBef>
+          <a:spcPts val="1000"/>
+        </a:spcBef>
+        <a:spcAft>
+          <a:spcPts val="0"/>
+        </a:spcAft>
+        <a:buClr>
+          <a:schemeClr val="accent1"/>
+        </a:buClr>
+        <a:buFont typeface="Wingdings 3" charset="2"/>
+        <a:buChar char=""/>
+        <a:defRPr sz="1200" kern="1200">
+          <a:solidFill>
+            <a:schemeClr val="tx1">
+              <a:lumMod val="75000"/>
+              <a:lumOff val="25000"/>
+            </a:schemeClr>
+          </a:solidFill>
+          <a:latin typeface="+mn-lt"/>
+          <a:ea typeface="+mn-ea"/>
+          <a:cs typeface="+mn-cs"/>
+        </a:defRPr>
+      </a:lvl6pPr>
+      <a:lvl7pPr marL="2971800" indent="-228600" algn="l" defTabSz="457200" rtl="0" eaLnBrk="1" latinLnBrk="0" hangingPunct="1">
+        <a:spcBef>
+          <a:spcPts val="1000"/>
+        </a:spcBef>
+        <a:spcAft>
+          <a:spcPts val="0"/>
+        </a:spcAft>
+        <a:buClr>
+          <a:schemeClr val="accent1"/>
+        </a:buClr>
+        <a:buFont typeface="Wingdings 3" charset="2"/>
+        <a:buChar char=""/>
+        <a:defRPr sz="1200" kern="1200">
+          <a:solidFill>
+            <a:schemeClr val="tx1">
+              <a:lumMod val="75000"/>
+              <a:lumOff val="25000"/>
+            </a:schemeClr>
+          </a:solidFill>
+          <a:latin typeface="+mn-lt"/>
+          <a:ea typeface="+mn-ea"/>
+          <a:cs typeface="+mn-cs"/>
+        </a:defRPr>
+      </a:lvl7pPr>
+      <a:lvl8pPr marL="3429000" indent="-228600" algn="l" defTabSz="457200" rtl="0" eaLnBrk="1" latinLnBrk="0" hangingPunct="1">
+        <a:spcBef>
+          <a:spcPts val="1000"/>
+        </a:spcBef>
+        <a:spcAft>
+          <a:spcPts val="0"/>
+        </a:spcAft>
+        <a:buClr>
+          <a:schemeClr val="accent1"/>
+        </a:buClr>
+        <a:buFont typeface="Wingdings 3" charset="2"/>
+        <a:buChar char=""/>
+        <a:defRPr sz="1200" kern="1200">
+          <a:solidFill>
+            <a:schemeClr val="tx1">
+              <a:lumMod val="75000"/>
+              <a:lumOff val="25000"/>
+            </a:schemeClr>
+          </a:solidFill>
+          <a:latin typeface="+mn-lt"/>
+          <a:ea typeface="+mn-ea"/>
+          <a:cs typeface="+mn-cs"/>
+        </a:defRPr>
+      </a:lvl8pPr>
+      <a:lvl9pPr marL="3886200" indent="-228600" algn="l" defTabSz="457200" rtl="0" eaLnBrk="1" latinLnBrk="0" hangingPunct="1">
+        <a:spcBef>
+          <a:spcPts val="1000"/>
+        </a:spcBef>
+        <a:spcAft>
+          <a:spcPts val="0"/>
+        </a:spcAft>
+        <a:buClr>
+          <a:schemeClr val="accent1"/>
+        </a:buClr>
+        <a:buFont typeface="Wingdings 3" charset="2"/>
+        <a:buChar char=""/>
+        <a:defRPr sz="1200" kern="1200">
+          <a:solidFill>
+            <a:schemeClr val="tx1">
+              <a:lumMod val="75000"/>
+              <a:lumOff val="25000"/>
+            </a:schemeClr>
+          </a:solidFill>
+          <a:latin typeface="+mn-lt"/>
+          <a:ea typeface="+mn-ea"/>
+          <a:cs typeface="+mn-cs"/>
+        </a:defRPr>
+      </a:lvl9pPr>
+    </p:bodyStyle>
+    <p:otherStyle>
+      <a:defPPr>
+        <a:defRPr lang="en-US"/>
+      </a:defPPr>
+      <a:lvl1pPr marL="0" algn="l" defTabSz="457200" rtl="0" eaLnBrk="1" latinLnBrk="0" hangingPunct="1">
+        <a:defRPr sz="1800" kern="1200">
           <a:solidFill>
             <a:schemeClr val="tx1"/>
           </a:solidFill>
@@ -3418,16 +7930,8 @@
           <a:cs typeface="+mn-cs"/>
         </a:defRPr>
       </a:lvl1pPr>
-      <a:lvl2pPr marL="685800" indent="-228600" algn="l" defTabSz="914400" rtl="0" eaLnBrk="1" latinLnBrk="0" hangingPunct="1">
-        <a:lnSpc>
-          <a:spcPct val="90000"/>
-        </a:lnSpc>
-        <a:spcBef>
-          <a:spcPts val="500"/>
-        </a:spcBef>
-        <a:buFont typeface="Arial" panose="020B0604020202020204" pitchFamily="34" charset="0"/>
-        <a:buChar char="•"/>
-        <a:defRPr sz="2400" kern="1200">
+      <a:lvl2pPr marL="457200" algn="l" defTabSz="457200" rtl="0" eaLnBrk="1" latinLnBrk="0" hangingPunct="1">
+        <a:defRPr sz="1800" kern="1200">
           <a:solidFill>
             <a:schemeClr val="tx1"/>
           </a:solidFill>
@@ -3436,16 +7940,8 @@
           <a:cs typeface="+mn-cs"/>
         </a:defRPr>
       </a:lvl2pPr>
-      <a:lvl3pPr marL="1143000" indent="-228600" algn="l" defTabSz="914400" rtl="0" eaLnBrk="1" latinLnBrk="0" hangingPunct="1">
-        <a:lnSpc>
-          <a:spcPct val="90000"/>
-        </a:lnSpc>
-        <a:spcBef>
-          <a:spcPts val="500"/>
-        </a:spcBef>
-        <a:buFont typeface="Arial" panose="020B0604020202020204" pitchFamily="34" charset="0"/>
-        <a:buChar char="•"/>
-        <a:defRPr sz="2000" kern="1200">
+      <a:lvl3pPr marL="914400" algn="l" defTabSz="457200" rtl="0" eaLnBrk="1" latinLnBrk="0" hangingPunct="1">
+        <a:defRPr sz="1800" kern="1200">
           <a:solidFill>
             <a:schemeClr val="tx1"/>
           </a:solidFill>
@@ -3454,15 +7950,7 @@
           <a:cs typeface="+mn-cs"/>
         </a:defRPr>
       </a:lvl3pPr>
-      <a:lvl4pPr marL="1600200" indent="-228600" algn="l" defTabSz="914400" rtl="0" eaLnBrk="1" latinLnBrk="0" hangingPunct="1">
-        <a:lnSpc>
-          <a:spcPct val="90000"/>
-        </a:lnSpc>
-        <a:spcBef>
-          <a:spcPts val="500"/>
-        </a:spcBef>
-        <a:buFont typeface="Arial" panose="020B0604020202020204" pitchFamily="34" charset="0"/>
-        <a:buChar char="•"/>
+      <a:lvl4pPr marL="1371600" algn="l" defTabSz="457200" rtl="0" eaLnBrk="1" latinLnBrk="0" hangingPunct="1">
         <a:defRPr sz="1800" kern="1200">
           <a:solidFill>
             <a:schemeClr val="tx1"/>
@@ -3472,15 +7960,7 @@
           <a:cs typeface="+mn-cs"/>
         </a:defRPr>
       </a:lvl4pPr>
-      <a:lvl5pPr marL="2057400" indent="-228600" algn="l" defTabSz="914400" rtl="0" eaLnBrk="1" latinLnBrk="0" hangingPunct="1">
-        <a:lnSpc>
-          <a:spcPct val="90000"/>
-        </a:lnSpc>
-        <a:spcBef>
-          <a:spcPts val="500"/>
-        </a:spcBef>
-        <a:buFont typeface="Arial" panose="020B0604020202020204" pitchFamily="34" charset="0"/>
-        <a:buChar char="•"/>
+      <a:lvl5pPr marL="1828800" algn="l" defTabSz="457200" rtl="0" eaLnBrk="1" latinLnBrk="0" hangingPunct="1">
         <a:defRPr sz="1800" kern="1200">
           <a:solidFill>
             <a:schemeClr val="tx1"/>
@@ -3490,15 +7970,7 @@
           <a:cs typeface="+mn-cs"/>
         </a:defRPr>
       </a:lvl5pPr>
-      <a:lvl6pPr marL="2514600" indent="-228600" algn="l" defTabSz="914400" rtl="0" eaLnBrk="1" latinLnBrk="0" hangingPunct="1">
-        <a:lnSpc>
-          <a:spcPct val="90000"/>
-        </a:lnSpc>
-        <a:spcBef>
-          <a:spcPts val="500"/>
-        </a:spcBef>
-        <a:buFont typeface="Arial" panose="020B0604020202020204" pitchFamily="34" charset="0"/>
-        <a:buChar char="•"/>
+      <a:lvl6pPr marL="2286000" algn="l" defTabSz="457200" rtl="0" eaLnBrk="1" latinLnBrk="0" hangingPunct="1">
         <a:defRPr sz="1800" kern="1200">
           <a:solidFill>
             <a:schemeClr val="tx1"/>
@@ -3508,15 +7980,7 @@
           <a:cs typeface="+mn-cs"/>
         </a:defRPr>
       </a:lvl6pPr>
-      <a:lvl7pPr marL="2971800" indent="-228600" algn="l" defTabSz="914400" rtl="0" eaLnBrk="1" latinLnBrk="0" hangingPunct="1">
-        <a:lnSpc>
-          <a:spcPct val="90000"/>
-        </a:lnSpc>
-        <a:spcBef>
-          <a:spcPts val="500"/>
-        </a:spcBef>
-        <a:buFont typeface="Arial" panose="020B0604020202020204" pitchFamily="34" charset="0"/>
-        <a:buChar char="•"/>
+      <a:lvl7pPr marL="2743200" algn="l" defTabSz="457200" rtl="0" eaLnBrk="1" latinLnBrk="0" hangingPunct="1">
         <a:defRPr sz="1800" kern="1200">
           <a:solidFill>
             <a:schemeClr val="tx1"/>
@@ -3526,15 +7990,7 @@
           <a:cs typeface="+mn-cs"/>
         </a:defRPr>
       </a:lvl7pPr>
-      <a:lvl8pPr marL="3429000" indent="-228600" algn="l" defTabSz="914400" rtl="0" eaLnBrk="1" latinLnBrk="0" hangingPunct="1">
-        <a:lnSpc>
-          <a:spcPct val="90000"/>
-        </a:lnSpc>
-        <a:spcBef>
-          <a:spcPts val="500"/>
-        </a:spcBef>
-        <a:buFont typeface="Arial" panose="020B0604020202020204" pitchFamily="34" charset="0"/>
-        <a:buChar char="•"/>
+      <a:lvl8pPr marL="3200400" algn="l" defTabSz="457200" rtl="0" eaLnBrk="1" latinLnBrk="0" hangingPunct="1">
         <a:defRPr sz="1800" kern="1200">
           <a:solidFill>
             <a:schemeClr val="tx1"/>
@@ -3544,110 +8000,7 @@
           <a:cs typeface="+mn-cs"/>
         </a:defRPr>
       </a:lvl8pPr>
-      <a:lvl9pPr marL="3886200" indent="-228600" algn="l" defTabSz="914400" rtl="0" eaLnBrk="1" latinLnBrk="0" hangingPunct="1">
-        <a:lnSpc>
-          <a:spcPct val="90000"/>
-        </a:lnSpc>
-        <a:spcBef>
-          <a:spcPts val="500"/>
-        </a:spcBef>
-        <a:buFont typeface="Arial" panose="020B0604020202020204" pitchFamily="34" charset="0"/>
-        <a:buChar char="•"/>
-        <a:defRPr sz="1800" kern="1200">
-          <a:solidFill>
-            <a:schemeClr val="tx1"/>
-          </a:solidFill>
-          <a:latin typeface="+mn-lt"/>
-          <a:ea typeface="+mn-ea"/>
-          <a:cs typeface="+mn-cs"/>
-        </a:defRPr>
-      </a:lvl9pPr>
-    </p:bodyStyle>
-    <p:otherStyle>
-      <a:defPPr>
-        <a:defRPr lang="zh-CN"/>
-      </a:defPPr>
-      <a:lvl1pPr marL="0" algn="l" defTabSz="914400" rtl="0" eaLnBrk="1" latinLnBrk="0" hangingPunct="1">
-        <a:defRPr sz="1800" kern="1200">
-          <a:solidFill>
-            <a:schemeClr val="tx1"/>
-          </a:solidFill>
-          <a:latin typeface="+mn-lt"/>
-          <a:ea typeface="+mn-ea"/>
-          <a:cs typeface="+mn-cs"/>
-        </a:defRPr>
-      </a:lvl1pPr>
-      <a:lvl2pPr marL="457200" algn="l" defTabSz="914400" rtl="0" eaLnBrk="1" latinLnBrk="0" hangingPunct="1">
-        <a:defRPr sz="1800" kern="1200">
-          <a:solidFill>
-            <a:schemeClr val="tx1"/>
-          </a:solidFill>
-          <a:latin typeface="+mn-lt"/>
-          <a:ea typeface="+mn-ea"/>
-          <a:cs typeface="+mn-cs"/>
-        </a:defRPr>
-      </a:lvl2pPr>
-      <a:lvl3pPr marL="914400" algn="l" defTabSz="914400" rtl="0" eaLnBrk="1" latinLnBrk="0" hangingPunct="1">
-        <a:defRPr sz="1800" kern="1200">
-          <a:solidFill>
-            <a:schemeClr val="tx1"/>
-          </a:solidFill>
-          <a:latin typeface="+mn-lt"/>
-          <a:ea typeface="+mn-ea"/>
-          <a:cs typeface="+mn-cs"/>
-        </a:defRPr>
-      </a:lvl3pPr>
-      <a:lvl4pPr marL="1371600" algn="l" defTabSz="914400" rtl="0" eaLnBrk="1" latinLnBrk="0" hangingPunct="1">
-        <a:defRPr sz="1800" kern="1200">
-          <a:solidFill>
-            <a:schemeClr val="tx1"/>
-          </a:solidFill>
-          <a:latin typeface="+mn-lt"/>
-          <a:ea typeface="+mn-ea"/>
-          <a:cs typeface="+mn-cs"/>
-        </a:defRPr>
-      </a:lvl4pPr>
-      <a:lvl5pPr marL="1828800" algn="l" defTabSz="914400" rtl="0" eaLnBrk="1" latinLnBrk="0" hangingPunct="1">
-        <a:defRPr sz="1800" kern="1200">
-          <a:solidFill>
-            <a:schemeClr val="tx1"/>
-          </a:solidFill>
-          <a:latin typeface="+mn-lt"/>
-          <a:ea typeface="+mn-ea"/>
-          <a:cs typeface="+mn-cs"/>
-        </a:defRPr>
-      </a:lvl5pPr>
-      <a:lvl6pPr marL="2286000" algn="l" defTabSz="914400" rtl="0" eaLnBrk="1" latinLnBrk="0" hangingPunct="1">
-        <a:defRPr sz="1800" kern="1200">
-          <a:solidFill>
-            <a:schemeClr val="tx1"/>
-          </a:solidFill>
-          <a:latin typeface="+mn-lt"/>
-          <a:ea typeface="+mn-ea"/>
-          <a:cs typeface="+mn-cs"/>
-        </a:defRPr>
-      </a:lvl6pPr>
-      <a:lvl7pPr marL="2743200" algn="l" defTabSz="914400" rtl="0" eaLnBrk="1" latinLnBrk="0" hangingPunct="1">
-        <a:defRPr sz="1800" kern="1200">
-          <a:solidFill>
-            <a:schemeClr val="tx1"/>
-          </a:solidFill>
-          <a:latin typeface="+mn-lt"/>
-          <a:ea typeface="+mn-ea"/>
-          <a:cs typeface="+mn-cs"/>
-        </a:defRPr>
-      </a:lvl7pPr>
-      <a:lvl8pPr marL="3200400" algn="l" defTabSz="914400" rtl="0" eaLnBrk="1" latinLnBrk="0" hangingPunct="1">
-        <a:defRPr sz="1800" kern="1200">
-          <a:solidFill>
-            <a:schemeClr val="tx1"/>
-          </a:solidFill>
-          <a:latin typeface="+mn-lt"/>
-          <a:ea typeface="+mn-ea"/>
-          <a:cs typeface="+mn-cs"/>
-        </a:defRPr>
-      </a:lvl8pPr>
-      <a:lvl9pPr marL="3657600" algn="l" defTabSz="914400" rtl="0" eaLnBrk="1" latinLnBrk="0" hangingPunct="1">
+      <a:lvl9pPr marL="3657600" algn="l" defTabSz="457200" rtl="0" eaLnBrk="1" latinLnBrk="0" hangingPunct="1">
         <a:defRPr sz="1800" kern="1200">
           <a:solidFill>
             <a:schemeClr val="tx1"/>
@@ -3659,6 +8012,11 @@
       </a:lvl9pPr>
     </p:otherStyle>
   </p:txStyles>
+  <p:extLst>
+    <p:ext uri="{27BBF7A9-308A-43DC-89C8-2F10F3537804}">
+      <p15:sldGuideLst xmlns:p15="http://schemas.microsoft.com/office/powerpoint/2012/main"/>
+    </p:ext>
+  </p:extLst>
 </p:sldMaster>
 </file>
 
@@ -3679,41 +8037,6 @@
           <a:chExt cx="0" cy="0"/>
         </a:xfrm>
       </p:grpSpPr>
-      <p:pic>
-        <p:nvPicPr>
-          <p:cNvPr id="210" name="图片 2"/>
-          <p:cNvPicPr/>
-          <p:nvPr/>
-        </p:nvPicPr>
-        <p:blipFill>
-          <a:blip r:embed="rId2">
-            <a:extLst>
-              <a:ext uri="{BEBA8EAE-BF5A-486C-A8C5-ECC9F3942E4B}">
-                <a14:imgProps xmlns:a14="http://schemas.microsoft.com/office/drawing/2010/main">
-                  <a14:imgLayer r:embed="rId3">
-                    <a14:imgEffect>
-                      <a14:brightnessContrast bright="20000"/>
-                    </a14:imgEffect>
-                  </a14:imgLayer>
-                </a14:imgProps>
-              </a:ext>
-            </a:extLst>
-          </a:blip>
-          <a:stretch/>
-        </p:blipFill>
-        <p:spPr>
-          <a:xfrm>
-            <a:off x="4680" y="1532880"/>
-            <a:ext cx="12191760" cy="2397600"/>
-          </a:xfrm>
-          <a:prstGeom prst="rect">
-            <a:avLst/>
-          </a:prstGeom>
-          <a:ln w="0">
-            <a:noFill/>
-          </a:ln>
-        </p:spPr>
-      </p:pic>
       <p:sp>
         <p:nvSpPr>
           <p:cNvPr id="211" name="CustomShape 1"/>
@@ -3722,7 +8045,7 @@
         </p:nvSpPr>
         <p:spPr>
           <a:xfrm>
-            <a:off x="1487488" y="1916832"/>
+            <a:off x="1523492" y="2322458"/>
             <a:ext cx="9145016" cy="1106542"/>
           </a:xfrm>
           <a:prstGeom prst="rect">
@@ -3759,7 +8082,9 @@
             <a:r>
               <a:rPr lang="en-US" sz="6600" b="1" strike="noStrike" spc="-1" dirty="0">
                 <a:solidFill>
-                  <a:srgbClr val="FFFFFF"/>
+                  <a:schemeClr val="accent6">
+                    <a:lumMod val="75000"/>
+                  </a:schemeClr>
                 </a:solidFill>
                 <a:latin typeface="微软雅黑"/>
                 <a:ea typeface="微软雅黑"/>
@@ -3769,7 +8094,9 @@
             <a:r>
               <a:rPr lang="zh-CN" altLang="en-US" sz="6600" b="1" strike="noStrike" spc="-1" dirty="0">
                 <a:solidFill>
-                  <a:srgbClr val="FFFFFF"/>
+                  <a:schemeClr val="accent6">
+                    <a:lumMod val="75000"/>
+                  </a:schemeClr>
                 </a:solidFill>
                 <a:latin typeface="微软雅黑"/>
                 <a:ea typeface="微软雅黑"/>
@@ -3777,6 +8104,11 @@
               <a:t>性能优化</a:t>
             </a:r>
             <a:endParaRPr lang="en-US" sz="6000" b="0" strike="noStrike" spc="-1" dirty="0">
+              <a:solidFill>
+                <a:schemeClr val="accent6">
+                  <a:lumMod val="75000"/>
+                </a:schemeClr>
+              </a:solidFill>
               <a:latin typeface="Arial"/>
             </a:endParaRPr>
           </a:p>
@@ -3784,66 +8116,132 @@
       </p:sp>
       <p:sp>
         <p:nvSpPr>
-          <p:cNvPr id="213" name="CustomShape 3"/>
+          <p:cNvPr id="2" name="矩形 1">
+            <a:extLst>
+              <a:ext uri="{FF2B5EF4-FFF2-40B4-BE49-F238E27FC236}">
+                <a16:creationId xmlns:a16="http://schemas.microsoft.com/office/drawing/2014/main" id="{3075D6AF-CB5F-409B-446B-216A70D107EF}"/>
+              </a:ext>
+            </a:extLst>
+          </p:cNvPr>
           <p:cNvSpPr/>
           <p:nvPr/>
         </p:nvSpPr>
         <p:spPr>
           <a:xfrm>
-            <a:off x="3958476" y="4221088"/>
-            <a:ext cx="4203040" cy="829543"/>
+            <a:off x="1733550" y="1700808"/>
+            <a:ext cx="8667750" cy="2592288"/>
           </a:xfrm>
           <a:prstGeom prst="rect">
             <a:avLst/>
           </a:prstGeom>
           <a:noFill/>
-          <a:ln w="0">
-            <a:noFill/>
+          <a:ln w="38100">
+            <a:gradFill>
+              <a:gsLst>
+                <a:gs pos="0">
+                  <a:schemeClr val="accent2">
+                    <a:lumMod val="60000"/>
+                    <a:lumOff val="40000"/>
+                  </a:schemeClr>
+                </a:gs>
+                <a:gs pos="81000">
+                  <a:schemeClr val="accent4">
+                    <a:lumMod val="60000"/>
+                    <a:lumOff val="40000"/>
+                  </a:schemeClr>
+                </a:gs>
+              </a:gsLst>
+              <a:lin ang="5400000" scaled="1"/>
+            </a:gradFill>
           </a:ln>
         </p:spPr>
         <p:style>
-          <a:lnRef idx="0">
-            <a:scrgbClr r="0" g="0" b="0"/>
+          <a:lnRef idx="2">
+            <a:schemeClr val="accent1">
+              <a:shade val="50000"/>
+            </a:schemeClr>
           </a:lnRef>
-          <a:fillRef idx="0">
-            <a:scrgbClr r="0" g="0" b="0"/>
+          <a:fillRef idx="1">
+            <a:schemeClr val="accent1"/>
           </a:fillRef>
           <a:effectRef idx="0">
-            <a:scrgbClr r="0" g="0" b="0"/>
+            <a:schemeClr val="accent1"/>
           </a:effectRef>
-          <a:fontRef idx="minor"/>
+          <a:fontRef idx="minor">
+            <a:schemeClr val="lt1"/>
+          </a:fontRef>
         </p:style>
         <p:txBody>
-          <a:bodyPr wrap="square" lIns="90000" tIns="45000" rIns="90000" bIns="45000">
+          <a:bodyPr rot="0" spcFirstLastPara="0" vertOverflow="overflow" horzOverflow="overflow" vert="horz" wrap="square" lIns="91440" tIns="45720" rIns="91440" bIns="45720" numCol="1" spcCol="0" rtlCol="0" fromWordArt="0" anchor="ctr" anchorCtr="0" forceAA="0" compatLnSpc="1">
+            <a:prstTxWarp prst="textNoShape">
+              <a:avLst/>
+            </a:prstTxWarp>
+            <a:noAutofit/>
+          </a:bodyPr>
+          <a:lstStyle/>
+          <a:p>
+            <a:pPr algn="ctr"/>
+            <a:endParaRPr lang="zh-CN" altLang="en-US" dirty="0">
+              <a:solidFill>
+                <a:schemeClr val="accent6">
+                  <a:lumMod val="75000"/>
+                </a:schemeClr>
+              </a:solidFill>
+            </a:endParaRPr>
+          </a:p>
+        </p:txBody>
+      </p:sp>
+      <p:sp>
+        <p:nvSpPr>
+          <p:cNvPr id="4" name="矩形 3">
+            <a:extLst>
+              <a:ext uri="{FF2B5EF4-FFF2-40B4-BE49-F238E27FC236}">
+                <a16:creationId xmlns:a16="http://schemas.microsoft.com/office/drawing/2014/main" id="{DAD36432-692B-52D4-74E0-DF515D6FD116}"/>
+              </a:ext>
+            </a:extLst>
+          </p:cNvPr>
+          <p:cNvSpPr/>
+          <p:nvPr/>
+        </p:nvSpPr>
+        <p:spPr>
+          <a:xfrm>
+            <a:off x="5542002" y="3614704"/>
+            <a:ext cx="1107996" cy="369332"/>
+          </a:xfrm>
+          <a:prstGeom prst="rect">
+            <a:avLst/>
+          </a:prstGeom>
+        </p:spPr>
+        <p:txBody>
+          <a:bodyPr wrap="none">
             <a:spAutoFit/>
           </a:bodyPr>
           <a:lstStyle/>
           <a:p>
-            <a:pPr algn="ctr">
-              <a:lnSpc>
-                <a:spcPct val="100000"/>
-              </a:lnSpc>
-            </a:pPr>
-            <a:r>
-              <a:rPr lang="en-US" sz="4800" b="0" strike="noStrike" spc="-1" dirty="0">
+            <a:pPr algn="ctr"/>
+            <a:r>
+              <a:rPr lang="zh-CN" altLang="en-US" b="1" dirty="0">
                 <a:solidFill>
-                  <a:srgbClr val="1466EC"/>
+                  <a:schemeClr val="accent6">
+                    <a:lumMod val="75000"/>
+                  </a:schemeClr>
                 </a:solidFill>
-                <a:latin typeface="Calibri"/>
-              </a:rPr>
-              <a:t>2023.02</a:t>
-            </a:r>
-            <a:r>
-              <a:rPr lang="en-US" sz="2400" b="0" strike="noStrike" spc="-1" dirty="0">
-                <a:solidFill>
-                  <a:srgbClr val="000000"/>
-                </a:solidFill>
-                <a:latin typeface="Calibri"/>
-              </a:rPr>
-              <a:t>   </a:t>
-            </a:r>
-            <a:endParaRPr lang="en-US" sz="2400" b="0" strike="noStrike" spc="-1" dirty="0">
-              <a:latin typeface="Arial"/>
+                <a:latin typeface="Arial" panose="020B0604020202020204" pitchFamily="34" charset="0"/>
+                <a:ea typeface="微软雅黑" panose="020B0503020204020204" pitchFamily="34" charset="-122"/>
+                <a:cs typeface="宋体" panose="02010600030101010101" pitchFamily="2" charset="-122"/>
+                <a:sym typeface="+mn-lt"/>
+              </a:rPr>
+              <a:t>技术方案</a:t>
+            </a:r>
+            <a:endParaRPr lang="en-US" altLang="zh-CN" b="1" dirty="0">
+              <a:solidFill>
+                <a:schemeClr val="accent6">
+                  <a:lumMod val="75000"/>
+                </a:schemeClr>
+              </a:solidFill>
+              <a:latin typeface="微软雅黑" panose="020B0503020204020204" pitchFamily="34" charset="-122"/>
+              <a:ea typeface="微软雅黑" panose="020B0503020204020204" pitchFamily="34" charset="-122"/>
+              <a:cs typeface="Open Sans BOLD" panose="020B0806030504020204" pitchFamily="34" charset="0"/>
             </a:endParaRPr>
           </a:p>
         </p:txBody>
@@ -3853,22 +8251,374 @@
   <p:clrMapOvr>
     <a:masterClrMapping/>
   </p:clrMapOvr>
-  <mc:AlternateContent xmlns:mc="http://schemas.openxmlformats.org/markup-compatibility/2006" xmlns:p14="http://schemas.microsoft.com/office/powerpoint/2010/main">
-    <mc:Choice Requires="p14">
-      <p:transition spd="slow" p14:dur="4000">
-        <p14:vortex/>
-      </p:transition>
-    </mc:Choice>
-    <mc:Fallback xmlns="" xmlns:p15="http://schemas.microsoft.com/office/powerpoint/2012/main">
-      <p:transition spd="slow">
-        <p:fade/>
-      </p:transition>
-    </mc:Fallback>
-  </mc:AlternateContent>
 </p:sld>
 </file>
 
 <file path=ppt/slides/slide2.xml><?xml version="1.0" encoding="utf-8"?>
+<p:sld xmlns:a="http://schemas.openxmlformats.org/drawingml/2006/main" xmlns:r="http://schemas.openxmlformats.org/officeDocument/2006/relationships" xmlns:p="http://schemas.openxmlformats.org/presentationml/2006/main">
+  <p:cSld>
+    <p:spTree>
+      <p:nvGrpSpPr>
+        <p:cNvPr id="1" name=""/>
+        <p:cNvGrpSpPr/>
+        <p:nvPr/>
+      </p:nvGrpSpPr>
+      <p:grpSpPr>
+        <a:xfrm>
+          <a:off x="0" y="0"/>
+          <a:ext cx="0" cy="0"/>
+          <a:chOff x="0" y="0"/>
+          <a:chExt cx="0" cy="0"/>
+        </a:xfrm>
+      </p:grpSpPr>
+      <p:sp>
+        <p:nvSpPr>
+          <p:cNvPr id="2" name="任意多边形: 形状 9">
+            <a:extLst>
+              <a:ext uri="{FF2B5EF4-FFF2-40B4-BE49-F238E27FC236}">
+                <a16:creationId xmlns:a16="http://schemas.microsoft.com/office/drawing/2014/main" id="{13D63C7F-902A-4DDA-7D1E-A3AE760FE59E}"/>
+              </a:ext>
+            </a:extLst>
+          </p:cNvPr>
+          <p:cNvSpPr/>
+          <p:nvPr/>
+        </p:nvSpPr>
+        <p:spPr>
+          <a:xfrm>
+            <a:off x="3383915" y="2557145"/>
+            <a:ext cx="1845310" cy="1108710"/>
+          </a:xfrm>
+          <a:custGeom>
+            <a:avLst/>
+            <a:gdLst>
+              <a:gd name="connsiteX0" fmla="*/ 295798 w 1033384"/>
+              <a:gd name="connsiteY0" fmla="*/ 0 h 615950"/>
+              <a:gd name="connsiteX1" fmla="*/ 1033384 w 1033384"/>
+              <a:gd name="connsiteY1" fmla="*/ 0 h 615950"/>
+              <a:gd name="connsiteX2" fmla="*/ 737587 w 1033384"/>
+              <a:gd name="connsiteY2" fmla="*/ 615950 h 615950"/>
+              <a:gd name="connsiteX3" fmla="*/ 0 w 1033384"/>
+              <a:gd name="connsiteY3" fmla="*/ 615950 h 615950"/>
+            </a:gdLst>
+            <a:ahLst/>
+            <a:cxnLst>
+              <a:cxn ang="0">
+                <a:pos x="connsiteX0" y="connsiteY0"/>
+              </a:cxn>
+              <a:cxn ang="0">
+                <a:pos x="connsiteX1" y="connsiteY1"/>
+              </a:cxn>
+              <a:cxn ang="0">
+                <a:pos x="connsiteX2" y="connsiteY2"/>
+              </a:cxn>
+              <a:cxn ang="0">
+                <a:pos x="connsiteX3" y="connsiteY3"/>
+              </a:cxn>
+            </a:cxnLst>
+            <a:rect l="l" t="t" r="r" b="b"/>
+            <a:pathLst>
+              <a:path w="1033384" h="615950">
+                <a:moveTo>
+                  <a:pt x="295798" y="0"/>
+                </a:moveTo>
+                <a:lnTo>
+                  <a:pt x="1033384" y="0"/>
+                </a:lnTo>
+                <a:lnTo>
+                  <a:pt x="737587" y="615950"/>
+                </a:lnTo>
+                <a:lnTo>
+                  <a:pt x="0" y="615950"/>
+                </a:lnTo>
+                <a:close/>
+              </a:path>
+            </a:pathLst>
+          </a:custGeom>
+          <a:solidFill>
+            <a:schemeClr val="accent6">
+              <a:lumMod val="75000"/>
+            </a:schemeClr>
+          </a:solidFill>
+          <a:ln>
+            <a:noFill/>
+          </a:ln>
+        </p:spPr>
+        <p:style>
+          <a:lnRef idx="2">
+            <a:schemeClr val="accent1">
+              <a:shade val="50000"/>
+            </a:schemeClr>
+          </a:lnRef>
+          <a:fillRef idx="1">
+            <a:schemeClr val="accent1"/>
+          </a:fillRef>
+          <a:effectRef idx="0">
+            <a:schemeClr val="accent1"/>
+          </a:effectRef>
+          <a:fontRef idx="minor">
+            <a:schemeClr val="lt1"/>
+          </a:fontRef>
+        </p:style>
+        <p:txBody>
+          <a:bodyPr vertOverflow="overflow" horzOverflow="overflow" vert="horz" wrap="square" numCol="1" spcCol="0" rtlCol="0" fromWordArt="0" anchor="ctr" anchorCtr="0" forceAA="0" compatLnSpc="1">
+            <a:noAutofit/>
+          </a:bodyPr>
+          <a:lstStyle/>
+          <a:p>
+            <a:pPr lvl="0" algn="ctr"/>
+            <a:endParaRPr lang="zh-CN" altLang="en-US" dirty="0">
+              <a:solidFill>
+                <a:schemeClr val="accent6">
+                  <a:lumMod val="75000"/>
+                </a:schemeClr>
+              </a:solidFill>
+              <a:highlight>
+                <a:srgbClr val="808000"/>
+              </a:highlight>
+              <a:latin typeface="微软雅黑" panose="020B0503020204020204" charset="-122"/>
+              <a:ea typeface="微软雅黑" panose="020B0503020204020204" charset="-122"/>
+              <a:cs typeface="+mn-ea"/>
+              <a:sym typeface="+mn-lt"/>
+            </a:endParaRPr>
+          </a:p>
+        </p:txBody>
+      </p:sp>
+      <p:sp>
+        <p:nvSpPr>
+          <p:cNvPr id="3" name="任意多边形: 形状 15">
+            <a:extLst>
+              <a:ext uri="{FF2B5EF4-FFF2-40B4-BE49-F238E27FC236}">
+                <a16:creationId xmlns:a16="http://schemas.microsoft.com/office/drawing/2014/main" id="{200ED69E-4559-C0DD-0CFC-3AFC624CB892}"/>
+              </a:ext>
+            </a:extLst>
+          </p:cNvPr>
+          <p:cNvSpPr/>
+          <p:nvPr/>
+        </p:nvSpPr>
+        <p:spPr>
+          <a:xfrm>
+            <a:off x="4070985" y="3105785"/>
+            <a:ext cx="1156970" cy="695960"/>
+          </a:xfrm>
+          <a:custGeom>
+            <a:avLst/>
+            <a:gdLst>
+              <a:gd name="connsiteX0" fmla="*/ 295798 w 1033384"/>
+              <a:gd name="connsiteY0" fmla="*/ 0 h 615950"/>
+              <a:gd name="connsiteX1" fmla="*/ 1033384 w 1033384"/>
+              <a:gd name="connsiteY1" fmla="*/ 0 h 615950"/>
+              <a:gd name="connsiteX2" fmla="*/ 737587 w 1033384"/>
+              <a:gd name="connsiteY2" fmla="*/ 615950 h 615950"/>
+              <a:gd name="connsiteX3" fmla="*/ 0 w 1033384"/>
+              <a:gd name="connsiteY3" fmla="*/ 615950 h 615950"/>
+            </a:gdLst>
+            <a:ahLst/>
+            <a:cxnLst>
+              <a:cxn ang="0">
+                <a:pos x="connsiteX0" y="connsiteY0"/>
+              </a:cxn>
+              <a:cxn ang="0">
+                <a:pos x="connsiteX1" y="connsiteY1"/>
+              </a:cxn>
+              <a:cxn ang="0">
+                <a:pos x="connsiteX2" y="connsiteY2"/>
+              </a:cxn>
+              <a:cxn ang="0">
+                <a:pos x="connsiteX3" y="connsiteY3"/>
+              </a:cxn>
+            </a:cxnLst>
+            <a:rect l="l" t="t" r="r" b="b"/>
+            <a:pathLst>
+              <a:path w="1033384" h="615950">
+                <a:moveTo>
+                  <a:pt x="295798" y="0"/>
+                </a:moveTo>
+                <a:lnTo>
+                  <a:pt x="1033384" y="0"/>
+                </a:lnTo>
+                <a:lnTo>
+                  <a:pt x="737587" y="615950"/>
+                </a:lnTo>
+                <a:lnTo>
+                  <a:pt x="0" y="615950"/>
+                </a:lnTo>
+                <a:close/>
+              </a:path>
+            </a:pathLst>
+          </a:custGeom>
+          <a:solidFill>
+            <a:srgbClr val="5A6783">
+              <a:alpha val="49804"/>
+            </a:srgbClr>
+          </a:solidFill>
+          <a:ln>
+            <a:noFill/>
+          </a:ln>
+        </p:spPr>
+        <p:style>
+          <a:lnRef idx="2">
+            <a:schemeClr val="accent1">
+              <a:shade val="50000"/>
+            </a:schemeClr>
+          </a:lnRef>
+          <a:fillRef idx="1">
+            <a:schemeClr val="accent1"/>
+          </a:fillRef>
+          <a:effectRef idx="0">
+            <a:schemeClr val="accent1"/>
+          </a:effectRef>
+          <a:fontRef idx="minor">
+            <a:schemeClr val="lt1"/>
+          </a:fontRef>
+        </p:style>
+        <p:txBody>
+          <a:bodyPr rot="0" spcFirstLastPara="0" vertOverflow="overflow" horzOverflow="overflow" vert="horz" wrap="square" lIns="91440" tIns="45720" rIns="91440" bIns="45720" numCol="1" spcCol="0" rtlCol="0" fromWordArt="0" anchor="ctr" anchorCtr="0" forceAA="0" compatLnSpc="1">
+            <a:noAutofit/>
+          </a:bodyPr>
+          <a:lstStyle/>
+          <a:p>
+            <a:pPr algn="ctr"/>
+            <a:endParaRPr lang="zh-CN" altLang="en-US" dirty="0">
+              <a:latin typeface="微软雅黑" panose="020B0503020204020204" charset="-122"/>
+              <a:ea typeface="微软雅黑" panose="020B0503020204020204" charset="-122"/>
+              <a:cs typeface="+mn-ea"/>
+              <a:sym typeface="+mn-lt"/>
+            </a:endParaRPr>
+          </a:p>
+        </p:txBody>
+      </p:sp>
+      <p:sp>
+        <p:nvSpPr>
+          <p:cNvPr id="4" name="文本框 3">
+            <a:extLst>
+              <a:ext uri="{FF2B5EF4-FFF2-40B4-BE49-F238E27FC236}">
+                <a16:creationId xmlns:a16="http://schemas.microsoft.com/office/drawing/2014/main" id="{02B8C828-5354-F466-D211-55785C4ECF05}"/>
+              </a:ext>
+            </a:extLst>
+          </p:cNvPr>
+          <p:cNvSpPr txBox="1"/>
+          <p:nvPr/>
+        </p:nvSpPr>
+        <p:spPr>
+          <a:xfrm>
+            <a:off x="3976675" y="2610971"/>
+            <a:ext cx="659155" cy="1015663"/>
+          </a:xfrm>
+          <a:prstGeom prst="rect">
+            <a:avLst/>
+          </a:prstGeom>
+          <a:noFill/>
+        </p:spPr>
+        <p:txBody>
+          <a:bodyPr wrap="none" rtlCol="0" anchor="ctr" anchorCtr="0">
+            <a:spAutoFit/>
+            <a:scene3d>
+              <a:camera prst="orthographicFront"/>
+              <a:lightRig rig="threePt" dir="t"/>
+            </a:scene3d>
+          </a:bodyPr>
+          <a:lstStyle/>
+          <a:p>
+            <a:pPr algn="ctr"/>
+            <a:r>
+              <a:rPr lang="en-US" altLang="zh-CN" sz="6000" b="1" i="1" dirty="0">
+                <a:solidFill>
+                  <a:schemeClr val="bg1"/>
+                </a:solidFill>
+                <a:latin typeface="微软雅黑" panose="020B0503020204020204" charset="-122"/>
+                <a:ea typeface="微软雅黑" panose="020B0503020204020204" charset="-122"/>
+                <a:cs typeface="Arial Bold Italic" panose="020B0604020202090204" charset="0"/>
+                <a:sym typeface="+mn-lt"/>
+              </a:rPr>
+              <a:t>1</a:t>
+            </a:r>
+          </a:p>
+        </p:txBody>
+      </p:sp>
+      <p:sp>
+        <p:nvSpPr>
+          <p:cNvPr id="5" name="Title 5">
+            <a:extLst>
+              <a:ext uri="{FF2B5EF4-FFF2-40B4-BE49-F238E27FC236}">
+                <a16:creationId xmlns:a16="http://schemas.microsoft.com/office/drawing/2014/main" id="{D67ED5FB-7D3C-4AAB-A1C3-3B45523EEA4F}"/>
+              </a:ext>
+            </a:extLst>
+          </p:cNvPr>
+          <p:cNvSpPr txBox="1"/>
+          <p:nvPr/>
+        </p:nvSpPr>
+        <p:spPr>
+          <a:xfrm>
+            <a:off x="5442269" y="2852936"/>
+            <a:ext cx="4110115" cy="773698"/>
+          </a:xfrm>
+        </p:spPr>
+        <p:txBody>
+          <a:bodyPr/>
+          <a:lstStyle>
+            <a:lvl1pPr algn="l" defTabSz="914400" rtl="0" eaLnBrk="1" latinLnBrk="0" hangingPunct="1">
+              <a:lnSpc>
+                <a:spcPts val="4200"/>
+              </a:lnSpc>
+              <a:spcBef>
+                <a:spcPct val="0"/>
+              </a:spcBef>
+              <a:buNone/>
+              <a:defRPr sz="3200" b="1" kern="1200">
+                <a:solidFill>
+                  <a:schemeClr val="tx2"/>
+                </a:solidFill>
+                <a:latin typeface="+mj-lt"/>
+                <a:ea typeface="+mj-ea"/>
+                <a:cs typeface="+mj-cs"/>
+              </a:defRPr>
+            </a:lvl1pPr>
+          </a:lstStyle>
+          <a:p>
+            <a:r>
+              <a:rPr lang="en-US" altLang="zh-CN" sz="4000" b="0" spc="500" dirty="0">
+                <a:solidFill>
+                  <a:srgbClr val="3D485D"/>
+                </a:solidFill>
+                <a:latin typeface="微软雅黑" panose="020B0503020204020204" charset="-122"/>
+                <a:ea typeface="微软雅黑" panose="020B0503020204020204" charset="-122"/>
+              </a:rPr>
+              <a:t>Linux</a:t>
+            </a:r>
+            <a:r>
+              <a:rPr lang="zh-CN" altLang="en-US" sz="4000" b="0" spc="500" dirty="0">
+                <a:solidFill>
+                  <a:srgbClr val="3D485D"/>
+                </a:solidFill>
+                <a:latin typeface="微软雅黑" panose="020B0503020204020204" charset="-122"/>
+                <a:ea typeface="微软雅黑" panose="020B0503020204020204" charset="-122"/>
+              </a:rPr>
+              <a:t>性能优化</a:t>
+            </a:r>
+            <a:endParaRPr lang="en-US" sz="4000" b="0" spc="500" dirty="0">
+              <a:solidFill>
+                <a:srgbClr val="3D485D"/>
+              </a:solidFill>
+              <a:latin typeface="微软雅黑" panose="020B0503020204020204" charset="-122"/>
+              <a:ea typeface="微软雅黑" panose="020B0503020204020204" charset="-122"/>
+            </a:endParaRPr>
+          </a:p>
+        </p:txBody>
+      </p:sp>
+    </p:spTree>
+    <p:extLst>
+      <p:ext uri="{BB962C8B-B14F-4D97-AF65-F5344CB8AC3E}">
+        <p14:creationId xmlns:p14="http://schemas.microsoft.com/office/powerpoint/2010/main" val="2238892832"/>
+      </p:ext>
+    </p:extLst>
+  </p:cSld>
+  <p:clrMapOvr>
+    <a:masterClrMapping/>
+  </p:clrMapOvr>
+</p:sld>
+</file>
+
+<file path=ppt/slides/slide3.xml><?xml version="1.0" encoding="utf-8"?>
 <p:sld xmlns:a="http://schemas.openxmlformats.org/drawingml/2006/main" xmlns:r="http://schemas.openxmlformats.org/officeDocument/2006/relationships" xmlns:p="http://schemas.openxmlformats.org/presentationml/2006/main">
   <p:cSld>
     <p:spTree>
@@ -3981,8 +8731,8 @@
         </p:blipFill>
         <p:spPr>
           <a:xfrm>
-            <a:off x="0" y="0"/>
-            <a:ext cx="12192000" cy="6858000"/>
+            <a:off x="1631504" y="116633"/>
+            <a:ext cx="10432693" cy="6624736"/>
           </a:xfrm>
           <a:prstGeom prst="rect">
             <a:avLst/>
@@ -3999,22 +8749,10 @@
   <p:clrMapOvr>
     <a:masterClrMapping/>
   </p:clrMapOvr>
-  <mc:AlternateContent xmlns:mc="http://schemas.openxmlformats.org/markup-compatibility/2006" xmlns:p14="http://schemas.microsoft.com/office/powerpoint/2010/main">
-    <mc:Choice Requires="p14">
-      <p:transition spd="slow" p14:dur="4000">
-        <p14:vortex/>
-      </p:transition>
-    </mc:Choice>
-    <mc:Fallback xmlns="" xmlns:p15="http://schemas.microsoft.com/office/powerpoint/2012/main">
-      <p:transition spd="slow">
-        <p:fade/>
-      </p:transition>
-    </mc:Fallback>
-  </mc:AlternateContent>
 </p:sld>
 </file>
 
-<file path=ppt/slides/slide3.xml><?xml version="1.0" encoding="utf-8"?>
+<file path=ppt/slides/slide4.xml><?xml version="1.0" encoding="utf-8"?>
 <p:sld xmlns:a="http://schemas.openxmlformats.org/drawingml/2006/main" xmlns:r="http://schemas.openxmlformats.org/officeDocument/2006/relationships" xmlns:p="http://schemas.openxmlformats.org/presentationml/2006/main">
   <p:cSld>
     <p:spTree>
@@ -4059,8 +8797,8 @@
         </p:blipFill>
         <p:spPr>
           <a:xfrm>
-            <a:off x="2855640" y="0"/>
-            <a:ext cx="5976664" cy="6858000"/>
+            <a:off x="1631504" y="116632"/>
+            <a:ext cx="10441160" cy="6624736"/>
           </a:xfrm>
           <a:prstGeom prst="rect">
             <a:avLst/>
@@ -4077,25 +8815,1311 @@
   <p:clrMapOvr>
     <a:masterClrMapping/>
   </p:clrMapOvr>
-  <mc:AlternateContent xmlns:mc="http://schemas.openxmlformats.org/markup-compatibility/2006" xmlns:p14="http://schemas.microsoft.com/office/powerpoint/2010/main">
-    <mc:Choice Requires="p14">
-      <p:transition spd="slow" p14:dur="4000">
-        <p14:vortex/>
-      </p:transition>
-    </mc:Choice>
-    <mc:Fallback xmlns="" xmlns:p15="http://schemas.microsoft.com/office/powerpoint/2012/main">
-      <p:transition spd="slow">
-        <p:fade/>
-      </p:transition>
-    </mc:Fallback>
-  </mc:AlternateContent>
+</p:sld>
+</file>
+
+<file path=ppt/slides/slide5.xml><?xml version="1.0" encoding="utf-8"?>
+<p:sld xmlns:a="http://schemas.openxmlformats.org/drawingml/2006/main" xmlns:r="http://schemas.openxmlformats.org/officeDocument/2006/relationships" xmlns:p="http://schemas.openxmlformats.org/presentationml/2006/main">
+  <p:cSld>
+    <p:spTree>
+      <p:nvGrpSpPr>
+        <p:cNvPr id="1" name=""/>
+        <p:cNvGrpSpPr/>
+        <p:nvPr/>
+      </p:nvGrpSpPr>
+      <p:grpSpPr>
+        <a:xfrm>
+          <a:off x="0" y="0"/>
+          <a:ext cx="0" cy="0"/>
+          <a:chOff x="0" y="0"/>
+          <a:chExt cx="0" cy="0"/>
+        </a:xfrm>
+      </p:grpSpPr>
+      <p:sp>
+        <p:nvSpPr>
+          <p:cNvPr id="2" name="CustomShape 1">
+            <a:extLst>
+              <a:ext uri="{FF2B5EF4-FFF2-40B4-BE49-F238E27FC236}">
+                <a16:creationId xmlns:a16="http://schemas.microsoft.com/office/drawing/2014/main" id="{9EDB87DF-A519-18CD-0976-096447E787F3}"/>
+              </a:ext>
+            </a:extLst>
+          </p:cNvPr>
+          <p:cNvSpPr/>
+          <p:nvPr/>
+        </p:nvSpPr>
+        <p:spPr>
+          <a:xfrm>
+            <a:off x="119336" y="116632"/>
+            <a:ext cx="9145016" cy="583321"/>
+          </a:xfrm>
+          <a:prstGeom prst="rect">
+            <a:avLst/>
+          </a:prstGeom>
+          <a:noFill/>
+          <a:ln w="0">
+            <a:noFill/>
+          </a:ln>
+        </p:spPr>
+        <p:style>
+          <a:lnRef idx="0">
+            <a:scrgbClr r="0" g="0" b="0"/>
+          </a:lnRef>
+          <a:fillRef idx="0">
+            <a:scrgbClr r="0" g="0" b="0"/>
+          </a:fillRef>
+          <a:effectRef idx="0">
+            <a:scrgbClr r="0" g="0" b="0"/>
+          </a:effectRef>
+          <a:fontRef idx="minor"/>
+        </p:style>
+        <p:txBody>
+          <a:bodyPr wrap="square" lIns="90000" tIns="45000" rIns="90000" bIns="45000">
+            <a:spAutoFit/>
+          </a:bodyPr>
+          <a:lstStyle/>
+          <a:p>
+            <a:pPr>
+              <a:lnSpc>
+                <a:spcPct val="100000"/>
+              </a:lnSpc>
+            </a:pPr>
+            <a:r>
+              <a:rPr lang="en-US" sz="3200" b="1" strike="noStrike" spc="-1" dirty="0">
+                <a:solidFill>
+                  <a:schemeClr val="accent6">
+                    <a:lumMod val="75000"/>
+                  </a:schemeClr>
+                </a:solidFill>
+                <a:latin typeface="微软雅黑"/>
+                <a:ea typeface="微软雅黑"/>
+              </a:rPr>
+              <a:t> </a:t>
+            </a:r>
+            <a:r>
+              <a:rPr lang="zh-CN" altLang="en-US" sz="3200" b="1" strike="noStrike" spc="-1" dirty="0">
+                <a:solidFill>
+                  <a:schemeClr val="accent6">
+                    <a:lumMod val="75000"/>
+                  </a:schemeClr>
+                </a:solidFill>
+                <a:latin typeface="微软雅黑"/>
+                <a:ea typeface="微软雅黑"/>
+              </a:rPr>
+              <a:t>性能优化</a:t>
+            </a:r>
+            <a:r>
+              <a:rPr lang="en-US" altLang="zh-CN" sz="3200" b="1" strike="noStrike" spc="-1" dirty="0">
+                <a:solidFill>
+                  <a:schemeClr val="accent6">
+                    <a:lumMod val="75000"/>
+                  </a:schemeClr>
+                </a:solidFill>
+                <a:latin typeface="微软雅黑"/>
+                <a:ea typeface="微软雅黑"/>
+              </a:rPr>
+              <a:t>-</a:t>
+            </a:r>
+            <a:r>
+              <a:rPr lang="zh-CN" altLang="en-US" sz="3200" b="1" strike="noStrike" spc="-1" dirty="0">
+                <a:solidFill>
+                  <a:schemeClr val="accent6">
+                    <a:lumMod val="75000"/>
+                  </a:schemeClr>
+                </a:solidFill>
+                <a:latin typeface="微软雅黑"/>
+                <a:ea typeface="微软雅黑"/>
+              </a:rPr>
+              <a:t>常用性能分析命令</a:t>
+            </a:r>
+            <a:endParaRPr lang="en-US" sz="3200" b="0" strike="noStrike" spc="-1" dirty="0">
+              <a:solidFill>
+                <a:schemeClr val="accent6">
+                  <a:lumMod val="75000"/>
+                </a:schemeClr>
+              </a:solidFill>
+              <a:latin typeface="Arial"/>
+            </a:endParaRPr>
+          </a:p>
+        </p:txBody>
+      </p:sp>
+      <p:sp>
+        <p:nvSpPr>
+          <p:cNvPr id="3" name="CustomShape 1">
+            <a:extLst>
+              <a:ext uri="{FF2B5EF4-FFF2-40B4-BE49-F238E27FC236}">
+                <a16:creationId xmlns:a16="http://schemas.microsoft.com/office/drawing/2014/main" id="{B51A398E-28A8-BCB9-DA7E-3062F238B60E}"/>
+              </a:ext>
+            </a:extLst>
+          </p:cNvPr>
+          <p:cNvSpPr/>
+          <p:nvPr/>
+        </p:nvSpPr>
+        <p:spPr>
+          <a:xfrm>
+            <a:off x="1703512" y="764704"/>
+            <a:ext cx="8964996" cy="4707527"/>
+          </a:xfrm>
+          <a:prstGeom prst="rect">
+            <a:avLst/>
+          </a:prstGeom>
+          <a:noFill/>
+          <a:ln w="0">
+            <a:noFill/>
+          </a:ln>
+        </p:spPr>
+        <p:style>
+          <a:lnRef idx="0">
+            <a:scrgbClr r="0" g="0" b="0"/>
+          </a:lnRef>
+          <a:fillRef idx="0">
+            <a:scrgbClr r="0" g="0" b="0"/>
+          </a:fillRef>
+          <a:effectRef idx="0">
+            <a:scrgbClr r="0" g="0" b="0"/>
+          </a:effectRef>
+          <a:fontRef idx="minor"/>
+        </p:style>
+        <p:txBody>
+          <a:bodyPr wrap="square" lIns="90000" tIns="45000" rIns="90000" bIns="45000">
+            <a:spAutoFit/>
+          </a:bodyPr>
+          <a:lstStyle/>
+          <a:p>
+            <a:pPr>
+              <a:lnSpc>
+                <a:spcPct val="100000"/>
+              </a:lnSpc>
+            </a:pPr>
+            <a:r>
+              <a:rPr lang="en-US" sz="2000" b="1" strike="noStrike" spc="-1" dirty="0">
+                <a:latin typeface="微软雅黑"/>
+                <a:ea typeface="微软雅黑"/>
+              </a:rPr>
+              <a:t> 1</a:t>
+            </a:r>
+            <a:r>
+              <a:rPr lang="zh-CN" altLang="en-US" sz="2000" b="1" strike="noStrike" spc="-1" dirty="0">
+                <a:latin typeface="微软雅黑"/>
+                <a:ea typeface="微软雅黑"/>
+              </a:rPr>
+              <a:t>、平均负载分析</a:t>
+            </a:r>
+            <a:endParaRPr lang="en-US" altLang="zh-CN" sz="2000" b="1" strike="noStrike" spc="-1" dirty="0">
+              <a:latin typeface="微软雅黑"/>
+              <a:ea typeface="微软雅黑"/>
+            </a:endParaRPr>
+          </a:p>
+          <a:p>
+            <a:pPr>
+              <a:lnSpc>
+                <a:spcPct val="100000"/>
+              </a:lnSpc>
+            </a:pPr>
+            <a:r>
+              <a:rPr lang="en-US" sz="2000" b="1" spc="-1" dirty="0">
+                <a:latin typeface="微软雅黑"/>
+                <a:ea typeface="微软雅黑"/>
+              </a:rPr>
+              <a:t>	</a:t>
+            </a:r>
+            <a:r>
+              <a:rPr lang="zh-CN" altLang="en-US" sz="2000" b="1" spc="-1" dirty="0">
+                <a:latin typeface="微软雅黑"/>
+                <a:ea typeface="微软雅黑"/>
+              </a:rPr>
+              <a:t>常用命令：</a:t>
+            </a:r>
+            <a:r>
+              <a:rPr lang="en-US" altLang="zh-CN" sz="2000" b="1" spc="-1" dirty="0">
+                <a:latin typeface="微软雅黑"/>
+                <a:ea typeface="微软雅黑"/>
+              </a:rPr>
+              <a:t>top</a:t>
+            </a:r>
+            <a:r>
+              <a:rPr lang="zh-CN" altLang="en-US" sz="2000" b="1" spc="-1" dirty="0">
+                <a:latin typeface="微软雅黑"/>
+                <a:ea typeface="微软雅黑"/>
+              </a:rPr>
+              <a:t>、</a:t>
+            </a:r>
+            <a:r>
+              <a:rPr lang="en-US" altLang="zh-CN" sz="2000" b="1" spc="-1" dirty="0">
+                <a:latin typeface="微软雅黑"/>
+                <a:ea typeface="微软雅黑"/>
+              </a:rPr>
+              <a:t>uptime  </a:t>
+            </a:r>
+            <a:r>
+              <a:rPr lang="zh-CN" altLang="en-US" sz="2000" b="1" spc="-1" dirty="0">
+                <a:latin typeface="微软雅黑"/>
+                <a:ea typeface="微软雅黑"/>
+              </a:rPr>
+              <a:t>（参考数据：</a:t>
+            </a:r>
+            <a:r>
+              <a:rPr lang="en-US" altLang="zh-CN" sz="2000" b="1" spc="-1" dirty="0">
+                <a:latin typeface="微软雅黑"/>
+                <a:ea typeface="微软雅黑"/>
+              </a:rPr>
+              <a:t>CPU</a:t>
+            </a:r>
+            <a:r>
+              <a:rPr lang="zh-CN" altLang="en-US" sz="2000" b="1" spc="-1" dirty="0">
+                <a:latin typeface="微软雅黑"/>
+                <a:ea typeface="微软雅黑"/>
+              </a:rPr>
+              <a:t>个数）</a:t>
+            </a:r>
+            <a:endParaRPr lang="en-US" altLang="zh-CN" sz="2000" b="1" spc="-1" dirty="0">
+              <a:latin typeface="微软雅黑"/>
+              <a:ea typeface="微软雅黑"/>
+            </a:endParaRPr>
+          </a:p>
+          <a:p>
+            <a:pPr>
+              <a:lnSpc>
+                <a:spcPct val="100000"/>
+              </a:lnSpc>
+            </a:pPr>
+            <a:r>
+              <a:rPr lang="en-US" sz="2000" b="1" strike="noStrike" spc="-1" dirty="0">
+                <a:latin typeface="微软雅黑"/>
+                <a:ea typeface="微软雅黑"/>
+              </a:rPr>
+              <a:t>	</a:t>
+            </a:r>
+            <a:r>
+              <a:rPr lang="zh-CN" altLang="en-US" sz="2000" b="1" strike="noStrike" spc="-1" dirty="0">
+                <a:latin typeface="微软雅黑"/>
+                <a:ea typeface="微软雅黑"/>
+              </a:rPr>
+              <a:t>查看</a:t>
+            </a:r>
+            <a:r>
+              <a:rPr lang="en-US" altLang="zh-CN" sz="2000" b="1" strike="noStrike" spc="-1" dirty="0">
+                <a:latin typeface="微软雅黑"/>
+                <a:ea typeface="微软雅黑"/>
+              </a:rPr>
+              <a:t>CPU</a:t>
+            </a:r>
+            <a:r>
+              <a:rPr lang="zh-CN" altLang="en-US" sz="2000" b="1" spc="-1" dirty="0">
+                <a:latin typeface="微软雅黑"/>
+                <a:ea typeface="微软雅黑"/>
+              </a:rPr>
+              <a:t>个</a:t>
+            </a:r>
+            <a:r>
+              <a:rPr lang="zh-CN" altLang="en-US" sz="2000" b="1" strike="noStrike" spc="-1" dirty="0">
+                <a:latin typeface="微软雅黑"/>
+                <a:ea typeface="微软雅黑"/>
+              </a:rPr>
+              <a:t>数：</a:t>
+            </a:r>
+            <a:r>
+              <a:rPr lang="en-US" altLang="zh-CN" sz="2000" b="1" strike="noStrike" spc="-1" dirty="0">
+                <a:latin typeface="微软雅黑"/>
+                <a:ea typeface="微软雅黑"/>
+              </a:rPr>
+              <a:t>grep 'model name' /proc/</a:t>
+            </a:r>
+            <a:r>
+              <a:rPr lang="en-US" altLang="zh-CN" sz="2000" b="1" strike="noStrike" spc="-1" dirty="0" err="1">
+                <a:latin typeface="微软雅黑"/>
+                <a:ea typeface="微软雅黑"/>
+              </a:rPr>
+              <a:t>cpuinfo</a:t>
+            </a:r>
+            <a:r>
+              <a:rPr lang="en-US" altLang="zh-CN" sz="2000" b="1" strike="noStrike" spc="-1" dirty="0">
+                <a:latin typeface="微软雅黑"/>
+                <a:ea typeface="微软雅黑"/>
+              </a:rPr>
+              <a:t> | </a:t>
+            </a:r>
+            <a:r>
+              <a:rPr lang="en-US" altLang="zh-CN" sz="2000" b="1" strike="noStrike" spc="-1" dirty="0" err="1">
+                <a:latin typeface="微软雅黑"/>
+                <a:ea typeface="微软雅黑"/>
+              </a:rPr>
+              <a:t>wc</a:t>
+            </a:r>
+            <a:r>
+              <a:rPr lang="en-US" altLang="zh-CN" sz="2000" b="1" strike="noStrike" spc="-1" dirty="0">
+                <a:latin typeface="微软雅黑"/>
+                <a:ea typeface="微软雅黑"/>
+              </a:rPr>
+              <a:t> –l</a:t>
+            </a:r>
+          </a:p>
+          <a:p>
+            <a:pPr>
+              <a:lnSpc>
+                <a:spcPct val="100000"/>
+              </a:lnSpc>
+            </a:pPr>
+            <a:r>
+              <a:rPr lang="en-US" sz="2000" b="1" spc="-1" dirty="0">
+                <a:latin typeface="微软雅黑"/>
+                <a:ea typeface="微软雅黑"/>
+              </a:rPr>
+              <a:t>	</a:t>
+            </a:r>
+            <a:r>
+              <a:rPr lang="zh-CN" altLang="en-US" sz="2000" b="1" spc="-1" dirty="0">
+                <a:latin typeface="微软雅黑"/>
+                <a:ea typeface="微软雅黑"/>
+              </a:rPr>
+              <a:t>查看负载：</a:t>
+            </a:r>
+            <a:endParaRPr lang="en-US" altLang="zh-CN" sz="2000" b="1" spc="-1" dirty="0">
+              <a:latin typeface="微软雅黑"/>
+              <a:ea typeface="微软雅黑"/>
+            </a:endParaRPr>
+          </a:p>
+          <a:p>
+            <a:pPr>
+              <a:lnSpc>
+                <a:spcPct val="100000"/>
+              </a:lnSpc>
+            </a:pPr>
+            <a:r>
+              <a:rPr lang="en-US" altLang="zh-CN" sz="2000" b="1" spc="-1" dirty="0">
+                <a:latin typeface="微软雅黑"/>
+                <a:ea typeface="微软雅黑"/>
+              </a:rPr>
+              <a:t>		watch –d uptime    # -d </a:t>
+            </a:r>
+            <a:r>
+              <a:rPr lang="zh-CN" altLang="en-US" sz="2000" b="1" spc="-1" dirty="0">
+                <a:latin typeface="微软雅黑"/>
+                <a:ea typeface="微软雅黑"/>
+              </a:rPr>
+              <a:t>参数表示高亮显示变化的区域</a:t>
+            </a:r>
+            <a:endParaRPr lang="en-US" altLang="zh-CN" sz="2000" b="1" spc="-1" dirty="0">
+              <a:latin typeface="微软雅黑"/>
+              <a:ea typeface="微软雅黑"/>
+            </a:endParaRPr>
+          </a:p>
+          <a:p>
+            <a:pPr>
+              <a:lnSpc>
+                <a:spcPct val="100000"/>
+              </a:lnSpc>
+            </a:pPr>
+            <a:r>
+              <a:rPr lang="en-US" sz="2000" b="1" strike="noStrike" spc="-1" dirty="0">
+                <a:latin typeface="微软雅黑"/>
+                <a:ea typeface="微软雅黑"/>
+              </a:rPr>
+              <a:t>		</a:t>
+            </a:r>
+            <a:r>
+              <a:rPr lang="en-US" sz="2000" b="1" strike="noStrike" spc="-1" dirty="0" err="1">
+                <a:latin typeface="微软雅黑"/>
+                <a:ea typeface="微软雅黑"/>
+              </a:rPr>
+              <a:t>mpstat</a:t>
+            </a:r>
+            <a:r>
+              <a:rPr lang="en-US" sz="2000" b="1" strike="noStrike" spc="-1" dirty="0">
+                <a:latin typeface="微软雅黑"/>
+                <a:ea typeface="微软雅黑"/>
+              </a:rPr>
+              <a:t> -P ALL 5 </a:t>
+            </a:r>
+            <a:r>
+              <a:rPr lang="en-US" altLang="zh-CN" sz="2000" b="1" strike="noStrike" spc="-1" dirty="0">
+                <a:latin typeface="微软雅黑"/>
+                <a:ea typeface="微软雅黑"/>
+              </a:rPr>
+              <a:t># -P ALL </a:t>
+            </a:r>
+            <a:r>
+              <a:rPr lang="zh-CN" altLang="en-US" sz="2000" b="1" strike="noStrike" spc="-1" dirty="0">
+                <a:latin typeface="微软雅黑"/>
+                <a:ea typeface="微软雅黑"/>
+              </a:rPr>
+              <a:t>表示监控所有</a:t>
+            </a:r>
+            <a:r>
+              <a:rPr lang="en-US" altLang="zh-CN" sz="2000" b="1" strike="noStrike" spc="-1" dirty="0">
+                <a:latin typeface="微软雅黑"/>
+                <a:ea typeface="微软雅黑"/>
+              </a:rPr>
+              <a:t>CPU</a:t>
+            </a:r>
+            <a:r>
+              <a:rPr lang="zh-CN" altLang="en-US" sz="2000" b="1" strike="noStrike" spc="-1" dirty="0">
+                <a:latin typeface="微软雅黑"/>
+                <a:ea typeface="微软雅黑"/>
+              </a:rPr>
+              <a:t>，后面数字</a:t>
+            </a:r>
+            <a:r>
+              <a:rPr lang="en-US" altLang="zh-CN" sz="2000" b="1" strike="noStrike" spc="-1" dirty="0">
+                <a:latin typeface="微软雅黑"/>
+                <a:ea typeface="微软雅黑"/>
+              </a:rPr>
+              <a:t>5</a:t>
+            </a:r>
+            <a:r>
+              <a:rPr lang="zh-CN" altLang="en-US" sz="2000" b="1" strike="noStrike" spc="-1" dirty="0">
+                <a:latin typeface="微软雅黑"/>
+                <a:ea typeface="微软雅黑"/>
+              </a:rPr>
+              <a:t>表示间隔</a:t>
+            </a:r>
+            <a:r>
+              <a:rPr lang="en-US" altLang="zh-CN" sz="2000" b="1" strike="noStrike" spc="-1" dirty="0">
+                <a:latin typeface="微软雅黑"/>
+                <a:ea typeface="微软雅黑"/>
+              </a:rPr>
+              <a:t>5</a:t>
+            </a:r>
+            <a:r>
+              <a:rPr lang="zh-CN" altLang="en-US" sz="2000" b="1" strike="noStrike" spc="-1" dirty="0">
+                <a:latin typeface="微软雅黑"/>
+                <a:ea typeface="微软雅黑"/>
+              </a:rPr>
+              <a:t>秒后输出一组数据</a:t>
+            </a:r>
+            <a:r>
+              <a:rPr lang="en-US" altLang="zh-CN" sz="2000" b="1" strike="noStrike" spc="-1" dirty="0">
+                <a:latin typeface="微软雅黑"/>
+                <a:ea typeface="微软雅黑"/>
+              </a:rPr>
+              <a:t>(</a:t>
+            </a:r>
+            <a:r>
+              <a:rPr lang="zh-CN" altLang="en-US" sz="2000" b="1" spc="-1" dirty="0">
+                <a:latin typeface="微软雅黑"/>
+                <a:ea typeface="微软雅黑"/>
+              </a:rPr>
+              <a:t>查看负载高</a:t>
+            </a:r>
+            <a:r>
+              <a:rPr lang="en-US" altLang="zh-CN" sz="2000" b="1" spc="-1" dirty="0">
+                <a:latin typeface="微软雅黑"/>
+                <a:ea typeface="微软雅黑"/>
+              </a:rPr>
+              <a:t>CPU</a:t>
+            </a:r>
+            <a:r>
+              <a:rPr lang="en-US" altLang="zh-CN" sz="2000" b="1" strike="noStrike" spc="-1" dirty="0">
+                <a:latin typeface="微软雅黑"/>
+                <a:ea typeface="微软雅黑"/>
+              </a:rPr>
+              <a:t>)</a:t>
+            </a:r>
+          </a:p>
+          <a:p>
+            <a:pPr>
+              <a:lnSpc>
+                <a:spcPct val="100000"/>
+              </a:lnSpc>
+            </a:pPr>
+            <a:r>
+              <a:rPr lang="en-US" sz="2000" b="1" spc="-1" dirty="0">
+                <a:latin typeface="微软雅黑"/>
+                <a:ea typeface="微软雅黑"/>
+              </a:rPr>
+              <a:t>		</a:t>
+            </a:r>
+            <a:r>
+              <a:rPr lang="en-US" sz="2000" b="1" spc="-1" dirty="0" err="1">
+                <a:latin typeface="微软雅黑"/>
+                <a:ea typeface="微软雅黑"/>
+              </a:rPr>
+              <a:t>pidstat</a:t>
+            </a:r>
+            <a:r>
+              <a:rPr lang="en-US" sz="2000" b="1" spc="-1" dirty="0">
+                <a:latin typeface="微软雅黑"/>
+                <a:ea typeface="微软雅黑"/>
+              </a:rPr>
+              <a:t> -u 5 1 </a:t>
+            </a:r>
+            <a:r>
+              <a:rPr lang="en-US" altLang="zh-CN" sz="2000" b="1" spc="-1" dirty="0">
+                <a:latin typeface="微软雅黑"/>
+                <a:ea typeface="微软雅黑"/>
+              </a:rPr>
+              <a:t># </a:t>
+            </a:r>
+            <a:r>
+              <a:rPr lang="zh-CN" altLang="en-US" sz="2000" b="1" spc="-1" dirty="0">
+                <a:latin typeface="微软雅黑"/>
+                <a:ea typeface="微软雅黑"/>
+              </a:rPr>
+              <a:t>间隔</a:t>
+            </a:r>
+            <a:r>
+              <a:rPr lang="en-US" altLang="zh-CN" sz="2000" b="1" spc="-1" dirty="0">
+                <a:latin typeface="微软雅黑"/>
+                <a:ea typeface="微软雅黑"/>
+              </a:rPr>
+              <a:t>5</a:t>
+            </a:r>
+            <a:r>
+              <a:rPr lang="zh-CN" altLang="en-US" sz="2000" b="1" spc="-1" dirty="0">
+                <a:latin typeface="微软雅黑"/>
+                <a:ea typeface="微软雅黑"/>
+              </a:rPr>
+              <a:t>秒后输出一组数据（查看负载高进程）</a:t>
+            </a:r>
+            <a:endParaRPr lang="en-US" sz="2000" b="1" strike="noStrike" spc="-1" dirty="0">
+              <a:latin typeface="微软雅黑"/>
+              <a:ea typeface="微软雅黑"/>
+            </a:endParaRPr>
+          </a:p>
+          <a:p>
+            <a:pPr>
+              <a:lnSpc>
+                <a:spcPct val="100000"/>
+              </a:lnSpc>
+            </a:pPr>
+            <a:endParaRPr lang="en-US" sz="2000" b="0" strike="noStrike" spc="-1" dirty="0">
+              <a:latin typeface="Arial"/>
+            </a:endParaRPr>
+          </a:p>
+          <a:p>
+            <a:pPr>
+              <a:lnSpc>
+                <a:spcPct val="100000"/>
+              </a:lnSpc>
+            </a:pPr>
+            <a:r>
+              <a:rPr lang="en-US" sz="2000" spc="-1" dirty="0">
+                <a:latin typeface="Arial"/>
+              </a:rPr>
+              <a:t>2</a:t>
+            </a:r>
+            <a:r>
+              <a:rPr lang="zh-CN" altLang="en-US" sz="2000" spc="-1" dirty="0">
+                <a:latin typeface="Arial"/>
+              </a:rPr>
+              <a:t>、</a:t>
+            </a:r>
+            <a:r>
+              <a:rPr lang="zh-CN" altLang="en-US" sz="2000" b="1" spc="-1" dirty="0">
+                <a:latin typeface="微软雅黑"/>
+                <a:ea typeface="微软雅黑"/>
+              </a:rPr>
+              <a:t>高负载分析</a:t>
+            </a:r>
+            <a:endParaRPr lang="en-US" altLang="zh-CN" sz="2000" b="1" spc="-1" dirty="0">
+              <a:latin typeface="微软雅黑"/>
+              <a:ea typeface="微软雅黑"/>
+            </a:endParaRPr>
+          </a:p>
+          <a:p>
+            <a:pPr>
+              <a:lnSpc>
+                <a:spcPct val="100000"/>
+              </a:lnSpc>
+            </a:pPr>
+            <a:r>
+              <a:rPr lang="en-US" sz="2000" b="1" spc="-1" dirty="0">
+                <a:latin typeface="微软雅黑"/>
+                <a:ea typeface="微软雅黑"/>
+              </a:rPr>
+              <a:t>	</a:t>
+            </a:r>
+            <a:r>
+              <a:rPr lang="zh-CN" altLang="en-US" sz="2000" b="1" spc="-1" dirty="0">
+                <a:latin typeface="微软雅黑"/>
+                <a:ea typeface="微软雅黑"/>
+              </a:rPr>
+              <a:t>常用命令：</a:t>
+            </a:r>
+            <a:r>
+              <a:rPr lang="en-US" altLang="zh-CN" sz="2000" b="1" spc="-1" dirty="0">
+                <a:latin typeface="微软雅黑"/>
+                <a:ea typeface="微软雅黑"/>
+              </a:rPr>
+              <a:t>top</a:t>
+            </a:r>
+            <a:r>
+              <a:rPr lang="zh-CN" altLang="en-US" sz="2000" b="1" spc="-1" dirty="0">
+                <a:latin typeface="微软雅黑"/>
+                <a:ea typeface="微软雅黑"/>
+              </a:rPr>
+              <a:t>、</a:t>
+            </a:r>
+            <a:r>
+              <a:rPr lang="en-US" altLang="zh-CN" sz="2000" b="1" spc="-1" dirty="0">
+                <a:latin typeface="微软雅黑"/>
+                <a:ea typeface="微软雅黑"/>
+              </a:rPr>
+              <a:t> </a:t>
+            </a:r>
+            <a:r>
+              <a:rPr lang="en-US" altLang="zh-CN" sz="2000" b="1" spc="-1" dirty="0" err="1">
+                <a:latin typeface="微软雅黑"/>
+                <a:ea typeface="微软雅黑"/>
+              </a:rPr>
+              <a:t>jstack</a:t>
+            </a:r>
+            <a:r>
+              <a:rPr lang="zh-CN" altLang="en-US" sz="2000" b="1" spc="-1" dirty="0">
+                <a:latin typeface="微软雅黑"/>
+                <a:ea typeface="微软雅黑"/>
+              </a:rPr>
+              <a:t>、</a:t>
+            </a:r>
+            <a:r>
+              <a:rPr lang="en-US" altLang="zh-CN" sz="2000" b="1" spc="-1" dirty="0">
+                <a:latin typeface="微软雅黑"/>
+                <a:ea typeface="微软雅黑"/>
+              </a:rPr>
+              <a:t> </a:t>
+            </a:r>
+            <a:r>
+              <a:rPr lang="en-US" altLang="zh-CN" sz="2000" b="1" spc="-1" dirty="0" err="1">
+                <a:latin typeface="微软雅黑"/>
+                <a:ea typeface="微软雅黑"/>
+              </a:rPr>
+              <a:t>printf</a:t>
+            </a:r>
+            <a:endParaRPr lang="en-US" altLang="zh-CN" sz="2000" b="1" spc="-1" dirty="0">
+              <a:latin typeface="微软雅黑"/>
+              <a:ea typeface="微软雅黑"/>
+            </a:endParaRPr>
+          </a:p>
+          <a:p>
+            <a:pPr>
+              <a:lnSpc>
+                <a:spcPct val="100000"/>
+              </a:lnSpc>
+            </a:pPr>
+            <a:r>
+              <a:rPr lang="en-US" sz="2000" b="1" spc="-1" dirty="0">
+                <a:latin typeface="微软雅黑"/>
+                <a:ea typeface="微软雅黑"/>
+              </a:rPr>
+              <a:t>	</a:t>
+            </a:r>
+            <a:r>
+              <a:rPr lang="zh-CN" altLang="en-US" sz="2000" b="1" spc="-1" dirty="0">
+                <a:latin typeface="微软雅黑"/>
+                <a:ea typeface="微软雅黑"/>
+              </a:rPr>
+              <a:t>负载分析：</a:t>
+            </a:r>
+            <a:endParaRPr lang="en-US" altLang="zh-CN" sz="2000" b="1" spc="-1" dirty="0">
+              <a:latin typeface="微软雅黑"/>
+              <a:ea typeface="微软雅黑"/>
+            </a:endParaRPr>
+          </a:p>
+          <a:p>
+            <a:pPr>
+              <a:lnSpc>
+                <a:spcPct val="100000"/>
+              </a:lnSpc>
+            </a:pPr>
+            <a:r>
+              <a:rPr lang="en-US" sz="2000" b="1" spc="-1" dirty="0">
+                <a:latin typeface="微软雅黑"/>
+                <a:ea typeface="微软雅黑"/>
+              </a:rPr>
+              <a:t>		 top -Hp </a:t>
+            </a:r>
+            <a:r>
+              <a:rPr lang="zh-CN" altLang="en-US" sz="2000" b="1" spc="-1" dirty="0">
+                <a:latin typeface="微软雅黑"/>
+                <a:ea typeface="微软雅黑"/>
+              </a:rPr>
+              <a:t>进程号</a:t>
+            </a:r>
+            <a:endParaRPr lang="en-US" altLang="zh-CN" sz="2000" b="1" spc="-1" dirty="0">
+              <a:latin typeface="微软雅黑"/>
+              <a:ea typeface="微软雅黑"/>
+            </a:endParaRPr>
+          </a:p>
+          <a:p>
+            <a:pPr>
+              <a:lnSpc>
+                <a:spcPct val="100000"/>
+              </a:lnSpc>
+            </a:pPr>
+            <a:r>
+              <a:rPr lang="en-US" sz="2000" b="1" spc="-1" dirty="0">
+                <a:latin typeface="微软雅黑"/>
+                <a:ea typeface="微软雅黑"/>
+              </a:rPr>
+              <a:t>		 </a:t>
+            </a:r>
+            <a:r>
+              <a:rPr lang="en-US" sz="2000" b="1" spc="-1" dirty="0" err="1">
+                <a:latin typeface="微软雅黑"/>
+                <a:ea typeface="微软雅黑"/>
+              </a:rPr>
+              <a:t>printf</a:t>
+            </a:r>
+            <a:r>
+              <a:rPr lang="en-US" sz="2000" b="1" spc="-1" dirty="0">
+                <a:latin typeface="微软雅黑"/>
+                <a:ea typeface="微软雅黑"/>
+              </a:rPr>
+              <a:t> %x </a:t>
+            </a:r>
+            <a:r>
+              <a:rPr lang="zh-CN" altLang="en-US" sz="2000" b="1" spc="-1" dirty="0">
+                <a:latin typeface="微软雅黑"/>
+                <a:ea typeface="微软雅黑"/>
+              </a:rPr>
+              <a:t>线程号</a:t>
+            </a:r>
+            <a:endParaRPr lang="en-US" altLang="zh-CN" sz="2000" b="1" spc="-1" dirty="0">
+              <a:latin typeface="微软雅黑"/>
+              <a:ea typeface="微软雅黑"/>
+            </a:endParaRPr>
+          </a:p>
+          <a:p>
+            <a:pPr>
+              <a:lnSpc>
+                <a:spcPct val="100000"/>
+              </a:lnSpc>
+            </a:pPr>
+            <a:r>
+              <a:rPr lang="en-US" sz="2000" b="1" spc="-1" dirty="0">
+                <a:latin typeface="微软雅黑"/>
+                <a:ea typeface="微软雅黑"/>
+              </a:rPr>
+              <a:t>		 </a:t>
+            </a:r>
+            <a:r>
+              <a:rPr lang="en-US" sz="2000" b="1" spc="-1" dirty="0" err="1">
+                <a:latin typeface="微软雅黑"/>
+                <a:ea typeface="微软雅黑"/>
+              </a:rPr>
+              <a:t>jstack</a:t>
+            </a:r>
+            <a:r>
+              <a:rPr lang="en-US" sz="2000" b="1" spc="-1" dirty="0">
+                <a:latin typeface="微软雅黑"/>
+                <a:ea typeface="微软雅黑"/>
+              </a:rPr>
+              <a:t> </a:t>
+            </a:r>
+            <a:r>
+              <a:rPr lang="zh-CN" altLang="en-US" sz="2000" b="1" spc="-1" dirty="0">
+                <a:latin typeface="微软雅黑"/>
+                <a:ea typeface="微软雅黑"/>
+              </a:rPr>
+              <a:t>进程号 </a:t>
+            </a:r>
+            <a:r>
+              <a:rPr lang="en-US" altLang="zh-CN" sz="2000" b="1" spc="-1" dirty="0">
+                <a:latin typeface="微软雅黑"/>
+                <a:ea typeface="微软雅黑"/>
+              </a:rPr>
+              <a:t>|</a:t>
+            </a:r>
+            <a:r>
+              <a:rPr lang="en-US" sz="2000" b="1" spc="-1" dirty="0">
+                <a:latin typeface="微软雅黑"/>
+                <a:ea typeface="微软雅黑"/>
+              </a:rPr>
+              <a:t>grep -A 200 </a:t>
+            </a:r>
+            <a:r>
+              <a:rPr lang="zh-CN" altLang="en-US" sz="2000" b="1" spc="-1" dirty="0">
+                <a:latin typeface="微软雅黑"/>
+                <a:ea typeface="微软雅黑"/>
+              </a:rPr>
+              <a:t>线程号</a:t>
+            </a:r>
+            <a:endParaRPr lang="en-US" sz="2000" b="1" spc="-1" dirty="0">
+              <a:latin typeface="微软雅黑"/>
+              <a:ea typeface="微软雅黑"/>
+            </a:endParaRPr>
+          </a:p>
+        </p:txBody>
+      </p:sp>
+    </p:spTree>
+    <p:extLst>
+      <p:ext uri="{BB962C8B-B14F-4D97-AF65-F5344CB8AC3E}">
+        <p14:creationId xmlns:p14="http://schemas.microsoft.com/office/powerpoint/2010/main" val="3949610542"/>
+      </p:ext>
+    </p:extLst>
+  </p:cSld>
+  <p:clrMapOvr>
+    <a:masterClrMapping/>
+  </p:clrMapOvr>
+</p:sld>
+</file>
+
+<file path=ppt/slides/slide6.xml><?xml version="1.0" encoding="utf-8"?>
+<p:sld xmlns:a="http://schemas.openxmlformats.org/drawingml/2006/main" xmlns:r="http://schemas.openxmlformats.org/officeDocument/2006/relationships" xmlns:p="http://schemas.openxmlformats.org/presentationml/2006/main">
+  <p:cSld>
+    <p:spTree>
+      <p:nvGrpSpPr>
+        <p:cNvPr id="1" name=""/>
+        <p:cNvGrpSpPr/>
+        <p:nvPr/>
+      </p:nvGrpSpPr>
+      <p:grpSpPr>
+        <a:xfrm>
+          <a:off x="0" y="0"/>
+          <a:ext cx="0" cy="0"/>
+          <a:chOff x="0" y="0"/>
+          <a:chExt cx="0" cy="0"/>
+        </a:xfrm>
+      </p:grpSpPr>
+      <p:sp>
+        <p:nvSpPr>
+          <p:cNvPr id="2" name="CustomShape 1">
+            <a:extLst>
+              <a:ext uri="{FF2B5EF4-FFF2-40B4-BE49-F238E27FC236}">
+                <a16:creationId xmlns:a16="http://schemas.microsoft.com/office/drawing/2014/main" id="{9EDB87DF-A519-18CD-0976-096447E787F3}"/>
+              </a:ext>
+            </a:extLst>
+          </p:cNvPr>
+          <p:cNvSpPr/>
+          <p:nvPr/>
+        </p:nvSpPr>
+        <p:spPr>
+          <a:xfrm>
+            <a:off x="119336" y="116632"/>
+            <a:ext cx="9145016" cy="583321"/>
+          </a:xfrm>
+          <a:prstGeom prst="rect">
+            <a:avLst/>
+          </a:prstGeom>
+          <a:noFill/>
+          <a:ln w="0">
+            <a:noFill/>
+          </a:ln>
+        </p:spPr>
+        <p:style>
+          <a:lnRef idx="0">
+            <a:scrgbClr r="0" g="0" b="0"/>
+          </a:lnRef>
+          <a:fillRef idx="0">
+            <a:scrgbClr r="0" g="0" b="0"/>
+          </a:fillRef>
+          <a:effectRef idx="0">
+            <a:scrgbClr r="0" g="0" b="0"/>
+          </a:effectRef>
+          <a:fontRef idx="minor"/>
+        </p:style>
+        <p:txBody>
+          <a:bodyPr wrap="square" lIns="90000" tIns="45000" rIns="90000" bIns="45000">
+            <a:spAutoFit/>
+          </a:bodyPr>
+          <a:lstStyle/>
+          <a:p>
+            <a:pPr>
+              <a:lnSpc>
+                <a:spcPct val="100000"/>
+              </a:lnSpc>
+            </a:pPr>
+            <a:r>
+              <a:rPr lang="en-US" sz="3200" b="1" strike="noStrike" spc="-1" dirty="0">
+                <a:solidFill>
+                  <a:schemeClr val="accent6">
+                    <a:lumMod val="75000"/>
+                  </a:schemeClr>
+                </a:solidFill>
+                <a:latin typeface="微软雅黑"/>
+                <a:ea typeface="微软雅黑"/>
+              </a:rPr>
+              <a:t> </a:t>
+            </a:r>
+            <a:r>
+              <a:rPr lang="zh-CN" altLang="en-US" sz="3200" b="1" strike="noStrike" spc="-1" dirty="0">
+                <a:solidFill>
+                  <a:schemeClr val="accent6">
+                    <a:lumMod val="75000"/>
+                  </a:schemeClr>
+                </a:solidFill>
+                <a:latin typeface="微软雅黑"/>
+                <a:ea typeface="微软雅黑"/>
+              </a:rPr>
+              <a:t>性能优化</a:t>
+            </a:r>
+            <a:r>
+              <a:rPr lang="en-US" altLang="zh-CN" sz="3200" b="1" strike="noStrike" spc="-1" dirty="0">
+                <a:solidFill>
+                  <a:schemeClr val="accent6">
+                    <a:lumMod val="75000"/>
+                  </a:schemeClr>
+                </a:solidFill>
+                <a:latin typeface="微软雅黑"/>
+                <a:ea typeface="微软雅黑"/>
+              </a:rPr>
+              <a:t>-</a:t>
+            </a:r>
+            <a:r>
+              <a:rPr lang="zh-CN" altLang="en-US" sz="3200" b="1" strike="noStrike" spc="-1" dirty="0">
+                <a:solidFill>
+                  <a:schemeClr val="accent6">
+                    <a:lumMod val="75000"/>
+                  </a:schemeClr>
+                </a:solidFill>
+                <a:latin typeface="微软雅黑"/>
+                <a:ea typeface="微软雅黑"/>
+              </a:rPr>
+              <a:t>常用性能分析工具</a:t>
+            </a:r>
+            <a:endParaRPr lang="en-US" sz="3200" b="0" strike="noStrike" spc="-1" dirty="0">
+              <a:solidFill>
+                <a:schemeClr val="accent6">
+                  <a:lumMod val="75000"/>
+                </a:schemeClr>
+              </a:solidFill>
+              <a:latin typeface="Arial"/>
+            </a:endParaRPr>
+          </a:p>
+        </p:txBody>
+      </p:sp>
+      <p:sp>
+        <p:nvSpPr>
+          <p:cNvPr id="3" name="CustomShape 1">
+            <a:extLst>
+              <a:ext uri="{FF2B5EF4-FFF2-40B4-BE49-F238E27FC236}">
+                <a16:creationId xmlns:a16="http://schemas.microsoft.com/office/drawing/2014/main" id="{B51A398E-28A8-BCB9-DA7E-3062F238B60E}"/>
+              </a:ext>
+            </a:extLst>
+          </p:cNvPr>
+          <p:cNvSpPr/>
+          <p:nvPr/>
+        </p:nvSpPr>
+        <p:spPr>
+          <a:xfrm>
+            <a:off x="1703512" y="764704"/>
+            <a:ext cx="8964996" cy="2860868"/>
+          </a:xfrm>
+          <a:prstGeom prst="rect">
+            <a:avLst/>
+          </a:prstGeom>
+          <a:noFill/>
+          <a:ln w="0">
+            <a:noFill/>
+          </a:ln>
+        </p:spPr>
+        <p:style>
+          <a:lnRef idx="0">
+            <a:scrgbClr r="0" g="0" b="0"/>
+          </a:lnRef>
+          <a:fillRef idx="0">
+            <a:scrgbClr r="0" g="0" b="0"/>
+          </a:fillRef>
+          <a:effectRef idx="0">
+            <a:scrgbClr r="0" g="0" b="0"/>
+          </a:effectRef>
+          <a:fontRef idx="minor"/>
+        </p:style>
+        <p:txBody>
+          <a:bodyPr wrap="square" lIns="90000" tIns="45000" rIns="90000" bIns="45000">
+            <a:spAutoFit/>
+          </a:bodyPr>
+          <a:lstStyle/>
+          <a:p>
+            <a:pPr>
+              <a:lnSpc>
+                <a:spcPct val="100000"/>
+              </a:lnSpc>
+            </a:pPr>
+            <a:r>
+              <a:rPr lang="en-US" sz="2000" b="1" strike="noStrike" spc="-1" dirty="0">
+                <a:latin typeface="微软雅黑"/>
+                <a:ea typeface="微软雅黑"/>
+              </a:rPr>
+              <a:t> 1</a:t>
+            </a:r>
+            <a:r>
+              <a:rPr lang="zh-CN" altLang="en-US" sz="2000" b="1" strike="noStrike" spc="-1" dirty="0">
+                <a:latin typeface="微软雅黑"/>
+                <a:ea typeface="微软雅黑"/>
+              </a:rPr>
+              <a:t>、</a:t>
+            </a:r>
+            <a:r>
+              <a:rPr lang="zh-CN" altLang="en-US" sz="2000" b="1" spc="-1" dirty="0">
+                <a:latin typeface="微软雅黑"/>
+                <a:ea typeface="微软雅黑"/>
+              </a:rPr>
+              <a:t>压力测试工具</a:t>
+            </a:r>
+            <a:endParaRPr lang="en-US" altLang="zh-CN" sz="2000" b="1" spc="-1" dirty="0">
+              <a:latin typeface="微软雅黑"/>
+              <a:ea typeface="微软雅黑"/>
+            </a:endParaRPr>
+          </a:p>
+          <a:p>
+            <a:pPr>
+              <a:lnSpc>
+                <a:spcPct val="100000"/>
+              </a:lnSpc>
+            </a:pPr>
+            <a:r>
+              <a:rPr lang="en-US" sz="2000" b="1" spc="-1" dirty="0">
+                <a:latin typeface="微软雅黑"/>
+                <a:ea typeface="微软雅黑"/>
+              </a:rPr>
+              <a:t>	</a:t>
+            </a:r>
+            <a:r>
+              <a:rPr lang="en-US" altLang="zh-CN" sz="2000" b="1" spc="-1" dirty="0">
+                <a:latin typeface="微软雅黑"/>
+                <a:ea typeface="微软雅黑"/>
+              </a:rPr>
+              <a:t>stress</a:t>
+            </a:r>
+            <a:r>
+              <a:rPr lang="zh-CN" altLang="en-US" sz="2000" b="1" spc="-1" dirty="0">
+                <a:latin typeface="微软雅黑"/>
+                <a:ea typeface="微软雅黑"/>
+              </a:rPr>
+              <a:t>：是一个 </a:t>
+            </a:r>
+            <a:r>
+              <a:rPr lang="en-US" altLang="zh-CN" sz="2000" b="1" spc="-1" dirty="0">
+                <a:latin typeface="微软雅黑"/>
+                <a:ea typeface="微软雅黑"/>
+              </a:rPr>
+              <a:t>Linux </a:t>
+            </a:r>
+            <a:r>
+              <a:rPr lang="zh-CN" altLang="en-US" sz="2000" b="1" spc="-1" dirty="0">
+                <a:latin typeface="微软雅黑"/>
+                <a:ea typeface="微软雅黑"/>
+              </a:rPr>
+              <a:t>系统压力测试工具，可以用作异常进程模拟平均负载升高的场景。</a:t>
+            </a:r>
+            <a:endParaRPr lang="en-US" altLang="zh-CN" sz="2000" b="1" spc="-1" dirty="0">
+              <a:latin typeface="微软雅黑"/>
+              <a:ea typeface="微软雅黑"/>
+            </a:endParaRPr>
+          </a:p>
+          <a:p>
+            <a:pPr>
+              <a:lnSpc>
+                <a:spcPct val="100000"/>
+              </a:lnSpc>
+            </a:pPr>
+            <a:r>
+              <a:rPr lang="en-US" sz="2000" b="1" spc="-1" dirty="0">
+                <a:latin typeface="微软雅黑"/>
+                <a:ea typeface="微软雅黑"/>
+              </a:rPr>
+              <a:t>	</a:t>
+            </a:r>
+            <a:r>
+              <a:rPr lang="zh-CN" altLang="en-US" sz="2000" b="1" spc="-1" dirty="0">
+                <a:latin typeface="微软雅黑"/>
+                <a:ea typeface="微软雅黑"/>
+              </a:rPr>
+              <a:t>举例说明：</a:t>
+            </a:r>
+            <a:endParaRPr lang="en-US" altLang="zh-CN" sz="2000" b="1" spc="-1" dirty="0">
+              <a:latin typeface="微软雅黑"/>
+              <a:ea typeface="微软雅黑"/>
+            </a:endParaRPr>
+          </a:p>
+          <a:p>
+            <a:pPr>
+              <a:lnSpc>
+                <a:spcPct val="100000"/>
+              </a:lnSpc>
+            </a:pPr>
+            <a:r>
+              <a:rPr lang="en-US" altLang="zh-CN" sz="2000" b="1" spc="-1" dirty="0">
+                <a:latin typeface="微软雅黑"/>
+                <a:ea typeface="微软雅黑"/>
+              </a:rPr>
+              <a:t>		stress --</a:t>
+            </a:r>
+            <a:r>
+              <a:rPr lang="en-US" altLang="zh-CN" sz="2000" b="1" spc="-1" dirty="0" err="1">
+                <a:latin typeface="微软雅黑"/>
+                <a:ea typeface="微软雅黑"/>
+              </a:rPr>
+              <a:t>cpu</a:t>
+            </a:r>
+            <a:r>
+              <a:rPr lang="en-US" altLang="zh-CN" sz="2000" b="1" spc="-1" dirty="0">
+                <a:latin typeface="微软雅黑"/>
+                <a:ea typeface="微软雅黑"/>
+              </a:rPr>
+              <a:t> 1 --timeout 600   # </a:t>
+            </a:r>
+            <a:r>
+              <a:rPr lang="zh-CN" altLang="en-US" sz="2000" b="1" spc="-1" dirty="0">
+                <a:latin typeface="微软雅黑"/>
+                <a:ea typeface="微软雅黑"/>
+              </a:rPr>
+              <a:t>模拟一个 </a:t>
+            </a:r>
+            <a:r>
+              <a:rPr lang="en-US" altLang="zh-CN" sz="2000" b="1" spc="-1" dirty="0">
+                <a:latin typeface="微软雅黑"/>
+                <a:ea typeface="微软雅黑"/>
+              </a:rPr>
+              <a:t>CPU </a:t>
+            </a:r>
+            <a:r>
+              <a:rPr lang="zh-CN" altLang="en-US" sz="2000" b="1" spc="-1" dirty="0">
+                <a:latin typeface="微软雅黑"/>
+                <a:ea typeface="微软雅黑"/>
+              </a:rPr>
+              <a:t>使用率 </a:t>
+            </a:r>
+            <a:r>
+              <a:rPr lang="en-US" altLang="zh-CN" sz="2000" b="1" spc="-1" dirty="0">
+                <a:latin typeface="微软雅黑"/>
+                <a:ea typeface="微软雅黑"/>
+              </a:rPr>
+              <a:t>100% </a:t>
+            </a:r>
+            <a:r>
+              <a:rPr lang="zh-CN" altLang="en-US" sz="2000" b="1" spc="-1" dirty="0">
+                <a:latin typeface="微软雅黑"/>
+                <a:ea typeface="微软雅黑"/>
+              </a:rPr>
+              <a:t>的场景</a:t>
+            </a:r>
+            <a:endParaRPr lang="en-US" altLang="zh-CN" sz="2000" b="1" spc="-1" dirty="0">
+              <a:latin typeface="微软雅黑"/>
+              <a:ea typeface="微软雅黑"/>
+            </a:endParaRPr>
+          </a:p>
+          <a:p>
+            <a:pPr>
+              <a:lnSpc>
+                <a:spcPct val="100000"/>
+              </a:lnSpc>
+            </a:pPr>
+            <a:r>
+              <a:rPr lang="en-US" sz="2000" b="1" strike="noStrike" spc="-1" dirty="0">
+                <a:latin typeface="微软雅黑"/>
+                <a:ea typeface="微软雅黑"/>
+              </a:rPr>
+              <a:t>		stress -</a:t>
+            </a:r>
+            <a:r>
+              <a:rPr lang="en-US" sz="2000" b="1" strike="noStrike" spc="-1" dirty="0" err="1">
+                <a:latin typeface="微软雅黑"/>
+                <a:ea typeface="微软雅黑"/>
+              </a:rPr>
+              <a:t>i</a:t>
+            </a:r>
+            <a:r>
+              <a:rPr lang="en-US" sz="2000" b="1" strike="noStrike" spc="-1" dirty="0">
+                <a:latin typeface="微软雅黑"/>
+                <a:ea typeface="微软雅黑"/>
+              </a:rPr>
+              <a:t> 1 --timeout 600 </a:t>
+            </a:r>
+            <a:r>
+              <a:rPr lang="en-US" altLang="zh-CN" sz="2000" b="1" strike="noStrike" spc="-1" dirty="0">
+                <a:latin typeface="微软雅黑"/>
+                <a:ea typeface="微软雅黑"/>
+              </a:rPr>
+              <a:t># </a:t>
+            </a:r>
+            <a:r>
+              <a:rPr lang="zh-CN" altLang="en-US" sz="2000" b="1" spc="-1" dirty="0">
+                <a:latin typeface="微软雅黑"/>
+                <a:ea typeface="微软雅黑"/>
+              </a:rPr>
+              <a:t>模拟 </a:t>
+            </a:r>
+            <a:r>
+              <a:rPr lang="en-US" altLang="zh-CN" sz="2000" b="1" spc="-1" dirty="0">
+                <a:latin typeface="微软雅黑"/>
+                <a:ea typeface="微软雅黑"/>
+              </a:rPr>
+              <a:t>I/O </a:t>
+            </a:r>
+            <a:r>
+              <a:rPr lang="zh-CN" altLang="en-US" sz="2000" b="1" spc="-1" dirty="0">
+                <a:latin typeface="微软雅黑"/>
+                <a:ea typeface="微软雅黑"/>
+              </a:rPr>
+              <a:t>压力，即不停地执行 </a:t>
+            </a:r>
+            <a:r>
+              <a:rPr lang="en-US" altLang="zh-CN" sz="2000" b="1" spc="-1" dirty="0">
+                <a:latin typeface="微软雅黑"/>
+                <a:ea typeface="微软雅黑"/>
+              </a:rPr>
+              <a:t>sync</a:t>
+            </a:r>
+            <a:r>
+              <a:rPr lang="en-US" sz="2000" b="1" spc="-1" dirty="0">
+                <a:latin typeface="微软雅黑"/>
+                <a:ea typeface="微软雅黑"/>
+              </a:rPr>
+              <a:t>		 	stress -c 8 --timeout 600 </a:t>
+            </a:r>
+            <a:r>
+              <a:rPr lang="en-US" altLang="zh-CN" sz="2000" b="1" spc="-1" dirty="0">
+                <a:latin typeface="微软雅黑"/>
+                <a:ea typeface="微软雅黑"/>
+              </a:rPr>
+              <a:t># </a:t>
+            </a:r>
+            <a:r>
+              <a:rPr lang="zh-CN" altLang="en-US" sz="2000" b="1" spc="-1" dirty="0">
+                <a:latin typeface="微软雅黑"/>
+                <a:ea typeface="微软雅黑"/>
+              </a:rPr>
+              <a:t>模拟的是 </a:t>
+            </a:r>
+            <a:r>
+              <a:rPr lang="en-US" altLang="zh-CN" sz="2000" b="1" spc="-1" dirty="0">
+                <a:latin typeface="微软雅黑"/>
+                <a:ea typeface="微软雅黑"/>
+              </a:rPr>
+              <a:t>8 </a:t>
+            </a:r>
+            <a:r>
+              <a:rPr lang="zh-CN" altLang="en-US" sz="2000" b="1" spc="-1" dirty="0">
+                <a:latin typeface="微软雅黑"/>
+                <a:ea typeface="微软雅黑"/>
+              </a:rPr>
+              <a:t>个进程</a:t>
+            </a:r>
+            <a:endParaRPr lang="en-US" sz="2000" b="1" spc="-1" dirty="0">
+              <a:latin typeface="微软雅黑"/>
+              <a:ea typeface="微软雅黑"/>
+            </a:endParaRPr>
+          </a:p>
+          <a:p>
+            <a:pPr>
+              <a:lnSpc>
+                <a:spcPct val="100000"/>
+              </a:lnSpc>
+            </a:pPr>
+            <a:endParaRPr lang="en-US" sz="2000" b="0" strike="noStrike" spc="-1" dirty="0">
+              <a:latin typeface="Arial"/>
+            </a:endParaRPr>
+          </a:p>
+        </p:txBody>
+      </p:sp>
+    </p:spTree>
+    <p:extLst>
+      <p:ext uri="{BB962C8B-B14F-4D97-AF65-F5344CB8AC3E}">
+        <p14:creationId xmlns:p14="http://schemas.microsoft.com/office/powerpoint/2010/main" val="3237824954"/>
+      </p:ext>
+    </p:extLst>
+  </p:cSld>
+  <p:clrMapOvr>
+    <a:masterClrMapping/>
+  </p:clrMapOvr>
 </p:sld>
 </file>
 
 <file path=ppt/theme/theme1.xml><?xml version="1.0" encoding="utf-8"?>
-<a:theme xmlns:a="http://schemas.openxmlformats.org/drawingml/2006/main" name="Office 主题​​">
+<a:theme xmlns:a="http://schemas.openxmlformats.org/drawingml/2006/main" name="丝状">
   <a:themeElements>
-    <a:clrScheme name="Office">
+    <a:clrScheme name="丝状">
       <a:dk1>
         <a:sysClr val="windowText" lastClr="000000"/>
       </a:dk1>
@@ -4103,100 +10127,48 @@
         <a:sysClr val="window" lastClr="FFFFFF"/>
       </a:lt1>
       <a:dk2>
-        <a:srgbClr val="44546A"/>
+        <a:srgbClr val="766F54"/>
       </a:dk2>
       <a:lt2>
-        <a:srgbClr val="E7E6E6"/>
+        <a:srgbClr val="E3EACF"/>
       </a:lt2>
       <a:accent1>
-        <a:srgbClr val="4472C4"/>
+        <a:srgbClr val="A53010"/>
       </a:accent1>
       <a:accent2>
-        <a:srgbClr val="ED7D31"/>
+        <a:srgbClr val="DE7E18"/>
       </a:accent2>
       <a:accent3>
-        <a:srgbClr val="A5A5A5"/>
+        <a:srgbClr val="9F8351"/>
       </a:accent3>
       <a:accent4>
-        <a:srgbClr val="FFC000"/>
+        <a:srgbClr val="728653"/>
       </a:accent4>
       <a:accent5>
-        <a:srgbClr val="5B9BD5"/>
+        <a:srgbClr val="92AA4C"/>
       </a:accent5>
       <a:accent6>
-        <a:srgbClr val="70AD47"/>
+        <a:srgbClr val="6AAC91"/>
       </a:accent6>
       <a:hlink>
-        <a:srgbClr val="0563C1"/>
+        <a:srgbClr val="FB4A18"/>
       </a:hlink>
       <a:folHlink>
-        <a:srgbClr val="954F72"/>
+        <a:srgbClr val="FB9318"/>
       </a:folHlink>
     </a:clrScheme>
-    <a:fontScheme name="Office">
+    <a:fontScheme name="丝状">
       <a:majorFont>
-        <a:latin typeface="等线 Light" panose="020F0302020204030204"/>
+        <a:latin typeface="Century Gothic" panose="020B0502020202020204"/>
         <a:ea typeface=""/>
         <a:cs typeface=""/>
-        <a:font script="Jpan" typeface="游ゴシック Light"/>
-        <a:font script="Hang" typeface="맑은 고딕"/>
-        <a:font script="Hans" typeface="等线 Light"/>
-        <a:font script="Hant" typeface="新細明體"/>
-        <a:font script="Arab" typeface="Times New Roman"/>
-        <a:font script="Hebr" typeface="Times New Roman"/>
-        <a:font script="Thai" typeface="Angsana New"/>
-        <a:font script="Ethi" typeface="Nyala"/>
-        <a:font script="Beng" typeface="Vrinda"/>
-        <a:font script="Gujr" typeface="Shruti"/>
-        <a:font script="Khmr" typeface="MoolBoran"/>
-        <a:font script="Knda" typeface="Tunga"/>
-        <a:font script="Guru" typeface="Raavi"/>
-        <a:font script="Cans" typeface="Euphemia"/>
-        <a:font script="Cher" typeface="Plantagenet Cherokee"/>
-        <a:font script="Yiii" typeface="Microsoft Yi Baiti"/>
-        <a:font script="Tibt" typeface="Microsoft Himalaya"/>
-        <a:font script="Thaa" typeface="MV Boli"/>
-        <a:font script="Deva" typeface="Mangal"/>
-        <a:font script="Telu" typeface="Gautami"/>
-        <a:font script="Taml" typeface="Latha"/>
-        <a:font script="Syrc" typeface="Estrangelo Edessa"/>
-        <a:font script="Orya" typeface="Kalinga"/>
-        <a:font script="Mlym" typeface="Kartika"/>
-        <a:font script="Laoo" typeface="DokChampa"/>
-        <a:font script="Sinh" typeface="Iskoola Pota"/>
-        <a:font script="Mong" typeface="Mongolian Baiti"/>
-        <a:font script="Viet" typeface="Times New Roman"/>
-        <a:font script="Uigh" typeface="Microsoft Uighur"/>
-        <a:font script="Geor" typeface="Sylfaen"/>
-        <a:font script="Armn" typeface="Arial"/>
-        <a:font script="Bugi" typeface="Leelawadee UI"/>
-        <a:font script="Bopo" typeface="Microsoft JhengHei"/>
-        <a:font script="Java" typeface="Javanese Text"/>
-        <a:font script="Lisu" typeface="Segoe UI"/>
-        <a:font script="Mymr" typeface="Myanmar Text"/>
-        <a:font script="Nkoo" typeface="Ebrima"/>
-        <a:font script="Olck" typeface="Nirmala UI"/>
-        <a:font script="Osma" typeface="Ebrima"/>
-        <a:font script="Phag" typeface="Phagspa"/>
-        <a:font script="Syrn" typeface="Estrangelo Edessa"/>
-        <a:font script="Syrj" typeface="Estrangelo Edessa"/>
-        <a:font script="Syre" typeface="Estrangelo Edessa"/>
-        <a:font script="Sora" typeface="Nirmala UI"/>
-        <a:font script="Tale" typeface="Microsoft Tai Le"/>
-        <a:font script="Talu" typeface="Microsoft New Tai Lue"/>
-        <a:font script="Tfng" typeface="Ebrima"/>
-      </a:majorFont>
-      <a:minorFont>
-        <a:latin typeface="等线" panose="020F0502020204030204"/>
-        <a:ea typeface=""/>
-        <a:cs typeface=""/>
-        <a:font script="Jpan" typeface="游ゴシック"/>
-        <a:font script="Hang" typeface="맑은 고딕"/>
-        <a:font script="Hans" typeface="等线"/>
-        <a:font script="Hant" typeface="新細明體"/>
-        <a:font script="Arab" typeface="Arial"/>
-        <a:font script="Hebr" typeface="Arial"/>
-        <a:font script="Thai" typeface="Cordia New"/>
+        <a:font script="Jpan" typeface="メイリオ"/>
+        <a:font script="Hang" typeface="HY중고딕"/>
+        <a:font script="Hans" typeface="幼圆"/>
+        <a:font script="Hant" typeface="微軟正黑體"/>
+        <a:font script="Arab" typeface="Tahoma"/>
+        <a:font script="Hebr" typeface="Gisha"/>
+        <a:font script="Thai" typeface="DilleniaUPC"/>
         <a:font script="Ethi" typeface="Nyala"/>
         <a:font script="Beng" typeface="Vrinda"/>
         <a:font script="Gujr" typeface="Shruti"/>
@@ -4217,30 +10189,121 @@
         <a:font script="Laoo" typeface="DokChampa"/>
         <a:font script="Sinh" typeface="Iskoola Pota"/>
         <a:font script="Mong" typeface="Mongolian Baiti"/>
-        <a:font script="Viet" typeface="Arial"/>
+        <a:font script="Viet" typeface="Tahoma"/>
         <a:font script="Uigh" typeface="Microsoft Uighur"/>
         <a:font script="Geor" typeface="Sylfaen"/>
-        <a:font script="Armn" typeface="Arial"/>
-        <a:font script="Bugi" typeface="Leelawadee UI"/>
-        <a:font script="Bopo" typeface="Microsoft JhengHei"/>
-        <a:font script="Java" typeface="Javanese Text"/>
-        <a:font script="Lisu" typeface="Segoe UI"/>
-        <a:font script="Mymr" typeface="Myanmar Text"/>
-        <a:font script="Nkoo" typeface="Ebrima"/>
-        <a:font script="Olck" typeface="Nirmala UI"/>
-        <a:font script="Osma" typeface="Ebrima"/>
-        <a:font script="Phag" typeface="Phagspa"/>
-        <a:font script="Syrn" typeface="Estrangelo Edessa"/>
-        <a:font script="Syrj" typeface="Estrangelo Edessa"/>
-        <a:font script="Syre" typeface="Estrangelo Edessa"/>
-        <a:font script="Sora" typeface="Nirmala UI"/>
-        <a:font script="Tale" typeface="Microsoft Tai Le"/>
-        <a:font script="Talu" typeface="Microsoft New Tai Lue"/>
-        <a:font script="Tfng" typeface="Ebrima"/>
+      </a:majorFont>
+      <a:minorFont>
+        <a:latin typeface="Century Gothic" panose="020B0502020202020204"/>
+        <a:ea typeface=""/>
+        <a:cs typeface=""/>
+        <a:font script="Jpan" typeface="メイリオ"/>
+        <a:font script="Hang" typeface="HY중고딕"/>
+        <a:font script="Hans" typeface="幼圆"/>
+        <a:font script="Hant" typeface="微軟正黑體"/>
+        <a:font script="Arab" typeface="Tahoma"/>
+        <a:font script="Hebr" typeface="Gisha"/>
+        <a:font script="Thai" typeface="DilleniaUPC"/>
+        <a:font script="Ethi" typeface="Nyala"/>
+        <a:font script="Beng" typeface="Vrinda"/>
+        <a:font script="Gujr" typeface="Shruti"/>
+        <a:font script="Khmr" typeface="DaunPenh"/>
+        <a:font script="Knda" typeface="Tunga"/>
+        <a:font script="Guru" typeface="Raavi"/>
+        <a:font script="Cans" typeface="Euphemia"/>
+        <a:font script="Cher" typeface="Plantagenet Cherokee"/>
+        <a:font script="Yiii" typeface="Microsoft Yi Baiti"/>
+        <a:font script="Tibt" typeface="Microsoft Himalaya"/>
+        <a:font script="Thaa" typeface="MV Boli"/>
+        <a:font script="Deva" typeface="Mangal"/>
+        <a:font script="Telu" typeface="Gautami"/>
+        <a:font script="Taml" typeface="Latha"/>
+        <a:font script="Syrc" typeface="Estrangelo Edessa"/>
+        <a:font script="Orya" typeface="Kalinga"/>
+        <a:font script="Mlym" typeface="Kartika"/>
+        <a:font script="Laoo" typeface="DokChampa"/>
+        <a:font script="Sinh" typeface="Iskoola Pota"/>
+        <a:font script="Mong" typeface="Mongolian Baiti"/>
+        <a:font script="Viet" typeface="Tahoma"/>
+        <a:font script="Uigh" typeface="Microsoft Uighur"/>
+        <a:font script="Geor" typeface="Sylfaen"/>
       </a:minorFont>
     </a:fontScheme>
-    <a:fmtScheme name="Office">
+    <a:fmtScheme name="丝状">
       <a:fillStyleLst>
+        <a:solidFill>
+          <a:schemeClr val="phClr"/>
+        </a:solidFill>
+        <a:solidFill>
+          <a:schemeClr val="phClr">
+            <a:tint val="70000"/>
+            <a:lumMod val="104000"/>
+          </a:schemeClr>
+        </a:solidFill>
+        <a:gradFill rotWithShape="1">
+          <a:gsLst>
+            <a:gs pos="0">
+              <a:schemeClr val="phClr">
+                <a:tint val="96000"/>
+                <a:lumMod val="104000"/>
+              </a:schemeClr>
+            </a:gs>
+            <a:gs pos="100000">
+              <a:schemeClr val="phClr">
+                <a:shade val="98000"/>
+                <a:lumMod val="94000"/>
+              </a:schemeClr>
+            </a:gs>
+          </a:gsLst>
+          <a:lin ang="5400000" scaled="0"/>
+        </a:gradFill>
+      </a:fillStyleLst>
+      <a:lnStyleLst>
+        <a:ln w="9525" cap="rnd" cmpd="sng" algn="ctr">
+          <a:solidFill>
+            <a:schemeClr val="phClr">
+              <a:shade val="90000"/>
+            </a:schemeClr>
+          </a:solidFill>
+          <a:prstDash val="solid"/>
+        </a:ln>
+        <a:ln w="15875" cap="rnd" cmpd="sng" algn="ctr">
+          <a:solidFill>
+            <a:schemeClr val="phClr"/>
+          </a:solidFill>
+          <a:prstDash val="solid"/>
+        </a:ln>
+        <a:ln w="22225" cap="rnd" cmpd="sng" algn="ctr">
+          <a:solidFill>
+            <a:schemeClr val="phClr"/>
+          </a:solidFill>
+          <a:prstDash val="solid"/>
+        </a:ln>
+      </a:lnStyleLst>
+      <a:effectStyleLst>
+        <a:effectStyle>
+          <a:effectLst/>
+        </a:effectStyle>
+        <a:effectStyle>
+          <a:effectLst>
+            <a:outerShdw blurRad="38100" dist="25400" dir="5400000" rotWithShape="0">
+              <a:srgbClr val="000000">
+                <a:alpha val="25000"/>
+              </a:srgbClr>
+            </a:outerShdw>
+          </a:effectLst>
+        </a:effectStyle>
+        <a:effectStyle>
+          <a:effectLst>
+            <a:outerShdw blurRad="50800" dist="38100" dir="5400000" rotWithShape="0">
+              <a:srgbClr val="000000">
+                <a:alpha val="60000"/>
+              </a:srgbClr>
+            </a:outerShdw>
+          </a:effectLst>
+        </a:effectStyle>
+      </a:effectStyleLst>
+      <a:bgFillStyleLst>
         <a:solidFill>
           <a:schemeClr val="phClr"/>
         </a:solidFill>
@@ -4248,23 +10311,15 @@
           <a:gsLst>
             <a:gs pos="0">
               <a:schemeClr val="phClr">
-                <a:lumMod val="110000"/>
-                <a:satMod val="105000"/>
-                <a:tint val="67000"/>
-              </a:schemeClr>
-            </a:gs>
-            <a:gs pos="50000">
-              <a:schemeClr val="phClr">
-                <a:lumMod val="105000"/>
-                <a:satMod val="103000"/>
-                <a:tint val="73000"/>
+                <a:tint val="90000"/>
+                <a:lumMod val="120000"/>
               </a:schemeClr>
             </a:gs>
             <a:gs pos="100000">
               <a:schemeClr val="phClr">
-                <a:lumMod val="105000"/>
-                <a:satMod val="109000"/>
-                <a:tint val="81000"/>
+                <a:shade val="98000"/>
+                <a:satMod val="120000"/>
+                <a:lumMod val="98000"/>
               </a:schemeClr>
             </a:gs>
           </a:gsLst>
@@ -4274,105 +10329,22 @@
           <a:gsLst>
             <a:gs pos="0">
               <a:schemeClr val="phClr">
-                <a:satMod val="103000"/>
-                <a:lumMod val="102000"/>
-                <a:tint val="94000"/>
-              </a:schemeClr>
-            </a:gs>
-            <a:gs pos="50000">
-              <a:schemeClr val="phClr">
-                <a:satMod val="110000"/>
-                <a:lumMod val="100000"/>
-                <a:shade val="100000"/>
+                <a:tint val="90000"/>
+                <a:satMod val="92000"/>
+                <a:lumMod val="120000"/>
               </a:schemeClr>
             </a:gs>
             <a:gs pos="100000">
               <a:schemeClr val="phClr">
-                <a:lumMod val="99000"/>
+                <a:shade val="98000"/>
                 <a:satMod val="120000"/>
-                <a:shade val="78000"/>
+                <a:lumMod val="98000"/>
               </a:schemeClr>
             </a:gs>
           </a:gsLst>
-          <a:lin ang="5400000" scaled="0"/>
-        </a:gradFill>
-      </a:fillStyleLst>
-      <a:lnStyleLst>
-        <a:ln w="6350" cap="flat" cmpd="sng" algn="ctr">
-          <a:solidFill>
-            <a:schemeClr val="phClr"/>
-          </a:solidFill>
-          <a:prstDash val="solid"/>
-          <a:miter lim="800000"/>
-        </a:ln>
-        <a:ln w="12700" cap="flat" cmpd="sng" algn="ctr">
-          <a:solidFill>
-            <a:schemeClr val="phClr"/>
-          </a:solidFill>
-          <a:prstDash val="solid"/>
-          <a:miter lim="800000"/>
-        </a:ln>
-        <a:ln w="19050" cap="flat" cmpd="sng" algn="ctr">
-          <a:solidFill>
-            <a:schemeClr val="phClr"/>
-          </a:solidFill>
-          <a:prstDash val="solid"/>
-          <a:miter lim="800000"/>
-        </a:ln>
-      </a:lnStyleLst>
-      <a:effectStyleLst>
-        <a:effectStyle>
-          <a:effectLst/>
-        </a:effectStyle>
-        <a:effectStyle>
-          <a:effectLst/>
-        </a:effectStyle>
-        <a:effectStyle>
-          <a:effectLst>
-            <a:outerShdw blurRad="57150" dist="19050" dir="5400000" algn="ctr" rotWithShape="0">
-              <a:srgbClr val="000000">
-                <a:alpha val="63000"/>
-              </a:srgbClr>
-            </a:outerShdw>
-          </a:effectLst>
-        </a:effectStyle>
-      </a:effectStyleLst>
-      <a:bgFillStyleLst>
-        <a:solidFill>
-          <a:schemeClr val="phClr"/>
-        </a:solidFill>
-        <a:solidFill>
-          <a:schemeClr val="phClr">
-            <a:tint val="95000"/>
-            <a:satMod val="170000"/>
-          </a:schemeClr>
-        </a:solidFill>
-        <a:gradFill rotWithShape="1">
-          <a:gsLst>
-            <a:gs pos="0">
-              <a:schemeClr val="phClr">
-                <a:tint val="93000"/>
-                <a:satMod val="150000"/>
-                <a:shade val="98000"/>
-                <a:lumMod val="102000"/>
-              </a:schemeClr>
-            </a:gs>
-            <a:gs pos="50000">
-              <a:schemeClr val="phClr">
-                <a:tint val="98000"/>
-                <a:satMod val="130000"/>
-                <a:shade val="90000"/>
-                <a:lumMod val="103000"/>
-              </a:schemeClr>
-            </a:gs>
-            <a:gs pos="100000">
-              <a:schemeClr val="phClr">
-                <a:shade val="63000"/>
-                <a:satMod val="120000"/>
-              </a:schemeClr>
-            </a:gs>
-          </a:gsLst>
-          <a:lin ang="5400000" scaled="0"/>
+          <a:path path="circle">
+            <a:fillToRect l="50000" t="50000" r="100000" b="100000"/>
+          </a:path>
         </a:gradFill>
       </a:bgFillStyleLst>
     </a:fmtScheme>
@@ -4381,7 +10353,7 @@
   <a:extraClrSchemeLst/>
   <a:extLst>
     <a:ext uri="{05A4C25C-085E-4340-85A3-A5531E510DB2}">
-      <thm15:themeFamily xmlns:thm15="http://schemas.microsoft.com/office/thememl/2012/main" name="Office Theme" id="{62F939B6-93AF-4DB8-9C6B-D6C7DFDC589F}" vid="{4A3C46E8-61CC-4603-A589-7422A47A8E4A}"/>
+      <thm15:themeFamily xmlns:thm15="http://schemas.microsoft.com/office/thememl/2012/main" name="Wisp" id="{7CB32D59-10C0-40DD-B7BD-2E94284A981C}" vid="{24B1A44C-C006-48B2-A4D7-E5549B3D8CD4}"/>
     </a:ext>
   </a:extLst>
 </a:theme>

--- a/doc/04_性能优化.pptx
+++ b/doc/04_性能优化.pptx
@@ -5,7 +5,7 @@
     <p:sldMasterId id="2147484069" r:id="rId1"/>
   </p:sldMasterIdLst>
   <p:notesMasterIdLst>
-    <p:notesMasterId r:id="rId8"/>
+    <p:notesMasterId r:id="rId10"/>
   </p:notesMasterIdLst>
   <p:sldIdLst>
     <p:sldId id="256" r:id="rId2"/>
@@ -13,7 +13,9 @@
     <p:sldId id="257" r:id="rId4"/>
     <p:sldId id="258" r:id="rId5"/>
     <p:sldId id="260" r:id="rId6"/>
-    <p:sldId id="261" r:id="rId7"/>
+    <p:sldId id="262" r:id="rId7"/>
+    <p:sldId id="263" r:id="rId8"/>
+    <p:sldId id="261" r:id="rId9"/>
   </p:sldIdLst>
   <p:sldSz cx="12192000" cy="6858000"/>
   <p:notesSz cx="6858000" cy="9144000"/>
@@ -656,7 +658,7 @@
           <a:p>
             <a:fld id="{A4036A34-A668-4A43-9099-C9D27A346F01}" type="datetimeFigureOut">
               <a:rPr lang="zh-CN" altLang="en-US" smtClean="0"/>
-              <a:t>2023/5/14</a:t>
+              <a:t>2023/5/18</a:t>
             </a:fld>
             <a:endParaRPr lang="zh-CN" altLang="en-US"/>
           </a:p>
@@ -994,7 +996,7 @@
           <a:p>
             <a:fld id="{A4036A34-A668-4A43-9099-C9D27A346F01}" type="datetimeFigureOut">
               <a:rPr lang="zh-CN" altLang="en-US" smtClean="0"/>
-              <a:t>2023/5/14</a:t>
+              <a:t>2023/5/18</a:t>
             </a:fld>
             <a:endParaRPr lang="zh-CN" altLang="en-US"/>
           </a:p>
@@ -1395,7 +1397,7 @@
           <a:p>
             <a:fld id="{A4036A34-A668-4A43-9099-C9D27A346F01}" type="datetimeFigureOut">
               <a:rPr lang="zh-CN" altLang="en-US" smtClean="0"/>
-              <a:t>2023/5/14</a:t>
+              <a:t>2023/5/18</a:t>
             </a:fld>
             <a:endParaRPr lang="zh-CN" altLang="en-US"/>
           </a:p>
@@ -1731,7 +1733,7 @@
           <a:p>
             <a:fld id="{A4036A34-A668-4A43-9099-C9D27A346F01}" type="datetimeFigureOut">
               <a:rPr lang="zh-CN" altLang="en-US" smtClean="0"/>
-              <a:t>2023/5/14</a:t>
+              <a:t>2023/5/18</a:t>
             </a:fld>
             <a:endParaRPr lang="zh-CN" altLang="en-US"/>
           </a:p>
@@ -2051,7 +2053,7 @@
           <a:p>
             <a:fld id="{A4036A34-A668-4A43-9099-C9D27A346F01}" type="datetimeFigureOut">
               <a:rPr lang="zh-CN" altLang="en-US" smtClean="0"/>
-              <a:t>2023/5/14</a:t>
+              <a:t>2023/5/18</a:t>
             </a:fld>
             <a:endParaRPr lang="zh-CN" altLang="en-US"/>
           </a:p>
@@ -2447,7 +2449,7 @@
           <a:p>
             <a:fld id="{A4036A34-A668-4A43-9099-C9D27A346F01}" type="datetimeFigureOut">
               <a:rPr lang="zh-CN" altLang="en-US" smtClean="0"/>
-              <a:t>2023/5/14</a:t>
+              <a:t>2023/5/18</a:t>
             </a:fld>
             <a:endParaRPr lang="zh-CN" altLang="en-US"/>
           </a:p>
@@ -2704,7 +2706,7 @@
           <a:p>
             <a:fld id="{A4036A34-A668-4A43-9099-C9D27A346F01}" type="datetimeFigureOut">
               <a:rPr lang="zh-CN" altLang="en-US" smtClean="0"/>
-              <a:t>2023/5/14</a:t>
+              <a:t>2023/5/18</a:t>
             </a:fld>
             <a:endParaRPr lang="zh-CN" altLang="en-US"/>
           </a:p>
@@ -2966,7 +2968,7 @@
           <a:p>
             <a:fld id="{A4036A34-A668-4A43-9099-C9D27A346F01}" type="datetimeFigureOut">
               <a:rPr lang="zh-CN" altLang="en-US" smtClean="0"/>
-              <a:t>2023/5/14</a:t>
+              <a:t>2023/5/18</a:t>
             </a:fld>
             <a:endParaRPr lang="zh-CN" altLang="en-US"/>
           </a:p>
@@ -3228,7 +3230,7 @@
           <a:p>
             <a:fld id="{A4036A34-A668-4A43-9099-C9D27A346F01}" type="datetimeFigureOut">
               <a:rPr lang="zh-CN" altLang="en-US" smtClean="0"/>
-              <a:t>2023/5/14</a:t>
+              <a:t>2023/5/18</a:t>
             </a:fld>
             <a:endParaRPr lang="zh-CN" altLang="en-US"/>
           </a:p>
@@ -3557,7 +3559,7 @@
           <a:p>
             <a:fld id="{A4036A34-A668-4A43-9099-C9D27A346F01}" type="datetimeFigureOut">
               <a:rPr lang="zh-CN" altLang="en-US" smtClean="0"/>
-              <a:t>2023/5/14</a:t>
+              <a:t>2023/5/18</a:t>
             </a:fld>
             <a:endParaRPr lang="zh-CN" altLang="en-US"/>
           </a:p>
@@ -3880,7 +3882,7 @@
           <a:p>
             <a:fld id="{A4036A34-A668-4A43-9099-C9D27A346F01}" type="datetimeFigureOut">
               <a:rPr lang="zh-CN" altLang="en-US" smtClean="0"/>
-              <a:t>2023/5/14</a:t>
+              <a:t>2023/5/18</a:t>
             </a:fld>
             <a:endParaRPr lang="zh-CN" altLang="en-US"/>
           </a:p>
@@ -4337,7 +4339,7 @@
           <a:p>
             <a:fld id="{A4036A34-A668-4A43-9099-C9D27A346F01}" type="datetimeFigureOut">
               <a:rPr lang="zh-CN" altLang="en-US" smtClean="0"/>
-              <a:t>2023/5/14</a:t>
+              <a:t>2023/5/18</a:t>
             </a:fld>
             <a:endParaRPr lang="zh-CN" altLang="en-US"/>
           </a:p>
@@ -4542,7 +4544,7 @@
           <a:p>
             <a:fld id="{A4036A34-A668-4A43-9099-C9D27A346F01}" type="datetimeFigureOut">
               <a:rPr lang="zh-CN" altLang="en-US" smtClean="0"/>
-              <a:t>2023/5/14</a:t>
+              <a:t>2023/5/18</a:t>
             </a:fld>
             <a:endParaRPr lang="zh-CN" altLang="en-US"/>
           </a:p>
@@ -4719,7 +4721,7 @@
           <a:p>
             <a:fld id="{A4036A34-A668-4A43-9099-C9D27A346F01}" type="datetimeFigureOut">
               <a:rPr lang="zh-CN" altLang="en-US" smtClean="0"/>
-              <a:t>2023/5/14</a:t>
+              <a:t>2023/5/18</a:t>
             </a:fld>
             <a:endParaRPr lang="zh-CN" altLang="en-US"/>
           </a:p>
@@ -5052,7 +5054,7 @@
           <a:p>
             <a:fld id="{A4036A34-A668-4A43-9099-C9D27A346F01}" type="datetimeFigureOut">
               <a:rPr lang="zh-CN" altLang="en-US" smtClean="0"/>
-              <a:t>2023/5/14</a:t>
+              <a:t>2023/5/18</a:t>
             </a:fld>
             <a:endParaRPr lang="zh-CN" altLang="en-US"/>
           </a:p>
@@ -5397,7 +5399,7 @@
           <a:p>
             <a:fld id="{A4036A34-A668-4A43-9099-C9D27A346F01}" type="datetimeFigureOut">
               <a:rPr lang="zh-CN" altLang="en-US" smtClean="0"/>
-              <a:t>2023/5/14</a:t>
+              <a:t>2023/5/18</a:t>
             </a:fld>
             <a:endParaRPr lang="zh-CN" altLang="en-US"/>
           </a:p>
@@ -7514,7 +7516,7 @@
           <a:p>
             <a:fld id="{A4036A34-A668-4A43-9099-C9D27A346F01}" type="datetimeFigureOut">
               <a:rPr lang="zh-CN" altLang="en-US" smtClean="0"/>
-              <a:t>2023/5/14</a:t>
+              <a:t>2023/5/18</a:t>
             </a:fld>
             <a:endParaRPr lang="zh-CN" altLang="en-US"/>
           </a:p>
@@ -8957,7 +8959,7 @@
         <p:spPr>
           <a:xfrm>
             <a:off x="1703512" y="764704"/>
-            <a:ext cx="8964996" cy="4707527"/>
+            <a:ext cx="8964996" cy="5015304"/>
           </a:xfrm>
           <a:prstGeom prst="rect">
             <a:avLst/>
@@ -9391,9 +9393,20 @@
                 <a:spcPct val="100000"/>
               </a:lnSpc>
             </a:pPr>
-            <a:r>
-              <a:rPr lang="en-US" sz="2000" spc="-1" dirty="0">
-                <a:latin typeface="Arial"/>
+            <a:endParaRPr lang="en-US" sz="2000" b="0" strike="noStrike" spc="-1" dirty="0">
+              <a:latin typeface="Arial"/>
+            </a:endParaRPr>
+          </a:p>
+          <a:p>
+            <a:pPr>
+              <a:lnSpc>
+                <a:spcPct val="100000"/>
+              </a:lnSpc>
+            </a:pPr>
+            <a:r>
+              <a:rPr lang="en-US" sz="2000" b="1" spc="-1" dirty="0">
+                <a:latin typeface="微软雅黑"/>
+                <a:ea typeface="微软雅黑"/>
               </a:rPr>
               <a:t>2</a:t>
             </a:r>
@@ -9654,6 +9667,1188 @@
 </file>
 
 <file path=ppt/slides/slide6.xml><?xml version="1.0" encoding="utf-8"?>
+<p:sld xmlns:a="http://schemas.openxmlformats.org/drawingml/2006/main" xmlns:r="http://schemas.openxmlformats.org/officeDocument/2006/relationships" xmlns:p="http://schemas.openxmlformats.org/presentationml/2006/main">
+  <p:cSld>
+    <p:spTree>
+      <p:nvGrpSpPr>
+        <p:cNvPr id="1" name=""/>
+        <p:cNvGrpSpPr/>
+        <p:nvPr/>
+      </p:nvGrpSpPr>
+      <p:grpSpPr>
+        <a:xfrm>
+          <a:off x="0" y="0"/>
+          <a:ext cx="0" cy="0"/>
+          <a:chOff x="0" y="0"/>
+          <a:chExt cx="0" cy="0"/>
+        </a:xfrm>
+      </p:grpSpPr>
+      <p:sp>
+        <p:nvSpPr>
+          <p:cNvPr id="2" name="CustomShape 1">
+            <a:extLst>
+              <a:ext uri="{FF2B5EF4-FFF2-40B4-BE49-F238E27FC236}">
+                <a16:creationId xmlns:a16="http://schemas.microsoft.com/office/drawing/2014/main" id="{9EDB87DF-A519-18CD-0976-096447E787F3}"/>
+              </a:ext>
+            </a:extLst>
+          </p:cNvPr>
+          <p:cNvSpPr/>
+          <p:nvPr/>
+        </p:nvSpPr>
+        <p:spPr>
+          <a:xfrm>
+            <a:off x="119336" y="116632"/>
+            <a:ext cx="9145016" cy="583321"/>
+          </a:xfrm>
+          <a:prstGeom prst="rect">
+            <a:avLst/>
+          </a:prstGeom>
+          <a:noFill/>
+          <a:ln w="0">
+            <a:noFill/>
+          </a:ln>
+        </p:spPr>
+        <p:style>
+          <a:lnRef idx="0">
+            <a:scrgbClr r="0" g="0" b="0"/>
+          </a:lnRef>
+          <a:fillRef idx="0">
+            <a:scrgbClr r="0" g="0" b="0"/>
+          </a:fillRef>
+          <a:effectRef idx="0">
+            <a:scrgbClr r="0" g="0" b="0"/>
+          </a:effectRef>
+          <a:fontRef idx="minor"/>
+        </p:style>
+        <p:txBody>
+          <a:bodyPr wrap="square" lIns="90000" tIns="45000" rIns="90000" bIns="45000">
+            <a:spAutoFit/>
+          </a:bodyPr>
+          <a:lstStyle/>
+          <a:p>
+            <a:pPr>
+              <a:lnSpc>
+                <a:spcPct val="100000"/>
+              </a:lnSpc>
+            </a:pPr>
+            <a:r>
+              <a:rPr lang="en-US" sz="3200" b="1" strike="noStrike" spc="-1" dirty="0">
+                <a:solidFill>
+                  <a:schemeClr val="accent6">
+                    <a:lumMod val="75000"/>
+                  </a:schemeClr>
+                </a:solidFill>
+                <a:latin typeface="微软雅黑"/>
+                <a:ea typeface="微软雅黑"/>
+              </a:rPr>
+              <a:t> </a:t>
+            </a:r>
+            <a:r>
+              <a:rPr lang="zh-CN" altLang="en-US" sz="3200" b="1" strike="noStrike" spc="-1" dirty="0">
+                <a:solidFill>
+                  <a:schemeClr val="accent6">
+                    <a:lumMod val="75000"/>
+                  </a:schemeClr>
+                </a:solidFill>
+                <a:latin typeface="微软雅黑"/>
+                <a:ea typeface="微软雅黑"/>
+              </a:rPr>
+              <a:t>性能优化</a:t>
+            </a:r>
+            <a:r>
+              <a:rPr lang="en-US" altLang="zh-CN" sz="3200" b="1" strike="noStrike" spc="-1" dirty="0">
+                <a:solidFill>
+                  <a:schemeClr val="accent6">
+                    <a:lumMod val="75000"/>
+                  </a:schemeClr>
+                </a:solidFill>
+                <a:latin typeface="微软雅黑"/>
+                <a:ea typeface="微软雅黑"/>
+              </a:rPr>
+              <a:t>-</a:t>
+            </a:r>
+            <a:r>
+              <a:rPr lang="zh-CN" altLang="en-US" sz="3200" b="1" strike="noStrike" spc="-1" dirty="0">
+                <a:solidFill>
+                  <a:schemeClr val="accent6">
+                    <a:lumMod val="75000"/>
+                  </a:schemeClr>
+                </a:solidFill>
+                <a:latin typeface="微软雅黑"/>
+                <a:ea typeface="微软雅黑"/>
+              </a:rPr>
+              <a:t>常用性能分析命令</a:t>
+            </a:r>
+            <a:endParaRPr lang="en-US" sz="3200" b="0" strike="noStrike" spc="-1" dirty="0">
+              <a:solidFill>
+                <a:schemeClr val="accent6">
+                  <a:lumMod val="75000"/>
+                </a:schemeClr>
+              </a:solidFill>
+              <a:latin typeface="Arial"/>
+            </a:endParaRPr>
+          </a:p>
+        </p:txBody>
+      </p:sp>
+      <p:sp>
+        <p:nvSpPr>
+          <p:cNvPr id="3" name="CustomShape 1">
+            <a:extLst>
+              <a:ext uri="{FF2B5EF4-FFF2-40B4-BE49-F238E27FC236}">
+                <a16:creationId xmlns:a16="http://schemas.microsoft.com/office/drawing/2014/main" id="{B51A398E-28A8-BCB9-DA7E-3062F238B60E}"/>
+              </a:ext>
+            </a:extLst>
+          </p:cNvPr>
+          <p:cNvSpPr/>
+          <p:nvPr/>
+        </p:nvSpPr>
+        <p:spPr>
+          <a:xfrm>
+            <a:off x="1703512" y="764704"/>
+            <a:ext cx="10153128" cy="5938634"/>
+          </a:xfrm>
+          <a:prstGeom prst="rect">
+            <a:avLst/>
+          </a:prstGeom>
+          <a:noFill/>
+          <a:ln w="0">
+            <a:noFill/>
+          </a:ln>
+        </p:spPr>
+        <p:style>
+          <a:lnRef idx="0">
+            <a:scrgbClr r="0" g="0" b="0"/>
+          </a:lnRef>
+          <a:fillRef idx="0">
+            <a:scrgbClr r="0" g="0" b="0"/>
+          </a:fillRef>
+          <a:effectRef idx="0">
+            <a:scrgbClr r="0" g="0" b="0"/>
+          </a:effectRef>
+          <a:fontRef idx="minor"/>
+        </p:style>
+        <p:txBody>
+          <a:bodyPr wrap="square" lIns="90000" tIns="45000" rIns="90000" bIns="45000">
+            <a:spAutoFit/>
+          </a:bodyPr>
+          <a:lstStyle/>
+          <a:p>
+            <a:pPr>
+              <a:lnSpc>
+                <a:spcPct val="100000"/>
+              </a:lnSpc>
+            </a:pPr>
+            <a:r>
+              <a:rPr lang="en-US" sz="2000" b="1" strike="noStrike" spc="-1" dirty="0">
+                <a:latin typeface="微软雅黑"/>
+                <a:ea typeface="微软雅黑"/>
+              </a:rPr>
+              <a:t> 3</a:t>
+            </a:r>
+            <a:r>
+              <a:rPr lang="zh-CN" altLang="en-US" sz="2000" b="1" strike="noStrike" spc="-1" dirty="0">
+                <a:latin typeface="微软雅黑"/>
+                <a:ea typeface="微软雅黑"/>
+              </a:rPr>
+              <a:t>、上下文切换分析</a:t>
+            </a:r>
+            <a:endParaRPr lang="en-US" altLang="zh-CN" sz="2000" b="1" strike="noStrike" spc="-1" dirty="0">
+              <a:latin typeface="微软雅黑"/>
+              <a:ea typeface="微软雅黑"/>
+            </a:endParaRPr>
+          </a:p>
+          <a:p>
+            <a:pPr>
+              <a:lnSpc>
+                <a:spcPct val="100000"/>
+              </a:lnSpc>
+            </a:pPr>
+            <a:r>
+              <a:rPr lang="en-US" sz="2000" b="1" spc="-1" dirty="0">
+                <a:latin typeface="微软雅黑"/>
+                <a:ea typeface="微软雅黑"/>
+              </a:rPr>
+              <a:t>	</a:t>
+            </a:r>
+            <a:r>
+              <a:rPr lang="zh-CN" altLang="en-US" sz="2000" b="1" spc="-1" dirty="0">
+                <a:latin typeface="微软雅黑"/>
+                <a:ea typeface="微软雅黑"/>
+              </a:rPr>
+              <a:t>常用命令：</a:t>
+            </a:r>
+            <a:r>
+              <a:rPr lang="en-US" altLang="zh-CN" sz="2000" b="1" spc="-1" dirty="0" err="1">
+                <a:latin typeface="微软雅黑"/>
+                <a:ea typeface="微软雅黑"/>
+              </a:rPr>
+              <a:t>vmstat</a:t>
+            </a:r>
+            <a:r>
+              <a:rPr lang="zh-CN" altLang="en-US" sz="2000" b="1" spc="-1" dirty="0">
+                <a:latin typeface="微软雅黑"/>
+                <a:ea typeface="微软雅黑"/>
+              </a:rPr>
+              <a:t>、</a:t>
+            </a:r>
+            <a:r>
+              <a:rPr lang="en-US" altLang="zh-CN" sz="2000" b="1" spc="-1" dirty="0">
+                <a:latin typeface="微软雅黑"/>
+                <a:ea typeface="微软雅黑"/>
+              </a:rPr>
+              <a:t> </a:t>
+            </a:r>
+            <a:r>
+              <a:rPr lang="en-US" altLang="zh-CN" sz="2000" b="1" spc="-1" dirty="0" err="1">
+                <a:latin typeface="微软雅黑"/>
+                <a:ea typeface="微软雅黑"/>
+              </a:rPr>
+              <a:t>pidstat</a:t>
+            </a:r>
+            <a:endParaRPr lang="en-US" altLang="zh-CN" sz="2000" b="1" strike="noStrike" spc="-1" dirty="0">
+              <a:latin typeface="微软雅黑"/>
+              <a:ea typeface="微软雅黑"/>
+            </a:endParaRPr>
+          </a:p>
+          <a:p>
+            <a:pPr>
+              <a:lnSpc>
+                <a:spcPct val="100000"/>
+              </a:lnSpc>
+            </a:pPr>
+            <a:r>
+              <a:rPr lang="en-US" sz="2000" b="1" spc="-1" dirty="0">
+                <a:latin typeface="微软雅黑"/>
+                <a:ea typeface="微软雅黑"/>
+              </a:rPr>
+              <a:t>	</a:t>
+            </a:r>
+            <a:r>
+              <a:rPr lang="zh-CN" altLang="en-US" sz="2000" b="1" spc="-1" dirty="0">
+                <a:latin typeface="微软雅黑"/>
+                <a:ea typeface="微软雅黑"/>
+              </a:rPr>
+              <a:t>查看上下文切换：</a:t>
+            </a:r>
+            <a:endParaRPr lang="en-US" altLang="zh-CN" sz="2000" b="1" spc="-1" dirty="0">
+              <a:latin typeface="微软雅黑"/>
+              <a:ea typeface="微软雅黑"/>
+            </a:endParaRPr>
+          </a:p>
+          <a:p>
+            <a:pPr>
+              <a:lnSpc>
+                <a:spcPct val="100000"/>
+              </a:lnSpc>
+            </a:pPr>
+            <a:r>
+              <a:rPr lang="en-US" altLang="zh-CN" sz="2000" b="1" spc="-1" dirty="0">
+                <a:latin typeface="微软雅黑"/>
+                <a:ea typeface="微软雅黑"/>
+              </a:rPr>
+              <a:t>		</a:t>
+            </a:r>
+            <a:r>
+              <a:rPr lang="en-US" altLang="zh-CN" sz="2000" b="1" spc="-1" dirty="0" err="1">
+                <a:latin typeface="微软雅黑"/>
+                <a:ea typeface="微软雅黑"/>
+              </a:rPr>
+              <a:t>vmstat</a:t>
+            </a:r>
+            <a:r>
+              <a:rPr lang="en-US" altLang="zh-CN" sz="2000" b="1" spc="-1" dirty="0">
+                <a:latin typeface="微软雅黑"/>
+                <a:ea typeface="微软雅黑"/>
+              </a:rPr>
+              <a:t> 5    # </a:t>
+            </a:r>
+            <a:r>
+              <a:rPr lang="zh-CN" altLang="en-US" sz="2000" b="1" spc="-1" dirty="0">
+                <a:latin typeface="微软雅黑"/>
+                <a:ea typeface="微软雅黑"/>
+              </a:rPr>
+              <a:t>每隔</a:t>
+            </a:r>
+            <a:r>
+              <a:rPr lang="en-US" altLang="zh-CN" sz="2000" b="1" spc="-1" dirty="0">
+                <a:latin typeface="微软雅黑"/>
+                <a:ea typeface="微软雅黑"/>
+              </a:rPr>
+              <a:t>5</a:t>
+            </a:r>
+            <a:r>
+              <a:rPr lang="zh-CN" altLang="en-US" sz="2000" b="1" spc="-1" dirty="0">
+                <a:latin typeface="微软雅黑"/>
+                <a:ea typeface="微软雅黑"/>
+              </a:rPr>
+              <a:t>秒输出</a:t>
+            </a:r>
+            <a:r>
+              <a:rPr lang="en-US" altLang="zh-CN" sz="2000" b="1" spc="-1" dirty="0">
+                <a:latin typeface="微软雅黑"/>
+                <a:ea typeface="微软雅黑"/>
+              </a:rPr>
+              <a:t>1</a:t>
+            </a:r>
+            <a:r>
+              <a:rPr lang="zh-CN" altLang="en-US" sz="2000" b="1" spc="-1" dirty="0">
+                <a:latin typeface="微软雅黑"/>
+                <a:ea typeface="微软雅黑"/>
+              </a:rPr>
+              <a:t>组数据</a:t>
+            </a:r>
+            <a:endParaRPr lang="en-US" altLang="zh-CN" sz="2000" b="1" spc="-1" dirty="0">
+              <a:latin typeface="微软雅黑"/>
+              <a:ea typeface="微软雅黑"/>
+            </a:endParaRPr>
+          </a:p>
+          <a:p>
+            <a:pPr>
+              <a:lnSpc>
+                <a:spcPct val="100000"/>
+              </a:lnSpc>
+            </a:pPr>
+            <a:r>
+              <a:rPr lang="en-US" altLang="zh-CN" sz="2000" b="1" spc="-1" dirty="0">
+                <a:latin typeface="微软雅黑"/>
+                <a:ea typeface="微软雅黑"/>
+              </a:rPr>
+              <a:t>		</a:t>
+            </a:r>
+          </a:p>
+          <a:p>
+            <a:pPr>
+              <a:lnSpc>
+                <a:spcPct val="100000"/>
+              </a:lnSpc>
+            </a:pPr>
+            <a:r>
+              <a:rPr lang="en-US" sz="2000" b="1" strike="noStrike" spc="-1" dirty="0">
+                <a:latin typeface="微软雅黑"/>
+                <a:ea typeface="微软雅黑"/>
+              </a:rPr>
+              <a:t>		</a:t>
+            </a:r>
+            <a:endParaRPr lang="en-US" altLang="zh-CN" sz="2000" b="1" spc="-1" dirty="0">
+              <a:latin typeface="微软雅黑"/>
+              <a:ea typeface="微软雅黑"/>
+            </a:endParaRPr>
+          </a:p>
+          <a:p>
+            <a:pPr>
+              <a:lnSpc>
+                <a:spcPct val="100000"/>
+              </a:lnSpc>
+            </a:pPr>
+            <a:r>
+              <a:rPr lang="en-US" altLang="zh-CN" sz="2000" b="1" spc="-1" dirty="0">
+                <a:latin typeface="微软雅黑"/>
+                <a:ea typeface="微软雅黑"/>
+              </a:rPr>
+              <a:t>		</a:t>
+            </a:r>
+            <a:r>
+              <a:rPr lang="zh-CN" altLang="en-US" sz="2000" b="1" spc="-1" dirty="0">
+                <a:latin typeface="微软雅黑"/>
+                <a:ea typeface="微软雅黑"/>
+              </a:rPr>
+              <a:t>需要特别关注的四列内容：</a:t>
+            </a:r>
+            <a:endParaRPr lang="en-US" altLang="zh-CN" sz="2000" b="1" spc="-1" dirty="0">
+              <a:latin typeface="微软雅黑"/>
+              <a:ea typeface="微软雅黑"/>
+            </a:endParaRPr>
+          </a:p>
+          <a:p>
+            <a:pPr>
+              <a:lnSpc>
+                <a:spcPct val="100000"/>
+              </a:lnSpc>
+            </a:pPr>
+            <a:r>
+              <a:rPr lang="en-US" sz="2000" b="1" spc="-1" dirty="0">
+                <a:latin typeface="微软雅黑"/>
+                <a:ea typeface="微软雅黑"/>
+              </a:rPr>
+              <a:t>		1</a:t>
+            </a:r>
+            <a:r>
+              <a:rPr lang="zh-CN" altLang="en-US" sz="2000" b="1" spc="-1" dirty="0">
+                <a:latin typeface="微软雅黑"/>
+                <a:ea typeface="微软雅黑"/>
+              </a:rPr>
+              <a:t>）、</a:t>
+            </a:r>
+            <a:r>
+              <a:rPr lang="en-US" sz="2000" b="1" spc="-1" dirty="0" err="1">
+                <a:latin typeface="微软雅黑"/>
+                <a:ea typeface="微软雅黑"/>
+              </a:rPr>
+              <a:t>cs（context</a:t>
+            </a:r>
+            <a:r>
+              <a:rPr lang="en-US" sz="2000" b="1" spc="-1" dirty="0">
+                <a:latin typeface="微软雅黑"/>
+                <a:ea typeface="微软雅黑"/>
+              </a:rPr>
+              <a:t> switch）</a:t>
+            </a:r>
+            <a:r>
+              <a:rPr lang="zh-CN" altLang="en-US" sz="2000" b="1" spc="-1" dirty="0">
+                <a:latin typeface="微软雅黑"/>
+                <a:ea typeface="微软雅黑"/>
+              </a:rPr>
+              <a:t>是每秒上下文切换的次数。</a:t>
+            </a:r>
+            <a:endParaRPr lang="en-US" altLang="zh-CN" sz="2000" b="1" spc="-1" dirty="0">
+              <a:latin typeface="微软雅黑"/>
+              <a:ea typeface="微软雅黑"/>
+            </a:endParaRPr>
+          </a:p>
+          <a:p>
+            <a:pPr>
+              <a:lnSpc>
+                <a:spcPct val="100000"/>
+              </a:lnSpc>
+            </a:pPr>
+            <a:r>
+              <a:rPr lang="en-US" sz="2000" b="1" spc="-1" dirty="0">
+                <a:latin typeface="微软雅黑"/>
+                <a:ea typeface="微软雅黑"/>
+              </a:rPr>
+              <a:t>		2</a:t>
+            </a:r>
+            <a:r>
+              <a:rPr lang="zh-CN" altLang="en-US" sz="2000" b="1" spc="-1" dirty="0">
+                <a:latin typeface="微软雅黑"/>
+                <a:ea typeface="微软雅黑"/>
+              </a:rPr>
+              <a:t>）、</a:t>
+            </a:r>
+            <a:r>
+              <a:rPr lang="en-US" sz="2000" b="1" spc="-1" dirty="0" err="1">
+                <a:latin typeface="微软雅黑"/>
+                <a:ea typeface="微软雅黑"/>
+              </a:rPr>
+              <a:t>in（interrupt</a:t>
+            </a:r>
+            <a:r>
+              <a:rPr lang="en-US" sz="2000" b="1" spc="-1" dirty="0">
+                <a:latin typeface="微软雅黑"/>
+                <a:ea typeface="微软雅黑"/>
+              </a:rPr>
+              <a:t>）</a:t>
+            </a:r>
+            <a:r>
+              <a:rPr lang="zh-CN" altLang="en-US" sz="2000" b="1" spc="-1" dirty="0">
+                <a:latin typeface="微软雅黑"/>
+                <a:ea typeface="微软雅黑"/>
+              </a:rPr>
+              <a:t>则是每秒中断的次数。</a:t>
+            </a:r>
+            <a:endParaRPr lang="en-US" altLang="zh-CN" sz="2000" b="1" spc="-1" dirty="0">
+              <a:latin typeface="微软雅黑"/>
+              <a:ea typeface="微软雅黑"/>
+            </a:endParaRPr>
+          </a:p>
+          <a:p>
+            <a:pPr>
+              <a:lnSpc>
+                <a:spcPct val="100000"/>
+              </a:lnSpc>
+            </a:pPr>
+            <a:r>
+              <a:rPr lang="en-US" sz="2000" b="1" spc="-1" dirty="0">
+                <a:latin typeface="微软雅黑"/>
+                <a:ea typeface="微软雅黑"/>
+              </a:rPr>
+              <a:t>		</a:t>
+            </a:r>
+            <a:r>
+              <a:rPr lang="en-US" altLang="zh-CN" sz="2000" b="1" spc="-1" dirty="0">
+                <a:latin typeface="微软雅黑"/>
+                <a:ea typeface="微软雅黑"/>
+              </a:rPr>
+              <a:t>3</a:t>
+            </a:r>
+            <a:r>
+              <a:rPr lang="zh-CN" altLang="en-US" sz="2000" b="1" spc="-1" dirty="0">
+                <a:latin typeface="微软雅黑"/>
+                <a:ea typeface="微软雅黑"/>
+              </a:rPr>
+              <a:t>）、</a:t>
+            </a:r>
+            <a:r>
+              <a:rPr lang="en-US" sz="2000" b="1" spc="-1" dirty="0" err="1">
+                <a:latin typeface="微软雅黑"/>
+                <a:ea typeface="微软雅黑"/>
+              </a:rPr>
+              <a:t>r（Running</a:t>
+            </a:r>
+            <a:r>
+              <a:rPr lang="en-US" sz="2000" b="1" spc="-1" dirty="0">
+                <a:latin typeface="微软雅黑"/>
+                <a:ea typeface="微软雅黑"/>
+              </a:rPr>
+              <a:t> or Runnable）</a:t>
+            </a:r>
+            <a:r>
+              <a:rPr lang="zh-CN" altLang="en-US" sz="2000" b="1" spc="-1" dirty="0">
+                <a:latin typeface="微软雅黑"/>
+                <a:ea typeface="微软雅黑"/>
+              </a:rPr>
+              <a:t>是就绪队列的长度，也就是正在运行和等待 </a:t>
+            </a:r>
+            <a:r>
+              <a:rPr lang="en-US" sz="2000" b="1" spc="-1" dirty="0">
+                <a:latin typeface="微软雅黑"/>
+                <a:ea typeface="微软雅黑"/>
+              </a:rPr>
+              <a:t>CPU </a:t>
+            </a:r>
+            <a:r>
+              <a:rPr lang="zh-CN" altLang="en-US" sz="2000" b="1" spc="-1" dirty="0">
+                <a:latin typeface="微软雅黑"/>
+                <a:ea typeface="微软雅黑"/>
+              </a:rPr>
+              <a:t>的进程数。</a:t>
+            </a:r>
+            <a:endParaRPr lang="en-US" altLang="zh-CN" sz="2000" b="1" spc="-1" dirty="0">
+              <a:latin typeface="微软雅黑"/>
+              <a:ea typeface="微软雅黑"/>
+            </a:endParaRPr>
+          </a:p>
+          <a:p>
+            <a:pPr>
+              <a:lnSpc>
+                <a:spcPct val="100000"/>
+              </a:lnSpc>
+            </a:pPr>
+            <a:r>
+              <a:rPr lang="en-US" sz="2000" b="1" spc="-1" dirty="0">
+                <a:latin typeface="微软雅黑"/>
+                <a:ea typeface="微软雅黑"/>
+              </a:rPr>
+              <a:t>		</a:t>
+            </a:r>
+            <a:r>
+              <a:rPr lang="en-US" altLang="zh-CN" sz="2000" b="1" spc="-1" dirty="0">
+                <a:latin typeface="微软雅黑"/>
+                <a:ea typeface="微软雅黑"/>
+              </a:rPr>
+              <a:t>4</a:t>
+            </a:r>
+            <a:r>
+              <a:rPr lang="zh-CN" altLang="en-US" sz="2000" b="1" spc="-1" dirty="0">
+                <a:latin typeface="微软雅黑"/>
+                <a:ea typeface="微软雅黑"/>
+              </a:rPr>
+              <a:t>）、</a:t>
+            </a:r>
+            <a:r>
+              <a:rPr lang="en-US" sz="2000" b="1" spc="-1" dirty="0" err="1">
+                <a:latin typeface="微软雅黑"/>
+                <a:ea typeface="微软雅黑"/>
+              </a:rPr>
+              <a:t>b（Blocked</a:t>
+            </a:r>
+            <a:r>
+              <a:rPr lang="en-US" sz="2000" b="1" spc="-1" dirty="0">
+                <a:latin typeface="微软雅黑"/>
+                <a:ea typeface="微软雅黑"/>
+              </a:rPr>
+              <a:t>）</a:t>
+            </a:r>
+            <a:r>
+              <a:rPr lang="zh-CN" altLang="en-US" sz="2000" b="1" spc="-1" dirty="0">
+                <a:latin typeface="微软雅黑"/>
+                <a:ea typeface="微软雅黑"/>
+              </a:rPr>
+              <a:t>则是处于不可中断睡眠状态的进程数。</a:t>
+            </a:r>
+            <a:endParaRPr lang="en-US" sz="2000" b="1" spc="-1" dirty="0">
+              <a:latin typeface="微软雅黑"/>
+              <a:ea typeface="微软雅黑"/>
+            </a:endParaRPr>
+          </a:p>
+          <a:p>
+            <a:pPr>
+              <a:lnSpc>
+                <a:spcPct val="100000"/>
+              </a:lnSpc>
+            </a:pPr>
+            <a:r>
+              <a:rPr lang="en-US" sz="2000" b="1" spc="-1" dirty="0">
+                <a:latin typeface="微软雅黑"/>
+                <a:ea typeface="微软雅黑"/>
+              </a:rPr>
+              <a:t>		</a:t>
+            </a:r>
+            <a:r>
+              <a:rPr lang="en-US" sz="2000" b="1" spc="-1" dirty="0" err="1">
+                <a:latin typeface="微软雅黑"/>
+                <a:ea typeface="微软雅黑"/>
+              </a:rPr>
+              <a:t>pidstat</a:t>
+            </a:r>
+            <a:r>
+              <a:rPr lang="en-US" sz="2000" b="1" spc="-1" dirty="0">
+                <a:latin typeface="微软雅黑"/>
+                <a:ea typeface="微软雅黑"/>
+              </a:rPr>
+              <a:t> -w 5  # </a:t>
+            </a:r>
+            <a:r>
+              <a:rPr lang="zh-CN" altLang="en-US" sz="2000" b="1" spc="-1" dirty="0">
+                <a:latin typeface="微软雅黑"/>
+                <a:ea typeface="微软雅黑"/>
+              </a:rPr>
+              <a:t>每隔</a:t>
+            </a:r>
+            <a:r>
+              <a:rPr lang="en-US" altLang="zh-CN" sz="2000" b="1" spc="-1" dirty="0">
+                <a:latin typeface="微软雅黑"/>
+                <a:ea typeface="微软雅黑"/>
+              </a:rPr>
+              <a:t>5</a:t>
+            </a:r>
+            <a:r>
+              <a:rPr lang="zh-CN" altLang="en-US" sz="2000" b="1" spc="-1" dirty="0">
+                <a:latin typeface="微软雅黑"/>
+                <a:ea typeface="微软雅黑"/>
+              </a:rPr>
+              <a:t>秒输出</a:t>
+            </a:r>
+            <a:r>
+              <a:rPr lang="en-US" altLang="zh-CN" sz="2000" b="1" spc="-1" dirty="0">
+                <a:latin typeface="微软雅黑"/>
+                <a:ea typeface="微软雅黑"/>
+              </a:rPr>
+              <a:t>1</a:t>
+            </a:r>
+            <a:r>
+              <a:rPr lang="zh-CN" altLang="en-US" sz="2000" b="1" spc="-1" dirty="0">
+                <a:latin typeface="微软雅黑"/>
+                <a:ea typeface="微软雅黑"/>
+              </a:rPr>
+              <a:t>组数据</a:t>
+            </a:r>
+            <a:endParaRPr lang="en-US" altLang="zh-CN" sz="2000" b="1" spc="-1" dirty="0">
+              <a:latin typeface="微软雅黑"/>
+              <a:ea typeface="微软雅黑"/>
+            </a:endParaRPr>
+          </a:p>
+          <a:p>
+            <a:pPr>
+              <a:lnSpc>
+                <a:spcPct val="100000"/>
+              </a:lnSpc>
+            </a:pPr>
+            <a:endParaRPr lang="en-US" sz="2000" b="1" spc="-1" dirty="0">
+              <a:latin typeface="微软雅黑"/>
+              <a:ea typeface="微软雅黑"/>
+            </a:endParaRPr>
+          </a:p>
+          <a:p>
+            <a:pPr>
+              <a:lnSpc>
+                <a:spcPct val="100000"/>
+              </a:lnSpc>
+            </a:pPr>
+            <a:endParaRPr lang="en-US" sz="2000" b="1" spc="-1" dirty="0">
+              <a:latin typeface="微软雅黑"/>
+              <a:ea typeface="微软雅黑"/>
+            </a:endParaRPr>
+          </a:p>
+          <a:p>
+            <a:pPr>
+              <a:lnSpc>
+                <a:spcPct val="100000"/>
+              </a:lnSpc>
+            </a:pPr>
+            <a:r>
+              <a:rPr lang="en-US" sz="2000" b="1" spc="-1" dirty="0">
+                <a:latin typeface="微软雅黑"/>
+                <a:ea typeface="微软雅黑"/>
+              </a:rPr>
+              <a:t>		</a:t>
+            </a:r>
+            <a:r>
+              <a:rPr lang="zh-CN" altLang="en-US" sz="2000" b="1" spc="-1" dirty="0">
+                <a:latin typeface="微软雅黑"/>
+                <a:ea typeface="微软雅黑"/>
+              </a:rPr>
+              <a:t>两列内容重点关注：</a:t>
+            </a:r>
+            <a:endParaRPr lang="en-US" altLang="zh-CN" sz="2000" b="1" spc="-1" dirty="0">
+              <a:latin typeface="微软雅黑"/>
+              <a:ea typeface="微软雅黑"/>
+            </a:endParaRPr>
+          </a:p>
+          <a:p>
+            <a:pPr>
+              <a:lnSpc>
+                <a:spcPct val="100000"/>
+              </a:lnSpc>
+            </a:pPr>
+            <a:r>
+              <a:rPr lang="en-US" altLang="zh-CN" sz="2000" b="1" spc="-1" dirty="0">
+                <a:latin typeface="微软雅黑"/>
+                <a:ea typeface="微软雅黑"/>
+              </a:rPr>
+              <a:t>		1</a:t>
+            </a:r>
+            <a:r>
+              <a:rPr lang="zh-CN" altLang="en-US" sz="2000" b="1" spc="-1" dirty="0">
+                <a:latin typeface="微软雅黑"/>
+                <a:ea typeface="微软雅黑"/>
+              </a:rPr>
+              <a:t>）、</a:t>
+            </a:r>
+            <a:r>
+              <a:rPr lang="en-US" altLang="zh-CN" sz="2000" b="1" spc="-1" dirty="0" err="1">
+                <a:latin typeface="微软雅黑"/>
+                <a:ea typeface="微软雅黑"/>
+              </a:rPr>
+              <a:t>cswch</a:t>
+            </a:r>
+            <a:r>
+              <a:rPr lang="zh-CN" altLang="en-US" sz="2000" b="1" spc="-1" dirty="0">
+                <a:latin typeface="微软雅黑"/>
+                <a:ea typeface="微软雅黑"/>
+              </a:rPr>
+              <a:t>：每秒自愿上下文切换（</a:t>
+            </a:r>
+            <a:r>
+              <a:rPr lang="en-US" altLang="zh-CN" sz="2000" b="1" spc="-1" dirty="0">
+                <a:latin typeface="微软雅黑"/>
+                <a:ea typeface="微软雅黑"/>
+              </a:rPr>
+              <a:t>voluntary context switches</a:t>
+            </a:r>
+            <a:r>
+              <a:rPr lang="zh-CN" altLang="en-US" sz="2000" b="1" spc="-1" dirty="0">
+                <a:latin typeface="微软雅黑"/>
+                <a:ea typeface="微软雅黑"/>
+              </a:rPr>
+              <a:t>）次数</a:t>
+            </a:r>
+            <a:r>
+              <a:rPr lang="en-US" altLang="zh-CN" sz="2000" b="1" spc="-1" dirty="0">
+                <a:latin typeface="微软雅黑"/>
+                <a:ea typeface="微软雅黑"/>
+              </a:rPr>
+              <a:t>			  2</a:t>
+            </a:r>
+            <a:r>
+              <a:rPr lang="zh-CN" altLang="en-US" sz="2000" b="1" spc="-1" dirty="0">
+                <a:latin typeface="微软雅黑"/>
+                <a:ea typeface="微软雅黑"/>
+              </a:rPr>
+              <a:t>）、</a:t>
+            </a:r>
+            <a:r>
+              <a:rPr lang="en-US" altLang="zh-CN" sz="2000" b="1" spc="-1" dirty="0" err="1">
+                <a:latin typeface="微软雅黑"/>
+                <a:ea typeface="微软雅黑"/>
+              </a:rPr>
+              <a:t>nvcswch</a:t>
+            </a:r>
+            <a:r>
+              <a:rPr lang="zh-CN" altLang="en-US" sz="2000" b="1" spc="-1" dirty="0">
+                <a:latin typeface="微软雅黑"/>
+                <a:ea typeface="微软雅黑"/>
+              </a:rPr>
+              <a:t>：每秒非自愿上下文切换（</a:t>
+            </a:r>
+            <a:r>
+              <a:rPr lang="en-US" altLang="zh-CN" sz="2000" b="1" spc="-1" dirty="0">
+                <a:latin typeface="微软雅黑"/>
+                <a:ea typeface="微软雅黑"/>
+              </a:rPr>
+              <a:t>non voluntary context switches</a:t>
+            </a:r>
+            <a:r>
+              <a:rPr lang="zh-CN" altLang="en-US" sz="2000" b="1" spc="-1" dirty="0">
+                <a:latin typeface="微软雅黑"/>
+                <a:ea typeface="微软雅黑"/>
+              </a:rPr>
+              <a:t>）次数</a:t>
+            </a:r>
+            <a:endParaRPr lang="en-US" sz="2000" b="1" spc="-1" dirty="0">
+              <a:latin typeface="微软雅黑"/>
+              <a:ea typeface="微软雅黑"/>
+            </a:endParaRPr>
+          </a:p>
+        </p:txBody>
+      </p:sp>
+      <p:pic>
+        <p:nvPicPr>
+          <p:cNvPr id="5" name="图片 4">
+            <a:extLst>
+              <a:ext uri="{FF2B5EF4-FFF2-40B4-BE49-F238E27FC236}">
+                <a16:creationId xmlns:a16="http://schemas.microsoft.com/office/drawing/2014/main" id="{8EF51F82-C862-01BB-EAF9-D907D1081823}"/>
+              </a:ext>
+            </a:extLst>
+          </p:cNvPr>
+          <p:cNvPicPr>
+            <a:picLocks noChangeAspect="1"/>
+          </p:cNvPicPr>
+          <p:nvPr/>
+        </p:nvPicPr>
+        <p:blipFill>
+          <a:blip r:embed="rId2">
+            <a:extLst>
+              <a:ext uri="{28A0092B-C50C-407E-A947-70E740481C1C}">
+                <a14:useLocalDpi xmlns:a14="http://schemas.microsoft.com/office/drawing/2010/main" val="0"/>
+              </a:ext>
+            </a:extLst>
+          </a:blip>
+          <a:stretch>
+            <a:fillRect/>
+          </a:stretch>
+        </p:blipFill>
+        <p:spPr>
+          <a:xfrm>
+            <a:off x="2711624" y="2060848"/>
+            <a:ext cx="6172517" cy="576063"/>
+          </a:xfrm>
+          <a:prstGeom prst="rect">
+            <a:avLst/>
+          </a:prstGeom>
+        </p:spPr>
+      </p:pic>
+      <p:pic>
+        <p:nvPicPr>
+          <p:cNvPr id="7" name="图片 6">
+            <a:extLst>
+              <a:ext uri="{FF2B5EF4-FFF2-40B4-BE49-F238E27FC236}">
+                <a16:creationId xmlns:a16="http://schemas.microsoft.com/office/drawing/2014/main" id="{51A2C4CC-B08F-B1AA-8E08-CC73A43362C3}"/>
+              </a:ext>
+            </a:extLst>
+          </p:cNvPr>
+          <p:cNvPicPr>
+            <a:picLocks noChangeAspect="1"/>
+          </p:cNvPicPr>
+          <p:nvPr/>
+        </p:nvPicPr>
+        <p:blipFill>
+          <a:blip r:embed="rId3">
+            <a:extLst>
+              <a:ext uri="{28A0092B-C50C-407E-A947-70E740481C1C}">
+                <a14:useLocalDpi xmlns:a14="http://schemas.microsoft.com/office/drawing/2010/main" val="0"/>
+              </a:ext>
+            </a:extLst>
+          </a:blip>
+          <a:stretch>
+            <a:fillRect/>
+          </a:stretch>
+        </p:blipFill>
+        <p:spPr>
+          <a:xfrm>
+            <a:off x="2711624" y="4797152"/>
+            <a:ext cx="6674193" cy="603281"/>
+          </a:xfrm>
+          <a:prstGeom prst="rect">
+            <a:avLst/>
+          </a:prstGeom>
+        </p:spPr>
+      </p:pic>
+    </p:spTree>
+    <p:extLst>
+      <p:ext uri="{BB962C8B-B14F-4D97-AF65-F5344CB8AC3E}">
+        <p14:creationId xmlns:p14="http://schemas.microsoft.com/office/powerpoint/2010/main" val="2598152634"/>
+      </p:ext>
+    </p:extLst>
+  </p:cSld>
+  <p:clrMapOvr>
+    <a:masterClrMapping/>
+  </p:clrMapOvr>
+</p:sld>
+</file>
+
+<file path=ppt/slides/slide7.xml><?xml version="1.0" encoding="utf-8"?>
+<p:sld xmlns:a="http://schemas.openxmlformats.org/drawingml/2006/main" xmlns:r="http://schemas.openxmlformats.org/officeDocument/2006/relationships" xmlns:p="http://schemas.openxmlformats.org/presentationml/2006/main">
+  <p:cSld>
+    <p:spTree>
+      <p:nvGrpSpPr>
+        <p:cNvPr id="1" name=""/>
+        <p:cNvGrpSpPr/>
+        <p:nvPr/>
+      </p:nvGrpSpPr>
+      <p:grpSpPr>
+        <a:xfrm>
+          <a:off x="0" y="0"/>
+          <a:ext cx="0" cy="0"/>
+          <a:chOff x="0" y="0"/>
+          <a:chExt cx="0" cy="0"/>
+        </a:xfrm>
+      </p:grpSpPr>
+      <p:sp>
+        <p:nvSpPr>
+          <p:cNvPr id="2" name="CustomShape 1">
+            <a:extLst>
+              <a:ext uri="{FF2B5EF4-FFF2-40B4-BE49-F238E27FC236}">
+                <a16:creationId xmlns:a16="http://schemas.microsoft.com/office/drawing/2014/main" id="{9EDB87DF-A519-18CD-0976-096447E787F3}"/>
+              </a:ext>
+            </a:extLst>
+          </p:cNvPr>
+          <p:cNvSpPr/>
+          <p:nvPr/>
+        </p:nvSpPr>
+        <p:spPr>
+          <a:xfrm>
+            <a:off x="119336" y="116632"/>
+            <a:ext cx="9145016" cy="583321"/>
+          </a:xfrm>
+          <a:prstGeom prst="rect">
+            <a:avLst/>
+          </a:prstGeom>
+          <a:noFill/>
+          <a:ln w="0">
+            <a:noFill/>
+          </a:ln>
+        </p:spPr>
+        <p:style>
+          <a:lnRef idx="0">
+            <a:scrgbClr r="0" g="0" b="0"/>
+          </a:lnRef>
+          <a:fillRef idx="0">
+            <a:scrgbClr r="0" g="0" b="0"/>
+          </a:fillRef>
+          <a:effectRef idx="0">
+            <a:scrgbClr r="0" g="0" b="0"/>
+          </a:effectRef>
+          <a:fontRef idx="minor"/>
+        </p:style>
+        <p:txBody>
+          <a:bodyPr wrap="square" lIns="90000" tIns="45000" rIns="90000" bIns="45000">
+            <a:spAutoFit/>
+          </a:bodyPr>
+          <a:lstStyle/>
+          <a:p>
+            <a:pPr>
+              <a:lnSpc>
+                <a:spcPct val="100000"/>
+              </a:lnSpc>
+            </a:pPr>
+            <a:r>
+              <a:rPr lang="en-US" sz="3200" b="1" strike="noStrike" spc="-1" dirty="0">
+                <a:solidFill>
+                  <a:schemeClr val="accent6">
+                    <a:lumMod val="75000"/>
+                  </a:schemeClr>
+                </a:solidFill>
+                <a:latin typeface="微软雅黑"/>
+                <a:ea typeface="微软雅黑"/>
+              </a:rPr>
+              <a:t> </a:t>
+            </a:r>
+            <a:r>
+              <a:rPr lang="zh-CN" altLang="en-US" sz="3200" b="1" strike="noStrike" spc="-1" dirty="0">
+                <a:solidFill>
+                  <a:schemeClr val="accent6">
+                    <a:lumMod val="75000"/>
+                  </a:schemeClr>
+                </a:solidFill>
+                <a:latin typeface="微软雅黑"/>
+                <a:ea typeface="微软雅黑"/>
+              </a:rPr>
+              <a:t>性能优化</a:t>
+            </a:r>
+            <a:r>
+              <a:rPr lang="en-US" altLang="zh-CN" sz="3200" b="1" strike="noStrike" spc="-1" dirty="0">
+                <a:solidFill>
+                  <a:schemeClr val="accent6">
+                    <a:lumMod val="75000"/>
+                  </a:schemeClr>
+                </a:solidFill>
+                <a:latin typeface="微软雅黑"/>
+                <a:ea typeface="微软雅黑"/>
+              </a:rPr>
+              <a:t>-</a:t>
+            </a:r>
+            <a:r>
+              <a:rPr lang="zh-CN" altLang="en-US" sz="3200" b="1" strike="noStrike" spc="-1" dirty="0">
+                <a:solidFill>
+                  <a:schemeClr val="accent6">
+                    <a:lumMod val="75000"/>
+                  </a:schemeClr>
+                </a:solidFill>
+                <a:latin typeface="微软雅黑"/>
+                <a:ea typeface="微软雅黑"/>
+              </a:rPr>
+              <a:t>常用性能分析命令</a:t>
+            </a:r>
+            <a:endParaRPr lang="en-US" sz="3200" b="0" strike="noStrike" spc="-1" dirty="0">
+              <a:solidFill>
+                <a:schemeClr val="accent6">
+                  <a:lumMod val="75000"/>
+                </a:schemeClr>
+              </a:solidFill>
+              <a:latin typeface="Arial"/>
+            </a:endParaRPr>
+          </a:p>
+        </p:txBody>
+      </p:sp>
+      <p:sp>
+        <p:nvSpPr>
+          <p:cNvPr id="3" name="CustomShape 1">
+            <a:extLst>
+              <a:ext uri="{FF2B5EF4-FFF2-40B4-BE49-F238E27FC236}">
+                <a16:creationId xmlns:a16="http://schemas.microsoft.com/office/drawing/2014/main" id="{B51A398E-28A8-BCB9-DA7E-3062F238B60E}"/>
+              </a:ext>
+            </a:extLst>
+          </p:cNvPr>
+          <p:cNvSpPr/>
+          <p:nvPr/>
+        </p:nvSpPr>
+        <p:spPr>
+          <a:xfrm>
+            <a:off x="1703512" y="764704"/>
+            <a:ext cx="10153128" cy="1629762"/>
+          </a:xfrm>
+          <a:prstGeom prst="rect">
+            <a:avLst/>
+          </a:prstGeom>
+          <a:noFill/>
+          <a:ln w="0">
+            <a:noFill/>
+          </a:ln>
+        </p:spPr>
+        <p:style>
+          <a:lnRef idx="0">
+            <a:scrgbClr r="0" g="0" b="0"/>
+          </a:lnRef>
+          <a:fillRef idx="0">
+            <a:scrgbClr r="0" g="0" b="0"/>
+          </a:fillRef>
+          <a:effectRef idx="0">
+            <a:scrgbClr r="0" g="0" b="0"/>
+          </a:effectRef>
+          <a:fontRef idx="minor"/>
+        </p:style>
+        <p:txBody>
+          <a:bodyPr wrap="square" lIns="90000" tIns="45000" rIns="90000" bIns="45000">
+            <a:spAutoFit/>
+          </a:bodyPr>
+          <a:lstStyle/>
+          <a:p>
+            <a:pPr>
+              <a:lnSpc>
+                <a:spcPct val="100000"/>
+              </a:lnSpc>
+            </a:pPr>
+            <a:r>
+              <a:rPr lang="en-US" altLang="zh-CN" sz="2000" b="1" spc="-1" dirty="0">
+                <a:latin typeface="微软雅黑"/>
+                <a:ea typeface="微软雅黑"/>
+              </a:rPr>
+              <a:t>	</a:t>
+            </a:r>
+            <a:r>
+              <a:rPr lang="zh-CN" altLang="en-US" sz="2000" b="1" spc="-1" dirty="0">
+                <a:latin typeface="微软雅黑"/>
+                <a:ea typeface="微软雅黑"/>
+              </a:rPr>
+              <a:t>查看中断的变化情况</a:t>
+            </a:r>
+            <a:endParaRPr lang="en-US" altLang="zh-CN" sz="2000" b="1" spc="-1" dirty="0">
+              <a:latin typeface="微软雅黑"/>
+              <a:ea typeface="微软雅黑"/>
+            </a:endParaRPr>
+          </a:p>
+          <a:p>
+            <a:pPr>
+              <a:lnSpc>
+                <a:spcPct val="100000"/>
+              </a:lnSpc>
+            </a:pPr>
+            <a:r>
+              <a:rPr lang="en-US" altLang="zh-CN" sz="2000" b="1" spc="-1" dirty="0">
+                <a:latin typeface="微软雅黑"/>
+                <a:ea typeface="微软雅黑"/>
+              </a:rPr>
+              <a:t>		watch -d cat /proc/interrupts    # -d </a:t>
+            </a:r>
+            <a:r>
+              <a:rPr lang="zh-CN" altLang="en-US" sz="2000" b="1" spc="-1" dirty="0">
+                <a:latin typeface="微软雅黑"/>
+                <a:ea typeface="微软雅黑"/>
+              </a:rPr>
+              <a:t>参数表示高亮显示变化的区域</a:t>
+            </a:r>
+            <a:endParaRPr lang="en-US" altLang="zh-CN" sz="2000" b="1" spc="-1" dirty="0">
+              <a:latin typeface="微软雅黑"/>
+              <a:ea typeface="微软雅黑"/>
+            </a:endParaRPr>
+          </a:p>
+          <a:p>
+            <a:pPr>
+              <a:lnSpc>
+                <a:spcPct val="100000"/>
+              </a:lnSpc>
+            </a:pPr>
+            <a:r>
+              <a:rPr lang="en-US" altLang="zh-CN" sz="2000" b="1" spc="-1" dirty="0">
+                <a:latin typeface="微软雅黑"/>
+                <a:ea typeface="微软雅黑"/>
+              </a:rPr>
+              <a:t>		</a:t>
+            </a:r>
+          </a:p>
+          <a:p>
+            <a:pPr>
+              <a:lnSpc>
+                <a:spcPct val="100000"/>
+              </a:lnSpc>
+            </a:pPr>
+            <a:r>
+              <a:rPr lang="en-US" sz="2000" b="1" strike="noStrike" spc="-1" dirty="0">
+                <a:latin typeface="微软雅黑"/>
+                <a:ea typeface="微软雅黑"/>
+              </a:rPr>
+              <a:t>		</a:t>
+            </a:r>
+            <a:endParaRPr lang="en-US" altLang="zh-CN" sz="2000" b="1" spc="-1" dirty="0">
+              <a:latin typeface="微软雅黑"/>
+              <a:ea typeface="微软雅黑"/>
+            </a:endParaRPr>
+          </a:p>
+          <a:p>
+            <a:pPr>
+              <a:lnSpc>
+                <a:spcPct val="100000"/>
+              </a:lnSpc>
+            </a:pPr>
+            <a:r>
+              <a:rPr lang="en-US" altLang="zh-CN" sz="2000" b="1" spc="-1" dirty="0">
+                <a:latin typeface="微软雅黑"/>
+                <a:ea typeface="微软雅黑"/>
+              </a:rPr>
+              <a:t>		</a:t>
+            </a:r>
+            <a:endParaRPr lang="en-US" sz="2000" b="1" spc="-1" dirty="0">
+              <a:latin typeface="微软雅黑"/>
+              <a:ea typeface="微软雅黑"/>
+            </a:endParaRPr>
+          </a:p>
+        </p:txBody>
+      </p:sp>
+    </p:spTree>
+    <p:extLst>
+      <p:ext uri="{BB962C8B-B14F-4D97-AF65-F5344CB8AC3E}">
+        <p14:creationId xmlns:p14="http://schemas.microsoft.com/office/powerpoint/2010/main" val="630234339"/>
+      </p:ext>
+    </p:extLst>
+  </p:cSld>
+  <p:clrMapOvr>
+    <a:masterClrMapping/>
+  </p:clrMapOvr>
+</p:sld>
+</file>
+
+<file path=ppt/slides/slide8.xml><?xml version="1.0" encoding="utf-8"?>
 <p:sld xmlns:a="http://schemas.openxmlformats.org/drawingml/2006/main" xmlns:r="http://schemas.openxmlformats.org/officeDocument/2006/relationships" xmlns:p="http://schemas.openxmlformats.org/presentationml/2006/main">
   <p:cSld>
     <p:spTree>

--- a/doc/04_性能优化.pptx
+++ b/doc/04_性能优化.pptx
@@ -5,17 +5,16 @@
     <p:sldMasterId id="2147484069" r:id="rId1"/>
   </p:sldMasterIdLst>
   <p:notesMasterIdLst>
-    <p:notesMasterId r:id="rId10"/>
+    <p:notesMasterId r:id="rId9"/>
   </p:notesMasterIdLst>
   <p:sldIdLst>
     <p:sldId id="256" r:id="rId2"/>
     <p:sldId id="259" r:id="rId3"/>
     <p:sldId id="257" r:id="rId4"/>
-    <p:sldId id="258" r:id="rId5"/>
-    <p:sldId id="260" r:id="rId6"/>
-    <p:sldId id="262" r:id="rId7"/>
-    <p:sldId id="263" r:id="rId8"/>
-    <p:sldId id="261" r:id="rId9"/>
+    <p:sldId id="260" r:id="rId5"/>
+    <p:sldId id="262" r:id="rId6"/>
+    <p:sldId id="263" r:id="rId7"/>
+    <p:sldId id="261" r:id="rId8"/>
   </p:sldIdLst>
   <p:sldSz cx="12192000" cy="6858000"/>
   <p:notesSz cx="6858000" cy="9144000"/>
@@ -658,7 +657,7 @@
           <a:p>
             <a:fld id="{A4036A34-A668-4A43-9099-C9D27A346F01}" type="datetimeFigureOut">
               <a:rPr lang="zh-CN" altLang="en-US" smtClean="0"/>
-              <a:t>2023/5/18</a:t>
+              <a:t>2023/6/3</a:t>
             </a:fld>
             <a:endParaRPr lang="zh-CN" altLang="en-US"/>
           </a:p>
@@ -996,7 +995,7 @@
           <a:p>
             <a:fld id="{A4036A34-A668-4A43-9099-C9D27A346F01}" type="datetimeFigureOut">
               <a:rPr lang="zh-CN" altLang="en-US" smtClean="0"/>
-              <a:t>2023/5/18</a:t>
+              <a:t>2023/6/3</a:t>
             </a:fld>
             <a:endParaRPr lang="zh-CN" altLang="en-US"/>
           </a:p>
@@ -1397,7 +1396,7 @@
           <a:p>
             <a:fld id="{A4036A34-A668-4A43-9099-C9D27A346F01}" type="datetimeFigureOut">
               <a:rPr lang="zh-CN" altLang="en-US" smtClean="0"/>
-              <a:t>2023/5/18</a:t>
+              <a:t>2023/6/3</a:t>
             </a:fld>
             <a:endParaRPr lang="zh-CN" altLang="en-US"/>
           </a:p>
@@ -1733,7 +1732,7 @@
           <a:p>
             <a:fld id="{A4036A34-A668-4A43-9099-C9D27A346F01}" type="datetimeFigureOut">
               <a:rPr lang="zh-CN" altLang="en-US" smtClean="0"/>
-              <a:t>2023/5/18</a:t>
+              <a:t>2023/6/3</a:t>
             </a:fld>
             <a:endParaRPr lang="zh-CN" altLang="en-US"/>
           </a:p>
@@ -2053,7 +2052,7 @@
           <a:p>
             <a:fld id="{A4036A34-A668-4A43-9099-C9D27A346F01}" type="datetimeFigureOut">
               <a:rPr lang="zh-CN" altLang="en-US" smtClean="0"/>
-              <a:t>2023/5/18</a:t>
+              <a:t>2023/6/3</a:t>
             </a:fld>
             <a:endParaRPr lang="zh-CN" altLang="en-US"/>
           </a:p>
@@ -2449,7 +2448,7 @@
           <a:p>
             <a:fld id="{A4036A34-A668-4A43-9099-C9D27A346F01}" type="datetimeFigureOut">
               <a:rPr lang="zh-CN" altLang="en-US" smtClean="0"/>
-              <a:t>2023/5/18</a:t>
+              <a:t>2023/6/3</a:t>
             </a:fld>
             <a:endParaRPr lang="zh-CN" altLang="en-US"/>
           </a:p>
@@ -2706,7 +2705,7 @@
           <a:p>
             <a:fld id="{A4036A34-A668-4A43-9099-C9D27A346F01}" type="datetimeFigureOut">
               <a:rPr lang="zh-CN" altLang="en-US" smtClean="0"/>
-              <a:t>2023/5/18</a:t>
+              <a:t>2023/6/3</a:t>
             </a:fld>
             <a:endParaRPr lang="zh-CN" altLang="en-US"/>
           </a:p>
@@ -2968,7 +2967,7 @@
           <a:p>
             <a:fld id="{A4036A34-A668-4A43-9099-C9D27A346F01}" type="datetimeFigureOut">
               <a:rPr lang="zh-CN" altLang="en-US" smtClean="0"/>
-              <a:t>2023/5/18</a:t>
+              <a:t>2023/6/3</a:t>
             </a:fld>
             <a:endParaRPr lang="zh-CN" altLang="en-US"/>
           </a:p>
@@ -3230,7 +3229,7 @@
           <a:p>
             <a:fld id="{A4036A34-A668-4A43-9099-C9D27A346F01}" type="datetimeFigureOut">
               <a:rPr lang="zh-CN" altLang="en-US" smtClean="0"/>
-              <a:t>2023/5/18</a:t>
+              <a:t>2023/6/3</a:t>
             </a:fld>
             <a:endParaRPr lang="zh-CN" altLang="en-US"/>
           </a:p>
@@ -3559,7 +3558,7 @@
           <a:p>
             <a:fld id="{A4036A34-A668-4A43-9099-C9D27A346F01}" type="datetimeFigureOut">
               <a:rPr lang="zh-CN" altLang="en-US" smtClean="0"/>
-              <a:t>2023/5/18</a:t>
+              <a:t>2023/6/3</a:t>
             </a:fld>
             <a:endParaRPr lang="zh-CN" altLang="en-US"/>
           </a:p>
@@ -3882,7 +3881,7 @@
           <a:p>
             <a:fld id="{A4036A34-A668-4A43-9099-C9D27A346F01}" type="datetimeFigureOut">
               <a:rPr lang="zh-CN" altLang="en-US" smtClean="0"/>
-              <a:t>2023/5/18</a:t>
+              <a:t>2023/6/3</a:t>
             </a:fld>
             <a:endParaRPr lang="zh-CN" altLang="en-US"/>
           </a:p>
@@ -4339,7 +4338,7 @@
           <a:p>
             <a:fld id="{A4036A34-A668-4A43-9099-C9D27A346F01}" type="datetimeFigureOut">
               <a:rPr lang="zh-CN" altLang="en-US" smtClean="0"/>
-              <a:t>2023/5/18</a:t>
+              <a:t>2023/6/3</a:t>
             </a:fld>
             <a:endParaRPr lang="zh-CN" altLang="en-US"/>
           </a:p>
@@ -4544,7 +4543,7 @@
           <a:p>
             <a:fld id="{A4036A34-A668-4A43-9099-C9D27A346F01}" type="datetimeFigureOut">
               <a:rPr lang="zh-CN" altLang="en-US" smtClean="0"/>
-              <a:t>2023/5/18</a:t>
+              <a:t>2023/6/3</a:t>
             </a:fld>
             <a:endParaRPr lang="zh-CN" altLang="en-US"/>
           </a:p>
@@ -4721,7 +4720,7 @@
           <a:p>
             <a:fld id="{A4036A34-A668-4A43-9099-C9D27A346F01}" type="datetimeFigureOut">
               <a:rPr lang="zh-CN" altLang="en-US" smtClean="0"/>
-              <a:t>2023/5/18</a:t>
+              <a:t>2023/6/3</a:t>
             </a:fld>
             <a:endParaRPr lang="zh-CN" altLang="en-US"/>
           </a:p>
@@ -5054,7 +5053,7 @@
           <a:p>
             <a:fld id="{A4036A34-A668-4A43-9099-C9D27A346F01}" type="datetimeFigureOut">
               <a:rPr lang="zh-CN" altLang="en-US" smtClean="0"/>
-              <a:t>2023/5/18</a:t>
+              <a:t>2023/6/3</a:t>
             </a:fld>
             <a:endParaRPr lang="zh-CN" altLang="en-US"/>
           </a:p>
@@ -5399,7 +5398,7 @@
           <a:p>
             <a:fld id="{A4036A34-A668-4A43-9099-C9D27A346F01}" type="datetimeFigureOut">
               <a:rPr lang="zh-CN" altLang="en-US" smtClean="0"/>
-              <a:t>2023/5/18</a:t>
+              <a:t>2023/6/3</a:t>
             </a:fld>
             <a:endParaRPr lang="zh-CN" altLang="en-US"/>
           </a:p>
@@ -7516,7 +7515,7 @@
           <a:p>
             <a:fld id="{A4036A34-A668-4A43-9099-C9D27A346F01}" type="datetimeFigureOut">
               <a:rPr lang="zh-CN" altLang="en-US" smtClean="0"/>
-              <a:t>2023/5/18</a:t>
+              <a:t>2023/6/3</a:t>
             </a:fld>
             <a:endParaRPr lang="zh-CN" altLang="en-US"/>
           </a:p>
@@ -8771,72 +8770,6 @@
           <a:chExt cx="0" cy="0"/>
         </a:xfrm>
       </p:grpSpPr>
-      <p:pic>
-        <p:nvPicPr>
-          <p:cNvPr id="4" name="图片 3">
-            <a:extLst>
-              <a:ext uri="{FF2B5EF4-FFF2-40B4-BE49-F238E27FC236}">
-                <a16:creationId xmlns:a16="http://schemas.microsoft.com/office/drawing/2014/main" id="{9B28CC3E-B4EE-EA61-4E02-777EEB7E505C}"/>
-              </a:ext>
-            </a:extLst>
-          </p:cNvPr>
-          <p:cNvPicPr>
-            <a:picLocks noChangeAspect="1"/>
-          </p:cNvPicPr>
-          <p:nvPr/>
-        </p:nvPicPr>
-        <p:blipFill>
-          <a:blip r:embed="rId2" cstate="print">
-            <a:extLst>
-              <a:ext uri="{28A0092B-C50C-407E-A947-70E740481C1C}">
-                <a14:useLocalDpi xmlns:a14="http://schemas.microsoft.com/office/drawing/2010/main" val="0"/>
-              </a:ext>
-            </a:extLst>
-          </a:blip>
-          <a:stretch>
-            <a:fillRect/>
-          </a:stretch>
-        </p:blipFill>
-        <p:spPr>
-          <a:xfrm>
-            <a:off x="1631504" y="116632"/>
-            <a:ext cx="10441160" cy="6624736"/>
-          </a:xfrm>
-          <a:prstGeom prst="rect">
-            <a:avLst/>
-          </a:prstGeom>
-        </p:spPr>
-      </p:pic>
-    </p:spTree>
-    <p:extLst>
-      <p:ext uri="{BB962C8B-B14F-4D97-AF65-F5344CB8AC3E}">
-        <p14:creationId xmlns:p14="http://schemas.microsoft.com/office/powerpoint/2010/main" val="1837906036"/>
-      </p:ext>
-    </p:extLst>
-  </p:cSld>
-  <p:clrMapOvr>
-    <a:masterClrMapping/>
-  </p:clrMapOvr>
-</p:sld>
-</file>
-
-<file path=ppt/slides/slide5.xml><?xml version="1.0" encoding="utf-8"?>
-<p:sld xmlns:a="http://schemas.openxmlformats.org/drawingml/2006/main" xmlns:r="http://schemas.openxmlformats.org/officeDocument/2006/relationships" xmlns:p="http://schemas.openxmlformats.org/presentationml/2006/main">
-  <p:cSld>
-    <p:spTree>
-      <p:nvGrpSpPr>
-        <p:cNvPr id="1" name=""/>
-        <p:cNvGrpSpPr/>
-        <p:nvPr/>
-      </p:nvGrpSpPr>
-      <p:grpSpPr>
-        <a:xfrm>
-          <a:off x="0" y="0"/>
-          <a:ext cx="0" cy="0"/>
-          <a:chOff x="0" y="0"/>
-          <a:chExt cx="0" cy="0"/>
-        </a:xfrm>
-      </p:grpSpPr>
       <p:sp>
         <p:nvSpPr>
           <p:cNvPr id="2" name="CustomShape 1">
@@ -9666,7 +9599,7 @@
 </p:sld>
 </file>
 
-<file path=ppt/slides/slide6.xml><?xml version="1.0" encoding="utf-8"?>
+<file path=ppt/slides/slide5.xml><?xml version="1.0" encoding="utf-8"?>
 <p:sld xmlns:a="http://schemas.openxmlformats.org/drawingml/2006/main" xmlns:r="http://schemas.openxmlformats.org/officeDocument/2006/relationships" xmlns:p="http://schemas.openxmlformats.org/presentationml/2006/main">
   <p:cSld>
     <p:spTree>
@@ -10567,7 +10500,7 @@
 </p:sld>
 </file>
 
-<file path=ppt/slides/slide7.xml><?xml version="1.0" encoding="utf-8"?>
+<file path=ppt/slides/slide6.xml><?xml version="1.0" encoding="utf-8"?>
 <p:sld xmlns:a="http://schemas.openxmlformats.org/drawingml/2006/main" xmlns:r="http://schemas.openxmlformats.org/officeDocument/2006/relationships" xmlns:p="http://schemas.openxmlformats.org/presentationml/2006/main">
   <p:cSld>
     <p:spTree>
@@ -10848,7 +10781,7 @@
 </p:sld>
 </file>
 
-<file path=ppt/slides/slide8.xml><?xml version="1.0" encoding="utf-8"?>
+<file path=ppt/slides/slide7.xml><?xml version="1.0" encoding="utf-8"?>
 <p:sld xmlns:a="http://schemas.openxmlformats.org/drawingml/2006/main" xmlns:r="http://schemas.openxmlformats.org/officeDocument/2006/relationships" xmlns:p="http://schemas.openxmlformats.org/presentationml/2006/main">
   <p:cSld>
     <p:spTree>

--- a/doc/04_性能优化.pptx
+++ b/doc/04_性能优化.pptx
@@ -5,16 +5,12 @@
     <p:sldMasterId id="2147484069" r:id="rId1"/>
   </p:sldMasterIdLst>
   <p:notesMasterIdLst>
-    <p:notesMasterId r:id="rId9"/>
+    <p:notesMasterId r:id="rId5"/>
   </p:notesMasterIdLst>
   <p:sldIdLst>
-    <p:sldId id="256" r:id="rId2"/>
-    <p:sldId id="259" r:id="rId3"/>
-    <p:sldId id="257" r:id="rId4"/>
-    <p:sldId id="260" r:id="rId5"/>
-    <p:sldId id="262" r:id="rId6"/>
-    <p:sldId id="263" r:id="rId7"/>
-    <p:sldId id="261" r:id="rId8"/>
+    <p:sldId id="260" r:id="rId2"/>
+    <p:sldId id="262" r:id="rId3"/>
+    <p:sldId id="263" r:id="rId4"/>
   </p:sldIdLst>
   <p:sldSz cx="12192000" cy="6858000"/>
   <p:notesSz cx="6858000" cy="9144000"/>
@@ -657,7 +653,7 @@
           <a:p>
             <a:fld id="{A4036A34-A668-4A43-9099-C9D27A346F01}" type="datetimeFigureOut">
               <a:rPr lang="zh-CN" altLang="en-US" smtClean="0"/>
-              <a:t>2023/6/3</a:t>
+              <a:t>2023/8/2</a:t>
             </a:fld>
             <a:endParaRPr lang="zh-CN" altLang="en-US"/>
           </a:p>
@@ -995,7 +991,7 @@
           <a:p>
             <a:fld id="{A4036A34-A668-4A43-9099-C9D27A346F01}" type="datetimeFigureOut">
               <a:rPr lang="zh-CN" altLang="en-US" smtClean="0"/>
-              <a:t>2023/6/3</a:t>
+              <a:t>2023/8/2</a:t>
             </a:fld>
             <a:endParaRPr lang="zh-CN" altLang="en-US"/>
           </a:p>
@@ -1396,7 +1392,7 @@
           <a:p>
             <a:fld id="{A4036A34-A668-4A43-9099-C9D27A346F01}" type="datetimeFigureOut">
               <a:rPr lang="zh-CN" altLang="en-US" smtClean="0"/>
-              <a:t>2023/6/3</a:t>
+              <a:t>2023/8/2</a:t>
             </a:fld>
             <a:endParaRPr lang="zh-CN" altLang="en-US"/>
           </a:p>
@@ -1732,7 +1728,7 @@
           <a:p>
             <a:fld id="{A4036A34-A668-4A43-9099-C9D27A346F01}" type="datetimeFigureOut">
               <a:rPr lang="zh-CN" altLang="en-US" smtClean="0"/>
-              <a:t>2023/6/3</a:t>
+              <a:t>2023/8/2</a:t>
             </a:fld>
             <a:endParaRPr lang="zh-CN" altLang="en-US"/>
           </a:p>
@@ -2052,7 +2048,7 @@
           <a:p>
             <a:fld id="{A4036A34-A668-4A43-9099-C9D27A346F01}" type="datetimeFigureOut">
               <a:rPr lang="zh-CN" altLang="en-US" smtClean="0"/>
-              <a:t>2023/6/3</a:t>
+              <a:t>2023/8/2</a:t>
             </a:fld>
             <a:endParaRPr lang="zh-CN" altLang="en-US"/>
           </a:p>
@@ -2448,7 +2444,7 @@
           <a:p>
             <a:fld id="{A4036A34-A668-4A43-9099-C9D27A346F01}" type="datetimeFigureOut">
               <a:rPr lang="zh-CN" altLang="en-US" smtClean="0"/>
-              <a:t>2023/6/3</a:t>
+              <a:t>2023/8/2</a:t>
             </a:fld>
             <a:endParaRPr lang="zh-CN" altLang="en-US"/>
           </a:p>
@@ -2705,7 +2701,7 @@
           <a:p>
             <a:fld id="{A4036A34-A668-4A43-9099-C9D27A346F01}" type="datetimeFigureOut">
               <a:rPr lang="zh-CN" altLang="en-US" smtClean="0"/>
-              <a:t>2023/6/3</a:t>
+              <a:t>2023/8/2</a:t>
             </a:fld>
             <a:endParaRPr lang="zh-CN" altLang="en-US"/>
           </a:p>
@@ -2967,7 +2963,7 @@
           <a:p>
             <a:fld id="{A4036A34-A668-4A43-9099-C9D27A346F01}" type="datetimeFigureOut">
               <a:rPr lang="zh-CN" altLang="en-US" smtClean="0"/>
-              <a:t>2023/6/3</a:t>
+              <a:t>2023/8/2</a:t>
             </a:fld>
             <a:endParaRPr lang="zh-CN" altLang="en-US"/>
           </a:p>
@@ -3229,7 +3225,7 @@
           <a:p>
             <a:fld id="{A4036A34-A668-4A43-9099-C9D27A346F01}" type="datetimeFigureOut">
               <a:rPr lang="zh-CN" altLang="en-US" smtClean="0"/>
-              <a:t>2023/6/3</a:t>
+              <a:t>2023/8/2</a:t>
             </a:fld>
             <a:endParaRPr lang="zh-CN" altLang="en-US"/>
           </a:p>
@@ -3558,7 +3554,7 @@
           <a:p>
             <a:fld id="{A4036A34-A668-4A43-9099-C9D27A346F01}" type="datetimeFigureOut">
               <a:rPr lang="zh-CN" altLang="en-US" smtClean="0"/>
-              <a:t>2023/6/3</a:t>
+              <a:t>2023/8/2</a:t>
             </a:fld>
             <a:endParaRPr lang="zh-CN" altLang="en-US"/>
           </a:p>
@@ -3881,7 +3877,7 @@
           <a:p>
             <a:fld id="{A4036A34-A668-4A43-9099-C9D27A346F01}" type="datetimeFigureOut">
               <a:rPr lang="zh-CN" altLang="en-US" smtClean="0"/>
-              <a:t>2023/6/3</a:t>
+              <a:t>2023/8/2</a:t>
             </a:fld>
             <a:endParaRPr lang="zh-CN" altLang="en-US"/>
           </a:p>
@@ -4338,7 +4334,7 @@
           <a:p>
             <a:fld id="{A4036A34-A668-4A43-9099-C9D27A346F01}" type="datetimeFigureOut">
               <a:rPr lang="zh-CN" altLang="en-US" smtClean="0"/>
-              <a:t>2023/6/3</a:t>
+              <a:t>2023/8/2</a:t>
             </a:fld>
             <a:endParaRPr lang="zh-CN" altLang="en-US"/>
           </a:p>
@@ -4543,7 +4539,7 @@
           <a:p>
             <a:fld id="{A4036A34-A668-4A43-9099-C9D27A346F01}" type="datetimeFigureOut">
               <a:rPr lang="zh-CN" altLang="en-US" smtClean="0"/>
-              <a:t>2023/6/3</a:t>
+              <a:t>2023/8/2</a:t>
             </a:fld>
             <a:endParaRPr lang="zh-CN" altLang="en-US"/>
           </a:p>
@@ -4720,7 +4716,7 @@
           <a:p>
             <a:fld id="{A4036A34-A668-4A43-9099-C9D27A346F01}" type="datetimeFigureOut">
               <a:rPr lang="zh-CN" altLang="en-US" smtClean="0"/>
-              <a:t>2023/6/3</a:t>
+              <a:t>2023/8/2</a:t>
             </a:fld>
             <a:endParaRPr lang="zh-CN" altLang="en-US"/>
           </a:p>
@@ -5053,7 +5049,7 @@
           <a:p>
             <a:fld id="{A4036A34-A668-4A43-9099-C9D27A346F01}" type="datetimeFigureOut">
               <a:rPr lang="zh-CN" altLang="en-US" smtClean="0"/>
-              <a:t>2023/6/3</a:t>
+              <a:t>2023/8/2</a:t>
             </a:fld>
             <a:endParaRPr lang="zh-CN" altLang="en-US"/>
           </a:p>
@@ -5398,7 +5394,7 @@
           <a:p>
             <a:fld id="{A4036A34-A668-4A43-9099-C9D27A346F01}" type="datetimeFigureOut">
               <a:rPr lang="zh-CN" altLang="en-US" smtClean="0"/>
-              <a:t>2023/6/3</a:t>
+              <a:t>2023/8/2</a:t>
             </a:fld>
             <a:endParaRPr lang="zh-CN" altLang="en-US"/>
           </a:p>
@@ -7515,7 +7511,7 @@
           <a:p>
             <a:fld id="{A4036A34-A668-4A43-9099-C9D27A346F01}" type="datetimeFigureOut">
               <a:rPr lang="zh-CN" altLang="en-US" smtClean="0"/>
-              <a:t>2023/6/3</a:t>
+              <a:t>2023/8/2</a:t>
             </a:fld>
             <a:endParaRPr lang="zh-CN" altLang="en-US"/>
           </a:p>
@@ -8040,738 +8036,6 @@
       </p:grpSpPr>
       <p:sp>
         <p:nvSpPr>
-          <p:cNvPr id="211" name="CustomShape 1"/>
-          <p:cNvSpPr/>
-          <p:nvPr/>
-        </p:nvSpPr>
-        <p:spPr>
-          <a:xfrm>
-            <a:off x="1523492" y="2322458"/>
-            <a:ext cx="9145016" cy="1106542"/>
-          </a:xfrm>
-          <a:prstGeom prst="rect">
-            <a:avLst/>
-          </a:prstGeom>
-          <a:noFill/>
-          <a:ln w="0">
-            <a:noFill/>
-          </a:ln>
-        </p:spPr>
-        <p:style>
-          <a:lnRef idx="0">
-            <a:scrgbClr r="0" g="0" b="0"/>
-          </a:lnRef>
-          <a:fillRef idx="0">
-            <a:scrgbClr r="0" g="0" b="0"/>
-          </a:fillRef>
-          <a:effectRef idx="0">
-            <a:scrgbClr r="0" g="0" b="0"/>
-          </a:effectRef>
-          <a:fontRef idx="minor"/>
-        </p:style>
-        <p:txBody>
-          <a:bodyPr wrap="square" lIns="90000" tIns="45000" rIns="90000" bIns="45000">
-            <a:spAutoFit/>
-          </a:bodyPr>
-          <a:lstStyle/>
-          <a:p>
-            <a:pPr algn="ctr">
-              <a:lnSpc>
-                <a:spcPct val="100000"/>
-              </a:lnSpc>
-            </a:pPr>
-            <a:r>
-              <a:rPr lang="en-US" sz="6600" b="1" strike="noStrike" spc="-1" dirty="0">
-                <a:solidFill>
-                  <a:schemeClr val="accent6">
-                    <a:lumMod val="75000"/>
-                  </a:schemeClr>
-                </a:solidFill>
-                <a:latin typeface="微软雅黑"/>
-                <a:ea typeface="微软雅黑"/>
-              </a:rPr>
-              <a:t> </a:t>
-            </a:r>
-            <a:r>
-              <a:rPr lang="zh-CN" altLang="en-US" sz="6600" b="1" strike="noStrike" spc="-1" dirty="0">
-                <a:solidFill>
-                  <a:schemeClr val="accent6">
-                    <a:lumMod val="75000"/>
-                  </a:schemeClr>
-                </a:solidFill>
-                <a:latin typeface="微软雅黑"/>
-                <a:ea typeface="微软雅黑"/>
-              </a:rPr>
-              <a:t>性能优化</a:t>
-            </a:r>
-            <a:endParaRPr lang="en-US" sz="6000" b="0" strike="noStrike" spc="-1" dirty="0">
-              <a:solidFill>
-                <a:schemeClr val="accent6">
-                  <a:lumMod val="75000"/>
-                </a:schemeClr>
-              </a:solidFill>
-              <a:latin typeface="Arial"/>
-            </a:endParaRPr>
-          </a:p>
-        </p:txBody>
-      </p:sp>
-      <p:sp>
-        <p:nvSpPr>
-          <p:cNvPr id="2" name="矩形 1">
-            <a:extLst>
-              <a:ext uri="{FF2B5EF4-FFF2-40B4-BE49-F238E27FC236}">
-                <a16:creationId xmlns:a16="http://schemas.microsoft.com/office/drawing/2014/main" id="{3075D6AF-CB5F-409B-446B-216A70D107EF}"/>
-              </a:ext>
-            </a:extLst>
-          </p:cNvPr>
-          <p:cNvSpPr/>
-          <p:nvPr/>
-        </p:nvSpPr>
-        <p:spPr>
-          <a:xfrm>
-            <a:off x="1733550" y="1700808"/>
-            <a:ext cx="8667750" cy="2592288"/>
-          </a:xfrm>
-          <a:prstGeom prst="rect">
-            <a:avLst/>
-          </a:prstGeom>
-          <a:noFill/>
-          <a:ln w="38100">
-            <a:gradFill>
-              <a:gsLst>
-                <a:gs pos="0">
-                  <a:schemeClr val="accent2">
-                    <a:lumMod val="60000"/>
-                    <a:lumOff val="40000"/>
-                  </a:schemeClr>
-                </a:gs>
-                <a:gs pos="81000">
-                  <a:schemeClr val="accent4">
-                    <a:lumMod val="60000"/>
-                    <a:lumOff val="40000"/>
-                  </a:schemeClr>
-                </a:gs>
-              </a:gsLst>
-              <a:lin ang="5400000" scaled="1"/>
-            </a:gradFill>
-          </a:ln>
-        </p:spPr>
-        <p:style>
-          <a:lnRef idx="2">
-            <a:schemeClr val="accent1">
-              <a:shade val="50000"/>
-            </a:schemeClr>
-          </a:lnRef>
-          <a:fillRef idx="1">
-            <a:schemeClr val="accent1"/>
-          </a:fillRef>
-          <a:effectRef idx="0">
-            <a:schemeClr val="accent1"/>
-          </a:effectRef>
-          <a:fontRef idx="minor">
-            <a:schemeClr val="lt1"/>
-          </a:fontRef>
-        </p:style>
-        <p:txBody>
-          <a:bodyPr rot="0" spcFirstLastPara="0" vertOverflow="overflow" horzOverflow="overflow" vert="horz" wrap="square" lIns="91440" tIns="45720" rIns="91440" bIns="45720" numCol="1" spcCol="0" rtlCol="0" fromWordArt="0" anchor="ctr" anchorCtr="0" forceAA="0" compatLnSpc="1">
-            <a:prstTxWarp prst="textNoShape">
-              <a:avLst/>
-            </a:prstTxWarp>
-            <a:noAutofit/>
-          </a:bodyPr>
-          <a:lstStyle/>
-          <a:p>
-            <a:pPr algn="ctr"/>
-            <a:endParaRPr lang="zh-CN" altLang="en-US" dirty="0">
-              <a:solidFill>
-                <a:schemeClr val="accent6">
-                  <a:lumMod val="75000"/>
-                </a:schemeClr>
-              </a:solidFill>
-            </a:endParaRPr>
-          </a:p>
-        </p:txBody>
-      </p:sp>
-      <p:sp>
-        <p:nvSpPr>
-          <p:cNvPr id="4" name="矩形 3">
-            <a:extLst>
-              <a:ext uri="{FF2B5EF4-FFF2-40B4-BE49-F238E27FC236}">
-                <a16:creationId xmlns:a16="http://schemas.microsoft.com/office/drawing/2014/main" id="{DAD36432-692B-52D4-74E0-DF515D6FD116}"/>
-              </a:ext>
-            </a:extLst>
-          </p:cNvPr>
-          <p:cNvSpPr/>
-          <p:nvPr/>
-        </p:nvSpPr>
-        <p:spPr>
-          <a:xfrm>
-            <a:off x="5542002" y="3614704"/>
-            <a:ext cx="1107996" cy="369332"/>
-          </a:xfrm>
-          <a:prstGeom prst="rect">
-            <a:avLst/>
-          </a:prstGeom>
-        </p:spPr>
-        <p:txBody>
-          <a:bodyPr wrap="none">
-            <a:spAutoFit/>
-          </a:bodyPr>
-          <a:lstStyle/>
-          <a:p>
-            <a:pPr algn="ctr"/>
-            <a:r>
-              <a:rPr lang="zh-CN" altLang="en-US" b="1" dirty="0">
-                <a:solidFill>
-                  <a:schemeClr val="accent6">
-                    <a:lumMod val="75000"/>
-                  </a:schemeClr>
-                </a:solidFill>
-                <a:latin typeface="Arial" panose="020B0604020202020204" pitchFamily="34" charset="0"/>
-                <a:ea typeface="微软雅黑" panose="020B0503020204020204" pitchFamily="34" charset="-122"/>
-                <a:cs typeface="宋体" panose="02010600030101010101" pitchFamily="2" charset="-122"/>
-                <a:sym typeface="+mn-lt"/>
-              </a:rPr>
-              <a:t>技术方案</a:t>
-            </a:r>
-            <a:endParaRPr lang="en-US" altLang="zh-CN" b="1" dirty="0">
-              <a:solidFill>
-                <a:schemeClr val="accent6">
-                  <a:lumMod val="75000"/>
-                </a:schemeClr>
-              </a:solidFill>
-              <a:latin typeface="微软雅黑" panose="020B0503020204020204" pitchFamily="34" charset="-122"/>
-              <a:ea typeface="微软雅黑" panose="020B0503020204020204" pitchFamily="34" charset="-122"/>
-              <a:cs typeface="Open Sans BOLD" panose="020B0806030504020204" pitchFamily="34" charset="0"/>
-            </a:endParaRPr>
-          </a:p>
-        </p:txBody>
-      </p:sp>
-    </p:spTree>
-  </p:cSld>
-  <p:clrMapOvr>
-    <a:masterClrMapping/>
-  </p:clrMapOvr>
-</p:sld>
-</file>
-
-<file path=ppt/slides/slide2.xml><?xml version="1.0" encoding="utf-8"?>
-<p:sld xmlns:a="http://schemas.openxmlformats.org/drawingml/2006/main" xmlns:r="http://schemas.openxmlformats.org/officeDocument/2006/relationships" xmlns:p="http://schemas.openxmlformats.org/presentationml/2006/main">
-  <p:cSld>
-    <p:spTree>
-      <p:nvGrpSpPr>
-        <p:cNvPr id="1" name=""/>
-        <p:cNvGrpSpPr/>
-        <p:nvPr/>
-      </p:nvGrpSpPr>
-      <p:grpSpPr>
-        <a:xfrm>
-          <a:off x="0" y="0"/>
-          <a:ext cx="0" cy="0"/>
-          <a:chOff x="0" y="0"/>
-          <a:chExt cx="0" cy="0"/>
-        </a:xfrm>
-      </p:grpSpPr>
-      <p:sp>
-        <p:nvSpPr>
-          <p:cNvPr id="2" name="任意多边形: 形状 9">
-            <a:extLst>
-              <a:ext uri="{FF2B5EF4-FFF2-40B4-BE49-F238E27FC236}">
-                <a16:creationId xmlns:a16="http://schemas.microsoft.com/office/drawing/2014/main" id="{13D63C7F-902A-4DDA-7D1E-A3AE760FE59E}"/>
-              </a:ext>
-            </a:extLst>
-          </p:cNvPr>
-          <p:cNvSpPr/>
-          <p:nvPr/>
-        </p:nvSpPr>
-        <p:spPr>
-          <a:xfrm>
-            <a:off x="3383915" y="2557145"/>
-            <a:ext cx="1845310" cy="1108710"/>
-          </a:xfrm>
-          <a:custGeom>
-            <a:avLst/>
-            <a:gdLst>
-              <a:gd name="connsiteX0" fmla="*/ 295798 w 1033384"/>
-              <a:gd name="connsiteY0" fmla="*/ 0 h 615950"/>
-              <a:gd name="connsiteX1" fmla="*/ 1033384 w 1033384"/>
-              <a:gd name="connsiteY1" fmla="*/ 0 h 615950"/>
-              <a:gd name="connsiteX2" fmla="*/ 737587 w 1033384"/>
-              <a:gd name="connsiteY2" fmla="*/ 615950 h 615950"/>
-              <a:gd name="connsiteX3" fmla="*/ 0 w 1033384"/>
-              <a:gd name="connsiteY3" fmla="*/ 615950 h 615950"/>
-            </a:gdLst>
-            <a:ahLst/>
-            <a:cxnLst>
-              <a:cxn ang="0">
-                <a:pos x="connsiteX0" y="connsiteY0"/>
-              </a:cxn>
-              <a:cxn ang="0">
-                <a:pos x="connsiteX1" y="connsiteY1"/>
-              </a:cxn>
-              <a:cxn ang="0">
-                <a:pos x="connsiteX2" y="connsiteY2"/>
-              </a:cxn>
-              <a:cxn ang="0">
-                <a:pos x="connsiteX3" y="connsiteY3"/>
-              </a:cxn>
-            </a:cxnLst>
-            <a:rect l="l" t="t" r="r" b="b"/>
-            <a:pathLst>
-              <a:path w="1033384" h="615950">
-                <a:moveTo>
-                  <a:pt x="295798" y="0"/>
-                </a:moveTo>
-                <a:lnTo>
-                  <a:pt x="1033384" y="0"/>
-                </a:lnTo>
-                <a:lnTo>
-                  <a:pt x="737587" y="615950"/>
-                </a:lnTo>
-                <a:lnTo>
-                  <a:pt x="0" y="615950"/>
-                </a:lnTo>
-                <a:close/>
-              </a:path>
-            </a:pathLst>
-          </a:custGeom>
-          <a:solidFill>
-            <a:schemeClr val="accent6">
-              <a:lumMod val="75000"/>
-            </a:schemeClr>
-          </a:solidFill>
-          <a:ln>
-            <a:noFill/>
-          </a:ln>
-        </p:spPr>
-        <p:style>
-          <a:lnRef idx="2">
-            <a:schemeClr val="accent1">
-              <a:shade val="50000"/>
-            </a:schemeClr>
-          </a:lnRef>
-          <a:fillRef idx="1">
-            <a:schemeClr val="accent1"/>
-          </a:fillRef>
-          <a:effectRef idx="0">
-            <a:schemeClr val="accent1"/>
-          </a:effectRef>
-          <a:fontRef idx="minor">
-            <a:schemeClr val="lt1"/>
-          </a:fontRef>
-        </p:style>
-        <p:txBody>
-          <a:bodyPr vertOverflow="overflow" horzOverflow="overflow" vert="horz" wrap="square" numCol="1" spcCol="0" rtlCol="0" fromWordArt="0" anchor="ctr" anchorCtr="0" forceAA="0" compatLnSpc="1">
-            <a:noAutofit/>
-          </a:bodyPr>
-          <a:lstStyle/>
-          <a:p>
-            <a:pPr lvl="0" algn="ctr"/>
-            <a:endParaRPr lang="zh-CN" altLang="en-US" dirty="0">
-              <a:solidFill>
-                <a:schemeClr val="accent6">
-                  <a:lumMod val="75000"/>
-                </a:schemeClr>
-              </a:solidFill>
-              <a:highlight>
-                <a:srgbClr val="808000"/>
-              </a:highlight>
-              <a:latin typeface="微软雅黑" panose="020B0503020204020204" charset="-122"/>
-              <a:ea typeface="微软雅黑" panose="020B0503020204020204" charset="-122"/>
-              <a:cs typeface="+mn-ea"/>
-              <a:sym typeface="+mn-lt"/>
-            </a:endParaRPr>
-          </a:p>
-        </p:txBody>
-      </p:sp>
-      <p:sp>
-        <p:nvSpPr>
-          <p:cNvPr id="3" name="任意多边形: 形状 15">
-            <a:extLst>
-              <a:ext uri="{FF2B5EF4-FFF2-40B4-BE49-F238E27FC236}">
-                <a16:creationId xmlns:a16="http://schemas.microsoft.com/office/drawing/2014/main" id="{200ED69E-4559-C0DD-0CFC-3AFC624CB892}"/>
-              </a:ext>
-            </a:extLst>
-          </p:cNvPr>
-          <p:cNvSpPr/>
-          <p:nvPr/>
-        </p:nvSpPr>
-        <p:spPr>
-          <a:xfrm>
-            <a:off x="4070985" y="3105785"/>
-            <a:ext cx="1156970" cy="695960"/>
-          </a:xfrm>
-          <a:custGeom>
-            <a:avLst/>
-            <a:gdLst>
-              <a:gd name="connsiteX0" fmla="*/ 295798 w 1033384"/>
-              <a:gd name="connsiteY0" fmla="*/ 0 h 615950"/>
-              <a:gd name="connsiteX1" fmla="*/ 1033384 w 1033384"/>
-              <a:gd name="connsiteY1" fmla="*/ 0 h 615950"/>
-              <a:gd name="connsiteX2" fmla="*/ 737587 w 1033384"/>
-              <a:gd name="connsiteY2" fmla="*/ 615950 h 615950"/>
-              <a:gd name="connsiteX3" fmla="*/ 0 w 1033384"/>
-              <a:gd name="connsiteY3" fmla="*/ 615950 h 615950"/>
-            </a:gdLst>
-            <a:ahLst/>
-            <a:cxnLst>
-              <a:cxn ang="0">
-                <a:pos x="connsiteX0" y="connsiteY0"/>
-              </a:cxn>
-              <a:cxn ang="0">
-                <a:pos x="connsiteX1" y="connsiteY1"/>
-              </a:cxn>
-              <a:cxn ang="0">
-                <a:pos x="connsiteX2" y="connsiteY2"/>
-              </a:cxn>
-              <a:cxn ang="0">
-                <a:pos x="connsiteX3" y="connsiteY3"/>
-              </a:cxn>
-            </a:cxnLst>
-            <a:rect l="l" t="t" r="r" b="b"/>
-            <a:pathLst>
-              <a:path w="1033384" h="615950">
-                <a:moveTo>
-                  <a:pt x="295798" y="0"/>
-                </a:moveTo>
-                <a:lnTo>
-                  <a:pt x="1033384" y="0"/>
-                </a:lnTo>
-                <a:lnTo>
-                  <a:pt x="737587" y="615950"/>
-                </a:lnTo>
-                <a:lnTo>
-                  <a:pt x="0" y="615950"/>
-                </a:lnTo>
-                <a:close/>
-              </a:path>
-            </a:pathLst>
-          </a:custGeom>
-          <a:solidFill>
-            <a:srgbClr val="5A6783">
-              <a:alpha val="49804"/>
-            </a:srgbClr>
-          </a:solidFill>
-          <a:ln>
-            <a:noFill/>
-          </a:ln>
-        </p:spPr>
-        <p:style>
-          <a:lnRef idx="2">
-            <a:schemeClr val="accent1">
-              <a:shade val="50000"/>
-            </a:schemeClr>
-          </a:lnRef>
-          <a:fillRef idx="1">
-            <a:schemeClr val="accent1"/>
-          </a:fillRef>
-          <a:effectRef idx="0">
-            <a:schemeClr val="accent1"/>
-          </a:effectRef>
-          <a:fontRef idx="minor">
-            <a:schemeClr val="lt1"/>
-          </a:fontRef>
-        </p:style>
-        <p:txBody>
-          <a:bodyPr rot="0" spcFirstLastPara="0" vertOverflow="overflow" horzOverflow="overflow" vert="horz" wrap="square" lIns="91440" tIns="45720" rIns="91440" bIns="45720" numCol="1" spcCol="0" rtlCol="0" fromWordArt="0" anchor="ctr" anchorCtr="0" forceAA="0" compatLnSpc="1">
-            <a:noAutofit/>
-          </a:bodyPr>
-          <a:lstStyle/>
-          <a:p>
-            <a:pPr algn="ctr"/>
-            <a:endParaRPr lang="zh-CN" altLang="en-US" dirty="0">
-              <a:latin typeface="微软雅黑" panose="020B0503020204020204" charset="-122"/>
-              <a:ea typeface="微软雅黑" panose="020B0503020204020204" charset="-122"/>
-              <a:cs typeface="+mn-ea"/>
-              <a:sym typeface="+mn-lt"/>
-            </a:endParaRPr>
-          </a:p>
-        </p:txBody>
-      </p:sp>
-      <p:sp>
-        <p:nvSpPr>
-          <p:cNvPr id="4" name="文本框 3">
-            <a:extLst>
-              <a:ext uri="{FF2B5EF4-FFF2-40B4-BE49-F238E27FC236}">
-                <a16:creationId xmlns:a16="http://schemas.microsoft.com/office/drawing/2014/main" id="{02B8C828-5354-F466-D211-55785C4ECF05}"/>
-              </a:ext>
-            </a:extLst>
-          </p:cNvPr>
-          <p:cNvSpPr txBox="1"/>
-          <p:nvPr/>
-        </p:nvSpPr>
-        <p:spPr>
-          <a:xfrm>
-            <a:off x="3976675" y="2610971"/>
-            <a:ext cx="659155" cy="1015663"/>
-          </a:xfrm>
-          <a:prstGeom prst="rect">
-            <a:avLst/>
-          </a:prstGeom>
-          <a:noFill/>
-        </p:spPr>
-        <p:txBody>
-          <a:bodyPr wrap="none" rtlCol="0" anchor="ctr" anchorCtr="0">
-            <a:spAutoFit/>
-            <a:scene3d>
-              <a:camera prst="orthographicFront"/>
-              <a:lightRig rig="threePt" dir="t"/>
-            </a:scene3d>
-          </a:bodyPr>
-          <a:lstStyle/>
-          <a:p>
-            <a:pPr algn="ctr"/>
-            <a:r>
-              <a:rPr lang="en-US" altLang="zh-CN" sz="6000" b="1" i="1" dirty="0">
-                <a:solidFill>
-                  <a:schemeClr val="bg1"/>
-                </a:solidFill>
-                <a:latin typeface="微软雅黑" panose="020B0503020204020204" charset="-122"/>
-                <a:ea typeface="微软雅黑" panose="020B0503020204020204" charset="-122"/>
-                <a:cs typeface="Arial Bold Italic" panose="020B0604020202090204" charset="0"/>
-                <a:sym typeface="+mn-lt"/>
-              </a:rPr>
-              <a:t>1</a:t>
-            </a:r>
-          </a:p>
-        </p:txBody>
-      </p:sp>
-      <p:sp>
-        <p:nvSpPr>
-          <p:cNvPr id="5" name="Title 5">
-            <a:extLst>
-              <a:ext uri="{FF2B5EF4-FFF2-40B4-BE49-F238E27FC236}">
-                <a16:creationId xmlns:a16="http://schemas.microsoft.com/office/drawing/2014/main" id="{D67ED5FB-7D3C-4AAB-A1C3-3B45523EEA4F}"/>
-              </a:ext>
-            </a:extLst>
-          </p:cNvPr>
-          <p:cNvSpPr txBox="1"/>
-          <p:nvPr/>
-        </p:nvSpPr>
-        <p:spPr>
-          <a:xfrm>
-            <a:off x="5442269" y="2852936"/>
-            <a:ext cx="4110115" cy="773698"/>
-          </a:xfrm>
-        </p:spPr>
-        <p:txBody>
-          <a:bodyPr/>
-          <a:lstStyle>
-            <a:lvl1pPr algn="l" defTabSz="914400" rtl="0" eaLnBrk="1" latinLnBrk="0" hangingPunct="1">
-              <a:lnSpc>
-                <a:spcPts val="4200"/>
-              </a:lnSpc>
-              <a:spcBef>
-                <a:spcPct val="0"/>
-              </a:spcBef>
-              <a:buNone/>
-              <a:defRPr sz="3200" b="1" kern="1200">
-                <a:solidFill>
-                  <a:schemeClr val="tx2"/>
-                </a:solidFill>
-                <a:latin typeface="+mj-lt"/>
-                <a:ea typeface="+mj-ea"/>
-                <a:cs typeface="+mj-cs"/>
-              </a:defRPr>
-            </a:lvl1pPr>
-          </a:lstStyle>
-          <a:p>
-            <a:r>
-              <a:rPr lang="en-US" altLang="zh-CN" sz="4000" b="0" spc="500" dirty="0">
-                <a:solidFill>
-                  <a:srgbClr val="3D485D"/>
-                </a:solidFill>
-                <a:latin typeface="微软雅黑" panose="020B0503020204020204" charset="-122"/>
-                <a:ea typeface="微软雅黑" panose="020B0503020204020204" charset="-122"/>
-              </a:rPr>
-              <a:t>Linux</a:t>
-            </a:r>
-            <a:r>
-              <a:rPr lang="zh-CN" altLang="en-US" sz="4000" b="0" spc="500" dirty="0">
-                <a:solidFill>
-                  <a:srgbClr val="3D485D"/>
-                </a:solidFill>
-                <a:latin typeface="微软雅黑" panose="020B0503020204020204" charset="-122"/>
-                <a:ea typeface="微软雅黑" panose="020B0503020204020204" charset="-122"/>
-              </a:rPr>
-              <a:t>性能优化</a:t>
-            </a:r>
-            <a:endParaRPr lang="en-US" sz="4000" b="0" spc="500" dirty="0">
-              <a:solidFill>
-                <a:srgbClr val="3D485D"/>
-              </a:solidFill>
-              <a:latin typeface="微软雅黑" panose="020B0503020204020204" charset="-122"/>
-              <a:ea typeface="微软雅黑" panose="020B0503020204020204" charset="-122"/>
-            </a:endParaRPr>
-          </a:p>
-        </p:txBody>
-      </p:sp>
-    </p:spTree>
-    <p:extLst>
-      <p:ext uri="{BB962C8B-B14F-4D97-AF65-F5344CB8AC3E}">
-        <p14:creationId xmlns:p14="http://schemas.microsoft.com/office/powerpoint/2010/main" val="2238892832"/>
-      </p:ext>
-    </p:extLst>
-  </p:cSld>
-  <p:clrMapOvr>
-    <a:masterClrMapping/>
-  </p:clrMapOvr>
-</p:sld>
-</file>
-
-<file path=ppt/slides/slide3.xml><?xml version="1.0" encoding="utf-8"?>
-<p:sld xmlns:a="http://schemas.openxmlformats.org/drawingml/2006/main" xmlns:r="http://schemas.openxmlformats.org/officeDocument/2006/relationships" xmlns:p="http://schemas.openxmlformats.org/presentationml/2006/main">
-  <p:cSld>
-    <p:spTree>
-      <p:nvGrpSpPr>
-        <p:cNvPr id="1" name=""/>
-        <p:cNvGrpSpPr/>
-        <p:nvPr/>
-      </p:nvGrpSpPr>
-      <p:grpSpPr>
-        <a:xfrm>
-          <a:off x="0" y="0"/>
-          <a:ext cx="0" cy="0"/>
-          <a:chOff x="0" y="0"/>
-          <a:chExt cx="0" cy="0"/>
-        </a:xfrm>
-      </p:grpSpPr>
-      <p:sp>
-        <p:nvSpPr>
-          <p:cNvPr id="211" name="CustomShape 1"/>
-          <p:cNvSpPr/>
-          <p:nvPr/>
-        </p:nvSpPr>
-        <p:spPr>
-          <a:xfrm>
-            <a:off x="1487488" y="1916832"/>
-            <a:ext cx="9145016" cy="1106542"/>
-          </a:xfrm>
-          <a:prstGeom prst="rect">
-            <a:avLst/>
-          </a:prstGeom>
-          <a:noFill/>
-          <a:ln w="0">
-            <a:noFill/>
-          </a:ln>
-        </p:spPr>
-        <p:style>
-          <a:lnRef idx="0">
-            <a:scrgbClr r="0" g="0" b="0"/>
-          </a:lnRef>
-          <a:fillRef idx="0">
-            <a:scrgbClr r="0" g="0" b="0"/>
-          </a:fillRef>
-          <a:effectRef idx="0">
-            <a:scrgbClr r="0" g="0" b="0"/>
-          </a:effectRef>
-          <a:fontRef idx="minor"/>
-        </p:style>
-        <p:txBody>
-          <a:bodyPr wrap="square" lIns="90000" tIns="45000" rIns="90000" bIns="45000">
-            <a:spAutoFit/>
-          </a:bodyPr>
-          <a:lstStyle/>
-          <a:p>
-            <a:pPr algn="ctr">
-              <a:lnSpc>
-                <a:spcPct val="100000"/>
-              </a:lnSpc>
-            </a:pPr>
-            <a:r>
-              <a:rPr lang="en-US" sz="6600" b="1" strike="noStrike" spc="-1" dirty="0">
-                <a:solidFill>
-                  <a:srgbClr val="FFFFFF"/>
-                </a:solidFill>
-                <a:latin typeface="微软雅黑"/>
-                <a:ea typeface="微软雅黑"/>
-              </a:rPr>
-              <a:t> </a:t>
-            </a:r>
-            <a:r>
-              <a:rPr lang="zh-CN" altLang="en-US" sz="6600" b="1" strike="noStrike" spc="-1" dirty="0">
-                <a:solidFill>
-                  <a:srgbClr val="FFFFFF"/>
-                </a:solidFill>
-                <a:latin typeface="微软雅黑"/>
-                <a:ea typeface="微软雅黑"/>
-              </a:rPr>
-              <a:t>性能优化</a:t>
-            </a:r>
-            <a:endParaRPr lang="en-US" sz="6000" b="0" strike="noStrike" spc="-1" dirty="0">
-              <a:latin typeface="Arial"/>
-            </a:endParaRPr>
-          </a:p>
-        </p:txBody>
-      </p:sp>
-      <p:pic>
-        <p:nvPicPr>
-          <p:cNvPr id="3" name="图片 2">
-            <a:extLst>
-              <a:ext uri="{FF2B5EF4-FFF2-40B4-BE49-F238E27FC236}">
-                <a16:creationId xmlns:a16="http://schemas.microsoft.com/office/drawing/2014/main" id="{4628A856-C31C-3683-8F91-B899664F1059}"/>
-              </a:ext>
-            </a:extLst>
-          </p:cNvPr>
-          <p:cNvPicPr>
-            <a:picLocks noChangeAspect="1"/>
-          </p:cNvPicPr>
-          <p:nvPr/>
-        </p:nvPicPr>
-        <p:blipFill>
-          <a:blip r:embed="rId2" cstate="print">
-            <a:extLst>
-              <a:ext uri="{28A0092B-C50C-407E-A947-70E740481C1C}">
-                <a14:useLocalDpi xmlns:a14="http://schemas.microsoft.com/office/drawing/2010/main" val="0"/>
-              </a:ext>
-            </a:extLst>
-          </a:blip>
-          <a:stretch>
-            <a:fillRect/>
-          </a:stretch>
-        </p:blipFill>
-        <p:spPr>
-          <a:xfrm>
-            <a:off x="1631504" y="116633"/>
-            <a:ext cx="10432693" cy="6624736"/>
-          </a:xfrm>
-          <a:prstGeom prst="rect">
-            <a:avLst/>
-          </a:prstGeom>
-        </p:spPr>
-      </p:pic>
-    </p:spTree>
-    <p:extLst>
-      <p:ext uri="{BB962C8B-B14F-4D97-AF65-F5344CB8AC3E}">
-        <p14:creationId xmlns:p14="http://schemas.microsoft.com/office/powerpoint/2010/main" val="2141855501"/>
-      </p:ext>
-    </p:extLst>
-  </p:cSld>
-  <p:clrMapOvr>
-    <a:masterClrMapping/>
-  </p:clrMapOvr>
-</p:sld>
-</file>
-
-<file path=ppt/slides/slide4.xml><?xml version="1.0" encoding="utf-8"?>
-<p:sld xmlns:a="http://schemas.openxmlformats.org/drawingml/2006/main" xmlns:r="http://schemas.openxmlformats.org/officeDocument/2006/relationships" xmlns:p="http://schemas.openxmlformats.org/presentationml/2006/main">
-  <p:cSld>
-    <p:spTree>
-      <p:nvGrpSpPr>
-        <p:cNvPr id="1" name=""/>
-        <p:cNvGrpSpPr/>
-        <p:nvPr/>
-      </p:nvGrpSpPr>
-      <p:grpSpPr>
-        <a:xfrm>
-          <a:off x="0" y="0"/>
-          <a:ext cx="0" cy="0"/>
-          <a:chOff x="0" y="0"/>
-          <a:chExt cx="0" cy="0"/>
-        </a:xfrm>
-      </p:grpSpPr>
-      <p:sp>
-        <p:nvSpPr>
           <p:cNvPr id="2" name="CustomShape 1">
             <a:extLst>
               <a:ext uri="{FF2B5EF4-FFF2-40B4-BE49-F238E27FC236}">
@@ -8892,7 +8156,7 @@
         <p:spPr>
           <a:xfrm>
             <a:off x="1703512" y="764704"/>
-            <a:ext cx="8964996" cy="5015304"/>
+            <a:ext cx="8964996" cy="2553091"/>
           </a:xfrm>
           <a:prstGeom prst="rect">
             <a:avLst/>
@@ -9310,280 +8574,6 @@
               <a:ea typeface="微软雅黑"/>
             </a:endParaRPr>
           </a:p>
-          <a:p>
-            <a:pPr>
-              <a:lnSpc>
-                <a:spcPct val="100000"/>
-              </a:lnSpc>
-            </a:pPr>
-            <a:endParaRPr lang="en-US" sz="2000" b="0" strike="noStrike" spc="-1" dirty="0">
-              <a:latin typeface="Arial"/>
-            </a:endParaRPr>
-          </a:p>
-          <a:p>
-            <a:pPr>
-              <a:lnSpc>
-                <a:spcPct val="100000"/>
-              </a:lnSpc>
-            </a:pPr>
-            <a:endParaRPr lang="en-US" sz="2000" b="0" strike="noStrike" spc="-1" dirty="0">
-              <a:latin typeface="Arial"/>
-            </a:endParaRPr>
-          </a:p>
-          <a:p>
-            <a:pPr>
-              <a:lnSpc>
-                <a:spcPct val="100000"/>
-              </a:lnSpc>
-            </a:pPr>
-            <a:r>
-              <a:rPr lang="en-US" sz="2000" b="1" spc="-1" dirty="0">
-                <a:latin typeface="微软雅黑"/>
-                <a:ea typeface="微软雅黑"/>
-              </a:rPr>
-              <a:t>2</a:t>
-            </a:r>
-            <a:r>
-              <a:rPr lang="zh-CN" altLang="en-US" sz="2000" spc="-1" dirty="0">
-                <a:latin typeface="Arial"/>
-              </a:rPr>
-              <a:t>、</a:t>
-            </a:r>
-            <a:r>
-              <a:rPr lang="zh-CN" altLang="en-US" sz="2000" b="1" spc="-1" dirty="0">
-                <a:latin typeface="微软雅黑"/>
-                <a:ea typeface="微软雅黑"/>
-              </a:rPr>
-              <a:t>高负载分析</a:t>
-            </a:r>
-            <a:endParaRPr lang="en-US" altLang="zh-CN" sz="2000" b="1" spc="-1" dirty="0">
-              <a:latin typeface="微软雅黑"/>
-              <a:ea typeface="微软雅黑"/>
-            </a:endParaRPr>
-          </a:p>
-          <a:p>
-            <a:pPr>
-              <a:lnSpc>
-                <a:spcPct val="100000"/>
-              </a:lnSpc>
-            </a:pPr>
-            <a:r>
-              <a:rPr lang="en-US" sz="2000" b="1" spc="-1" dirty="0">
-                <a:latin typeface="微软雅黑"/>
-                <a:ea typeface="微软雅黑"/>
-              </a:rPr>
-              <a:t>	</a:t>
-            </a:r>
-            <a:r>
-              <a:rPr lang="zh-CN" altLang="en-US" sz="2000" b="1" spc="-1" dirty="0">
-                <a:latin typeface="微软雅黑"/>
-                <a:ea typeface="微软雅黑"/>
-              </a:rPr>
-              <a:t>常用命令：</a:t>
-            </a:r>
-            <a:r>
-              <a:rPr lang="en-US" altLang="zh-CN" sz="2000" b="1" spc="-1" dirty="0">
-                <a:latin typeface="微软雅黑"/>
-                <a:ea typeface="微软雅黑"/>
-              </a:rPr>
-              <a:t>top</a:t>
-            </a:r>
-            <a:r>
-              <a:rPr lang="zh-CN" altLang="en-US" sz="2000" b="1" spc="-1" dirty="0">
-                <a:latin typeface="微软雅黑"/>
-                <a:ea typeface="微软雅黑"/>
-              </a:rPr>
-              <a:t>、</a:t>
-            </a:r>
-            <a:r>
-              <a:rPr lang="en-US" altLang="zh-CN" sz="2000" b="1" spc="-1" dirty="0">
-                <a:latin typeface="微软雅黑"/>
-                <a:ea typeface="微软雅黑"/>
-              </a:rPr>
-              <a:t> </a:t>
-            </a:r>
-            <a:r>
-              <a:rPr lang="en-US" altLang="zh-CN" sz="2000" b="1" spc="-1" dirty="0" err="1">
-                <a:latin typeface="微软雅黑"/>
-                <a:ea typeface="微软雅黑"/>
-              </a:rPr>
-              <a:t>jstack</a:t>
-            </a:r>
-            <a:r>
-              <a:rPr lang="zh-CN" altLang="en-US" sz="2000" b="1" spc="-1" dirty="0">
-                <a:latin typeface="微软雅黑"/>
-                <a:ea typeface="微软雅黑"/>
-              </a:rPr>
-              <a:t>、</a:t>
-            </a:r>
-            <a:r>
-              <a:rPr lang="en-US" altLang="zh-CN" sz="2000" b="1" spc="-1" dirty="0">
-                <a:latin typeface="微软雅黑"/>
-                <a:ea typeface="微软雅黑"/>
-              </a:rPr>
-              <a:t> </a:t>
-            </a:r>
-            <a:r>
-              <a:rPr lang="en-US" altLang="zh-CN" sz="2000" b="1" spc="-1" dirty="0" err="1">
-                <a:latin typeface="微软雅黑"/>
-                <a:ea typeface="微软雅黑"/>
-              </a:rPr>
-              <a:t>printf</a:t>
-            </a:r>
-            <a:endParaRPr lang="en-US" altLang="zh-CN" sz="2000" b="1" spc="-1" dirty="0">
-              <a:latin typeface="微软雅黑"/>
-              <a:ea typeface="微软雅黑"/>
-            </a:endParaRPr>
-          </a:p>
-          <a:p>
-            <a:pPr>
-              <a:lnSpc>
-                <a:spcPct val="100000"/>
-              </a:lnSpc>
-            </a:pPr>
-            <a:r>
-              <a:rPr lang="en-US" sz="2000" b="1" spc="-1" dirty="0">
-                <a:latin typeface="微软雅黑"/>
-                <a:ea typeface="微软雅黑"/>
-              </a:rPr>
-              <a:t>	</a:t>
-            </a:r>
-            <a:r>
-              <a:rPr lang="zh-CN" altLang="en-US" sz="2000" b="1" spc="-1" dirty="0">
-                <a:latin typeface="微软雅黑"/>
-                <a:ea typeface="微软雅黑"/>
-              </a:rPr>
-              <a:t>负载分析：</a:t>
-            </a:r>
-            <a:endParaRPr lang="en-US" altLang="zh-CN" sz="2000" b="1" spc="-1" dirty="0">
-              <a:latin typeface="微软雅黑"/>
-              <a:ea typeface="微软雅黑"/>
-            </a:endParaRPr>
-          </a:p>
-          <a:p>
-            <a:pPr>
-              <a:lnSpc>
-                <a:spcPct val="100000"/>
-              </a:lnSpc>
-            </a:pPr>
-            <a:r>
-              <a:rPr lang="en-US" sz="2000" b="1" spc="-1" dirty="0">
-                <a:latin typeface="微软雅黑"/>
-                <a:ea typeface="微软雅黑"/>
-              </a:rPr>
-              <a:t>		 top -Hp </a:t>
-            </a:r>
-            <a:r>
-              <a:rPr lang="zh-CN" altLang="en-US" sz="2000" b="1" spc="-1" dirty="0">
-                <a:latin typeface="微软雅黑"/>
-                <a:ea typeface="微软雅黑"/>
-              </a:rPr>
-              <a:t>进程号</a:t>
-            </a:r>
-            <a:endParaRPr lang="en-US" altLang="zh-CN" sz="2000" b="1" spc="-1" dirty="0">
-              <a:latin typeface="微软雅黑"/>
-              <a:ea typeface="微软雅黑"/>
-            </a:endParaRPr>
-          </a:p>
-          <a:p>
-            <a:pPr>
-              <a:lnSpc>
-                <a:spcPct val="100000"/>
-              </a:lnSpc>
-            </a:pPr>
-            <a:r>
-              <a:rPr lang="en-US" sz="2000" b="1" spc="-1" dirty="0">
-                <a:latin typeface="微软雅黑"/>
-                <a:ea typeface="微软雅黑"/>
-              </a:rPr>
-              <a:t>		 </a:t>
-            </a:r>
-            <a:r>
-              <a:rPr lang="en-US" sz="2000" b="1" spc="-1" dirty="0" err="1">
-                <a:latin typeface="微软雅黑"/>
-                <a:ea typeface="微软雅黑"/>
-              </a:rPr>
-              <a:t>printf</a:t>
-            </a:r>
-            <a:r>
-              <a:rPr lang="en-US" sz="2000" b="1" spc="-1" dirty="0">
-                <a:latin typeface="微软雅黑"/>
-                <a:ea typeface="微软雅黑"/>
-              </a:rPr>
-              <a:t> %x </a:t>
-            </a:r>
-            <a:r>
-              <a:rPr lang="zh-CN" altLang="en-US" sz="2000" b="1" spc="-1" dirty="0">
-                <a:latin typeface="微软雅黑"/>
-                <a:ea typeface="微软雅黑"/>
-              </a:rPr>
-              <a:t>线程号</a:t>
-            </a:r>
-            <a:endParaRPr lang="en-US" altLang="zh-CN" sz="2000" b="1" spc="-1" dirty="0">
-              <a:latin typeface="微软雅黑"/>
-              <a:ea typeface="微软雅黑"/>
-            </a:endParaRPr>
-          </a:p>
-          <a:p>
-            <a:pPr>
-              <a:lnSpc>
-                <a:spcPct val="100000"/>
-              </a:lnSpc>
-            </a:pPr>
-            <a:r>
-              <a:rPr lang="en-US" sz="2000" b="1" spc="-1" dirty="0">
-                <a:latin typeface="微软雅黑"/>
-                <a:ea typeface="微软雅黑"/>
-              </a:rPr>
-              <a:t>		 </a:t>
-            </a:r>
-            <a:r>
-              <a:rPr lang="en-US" sz="2000" b="1" spc="-1" dirty="0" err="1">
-                <a:latin typeface="微软雅黑"/>
-                <a:ea typeface="微软雅黑"/>
-              </a:rPr>
-              <a:t>jstack</a:t>
-            </a:r>
-            <a:r>
-              <a:rPr lang="en-US" sz="2000" b="1" spc="-1" dirty="0">
-                <a:latin typeface="微软雅黑"/>
-                <a:ea typeface="微软雅黑"/>
-              </a:rPr>
-              <a:t> </a:t>
-            </a:r>
-            <a:r>
-              <a:rPr lang="zh-CN" altLang="en-US" sz="2000" b="1" spc="-1" dirty="0">
-                <a:latin typeface="微软雅黑"/>
-                <a:ea typeface="微软雅黑"/>
-              </a:rPr>
-              <a:t>进程号 </a:t>
-            </a:r>
-            <a:r>
-              <a:rPr lang="en-US" altLang="zh-CN" sz="2000" b="1" spc="-1" dirty="0">
-                <a:latin typeface="微软雅黑"/>
-                <a:ea typeface="微软雅黑"/>
-              </a:rPr>
-              <a:t>|</a:t>
-            </a:r>
-            <a:r>
-              <a:rPr lang="en-US" sz="2000" b="1" spc="-1" dirty="0">
-                <a:latin typeface="微软雅黑"/>
-                <a:ea typeface="微软雅黑"/>
-              </a:rPr>
-              <a:t>grep -A 200 </a:t>
-            </a:r>
-            <a:r>
-              <a:rPr lang="zh-CN" altLang="en-US" sz="2000" b="1" spc="-1" dirty="0">
-                <a:latin typeface="微软雅黑"/>
-                <a:ea typeface="微软雅黑"/>
-              </a:rPr>
-              <a:t>线程号</a:t>
-            </a:r>
-            <a:endParaRPr lang="en-US" sz="2000" b="1" spc="-1" dirty="0">
-              <a:latin typeface="微软雅黑"/>
-              <a:ea typeface="微软雅黑"/>
-            </a:endParaRPr>
-          </a:p>
         </p:txBody>
       </p:sp>
     </p:spTree>
@@ -9599,7 +8589,7 @@
 </p:sld>
 </file>
 
-<file path=ppt/slides/slide5.xml><?xml version="1.0" encoding="utf-8"?>
+<file path=ppt/slides/slide2.xml><?xml version="1.0" encoding="utf-8"?>
 <p:sld xmlns:a="http://schemas.openxmlformats.org/drawingml/2006/main" xmlns:r="http://schemas.openxmlformats.org/officeDocument/2006/relationships" xmlns:p="http://schemas.openxmlformats.org/presentationml/2006/main">
   <p:cSld>
     <p:spTree>
@@ -10500,7 +9490,7 @@
 </p:sld>
 </file>
 
-<file path=ppt/slides/slide6.xml><?xml version="1.0" encoding="utf-8"?>
+<file path=ppt/slides/slide3.xml><?xml version="1.0" encoding="utf-8"?>
 <p:sld xmlns:a="http://schemas.openxmlformats.org/drawingml/2006/main" xmlns:r="http://schemas.openxmlformats.org/officeDocument/2006/relationships" xmlns:p="http://schemas.openxmlformats.org/presentationml/2006/main">
   <p:cSld>
     <p:spTree>
@@ -10639,7 +9629,7 @@
         <p:spPr>
           <a:xfrm>
             <a:off x="1703512" y="764704"/>
-            <a:ext cx="10153128" cy="1629762"/>
+            <a:ext cx="10153128" cy="4091974"/>
           </a:xfrm>
           <a:prstGeom prst="rect">
             <a:avLst/>
@@ -10722,13 +9712,228 @@
                 <a:spcPct val="100000"/>
               </a:lnSpc>
             </a:pPr>
+            <a:endParaRPr lang="en-US" altLang="zh-CN" sz="2000" b="1" spc="-1" dirty="0">
+              <a:latin typeface="微软雅黑"/>
+              <a:ea typeface="微软雅黑"/>
+            </a:endParaRPr>
+          </a:p>
+          <a:p>
+            <a:r>
+              <a:rPr lang="en-US" altLang="zh-CN" sz="2000" b="1" strike="noStrike" spc="-1" dirty="0">
+                <a:latin typeface="微软雅黑"/>
+                <a:ea typeface="微软雅黑"/>
+              </a:rPr>
+              <a:t>4</a:t>
+            </a:r>
+            <a:r>
+              <a:rPr lang="zh-CN" altLang="en-US" sz="2000" b="1" spc="-1" dirty="0">
+                <a:latin typeface="微软雅黑"/>
+                <a:ea typeface="微软雅黑"/>
+              </a:rPr>
+              <a:t>、获取连接慢</a:t>
+            </a:r>
+            <a:endParaRPr lang="en-US" altLang="zh-CN" sz="2000" b="1" spc="-1" dirty="0">
+              <a:latin typeface="微软雅黑"/>
+              <a:ea typeface="微软雅黑"/>
+            </a:endParaRPr>
+          </a:p>
+          <a:p>
             <a:r>
               <a:rPr lang="en-US" altLang="zh-CN" sz="2000" b="1" spc="-1" dirty="0">
                 <a:latin typeface="微软雅黑"/>
                 <a:ea typeface="微软雅黑"/>
               </a:rPr>
-              <a:t>		</a:t>
-            </a:r>
+              <a:t>	1</a:t>
+            </a:r>
+            <a:r>
+              <a:rPr lang="zh-CN" altLang="en-US" sz="2000" b="1" spc="-1" dirty="0">
+                <a:latin typeface="微软雅黑"/>
+                <a:ea typeface="微软雅黑"/>
+              </a:rPr>
+              <a:t>）、数据库响应慢，检查方法：</a:t>
+            </a:r>
+            <a:r>
+              <a:rPr lang="en-US" altLang="zh-CN" sz="2000" b="1" spc="-1" dirty="0" err="1">
+                <a:latin typeface="微软雅黑"/>
+                <a:ea typeface="微软雅黑"/>
+              </a:rPr>
+              <a:t>awr</a:t>
+            </a:r>
+            <a:r>
+              <a:rPr lang="zh-CN" altLang="en-US" sz="2000" b="1" spc="-1" dirty="0">
+                <a:latin typeface="微软雅黑"/>
+                <a:ea typeface="微软雅黑"/>
+              </a:rPr>
+              <a:t>报告里的</a:t>
+            </a:r>
+            <a:r>
+              <a:rPr lang="en-US" altLang="zh-CN" sz="2000" b="1" spc="-1" dirty="0" err="1">
+                <a:latin typeface="微软雅黑"/>
+                <a:ea typeface="微软雅黑"/>
+              </a:rPr>
+              <a:t>cpu</a:t>
+            </a:r>
+            <a:r>
+              <a:rPr lang="zh-CN" altLang="en-US" sz="2000" b="1" spc="-1" dirty="0">
+                <a:latin typeface="微软雅黑"/>
+                <a:ea typeface="微软雅黑"/>
+              </a:rPr>
+              <a:t>占用情况</a:t>
+            </a:r>
+            <a:endParaRPr lang="en-US" altLang="zh-CN" sz="2000" b="1" spc="-1" dirty="0">
+              <a:latin typeface="微软雅黑"/>
+              <a:ea typeface="微软雅黑"/>
+            </a:endParaRPr>
+          </a:p>
+          <a:p>
+            <a:r>
+              <a:rPr lang="en-US" altLang="zh-CN" sz="2000" b="1" spc="-1" dirty="0">
+                <a:latin typeface="微软雅黑"/>
+                <a:ea typeface="微软雅黑"/>
+              </a:rPr>
+              <a:t>	2</a:t>
+            </a:r>
+            <a:r>
+              <a:rPr lang="zh-CN" altLang="en-US" sz="2000" b="1" spc="-1" dirty="0">
+                <a:latin typeface="微软雅黑"/>
+                <a:ea typeface="微软雅黑"/>
+              </a:rPr>
+              <a:t>）、网络问题，检查方法：</a:t>
+            </a:r>
+            <a:r>
+              <a:rPr lang="en-US" altLang="zh-CN" sz="2000" b="1" spc="-1" dirty="0" err="1">
+                <a:latin typeface="微软雅黑"/>
+                <a:ea typeface="微软雅黑"/>
+              </a:rPr>
+              <a:t>awr</a:t>
+            </a:r>
+            <a:r>
+              <a:rPr lang="zh-CN" altLang="en-US" sz="2000" b="1" spc="-1" dirty="0">
+                <a:latin typeface="微软雅黑"/>
+                <a:ea typeface="微软雅黑"/>
+              </a:rPr>
+              <a:t>里的网络吞吐</a:t>
+            </a:r>
+            <a:endParaRPr lang="en-US" altLang="zh-CN" sz="2000" b="1" spc="-1" dirty="0">
+              <a:latin typeface="微软雅黑"/>
+              <a:ea typeface="微软雅黑"/>
+            </a:endParaRPr>
+          </a:p>
+          <a:p>
+            <a:r>
+              <a:rPr lang="en-US" altLang="zh-CN" sz="2000" b="1" spc="-1" dirty="0">
+                <a:latin typeface="微软雅黑"/>
+                <a:ea typeface="微软雅黑"/>
+              </a:rPr>
+              <a:t>	3</a:t>
+            </a:r>
+            <a:r>
+              <a:rPr lang="zh-CN" altLang="en-US" sz="2000" b="1" spc="-1" dirty="0">
+                <a:latin typeface="微软雅黑"/>
+                <a:ea typeface="微软雅黑"/>
+              </a:rPr>
+              <a:t>）、业务系统的网络负载较高，检查方法：监控系统里的网路吞吐、连接数</a:t>
+            </a:r>
+            <a:endParaRPr lang="en-US" altLang="zh-CN" sz="2000" b="1" spc="-1" dirty="0">
+              <a:latin typeface="微软雅黑"/>
+              <a:ea typeface="微软雅黑"/>
+            </a:endParaRPr>
+          </a:p>
+          <a:p>
+            <a:r>
+              <a:rPr lang="en-US" altLang="zh-CN" sz="2000" b="1" spc="-1" dirty="0">
+                <a:latin typeface="微软雅黑"/>
+                <a:ea typeface="微软雅黑"/>
+              </a:rPr>
+              <a:t>	4</a:t>
+            </a:r>
+            <a:r>
+              <a:rPr lang="zh-CN" altLang="en-US" sz="2000" b="1" spc="-1" dirty="0">
+                <a:latin typeface="微软雅黑"/>
+                <a:ea typeface="微软雅黑"/>
+              </a:rPr>
+              <a:t>）、系统响应慢，检查方法：</a:t>
+            </a:r>
+            <a:r>
+              <a:rPr lang="en-US" altLang="zh-CN" sz="2000" b="1" spc="-1" dirty="0">
+                <a:latin typeface="微软雅黑"/>
+                <a:ea typeface="微软雅黑"/>
+              </a:rPr>
+              <a:t>top</a:t>
+            </a:r>
+            <a:r>
+              <a:rPr lang="zh-CN" altLang="en-US" sz="2000" b="1" spc="-1" dirty="0">
+                <a:latin typeface="微软雅黑"/>
+                <a:ea typeface="微软雅黑"/>
+              </a:rPr>
+              <a:t>查看</a:t>
+            </a:r>
+            <a:r>
+              <a:rPr lang="en-US" altLang="zh-CN" sz="2000" b="1" spc="-1" dirty="0" err="1">
+                <a:latin typeface="微软雅黑"/>
+                <a:ea typeface="微软雅黑"/>
+              </a:rPr>
+              <a:t>cpu</a:t>
+            </a:r>
+            <a:r>
+              <a:rPr lang="zh-CN" altLang="en-US" sz="2000" b="1" spc="-1" dirty="0">
+                <a:latin typeface="微软雅黑"/>
+                <a:ea typeface="微软雅黑"/>
+              </a:rPr>
+              <a:t>占用情况</a:t>
+            </a:r>
+            <a:endParaRPr lang="en-US" altLang="zh-CN" sz="2000" b="1" spc="-1" dirty="0">
+              <a:latin typeface="微软雅黑"/>
+              <a:ea typeface="微软雅黑"/>
+            </a:endParaRPr>
+          </a:p>
+          <a:p>
+            <a:r>
+              <a:rPr lang="en-US" altLang="zh-CN" sz="2000" b="1" spc="-1" dirty="0">
+                <a:latin typeface="微软雅黑"/>
+                <a:ea typeface="微软雅黑"/>
+              </a:rPr>
+              <a:t>	5</a:t>
+            </a:r>
+            <a:r>
+              <a:rPr lang="zh-CN" altLang="en-US" sz="2000" b="1" spc="-1" dirty="0">
+                <a:latin typeface="微软雅黑"/>
+                <a:ea typeface="微软雅黑"/>
+              </a:rPr>
+              <a:t>）、系统内存占用高，检查方法：查看</a:t>
+            </a:r>
+            <a:r>
+              <a:rPr lang="en-US" altLang="zh-CN" sz="2000" b="1" spc="-1" dirty="0" err="1">
+                <a:latin typeface="微软雅黑"/>
+                <a:ea typeface="微软雅黑"/>
+              </a:rPr>
+              <a:t>jvm</a:t>
+            </a:r>
+            <a:r>
+              <a:rPr lang="zh-CN" altLang="en-US" sz="2000" b="1" spc="-1" dirty="0">
+                <a:latin typeface="微软雅黑"/>
+                <a:ea typeface="微软雅黑"/>
+              </a:rPr>
+              <a:t>内存占用情况及</a:t>
+            </a:r>
+            <a:r>
+              <a:rPr lang="en-US" altLang="zh-CN" sz="2000" b="1" spc="-1" dirty="0" err="1">
+                <a:latin typeface="微软雅黑"/>
+                <a:ea typeface="微软雅黑"/>
+              </a:rPr>
+              <a:t>gc</a:t>
+            </a:r>
+            <a:r>
+              <a:rPr lang="zh-CN" altLang="en-US" sz="2000" b="1" spc="-1" dirty="0">
+                <a:latin typeface="微软雅黑"/>
+                <a:ea typeface="微软雅黑"/>
+              </a:rPr>
+              <a:t>的运行情况</a:t>
+            </a:r>
+            <a:endParaRPr lang="en-US" altLang="zh-CN" sz="2000" b="1" spc="-1" dirty="0">
+              <a:latin typeface="微软雅黑"/>
+              <a:ea typeface="微软雅黑"/>
+            </a:endParaRPr>
           </a:p>
           <a:p>
             <a:pPr>
@@ -10736,13 +9941,6 @@
                 <a:spcPct val="100000"/>
               </a:lnSpc>
             </a:pPr>
-            <a:r>
-              <a:rPr lang="en-US" sz="2000" b="1" strike="noStrike" spc="-1" dirty="0">
-                <a:latin typeface="微软雅黑"/>
-                <a:ea typeface="微软雅黑"/>
-              </a:rPr>
-              <a:t>		</a:t>
-            </a:r>
             <a:endParaRPr lang="en-US" altLang="zh-CN" sz="2000" b="1" spc="-1" dirty="0">
               <a:latin typeface="微软雅黑"/>
               <a:ea typeface="微软雅黑"/>
@@ -10761,85 +9959,7 @@
               </a:rPr>
               <a:t>		</a:t>
             </a:r>
-            <a:endParaRPr lang="en-US" sz="2000" b="1" spc="-1" dirty="0">
-              <a:latin typeface="微软雅黑"/>
-              <a:ea typeface="微软雅黑"/>
-            </a:endParaRPr>
-          </a:p>
-        </p:txBody>
-      </p:sp>
-    </p:spTree>
-    <p:extLst>
-      <p:ext uri="{BB962C8B-B14F-4D97-AF65-F5344CB8AC3E}">
-        <p14:creationId xmlns:p14="http://schemas.microsoft.com/office/powerpoint/2010/main" val="630234339"/>
-      </p:ext>
-    </p:extLst>
-  </p:cSld>
-  <p:clrMapOvr>
-    <a:masterClrMapping/>
-  </p:clrMapOvr>
-</p:sld>
-</file>
-
-<file path=ppt/slides/slide7.xml><?xml version="1.0" encoding="utf-8"?>
-<p:sld xmlns:a="http://schemas.openxmlformats.org/drawingml/2006/main" xmlns:r="http://schemas.openxmlformats.org/officeDocument/2006/relationships" xmlns:p="http://schemas.openxmlformats.org/presentationml/2006/main">
-  <p:cSld>
-    <p:spTree>
-      <p:nvGrpSpPr>
-        <p:cNvPr id="1" name=""/>
-        <p:cNvGrpSpPr/>
-        <p:nvPr/>
-      </p:nvGrpSpPr>
-      <p:grpSpPr>
-        <a:xfrm>
-          <a:off x="0" y="0"/>
-          <a:ext cx="0" cy="0"/>
-          <a:chOff x="0" y="0"/>
-          <a:chExt cx="0" cy="0"/>
-        </a:xfrm>
-      </p:grpSpPr>
-      <p:sp>
-        <p:nvSpPr>
-          <p:cNvPr id="2" name="CustomShape 1">
-            <a:extLst>
-              <a:ext uri="{FF2B5EF4-FFF2-40B4-BE49-F238E27FC236}">
-                <a16:creationId xmlns:a16="http://schemas.microsoft.com/office/drawing/2014/main" id="{9EDB87DF-A519-18CD-0976-096447E787F3}"/>
-              </a:ext>
-            </a:extLst>
-          </p:cNvPr>
-          <p:cNvSpPr/>
-          <p:nvPr/>
-        </p:nvSpPr>
-        <p:spPr>
-          <a:xfrm>
-            <a:off x="119336" y="116632"/>
-            <a:ext cx="9145016" cy="583321"/>
-          </a:xfrm>
-          <a:prstGeom prst="rect">
-            <a:avLst/>
-          </a:prstGeom>
-          <a:noFill/>
-          <a:ln w="0">
-            <a:noFill/>
-          </a:ln>
-        </p:spPr>
-        <p:style>
-          <a:lnRef idx="0">
-            <a:scrgbClr r="0" g="0" b="0"/>
-          </a:lnRef>
-          <a:fillRef idx="0">
-            <a:scrgbClr r="0" g="0" b="0"/>
-          </a:fillRef>
-          <a:effectRef idx="0">
-            <a:scrgbClr r="0" g="0" b="0"/>
-          </a:effectRef>
-          <a:fontRef idx="minor"/>
-        </p:style>
-        <p:txBody>
-          <a:bodyPr wrap="square" lIns="90000" tIns="45000" rIns="90000" bIns="45000">
-            <a:spAutoFit/>
-          </a:bodyPr>
-          <a:lstStyle/>
+          </a:p>
           <a:p>
             <a:pPr>
               <a:lnSpc>
@@ -10847,106 +9967,17 @@
               </a:lnSpc>
             </a:pPr>
             <a:r>
-              <a:rPr lang="en-US" sz="3200" b="1" strike="noStrike" spc="-1" dirty="0">
-                <a:solidFill>
-                  <a:schemeClr val="accent6">
-                    <a:lumMod val="75000"/>
-                  </a:schemeClr>
-                </a:solidFill>
-                <a:latin typeface="微软雅黑"/>
-                <a:ea typeface="微软雅黑"/>
-              </a:rPr>
-              <a:t> </a:t>
-            </a:r>
-            <a:r>
-              <a:rPr lang="zh-CN" altLang="en-US" sz="3200" b="1" strike="noStrike" spc="-1" dirty="0">
-                <a:solidFill>
-                  <a:schemeClr val="accent6">
-                    <a:lumMod val="75000"/>
-                  </a:schemeClr>
-                </a:solidFill>
-                <a:latin typeface="微软雅黑"/>
-                <a:ea typeface="微软雅黑"/>
-              </a:rPr>
-              <a:t>性能优化</a:t>
-            </a:r>
-            <a:r>
-              <a:rPr lang="en-US" altLang="zh-CN" sz="3200" b="1" strike="noStrike" spc="-1" dirty="0">
-                <a:solidFill>
-                  <a:schemeClr val="accent6">
-                    <a:lumMod val="75000"/>
-                  </a:schemeClr>
-                </a:solidFill>
-                <a:latin typeface="微软雅黑"/>
-                <a:ea typeface="微软雅黑"/>
-              </a:rPr>
-              <a:t>-</a:t>
-            </a:r>
-            <a:r>
-              <a:rPr lang="zh-CN" altLang="en-US" sz="3200" b="1" strike="noStrike" spc="-1" dirty="0">
-                <a:solidFill>
-                  <a:schemeClr val="accent6">
-                    <a:lumMod val="75000"/>
-                  </a:schemeClr>
-                </a:solidFill>
-                <a:latin typeface="微软雅黑"/>
-                <a:ea typeface="微软雅黑"/>
-              </a:rPr>
-              <a:t>常用性能分析工具</a:t>
-            </a:r>
-            <a:endParaRPr lang="en-US" sz="3200" b="0" strike="noStrike" spc="-1" dirty="0">
-              <a:solidFill>
-                <a:schemeClr val="accent6">
-                  <a:lumMod val="75000"/>
-                </a:schemeClr>
-              </a:solidFill>
-              <a:latin typeface="Arial"/>
+              <a:rPr lang="en-US" sz="2000" b="1" strike="noStrike" spc="-1" dirty="0">
+                <a:latin typeface="微软雅黑"/>
+                <a:ea typeface="微软雅黑"/>
+              </a:rPr>
+              <a:t>		</a:t>
+            </a:r>
+            <a:endParaRPr lang="en-US" altLang="zh-CN" sz="2000" b="1" spc="-1" dirty="0">
+              <a:latin typeface="微软雅黑"/>
+              <a:ea typeface="微软雅黑"/>
             </a:endParaRPr>
           </a:p>
-        </p:txBody>
-      </p:sp>
-      <p:sp>
-        <p:nvSpPr>
-          <p:cNvPr id="3" name="CustomShape 1">
-            <a:extLst>
-              <a:ext uri="{FF2B5EF4-FFF2-40B4-BE49-F238E27FC236}">
-                <a16:creationId xmlns:a16="http://schemas.microsoft.com/office/drawing/2014/main" id="{B51A398E-28A8-BCB9-DA7E-3062F238B60E}"/>
-              </a:ext>
-            </a:extLst>
-          </p:cNvPr>
-          <p:cNvSpPr/>
-          <p:nvPr/>
-        </p:nvSpPr>
-        <p:spPr>
-          <a:xfrm>
-            <a:off x="1703512" y="764704"/>
-            <a:ext cx="8964996" cy="2860868"/>
-          </a:xfrm>
-          <a:prstGeom prst="rect">
-            <a:avLst/>
-          </a:prstGeom>
-          <a:noFill/>
-          <a:ln w="0">
-            <a:noFill/>
-          </a:ln>
-        </p:spPr>
-        <p:style>
-          <a:lnRef idx="0">
-            <a:scrgbClr r="0" g="0" b="0"/>
-          </a:lnRef>
-          <a:fillRef idx="0">
-            <a:scrgbClr r="0" g="0" b="0"/>
-          </a:fillRef>
-          <a:effectRef idx="0">
-            <a:scrgbClr r="0" g="0" b="0"/>
-          </a:effectRef>
-          <a:fontRef idx="minor"/>
-        </p:style>
-        <p:txBody>
-          <a:bodyPr wrap="square" lIns="90000" tIns="45000" rIns="90000" bIns="45000">
-            <a:spAutoFit/>
-          </a:bodyPr>
-          <a:lstStyle/>
           <a:p>
             <a:pPr>
               <a:lnSpc>
@@ -10954,287 +9985,23 @@
               </a:lnSpc>
             </a:pPr>
             <a:r>
-              <a:rPr lang="en-US" sz="2000" b="1" strike="noStrike" spc="-1" dirty="0">
-                <a:latin typeface="微软雅黑"/>
-                <a:ea typeface="微软雅黑"/>
-              </a:rPr>
-              <a:t> 1</a:t>
-            </a:r>
-            <a:r>
-              <a:rPr lang="zh-CN" altLang="en-US" sz="2000" b="1" strike="noStrike" spc="-1" dirty="0">
-                <a:latin typeface="微软雅黑"/>
-                <a:ea typeface="微软雅黑"/>
-              </a:rPr>
-              <a:t>、</a:t>
-            </a:r>
-            <a:r>
-              <a:rPr lang="zh-CN" altLang="en-US" sz="2000" b="1" spc="-1" dirty="0">
-                <a:latin typeface="微软雅黑"/>
-                <a:ea typeface="微软雅黑"/>
-              </a:rPr>
-              <a:t>压力测试工具</a:t>
-            </a:r>
-            <a:endParaRPr lang="en-US" altLang="zh-CN" sz="2000" b="1" spc="-1" dirty="0">
-              <a:latin typeface="微软雅黑"/>
-              <a:ea typeface="微软雅黑"/>
-            </a:endParaRPr>
-          </a:p>
-          <a:p>
-            <a:pPr>
-              <a:lnSpc>
-                <a:spcPct val="100000"/>
-              </a:lnSpc>
-            </a:pPr>
-            <a:r>
-              <a:rPr lang="en-US" sz="2000" b="1" spc="-1" dirty="0">
-                <a:latin typeface="微软雅黑"/>
-                <a:ea typeface="微软雅黑"/>
-              </a:rPr>
-              <a:t>	</a:t>
-            </a:r>
-            <a:r>
               <a:rPr lang="en-US" altLang="zh-CN" sz="2000" b="1" spc="-1" dirty="0">
                 <a:latin typeface="微软雅黑"/>
                 <a:ea typeface="微软雅黑"/>
               </a:rPr>
-              <a:t>stress</a:t>
-            </a:r>
-            <a:r>
-              <a:rPr lang="zh-CN" altLang="en-US" sz="2000" b="1" spc="-1" dirty="0">
-                <a:latin typeface="微软雅黑"/>
-                <a:ea typeface="微软雅黑"/>
-              </a:rPr>
-              <a:t>：是一个 </a:t>
-            </a:r>
-            <a:r>
-              <a:rPr lang="en-US" altLang="zh-CN" sz="2000" b="1" spc="-1" dirty="0">
-                <a:latin typeface="微软雅黑"/>
-                <a:ea typeface="微软雅黑"/>
-              </a:rPr>
-              <a:t>Linux </a:t>
-            </a:r>
-            <a:r>
-              <a:rPr lang="zh-CN" altLang="en-US" sz="2000" b="1" spc="-1" dirty="0">
-                <a:latin typeface="微软雅黑"/>
-                <a:ea typeface="微软雅黑"/>
-              </a:rPr>
-              <a:t>系统压力测试工具，可以用作异常进程模拟平均负载升高的场景。</a:t>
-            </a:r>
-            <a:endParaRPr lang="en-US" altLang="zh-CN" sz="2000" b="1" spc="-1" dirty="0">
-              <a:latin typeface="微软雅黑"/>
-              <a:ea typeface="微软雅黑"/>
-            </a:endParaRPr>
-          </a:p>
-          <a:p>
-            <a:pPr>
-              <a:lnSpc>
-                <a:spcPct val="100000"/>
-              </a:lnSpc>
-            </a:pPr>
-            <a:r>
-              <a:rPr lang="en-US" sz="2000" b="1" spc="-1" dirty="0">
-                <a:latin typeface="微软雅黑"/>
-                <a:ea typeface="微软雅黑"/>
-              </a:rPr>
-              <a:t>	</a:t>
-            </a:r>
-            <a:r>
-              <a:rPr lang="zh-CN" altLang="en-US" sz="2000" b="1" spc="-1" dirty="0">
-                <a:latin typeface="微软雅黑"/>
-                <a:ea typeface="微软雅黑"/>
-              </a:rPr>
-              <a:t>举例说明：</a:t>
-            </a:r>
-            <a:endParaRPr lang="en-US" altLang="zh-CN" sz="2000" b="1" spc="-1" dirty="0">
-              <a:latin typeface="微软雅黑"/>
-              <a:ea typeface="微软雅黑"/>
-            </a:endParaRPr>
-          </a:p>
-          <a:p>
-            <a:pPr>
-              <a:lnSpc>
-                <a:spcPct val="100000"/>
-              </a:lnSpc>
-            </a:pPr>
-            <a:r>
-              <a:rPr lang="en-US" altLang="zh-CN" sz="2000" b="1" spc="-1" dirty="0">
-                <a:latin typeface="微软雅黑"/>
-                <a:ea typeface="微软雅黑"/>
-              </a:rPr>
-              <a:t>		stress --</a:t>
-            </a:r>
-            <a:r>
-              <a:rPr lang="en-US" altLang="zh-CN" sz="2000" b="1" spc="-1" dirty="0" err="1">
-                <a:latin typeface="微软雅黑"/>
-                <a:ea typeface="微软雅黑"/>
-              </a:rPr>
-              <a:t>cpu</a:t>
-            </a:r>
-            <a:r>
-              <a:rPr lang="en-US" altLang="zh-CN" sz="2000" b="1" spc="-1" dirty="0">
-                <a:latin typeface="微软雅黑"/>
-                <a:ea typeface="微软雅黑"/>
-              </a:rPr>
-              <a:t> 1 --timeout 600   # </a:t>
-            </a:r>
-            <a:r>
-              <a:rPr lang="zh-CN" altLang="en-US" sz="2000" b="1" spc="-1" dirty="0">
-                <a:latin typeface="微软雅黑"/>
-                <a:ea typeface="微软雅黑"/>
-              </a:rPr>
-              <a:t>模拟一个 </a:t>
-            </a:r>
-            <a:r>
-              <a:rPr lang="en-US" altLang="zh-CN" sz="2000" b="1" spc="-1" dirty="0">
-                <a:latin typeface="微软雅黑"/>
-                <a:ea typeface="微软雅黑"/>
-              </a:rPr>
-              <a:t>CPU </a:t>
-            </a:r>
-            <a:r>
-              <a:rPr lang="zh-CN" altLang="en-US" sz="2000" b="1" spc="-1" dirty="0">
-                <a:latin typeface="微软雅黑"/>
-                <a:ea typeface="微软雅黑"/>
-              </a:rPr>
-              <a:t>使用率 </a:t>
-            </a:r>
-            <a:r>
-              <a:rPr lang="en-US" altLang="zh-CN" sz="2000" b="1" spc="-1" dirty="0">
-                <a:latin typeface="微软雅黑"/>
-                <a:ea typeface="微软雅黑"/>
-              </a:rPr>
-              <a:t>100% </a:t>
-            </a:r>
-            <a:r>
-              <a:rPr lang="zh-CN" altLang="en-US" sz="2000" b="1" spc="-1" dirty="0">
-                <a:latin typeface="微软雅黑"/>
-                <a:ea typeface="微软雅黑"/>
-              </a:rPr>
-              <a:t>的场景</a:t>
-            </a:r>
-            <a:endParaRPr lang="en-US" altLang="zh-CN" sz="2000" b="1" spc="-1" dirty="0">
-              <a:latin typeface="微软雅黑"/>
-              <a:ea typeface="微软雅黑"/>
-            </a:endParaRPr>
-          </a:p>
-          <a:p>
-            <a:pPr>
-              <a:lnSpc>
-                <a:spcPct val="100000"/>
-              </a:lnSpc>
-            </a:pPr>
-            <a:r>
-              <a:rPr lang="en-US" sz="2000" b="1" strike="noStrike" spc="-1" dirty="0">
-                <a:latin typeface="微软雅黑"/>
-                <a:ea typeface="微软雅黑"/>
-              </a:rPr>
-              <a:t>		stress -</a:t>
-            </a:r>
-            <a:r>
-              <a:rPr lang="en-US" sz="2000" b="1" strike="noStrike" spc="-1" dirty="0" err="1">
-                <a:latin typeface="微软雅黑"/>
-                <a:ea typeface="微软雅黑"/>
-              </a:rPr>
-              <a:t>i</a:t>
-            </a:r>
-            <a:r>
-              <a:rPr lang="en-US" sz="2000" b="1" strike="noStrike" spc="-1" dirty="0">
-                <a:latin typeface="微软雅黑"/>
-                <a:ea typeface="微软雅黑"/>
-              </a:rPr>
-              <a:t> 1 --timeout 600 </a:t>
-            </a:r>
-            <a:r>
-              <a:rPr lang="en-US" altLang="zh-CN" sz="2000" b="1" strike="noStrike" spc="-1" dirty="0">
-                <a:latin typeface="微软雅黑"/>
-                <a:ea typeface="微软雅黑"/>
-              </a:rPr>
-              <a:t># </a:t>
-            </a:r>
-            <a:r>
-              <a:rPr lang="zh-CN" altLang="en-US" sz="2000" b="1" spc="-1" dirty="0">
-                <a:latin typeface="微软雅黑"/>
-                <a:ea typeface="微软雅黑"/>
-              </a:rPr>
-              <a:t>模拟 </a:t>
-            </a:r>
-            <a:r>
-              <a:rPr lang="en-US" altLang="zh-CN" sz="2000" b="1" spc="-1" dirty="0">
-                <a:latin typeface="微软雅黑"/>
-                <a:ea typeface="微软雅黑"/>
-              </a:rPr>
-              <a:t>I/O </a:t>
-            </a:r>
-            <a:r>
-              <a:rPr lang="zh-CN" altLang="en-US" sz="2000" b="1" spc="-1" dirty="0">
-                <a:latin typeface="微软雅黑"/>
-                <a:ea typeface="微软雅黑"/>
-              </a:rPr>
-              <a:t>压力，即不停地执行 </a:t>
-            </a:r>
-            <a:r>
-              <a:rPr lang="en-US" altLang="zh-CN" sz="2000" b="1" spc="-1" dirty="0">
-                <a:latin typeface="微软雅黑"/>
-                <a:ea typeface="微软雅黑"/>
-              </a:rPr>
-              <a:t>sync</a:t>
-            </a:r>
-            <a:r>
-              <a:rPr lang="en-US" sz="2000" b="1" spc="-1" dirty="0">
-                <a:latin typeface="微软雅黑"/>
-                <a:ea typeface="微软雅黑"/>
-              </a:rPr>
-              <a:t>		 	stress -c 8 --timeout 600 </a:t>
-            </a:r>
-            <a:r>
-              <a:rPr lang="en-US" altLang="zh-CN" sz="2000" b="1" spc="-1" dirty="0">
-                <a:latin typeface="微软雅黑"/>
-                <a:ea typeface="微软雅黑"/>
-              </a:rPr>
-              <a:t># </a:t>
-            </a:r>
-            <a:r>
-              <a:rPr lang="zh-CN" altLang="en-US" sz="2000" b="1" spc="-1" dirty="0">
-                <a:latin typeface="微软雅黑"/>
-                <a:ea typeface="微软雅黑"/>
-              </a:rPr>
-              <a:t>模拟的是 </a:t>
-            </a:r>
-            <a:r>
-              <a:rPr lang="en-US" altLang="zh-CN" sz="2000" b="1" spc="-1" dirty="0">
-                <a:latin typeface="微软雅黑"/>
-                <a:ea typeface="微软雅黑"/>
-              </a:rPr>
-              <a:t>8 </a:t>
-            </a:r>
-            <a:r>
-              <a:rPr lang="zh-CN" altLang="en-US" sz="2000" b="1" spc="-1" dirty="0">
-                <a:latin typeface="微软雅黑"/>
-                <a:ea typeface="微软雅黑"/>
-              </a:rPr>
-              <a:t>个进程</a:t>
+              <a:t>		</a:t>
             </a:r>
             <a:endParaRPr lang="en-US" sz="2000" b="1" spc="-1" dirty="0">
               <a:latin typeface="微软雅黑"/>
               <a:ea typeface="微软雅黑"/>
             </a:endParaRPr>
           </a:p>
-          <a:p>
-            <a:pPr>
-              <a:lnSpc>
-                <a:spcPct val="100000"/>
-              </a:lnSpc>
-            </a:pPr>
-            <a:endParaRPr lang="en-US" sz="2000" b="0" strike="noStrike" spc="-1" dirty="0">
-              <a:latin typeface="Arial"/>
-            </a:endParaRPr>
-          </a:p>
         </p:txBody>
       </p:sp>
     </p:spTree>
     <p:extLst>
       <p:ext uri="{BB962C8B-B14F-4D97-AF65-F5344CB8AC3E}">
-        <p14:creationId xmlns:p14="http://schemas.microsoft.com/office/powerpoint/2010/main" val="3237824954"/>
+        <p14:creationId xmlns:p14="http://schemas.microsoft.com/office/powerpoint/2010/main" val="630234339"/>
       </p:ext>
     </p:extLst>
   </p:cSld>
